--- a/Corso Java.pptx
+++ b/Corso Java.pptx
@@ -292,7 +292,7 @@
           <a:noFill/>
           <a:extLst>
             <a:ext uri="{909E8E84-426E-40dd-AFC4-6F175D3DCCD1}">
-              <a14:hiddenFill xmlns="" xmlns:a14="http://schemas.microsoft.com/office/drawing/2010/main">
+              <a14:hiddenFill xmlns:a14="http://schemas.microsoft.com/office/drawing/2010/main" xmlns="">
                 <a:solidFill>
                   <a:srgbClr val="FFFFFF"/>
                 </a:solidFill>
@@ -351,7 +351,7 @@
             </a:ln>
             <a:extLst>
               <a:ext uri="{91240B29-F687-4f45-9708-019B960494DF}">
-                <a14:hiddenLine xmlns="" xmlns:a14="http://schemas.microsoft.com/office/drawing/2010/main" w="9525">
+                <a14:hiddenLine xmlns:a14="http://schemas.microsoft.com/office/drawing/2010/main" xmlns="" w="9525">
                   <a:solidFill>
                     <a:srgbClr val="000000"/>
                   </a:solidFill>
@@ -441,7 +441,7 @@
             </a:ln>
             <a:extLst>
               <a:ext uri="{91240B29-F687-4f45-9708-019B960494DF}">
-                <a14:hiddenLine xmlns="" xmlns:a14="http://schemas.microsoft.com/office/drawing/2010/main" w="9525">
+                <a14:hiddenLine xmlns:a14="http://schemas.microsoft.com/office/drawing/2010/main" xmlns="" w="9525">
                   <a:solidFill>
                     <a:srgbClr val="000000"/>
                   </a:solidFill>
@@ -531,7 +531,7 @@
             </a:ln>
             <a:extLst>
               <a:ext uri="{91240B29-F687-4f45-9708-019B960494DF}">
-                <a14:hiddenLine xmlns="" xmlns:a14="http://schemas.microsoft.com/office/drawing/2010/main" w="9525">
+                <a14:hiddenLine xmlns:a14="http://schemas.microsoft.com/office/drawing/2010/main" xmlns="" w="9525">
                   <a:solidFill>
                     <a:srgbClr val="000000"/>
                   </a:solidFill>
@@ -565,7 +565,7 @@
             </a:ln>
             <a:extLst>
               <a:ext uri="{91240B29-F687-4f45-9708-019B960494DF}">
-                <a14:hiddenLine xmlns="" xmlns:a14="http://schemas.microsoft.com/office/drawing/2010/main" w="9525">
+                <a14:hiddenLine xmlns:a14="http://schemas.microsoft.com/office/drawing/2010/main" xmlns="" w="9525">
                   <a:solidFill>
                     <a:srgbClr val="000000"/>
                   </a:solidFill>
@@ -655,7 +655,7 @@
             </a:ln>
             <a:extLst>
               <a:ext uri="{91240B29-F687-4f45-9708-019B960494DF}">
-                <a14:hiddenLine xmlns="" xmlns:a14="http://schemas.microsoft.com/office/drawing/2010/main" w="9525">
+                <a14:hiddenLine xmlns:a14="http://schemas.microsoft.com/office/drawing/2010/main" xmlns="" w="9525">
                   <a:solidFill>
                     <a:srgbClr val="000000"/>
                   </a:solidFill>
@@ -717,7 +717,7 @@
             </a:ln>
             <a:extLst>
               <a:ext uri="{91240B29-F687-4f45-9708-019B960494DF}">
-                <a14:hiddenLine xmlns="" xmlns:a14="http://schemas.microsoft.com/office/drawing/2010/main" w="9525">
+                <a14:hiddenLine xmlns:a14="http://schemas.microsoft.com/office/drawing/2010/main" xmlns="" w="9525">
                   <a:solidFill>
                     <a:srgbClr val="000000"/>
                   </a:solidFill>
@@ -779,7 +779,7 @@
             </a:ln>
             <a:extLst>
               <a:ext uri="{91240B29-F687-4f45-9708-019B960494DF}">
-                <a14:hiddenLine xmlns="" xmlns:a14="http://schemas.microsoft.com/office/drawing/2010/main" w="9525">
+                <a14:hiddenLine xmlns:a14="http://schemas.microsoft.com/office/drawing/2010/main" xmlns="" w="9525">
                   <a:solidFill>
                     <a:srgbClr val="000000"/>
                   </a:solidFill>
@@ -869,7 +869,7 @@
             </a:ln>
             <a:extLst>
               <a:ext uri="{91240B29-F687-4f45-9708-019B960494DF}">
-                <a14:hiddenLine xmlns="" xmlns:a14="http://schemas.microsoft.com/office/drawing/2010/main" w="9525">
+                <a14:hiddenLine xmlns:a14="http://schemas.microsoft.com/office/drawing/2010/main" xmlns="" w="9525">
                   <a:solidFill>
                     <a:srgbClr val="000000"/>
                   </a:solidFill>
@@ -931,7 +931,7 @@
             </a:ln>
             <a:extLst>
               <a:ext uri="{91240B29-F687-4f45-9708-019B960494DF}">
-                <a14:hiddenLine xmlns="" xmlns:a14="http://schemas.microsoft.com/office/drawing/2010/main" w="9525">
+                <a14:hiddenLine xmlns:a14="http://schemas.microsoft.com/office/drawing/2010/main" xmlns="" w="9525">
                   <a:solidFill>
                     <a:srgbClr val="000000"/>
                   </a:solidFill>
@@ -993,7 +993,7 @@
             </a:ln>
             <a:extLst>
               <a:ext uri="{91240B29-F687-4f45-9708-019B960494DF}">
-                <a14:hiddenLine xmlns="" xmlns:a14="http://schemas.microsoft.com/office/drawing/2010/main" w="9525">
+                <a14:hiddenLine xmlns:a14="http://schemas.microsoft.com/office/drawing/2010/main" xmlns="" w="9525">
                   <a:solidFill>
                     <a:srgbClr val="000000"/>
                   </a:solidFill>
@@ -1083,7 +1083,7 @@
             </a:ln>
             <a:extLst>
               <a:ext uri="{91240B29-F687-4f45-9708-019B960494DF}">
-                <a14:hiddenLine xmlns="" xmlns:a14="http://schemas.microsoft.com/office/drawing/2010/main" w="9525">
+                <a14:hiddenLine xmlns:a14="http://schemas.microsoft.com/office/drawing/2010/main" xmlns="" w="9525">
                   <a:solidFill>
                     <a:srgbClr val="000000"/>
                   </a:solidFill>
@@ -1173,7 +1173,7 @@
             </a:ln>
             <a:extLst>
               <a:ext uri="{91240B29-F687-4f45-9708-019B960494DF}">
-                <a14:hiddenLine xmlns="" xmlns:a14="http://schemas.microsoft.com/office/drawing/2010/main" w="9525">
+                <a14:hiddenLine xmlns:a14="http://schemas.microsoft.com/office/drawing/2010/main" xmlns="" w="9525">
                   <a:solidFill>
                     <a:srgbClr val="000000"/>
                   </a:solidFill>
@@ -1235,7 +1235,7 @@
             </a:ln>
             <a:extLst>
               <a:ext uri="{91240B29-F687-4f45-9708-019B960494DF}">
-                <a14:hiddenLine xmlns="" xmlns:a14="http://schemas.microsoft.com/office/drawing/2010/main" w="9525">
+                <a14:hiddenLine xmlns:a14="http://schemas.microsoft.com/office/drawing/2010/main" xmlns="" w="9525">
                   <a:solidFill>
                     <a:srgbClr val="000000"/>
                   </a:solidFill>
@@ -1345,7 +1345,7 @@
             </a:ln>
             <a:extLst>
               <a:ext uri="{91240B29-F687-4f45-9708-019B960494DF}">
-                <a14:hiddenLine xmlns="" xmlns:a14="http://schemas.microsoft.com/office/drawing/2010/main" w="9525">
+                <a14:hiddenLine xmlns:a14="http://schemas.microsoft.com/office/drawing/2010/main" xmlns="" w="9525">
                   <a:solidFill>
                     <a:srgbClr val="000000"/>
                   </a:solidFill>
@@ -1407,7 +1407,7 @@
             </a:ln>
             <a:extLst>
               <a:ext uri="{91240B29-F687-4f45-9708-019B960494DF}">
-                <a14:hiddenLine xmlns="" xmlns:a14="http://schemas.microsoft.com/office/drawing/2010/main" w="9525">
+                <a14:hiddenLine xmlns:a14="http://schemas.microsoft.com/office/drawing/2010/main" xmlns="" w="9525">
                   <a:solidFill>
                     <a:srgbClr val="000000"/>
                   </a:solidFill>
@@ -1497,7 +1497,7 @@
             </a:ln>
             <a:extLst>
               <a:ext uri="{91240B29-F687-4f45-9708-019B960494DF}">
-                <a14:hiddenLine xmlns="" xmlns:a14="http://schemas.microsoft.com/office/drawing/2010/main" w="9525">
+                <a14:hiddenLine xmlns:a14="http://schemas.microsoft.com/office/drawing/2010/main" xmlns="" w="9525">
                   <a:solidFill>
                     <a:srgbClr val="000000"/>
                   </a:solidFill>
@@ -1587,7 +1587,7 @@
             </a:ln>
             <a:extLst>
               <a:ext uri="{91240B29-F687-4f45-9708-019B960494DF}">
-                <a14:hiddenLine xmlns="" xmlns:a14="http://schemas.microsoft.com/office/drawing/2010/main" w="9525">
+                <a14:hiddenLine xmlns:a14="http://schemas.microsoft.com/office/drawing/2010/main" xmlns="" w="9525">
                   <a:solidFill>
                     <a:srgbClr val="000000"/>
                   </a:solidFill>
@@ -1649,7 +1649,7 @@
             </a:ln>
             <a:extLst>
               <a:ext uri="{91240B29-F687-4f45-9708-019B960494DF}">
-                <a14:hiddenLine xmlns="" xmlns:a14="http://schemas.microsoft.com/office/drawing/2010/main" w="9525">
+                <a14:hiddenLine xmlns:a14="http://schemas.microsoft.com/office/drawing/2010/main" xmlns="" w="9525">
                   <a:solidFill>
                     <a:srgbClr val="000000"/>
                   </a:solidFill>
@@ -1739,7 +1739,7 @@
             </a:ln>
             <a:extLst>
               <a:ext uri="{91240B29-F687-4f45-9708-019B960494DF}">
-                <a14:hiddenLine xmlns="" xmlns:a14="http://schemas.microsoft.com/office/drawing/2010/main" w="9525">
+                <a14:hiddenLine xmlns:a14="http://schemas.microsoft.com/office/drawing/2010/main" xmlns="" w="9525">
                   <a:solidFill>
                     <a:srgbClr val="000000"/>
                   </a:solidFill>
@@ -1829,7 +1829,7 @@
             </a:ln>
             <a:extLst>
               <a:ext uri="{91240B29-F687-4f45-9708-019B960494DF}">
-                <a14:hiddenLine xmlns="" xmlns:a14="http://schemas.microsoft.com/office/drawing/2010/main" w="9525">
+                <a14:hiddenLine xmlns:a14="http://schemas.microsoft.com/office/drawing/2010/main" xmlns="" w="9525">
                   <a:solidFill>
                     <a:srgbClr val="000000"/>
                   </a:solidFill>
@@ -1885,7 +1885,7 @@
             </a:ln>
             <a:extLst>
               <a:ext uri="{91240B29-F687-4f45-9708-019B960494DF}">
-                <a14:hiddenLine xmlns="" xmlns:a14="http://schemas.microsoft.com/office/drawing/2010/main" w="9525">
+                <a14:hiddenLine xmlns:a14="http://schemas.microsoft.com/office/drawing/2010/main" xmlns="" w="9525">
                   <a:solidFill>
                     <a:srgbClr val="000000"/>
                   </a:solidFill>
@@ -1975,7 +1975,7 @@
             </a:ln>
             <a:extLst>
               <a:ext uri="{91240B29-F687-4f45-9708-019B960494DF}">
-                <a14:hiddenLine xmlns="" xmlns:a14="http://schemas.microsoft.com/office/drawing/2010/main" w="9525">
+                <a14:hiddenLine xmlns:a14="http://schemas.microsoft.com/office/drawing/2010/main" xmlns="" w="9525">
                   <a:solidFill>
                     <a:srgbClr val="000000"/>
                   </a:solidFill>
@@ -2031,7 +2031,7 @@
             </a:ln>
             <a:extLst>
               <a:ext uri="{91240B29-F687-4f45-9708-019B960494DF}">
-                <a14:hiddenLine xmlns="" xmlns:a14="http://schemas.microsoft.com/office/drawing/2010/main" w="9525">
+                <a14:hiddenLine xmlns:a14="http://schemas.microsoft.com/office/drawing/2010/main" xmlns="" w="9525">
                   <a:solidFill>
                     <a:srgbClr val="000000"/>
                   </a:solidFill>
@@ -2121,7 +2121,7 @@
             </a:ln>
             <a:extLst>
               <a:ext uri="{91240B29-F687-4f45-9708-019B960494DF}">
-                <a14:hiddenLine xmlns="" xmlns:a14="http://schemas.microsoft.com/office/drawing/2010/main" w="9525">
+                <a14:hiddenLine xmlns:a14="http://schemas.microsoft.com/office/drawing/2010/main" xmlns="" w="9525">
                   <a:solidFill>
                     <a:srgbClr val="000000"/>
                   </a:solidFill>
@@ -2189,7 +2189,7 @@
             </a:ln>
             <a:extLst>
               <a:ext uri="{91240B29-F687-4f45-9708-019B960494DF}">
-                <a14:hiddenLine xmlns="" xmlns:a14="http://schemas.microsoft.com/office/drawing/2010/main" w="9525">
+                <a14:hiddenLine xmlns:a14="http://schemas.microsoft.com/office/drawing/2010/main" xmlns="" w="9525">
                   <a:solidFill>
                     <a:srgbClr val="000000"/>
                   </a:solidFill>
@@ -2279,7 +2279,7 @@
             </a:ln>
             <a:extLst>
               <a:ext uri="{91240B29-F687-4f45-9708-019B960494DF}">
-                <a14:hiddenLine xmlns="" xmlns:a14="http://schemas.microsoft.com/office/drawing/2010/main" w="9525">
+                <a14:hiddenLine xmlns:a14="http://schemas.microsoft.com/office/drawing/2010/main" xmlns="" w="9525">
                   <a:solidFill>
                     <a:srgbClr val="000000"/>
                   </a:solidFill>
@@ -2347,7 +2347,7 @@
             </a:ln>
             <a:extLst>
               <a:ext uri="{91240B29-F687-4f45-9708-019B960494DF}">
-                <a14:hiddenLine xmlns="" xmlns:a14="http://schemas.microsoft.com/office/drawing/2010/main" w="9525">
+                <a14:hiddenLine xmlns:a14="http://schemas.microsoft.com/office/drawing/2010/main" xmlns="" w="9525">
                   <a:solidFill>
                     <a:srgbClr val="000000"/>
                   </a:solidFill>
@@ -2437,7 +2437,7 @@
             </a:ln>
             <a:extLst>
               <a:ext uri="{91240B29-F687-4f45-9708-019B960494DF}">
-                <a14:hiddenLine xmlns="" xmlns:a14="http://schemas.microsoft.com/office/drawing/2010/main" w="9525">
+                <a14:hiddenLine xmlns:a14="http://schemas.microsoft.com/office/drawing/2010/main" xmlns="" w="9525">
                   <a:solidFill>
                     <a:srgbClr val="000000"/>
                   </a:solidFill>
@@ -2471,7 +2471,7 @@
             </a:ln>
             <a:extLst>
               <a:ext uri="{91240B29-F687-4f45-9708-019B960494DF}">
-                <a14:hiddenLine xmlns="" xmlns:a14="http://schemas.microsoft.com/office/drawing/2010/main" w="9525">
+                <a14:hiddenLine xmlns:a14="http://schemas.microsoft.com/office/drawing/2010/main" xmlns="" w="9525">
                   <a:solidFill>
                     <a:srgbClr val="000000"/>
                   </a:solidFill>
@@ -2561,7 +2561,7 @@
             </a:ln>
             <a:extLst>
               <a:ext uri="{91240B29-F687-4f45-9708-019B960494DF}">
-                <a14:hiddenLine xmlns="" xmlns:a14="http://schemas.microsoft.com/office/drawing/2010/main" w="9525">
+                <a14:hiddenLine xmlns:a14="http://schemas.microsoft.com/office/drawing/2010/main" xmlns="" w="9525">
                   <a:solidFill>
                     <a:srgbClr val="000000"/>
                   </a:solidFill>
@@ -2623,7 +2623,7 @@
             </a:ln>
             <a:extLst>
               <a:ext uri="{91240B29-F687-4f45-9708-019B960494DF}">
-                <a14:hiddenLine xmlns="" xmlns:a14="http://schemas.microsoft.com/office/drawing/2010/main" w="9525">
+                <a14:hiddenLine xmlns:a14="http://schemas.microsoft.com/office/drawing/2010/main" xmlns="" w="9525">
                   <a:solidFill>
                     <a:srgbClr val="000000"/>
                   </a:solidFill>
@@ -2685,7 +2685,7 @@
             </a:ln>
             <a:extLst>
               <a:ext uri="{91240B29-F687-4f45-9708-019B960494DF}">
-                <a14:hiddenLine xmlns="" xmlns:a14="http://schemas.microsoft.com/office/drawing/2010/main" w="9525">
+                <a14:hiddenLine xmlns:a14="http://schemas.microsoft.com/office/drawing/2010/main" xmlns="" w="9525">
                   <a:solidFill>
                     <a:srgbClr val="000000"/>
                   </a:solidFill>
@@ -2775,7 +2775,7 @@
             </a:ln>
             <a:extLst>
               <a:ext uri="{91240B29-F687-4f45-9708-019B960494DF}">
-                <a14:hiddenLine xmlns="" xmlns:a14="http://schemas.microsoft.com/office/drawing/2010/main" w="9525">
+                <a14:hiddenLine xmlns:a14="http://schemas.microsoft.com/office/drawing/2010/main" xmlns="" w="9525">
                   <a:solidFill>
                     <a:srgbClr val="000000"/>
                   </a:solidFill>
@@ -2843,7 +2843,7 @@
             </a:ln>
             <a:extLst>
               <a:ext uri="{91240B29-F687-4f45-9708-019B960494DF}">
-                <a14:hiddenLine xmlns="" xmlns:a14="http://schemas.microsoft.com/office/drawing/2010/main" w="9525">
+                <a14:hiddenLine xmlns:a14="http://schemas.microsoft.com/office/drawing/2010/main" xmlns="" w="9525">
                   <a:solidFill>
                     <a:srgbClr val="000000"/>
                   </a:solidFill>
@@ -2905,7 +2905,7 @@
             </a:ln>
             <a:extLst>
               <a:ext uri="{91240B29-F687-4f45-9708-019B960494DF}">
-                <a14:hiddenLine xmlns="" xmlns:a14="http://schemas.microsoft.com/office/drawing/2010/main" w="9525">
+                <a14:hiddenLine xmlns:a14="http://schemas.microsoft.com/office/drawing/2010/main" xmlns="" w="9525">
                   <a:solidFill>
                     <a:srgbClr val="000000"/>
                   </a:solidFill>
@@ -2995,7 +2995,7 @@
             </a:ln>
             <a:extLst>
               <a:ext uri="{91240B29-F687-4f45-9708-019B960494DF}">
-                <a14:hiddenLine xmlns="" xmlns:a14="http://schemas.microsoft.com/office/drawing/2010/main" w="9525">
+                <a14:hiddenLine xmlns:a14="http://schemas.microsoft.com/office/drawing/2010/main" xmlns="" w="9525">
                   <a:solidFill>
                     <a:srgbClr val="000000"/>
                   </a:solidFill>
@@ -3057,7 +3057,7 @@
             </a:ln>
             <a:extLst>
               <a:ext uri="{91240B29-F687-4f45-9708-019B960494DF}">
-                <a14:hiddenLine xmlns="" xmlns:a14="http://schemas.microsoft.com/office/drawing/2010/main" w="9525">
+                <a14:hiddenLine xmlns:a14="http://schemas.microsoft.com/office/drawing/2010/main" xmlns="" w="9525">
                   <a:solidFill>
                     <a:srgbClr val="000000"/>
                   </a:solidFill>
@@ -3147,7 +3147,7 @@
             </a:ln>
             <a:extLst>
               <a:ext uri="{91240B29-F687-4f45-9708-019B960494DF}">
-                <a14:hiddenLine xmlns="" xmlns:a14="http://schemas.microsoft.com/office/drawing/2010/main" w="9525">
+                <a14:hiddenLine xmlns:a14="http://schemas.microsoft.com/office/drawing/2010/main" xmlns="" w="9525">
                   <a:solidFill>
                     <a:srgbClr val="000000"/>
                   </a:solidFill>
@@ -3209,7 +3209,7 @@
             </a:ln>
             <a:extLst>
               <a:ext uri="{91240B29-F687-4f45-9708-019B960494DF}">
-                <a14:hiddenLine xmlns="" xmlns:a14="http://schemas.microsoft.com/office/drawing/2010/main" w="9525">
+                <a14:hiddenLine xmlns:a14="http://schemas.microsoft.com/office/drawing/2010/main" xmlns="" w="9525">
                   <a:solidFill>
                     <a:srgbClr val="000000"/>
                   </a:solidFill>
@@ -3299,7 +3299,7 @@
             </a:ln>
             <a:extLst>
               <a:ext uri="{91240B29-F687-4f45-9708-019B960494DF}">
-                <a14:hiddenLine xmlns="" xmlns:a14="http://schemas.microsoft.com/office/drawing/2010/main" w="9525">
+                <a14:hiddenLine xmlns:a14="http://schemas.microsoft.com/office/drawing/2010/main" xmlns="" w="9525">
                   <a:solidFill>
                     <a:srgbClr val="000000"/>
                   </a:solidFill>
@@ -3333,7 +3333,7 @@
             </a:ln>
             <a:extLst>
               <a:ext uri="{91240B29-F687-4f45-9708-019B960494DF}">
-                <a14:hiddenLine xmlns="" xmlns:a14="http://schemas.microsoft.com/office/drawing/2010/main" w="9525">
+                <a14:hiddenLine xmlns:a14="http://schemas.microsoft.com/office/drawing/2010/main" xmlns="" w="9525">
                   <a:solidFill>
                     <a:srgbClr val="000000"/>
                   </a:solidFill>
@@ -3398,7 +3398,7 @@
             </a:ln>
             <a:extLst>
               <a:ext uri="{91240B29-F687-4f45-9708-019B960494DF}">
-                <a14:hiddenLine xmlns="" xmlns:a14="http://schemas.microsoft.com/office/drawing/2010/main" w="9525">
+                <a14:hiddenLine xmlns:a14="http://schemas.microsoft.com/office/drawing/2010/main" xmlns="" w="9525">
                   <a:solidFill>
                     <a:srgbClr val="000000"/>
                   </a:solidFill>
@@ -3488,7 +3488,7 @@
             </a:ln>
             <a:extLst>
               <a:ext uri="{91240B29-F687-4f45-9708-019B960494DF}">
-                <a14:hiddenLine xmlns="" xmlns:a14="http://schemas.microsoft.com/office/drawing/2010/main" w="9525">
+                <a14:hiddenLine xmlns:a14="http://schemas.microsoft.com/office/drawing/2010/main" xmlns="" w="9525">
                   <a:solidFill>
                     <a:srgbClr val="000000"/>
                   </a:solidFill>
@@ -3550,7 +3550,7 @@
             </a:ln>
             <a:extLst>
               <a:ext uri="{91240B29-F687-4f45-9708-019B960494DF}">
-                <a14:hiddenLine xmlns="" xmlns:a14="http://schemas.microsoft.com/office/drawing/2010/main" w="9525">
+                <a14:hiddenLine xmlns:a14="http://schemas.microsoft.com/office/drawing/2010/main" xmlns="" w="9525">
                   <a:solidFill>
                     <a:srgbClr val="000000"/>
                   </a:solidFill>
@@ -3640,7 +3640,7 @@
             </a:ln>
             <a:extLst>
               <a:ext uri="{91240B29-F687-4f45-9708-019B960494DF}">
-                <a14:hiddenLine xmlns="" xmlns:a14="http://schemas.microsoft.com/office/drawing/2010/main" w="9525">
+                <a14:hiddenLine xmlns:a14="http://schemas.microsoft.com/office/drawing/2010/main" xmlns="" w="9525">
                   <a:solidFill>
                     <a:srgbClr val="000000"/>
                   </a:solidFill>
@@ -3730,7 +3730,7 @@
             </a:ln>
             <a:extLst>
               <a:ext uri="{91240B29-F687-4f45-9708-019B960494DF}">
-                <a14:hiddenLine xmlns="" xmlns:a14="http://schemas.microsoft.com/office/drawing/2010/main" w="9525">
+                <a14:hiddenLine xmlns:a14="http://schemas.microsoft.com/office/drawing/2010/main" xmlns="" w="9525">
                   <a:solidFill>
                     <a:srgbClr val="000000"/>
                   </a:solidFill>
@@ -3795,7 +3795,7 @@
             </a:ln>
             <a:extLst>
               <a:ext uri="{91240B29-F687-4f45-9708-019B960494DF}">
-                <a14:hiddenLine xmlns="" xmlns:a14="http://schemas.microsoft.com/office/drawing/2010/main" w="9525">
+                <a14:hiddenLine xmlns:a14="http://schemas.microsoft.com/office/drawing/2010/main" xmlns="" w="9525">
                   <a:solidFill>
                     <a:srgbClr val="000000"/>
                   </a:solidFill>
@@ -3857,7 +3857,7 @@
             </a:ln>
             <a:extLst>
               <a:ext uri="{91240B29-F687-4f45-9708-019B960494DF}">
-                <a14:hiddenLine xmlns="" xmlns:a14="http://schemas.microsoft.com/office/drawing/2010/main" w="9525">
+                <a14:hiddenLine xmlns:a14="http://schemas.microsoft.com/office/drawing/2010/main" xmlns="" w="9525">
                   <a:solidFill>
                     <a:srgbClr val="000000"/>
                   </a:solidFill>
@@ -3947,7 +3947,7 @@
             </a:ln>
             <a:extLst>
               <a:ext uri="{91240B29-F687-4f45-9708-019B960494DF}">
-                <a14:hiddenLine xmlns="" xmlns:a14="http://schemas.microsoft.com/office/drawing/2010/main" w="9525">
+                <a14:hiddenLine xmlns:a14="http://schemas.microsoft.com/office/drawing/2010/main" xmlns="" w="9525">
                   <a:solidFill>
                     <a:srgbClr val="000000"/>
                   </a:solidFill>
@@ -4037,7 +4037,7 @@
             </a:ln>
             <a:extLst>
               <a:ext uri="{91240B29-F687-4f45-9708-019B960494DF}">
-                <a14:hiddenLine xmlns="" xmlns:a14="http://schemas.microsoft.com/office/drawing/2010/main" w="9525">
+                <a14:hiddenLine xmlns:a14="http://schemas.microsoft.com/office/drawing/2010/main" xmlns="" w="9525">
                   <a:solidFill>
                     <a:srgbClr val="000000"/>
                   </a:solidFill>
@@ -4099,7 +4099,7 @@
             </a:ln>
             <a:extLst>
               <a:ext uri="{91240B29-F687-4f45-9708-019B960494DF}">
-                <a14:hiddenLine xmlns="" xmlns:a14="http://schemas.microsoft.com/office/drawing/2010/main" w="9525">
+                <a14:hiddenLine xmlns:a14="http://schemas.microsoft.com/office/drawing/2010/main" xmlns="" w="9525">
                   <a:solidFill>
                     <a:srgbClr val="000000"/>
                   </a:solidFill>
@@ -4219,7 +4219,7 @@
             </a:ln>
             <a:extLst>
               <a:ext uri="{91240B29-F687-4f45-9708-019B960494DF}">
-                <a14:hiddenLine xmlns="" xmlns:a14="http://schemas.microsoft.com/office/drawing/2010/main" w="9525">
+                <a14:hiddenLine xmlns:a14="http://schemas.microsoft.com/office/drawing/2010/main" xmlns="" w="9525">
                   <a:solidFill>
                     <a:srgbClr val="000000"/>
                   </a:solidFill>
@@ -4287,7 +4287,7 @@
             </a:ln>
             <a:extLst>
               <a:ext uri="{91240B29-F687-4f45-9708-019B960494DF}">
-                <a14:hiddenLine xmlns="" xmlns:a14="http://schemas.microsoft.com/office/drawing/2010/main" w="9525">
+                <a14:hiddenLine xmlns:a14="http://schemas.microsoft.com/office/drawing/2010/main" xmlns="" w="9525">
                   <a:solidFill>
                     <a:srgbClr val="000000"/>
                   </a:solidFill>
@@ -4377,7 +4377,7 @@
             </a:ln>
             <a:extLst>
               <a:ext uri="{91240B29-F687-4f45-9708-019B960494DF}">
-                <a14:hiddenLine xmlns="" xmlns:a14="http://schemas.microsoft.com/office/drawing/2010/main" w="9525">
+                <a14:hiddenLine xmlns:a14="http://schemas.microsoft.com/office/drawing/2010/main" xmlns="" w="9525">
                   <a:solidFill>
                     <a:srgbClr val="000000"/>
                   </a:solidFill>
@@ -4517,7 +4517,7 @@
           <a:p>
             <a:fld id="{48A87A34-81AB-432B-8DAE-1953F412C126}" type="datetimeFigureOut">
               <a:rPr lang="en-US" dirty="0"/>
-              <a:t>3/28/2022</a:t>
+              <a:t>3/29/2022</a:t>
             </a:fld>
             <a:endParaRPr lang="en-US" dirty="0"/>
           </a:p>
@@ -4779,7 +4779,7 @@
           <a:p>
             <a:fld id="{48A87A34-81AB-432B-8DAE-1953F412C126}" type="datetimeFigureOut">
               <a:rPr lang="en-US" dirty="0"/>
-              <a:t>3/28/2022</a:t>
+              <a:t>3/29/2022</a:t>
             </a:fld>
             <a:endParaRPr lang="en-US" dirty="0"/>
           </a:p>
@@ -4970,7 +4970,7 @@
           <a:p>
             <a:fld id="{48A87A34-81AB-432B-8DAE-1953F412C126}" type="datetimeFigureOut">
               <a:rPr lang="en-US" dirty="0"/>
-              <a:t>3/28/2022</a:t>
+              <a:t>3/29/2022</a:t>
             </a:fld>
             <a:endParaRPr lang="en-US" dirty="0"/>
           </a:p>
@@ -5228,7 +5228,7 @@
           <a:p>
             <a:fld id="{48A87A34-81AB-432B-8DAE-1953F412C126}" type="datetimeFigureOut">
               <a:rPr lang="en-US" dirty="0"/>
-              <a:t>3/28/2022</a:t>
+              <a:t>3/29/2022</a:t>
             </a:fld>
             <a:endParaRPr lang="en-US" dirty="0"/>
           </a:p>
@@ -5657,7 +5657,7 @@
           <a:p>
             <a:fld id="{48A87A34-81AB-432B-8DAE-1953F412C126}" type="datetimeFigureOut">
               <a:rPr lang="en-US" dirty="0"/>
-              <a:t>3/28/2022</a:t>
+              <a:t>3/29/2022</a:t>
             </a:fld>
             <a:endParaRPr lang="en-US" dirty="0"/>
           </a:p>
@@ -6198,7 +6198,7 @@
           <a:p>
             <a:fld id="{48A87A34-81AB-432B-8DAE-1953F412C126}" type="datetimeFigureOut">
               <a:rPr lang="en-US" dirty="0"/>
-              <a:t>3/28/2022</a:t>
+              <a:t>3/29/2022</a:t>
             </a:fld>
             <a:endParaRPr lang="en-US" dirty="0"/>
           </a:p>
@@ -6913,7 +6913,7 @@
           <a:p>
             <a:fld id="{48A87A34-81AB-432B-8DAE-1953F412C126}" type="datetimeFigureOut">
               <a:rPr lang="en-US" dirty="0"/>
-              <a:t>3/28/2022</a:t>
+              <a:t>3/29/2022</a:t>
             </a:fld>
             <a:endParaRPr lang="en-US" dirty="0"/>
           </a:p>
@@ -7078,7 +7078,7 @@
           <a:p>
             <a:fld id="{48A87A34-81AB-432B-8DAE-1953F412C126}" type="datetimeFigureOut">
               <a:rPr lang="en-US" dirty="0"/>
-              <a:t>3/28/2022</a:t>
+              <a:t>3/29/2022</a:t>
             </a:fld>
             <a:endParaRPr lang="en-US" dirty="0"/>
           </a:p>
@@ -7253,7 +7253,7 @@
           <a:p>
             <a:fld id="{48A87A34-81AB-432B-8DAE-1953F412C126}" type="datetimeFigureOut">
               <a:rPr lang="en-US" dirty="0"/>
-              <a:t>3/28/2022</a:t>
+              <a:t>3/29/2022</a:t>
             </a:fld>
             <a:endParaRPr lang="en-US" dirty="0"/>
           </a:p>
@@ -7418,7 +7418,7 @@
           <a:p>
             <a:fld id="{48A87A34-81AB-432B-8DAE-1953F412C126}" type="datetimeFigureOut">
               <a:rPr lang="en-US" dirty="0"/>
-              <a:t>3/28/2022</a:t>
+              <a:t>3/29/2022</a:t>
             </a:fld>
             <a:endParaRPr lang="en-US" dirty="0"/>
           </a:p>
@@ -7663,7 +7663,7 @@
           <a:p>
             <a:fld id="{48A87A34-81AB-432B-8DAE-1953F412C126}" type="datetimeFigureOut">
               <a:rPr lang="en-US" dirty="0"/>
-              <a:t>3/28/2022</a:t>
+              <a:t>3/29/2022</a:t>
             </a:fld>
             <a:endParaRPr lang="en-US" dirty="0"/>
           </a:p>
@@ -7890,7 +7890,7 @@
           <a:p>
             <a:fld id="{48A87A34-81AB-432B-8DAE-1953F412C126}" type="datetimeFigureOut">
               <a:rPr lang="en-US" dirty="0"/>
-              <a:t>3/28/2022</a:t>
+              <a:t>3/29/2022</a:t>
             </a:fld>
             <a:endParaRPr lang="en-US" dirty="0"/>
           </a:p>
@@ -8266,7 +8266,7 @@
           <a:p>
             <a:fld id="{48A87A34-81AB-432B-8DAE-1953F412C126}" type="datetimeFigureOut">
               <a:rPr lang="en-US" dirty="0"/>
-              <a:t>3/28/2022</a:t>
+              <a:t>3/29/2022</a:t>
             </a:fld>
             <a:endParaRPr lang="en-US" dirty="0"/>
           </a:p>
@@ -8379,7 +8379,7 @@
           <a:p>
             <a:fld id="{48A87A34-81AB-432B-8DAE-1953F412C126}" type="datetimeFigureOut">
               <a:rPr lang="en-US" dirty="0"/>
-              <a:t>3/28/2022</a:t>
+              <a:t>3/29/2022</a:t>
             </a:fld>
             <a:endParaRPr lang="en-US" dirty="0"/>
           </a:p>
@@ -8469,7 +8469,7 @@
           <a:p>
             <a:fld id="{48A87A34-81AB-432B-8DAE-1953F412C126}" type="datetimeFigureOut">
               <a:rPr lang="en-US" dirty="0"/>
-              <a:t>3/28/2022</a:t>
+              <a:t>3/29/2022</a:t>
             </a:fld>
             <a:endParaRPr lang="en-US" dirty="0"/>
           </a:p>
@@ -8713,7 +8713,7 @@
           <a:p>
             <a:fld id="{48A87A34-81AB-432B-8DAE-1953F412C126}" type="datetimeFigureOut">
               <a:rPr lang="en-US" dirty="0"/>
-              <a:t>3/28/2022</a:t>
+              <a:t>3/29/2022</a:t>
             </a:fld>
             <a:endParaRPr lang="en-US" dirty="0"/>
           </a:p>
@@ -8988,7 +8988,7 @@
           <a:p>
             <a:fld id="{48A87A34-81AB-432B-8DAE-1953F412C126}" type="datetimeFigureOut">
               <a:rPr lang="en-US" dirty="0"/>
-              <a:t>3/28/2022</a:t>
+              <a:t>3/29/2022</a:t>
             </a:fld>
             <a:endParaRPr lang="en-US" dirty="0"/>
           </a:p>
@@ -9106,7 +9106,7 @@
           <a:noFill/>
           <a:extLst>
             <a:ext uri="{909E8E84-426E-40dd-AFC4-6F175D3DCCD1}">
-              <a14:hiddenFill xmlns="" xmlns:a14="http://schemas.microsoft.com/office/drawing/2010/main">
+              <a14:hiddenFill xmlns:a14="http://schemas.microsoft.com/office/drawing/2010/main" xmlns="">
                 <a:solidFill>
                   <a:srgbClr val="FFFFFF"/>
                 </a:solidFill>
@@ -9180,7 +9180,7 @@
               </a:ln>
               <a:extLst>
                 <a:ext uri="{91240B29-F687-4f45-9708-019B960494DF}">
-                  <a14:hiddenLine xmlns="" xmlns:a14="http://schemas.microsoft.com/office/drawing/2010/main" w="9525">
+                  <a14:hiddenLine xmlns:a14="http://schemas.microsoft.com/office/drawing/2010/main" xmlns="" w="9525">
                     <a:solidFill>
                       <a:srgbClr val="000000"/>
                     </a:solidFill>
@@ -9270,7 +9270,7 @@
               </a:ln>
               <a:extLst>
                 <a:ext uri="{91240B29-F687-4f45-9708-019B960494DF}">
-                  <a14:hiddenLine xmlns="" xmlns:a14="http://schemas.microsoft.com/office/drawing/2010/main" w="9525">
+                  <a14:hiddenLine xmlns:a14="http://schemas.microsoft.com/office/drawing/2010/main" xmlns="" w="9525">
                     <a:solidFill>
                       <a:srgbClr val="000000"/>
                     </a:solidFill>
@@ -9360,7 +9360,7 @@
               </a:ln>
               <a:extLst>
                 <a:ext uri="{91240B29-F687-4f45-9708-019B960494DF}">
-                  <a14:hiddenLine xmlns="" xmlns:a14="http://schemas.microsoft.com/office/drawing/2010/main" w="9525">
+                  <a14:hiddenLine xmlns:a14="http://schemas.microsoft.com/office/drawing/2010/main" xmlns="" w="9525">
                     <a:solidFill>
                       <a:srgbClr val="000000"/>
                     </a:solidFill>
@@ -9422,7 +9422,7 @@
               </a:ln>
               <a:extLst>
                 <a:ext uri="{91240B29-F687-4f45-9708-019B960494DF}">
-                  <a14:hiddenLine xmlns="" xmlns:a14="http://schemas.microsoft.com/office/drawing/2010/main" w="9525">
+                  <a14:hiddenLine xmlns:a14="http://schemas.microsoft.com/office/drawing/2010/main" xmlns="" w="9525">
                     <a:solidFill>
                       <a:srgbClr val="000000"/>
                     </a:solidFill>
@@ -9512,7 +9512,7 @@
               </a:ln>
               <a:extLst>
                 <a:ext uri="{91240B29-F687-4f45-9708-019B960494DF}">
-                  <a14:hiddenLine xmlns="" xmlns:a14="http://schemas.microsoft.com/office/drawing/2010/main" w="9525">
+                  <a14:hiddenLine xmlns:a14="http://schemas.microsoft.com/office/drawing/2010/main" xmlns="" w="9525">
                     <a:solidFill>
                       <a:srgbClr val="000000"/>
                     </a:solidFill>
@@ -9574,7 +9574,7 @@
               </a:ln>
               <a:extLst>
                 <a:ext uri="{91240B29-F687-4f45-9708-019B960494DF}">
-                  <a14:hiddenLine xmlns="" xmlns:a14="http://schemas.microsoft.com/office/drawing/2010/main" w="9525">
+                  <a14:hiddenLine xmlns:a14="http://schemas.microsoft.com/office/drawing/2010/main" xmlns="" w="9525">
                     <a:solidFill>
                       <a:srgbClr val="000000"/>
                     </a:solidFill>
@@ -9636,7 +9636,7 @@
               </a:ln>
               <a:extLst>
                 <a:ext uri="{91240B29-F687-4f45-9708-019B960494DF}">
-                  <a14:hiddenLine xmlns="" xmlns:a14="http://schemas.microsoft.com/office/drawing/2010/main" w="9525">
+                  <a14:hiddenLine xmlns:a14="http://schemas.microsoft.com/office/drawing/2010/main" xmlns="" w="9525">
                     <a:solidFill>
                       <a:srgbClr val="000000"/>
                     </a:solidFill>
@@ -9726,7 +9726,7 @@
               </a:ln>
               <a:extLst>
                 <a:ext uri="{91240B29-F687-4f45-9708-019B960494DF}">
-                  <a14:hiddenLine xmlns="" xmlns:a14="http://schemas.microsoft.com/office/drawing/2010/main" w="9525">
+                  <a14:hiddenLine xmlns:a14="http://schemas.microsoft.com/office/drawing/2010/main" xmlns="" w="9525">
                     <a:solidFill>
                       <a:srgbClr val="000000"/>
                     </a:solidFill>
@@ -9816,7 +9816,7 @@
               </a:ln>
               <a:extLst>
                 <a:ext uri="{91240B29-F687-4f45-9708-019B960494DF}">
-                  <a14:hiddenLine xmlns="" xmlns:a14="http://schemas.microsoft.com/office/drawing/2010/main" w="9525">
+                  <a14:hiddenLine xmlns:a14="http://schemas.microsoft.com/office/drawing/2010/main" xmlns="" w="9525">
                     <a:solidFill>
                       <a:srgbClr val="000000"/>
                     </a:solidFill>
@@ -9878,7 +9878,7 @@
               </a:ln>
               <a:extLst>
                 <a:ext uri="{91240B29-F687-4f45-9708-019B960494DF}">
-                  <a14:hiddenLine xmlns="" xmlns:a14="http://schemas.microsoft.com/office/drawing/2010/main" w="9525">
+                  <a14:hiddenLine xmlns:a14="http://schemas.microsoft.com/office/drawing/2010/main" xmlns="" w="9525">
                     <a:solidFill>
                       <a:srgbClr val="000000"/>
                     </a:solidFill>
@@ -9988,7 +9988,7 @@
               </a:ln>
               <a:extLst>
                 <a:ext uri="{91240B29-F687-4f45-9708-019B960494DF}">
-                  <a14:hiddenLine xmlns="" xmlns:a14="http://schemas.microsoft.com/office/drawing/2010/main" w="9525">
+                  <a14:hiddenLine xmlns:a14="http://schemas.microsoft.com/office/drawing/2010/main" xmlns="" w="9525">
                     <a:solidFill>
                       <a:srgbClr val="000000"/>
                     </a:solidFill>
@@ -10072,7 +10072,7 @@
               </a:ln>
               <a:extLst>
                 <a:ext uri="{91240B29-F687-4f45-9708-019B960494DF}">
-                  <a14:hiddenLine xmlns="" xmlns:a14="http://schemas.microsoft.com/office/drawing/2010/main" w="9525">
+                  <a14:hiddenLine xmlns:a14="http://schemas.microsoft.com/office/drawing/2010/main" xmlns="" w="9525">
                     <a:solidFill>
                       <a:srgbClr val="000000"/>
                     </a:solidFill>
@@ -10134,7 +10134,7 @@
               </a:ln>
               <a:extLst>
                 <a:ext uri="{91240B29-F687-4f45-9708-019B960494DF}">
-                  <a14:hiddenLine xmlns="" xmlns:a14="http://schemas.microsoft.com/office/drawing/2010/main" w="9525">
+                  <a14:hiddenLine xmlns:a14="http://schemas.microsoft.com/office/drawing/2010/main" xmlns="" w="9525">
                     <a:solidFill>
                       <a:srgbClr val="000000"/>
                     </a:solidFill>
@@ -10196,7 +10196,7 @@
               </a:ln>
               <a:extLst>
                 <a:ext uri="{91240B29-F687-4f45-9708-019B960494DF}">
-                  <a14:hiddenLine xmlns="" xmlns:a14="http://schemas.microsoft.com/office/drawing/2010/main" w="9525">
+                  <a14:hiddenLine xmlns:a14="http://schemas.microsoft.com/office/drawing/2010/main" xmlns="" w="9525">
                     <a:solidFill>
                       <a:srgbClr val="000000"/>
                     </a:solidFill>
@@ -10286,7 +10286,7 @@
               </a:ln>
               <a:extLst>
                 <a:ext uri="{91240B29-F687-4f45-9708-019B960494DF}">
-                  <a14:hiddenLine xmlns="" xmlns:a14="http://schemas.microsoft.com/office/drawing/2010/main" w="9525">
+                  <a14:hiddenLine xmlns:a14="http://schemas.microsoft.com/office/drawing/2010/main" xmlns="" w="9525">
                     <a:solidFill>
                       <a:srgbClr val="000000"/>
                     </a:solidFill>
@@ -10320,7 +10320,7 @@
               </a:ln>
               <a:extLst>
                 <a:ext uri="{91240B29-F687-4f45-9708-019B960494DF}">
-                  <a14:hiddenLine xmlns="" xmlns:a14="http://schemas.microsoft.com/office/drawing/2010/main" w="9525">
+                  <a14:hiddenLine xmlns:a14="http://schemas.microsoft.com/office/drawing/2010/main" xmlns="" w="9525">
                     <a:solidFill>
                       <a:srgbClr val="000000"/>
                     </a:solidFill>
@@ -10385,7 +10385,7 @@
               </a:ln>
               <a:extLst>
                 <a:ext uri="{91240B29-F687-4f45-9708-019B960494DF}">
-                  <a14:hiddenLine xmlns="" xmlns:a14="http://schemas.microsoft.com/office/drawing/2010/main" w="9525">
+                  <a14:hiddenLine xmlns:a14="http://schemas.microsoft.com/office/drawing/2010/main" xmlns="" w="9525">
                     <a:solidFill>
                       <a:srgbClr val="000000"/>
                     </a:solidFill>
@@ -10475,7 +10475,7 @@
               </a:ln>
               <a:extLst>
                 <a:ext uri="{91240B29-F687-4f45-9708-019B960494DF}">
-                  <a14:hiddenLine xmlns="" xmlns:a14="http://schemas.microsoft.com/office/drawing/2010/main" w="9525">
+                  <a14:hiddenLine xmlns:a14="http://schemas.microsoft.com/office/drawing/2010/main" xmlns="" w="9525">
                     <a:solidFill>
                       <a:srgbClr val="000000"/>
                     </a:solidFill>
@@ -10537,7 +10537,7 @@
               </a:ln>
               <a:extLst>
                 <a:ext uri="{91240B29-F687-4f45-9708-019B960494DF}">
-                  <a14:hiddenLine xmlns="" xmlns:a14="http://schemas.microsoft.com/office/drawing/2010/main" w="9525">
+                  <a14:hiddenLine xmlns:a14="http://schemas.microsoft.com/office/drawing/2010/main" xmlns="" w="9525">
                     <a:solidFill>
                       <a:srgbClr val="000000"/>
                     </a:solidFill>
@@ -10627,7 +10627,7 @@
               </a:ln>
               <a:extLst>
                 <a:ext uri="{91240B29-F687-4f45-9708-019B960494DF}">
-                  <a14:hiddenLine xmlns="" xmlns:a14="http://schemas.microsoft.com/office/drawing/2010/main" w="9525">
+                  <a14:hiddenLine xmlns:a14="http://schemas.microsoft.com/office/drawing/2010/main" xmlns="" w="9525">
                     <a:solidFill>
                       <a:srgbClr val="000000"/>
                     </a:solidFill>
@@ -10692,7 +10692,7 @@
               </a:ln>
               <a:extLst>
                 <a:ext uri="{91240B29-F687-4f45-9708-019B960494DF}">
-                  <a14:hiddenLine xmlns="" xmlns:a14="http://schemas.microsoft.com/office/drawing/2010/main" w="9525">
+                  <a14:hiddenLine xmlns:a14="http://schemas.microsoft.com/office/drawing/2010/main" xmlns="" w="9525">
                     <a:solidFill>
                       <a:srgbClr val="000000"/>
                     </a:solidFill>
@@ -10754,7 +10754,7 @@
               </a:ln>
               <a:extLst>
                 <a:ext uri="{91240B29-F687-4f45-9708-019B960494DF}">
-                  <a14:hiddenLine xmlns="" xmlns:a14="http://schemas.microsoft.com/office/drawing/2010/main" w="9525">
+                  <a14:hiddenLine xmlns:a14="http://schemas.microsoft.com/office/drawing/2010/main" xmlns="" w="9525">
                     <a:solidFill>
                       <a:srgbClr val="000000"/>
                     </a:solidFill>
@@ -10844,7 +10844,7 @@
               </a:ln>
               <a:extLst>
                 <a:ext uri="{91240B29-F687-4f45-9708-019B960494DF}">
-                  <a14:hiddenLine xmlns="" xmlns:a14="http://schemas.microsoft.com/office/drawing/2010/main" w="9525">
+                  <a14:hiddenLine xmlns:a14="http://schemas.microsoft.com/office/drawing/2010/main" xmlns="" w="9525">
                     <a:solidFill>
                       <a:srgbClr val="000000"/>
                     </a:solidFill>
@@ -10934,7 +10934,7 @@
               </a:ln>
               <a:extLst>
                 <a:ext uri="{91240B29-F687-4f45-9708-019B960494DF}">
-                  <a14:hiddenLine xmlns="" xmlns:a14="http://schemas.microsoft.com/office/drawing/2010/main" w="9525">
+                  <a14:hiddenLine xmlns:a14="http://schemas.microsoft.com/office/drawing/2010/main" xmlns="" w="9525">
                     <a:solidFill>
                       <a:srgbClr val="000000"/>
                     </a:solidFill>
@@ -10999,7 +10999,7 @@
               </a:ln>
               <a:extLst>
                 <a:ext uri="{91240B29-F687-4f45-9708-019B960494DF}">
-                  <a14:hiddenLine xmlns="" xmlns:a14="http://schemas.microsoft.com/office/drawing/2010/main" w="9525">
+                  <a14:hiddenLine xmlns:a14="http://schemas.microsoft.com/office/drawing/2010/main" xmlns="" w="9525">
                     <a:solidFill>
                       <a:srgbClr val="000000"/>
                     </a:solidFill>
@@ -11119,7 +11119,7 @@
               </a:ln>
               <a:extLst>
                 <a:ext uri="{91240B29-F687-4f45-9708-019B960494DF}">
-                  <a14:hiddenLine xmlns="" xmlns:a14="http://schemas.microsoft.com/office/drawing/2010/main" w="9525">
+                  <a14:hiddenLine xmlns:a14="http://schemas.microsoft.com/office/drawing/2010/main" xmlns="" w="9525">
                     <a:solidFill>
                       <a:srgbClr val="000000"/>
                     </a:solidFill>
@@ -11200,7 +11200,7 @@
               </a:ln>
               <a:extLst>
                 <a:ext uri="{91240B29-F687-4f45-9708-019B960494DF}">
-                  <a14:hiddenLine xmlns="" xmlns:a14="http://schemas.microsoft.com/office/drawing/2010/main" w="9525">
+                  <a14:hiddenLine xmlns:a14="http://schemas.microsoft.com/office/drawing/2010/main" xmlns="" w="9525">
                     <a:solidFill>
                       <a:srgbClr val="000000"/>
                     </a:solidFill>
@@ -11315,7 +11315,7 @@
               </a:ln>
               <a:extLst>
                 <a:ext uri="{91240B29-F687-4f45-9708-019B960494DF}">
-                  <a14:hiddenLine xmlns="" xmlns:a14="http://schemas.microsoft.com/office/drawing/2010/main" w="9525">
+                  <a14:hiddenLine xmlns:a14="http://schemas.microsoft.com/office/drawing/2010/main" xmlns="" w="9525">
                     <a:solidFill>
                       <a:srgbClr val="000000"/>
                     </a:solidFill>
@@ -11405,7 +11405,7 @@
               </a:ln>
               <a:extLst>
                 <a:ext uri="{91240B29-F687-4f45-9708-019B960494DF}">
-                  <a14:hiddenLine xmlns="" xmlns:a14="http://schemas.microsoft.com/office/drawing/2010/main" w="9525">
+                  <a14:hiddenLine xmlns:a14="http://schemas.microsoft.com/office/drawing/2010/main" xmlns="" w="9525">
                     <a:solidFill>
                       <a:srgbClr val="000000"/>
                     </a:solidFill>
@@ -11470,7 +11470,7 @@
               </a:ln>
               <a:extLst>
                 <a:ext uri="{91240B29-F687-4f45-9708-019B960494DF}">
-                  <a14:hiddenLine xmlns="" xmlns:a14="http://schemas.microsoft.com/office/drawing/2010/main" w="9525">
+                  <a14:hiddenLine xmlns:a14="http://schemas.microsoft.com/office/drawing/2010/main" xmlns="" w="9525">
                     <a:solidFill>
                       <a:srgbClr val="000000"/>
                     </a:solidFill>
@@ -11560,7 +11560,7 @@
               </a:ln>
               <a:extLst>
                 <a:ext uri="{91240B29-F687-4f45-9708-019B960494DF}">
-                  <a14:hiddenLine xmlns="" xmlns:a14="http://schemas.microsoft.com/office/drawing/2010/main" w="9525">
+                  <a14:hiddenLine xmlns:a14="http://schemas.microsoft.com/office/drawing/2010/main" xmlns="" w="9525">
                     <a:solidFill>
                       <a:srgbClr val="000000"/>
                     </a:solidFill>
@@ -11628,7 +11628,7 @@
               </a:ln>
               <a:extLst>
                 <a:ext uri="{91240B29-F687-4f45-9708-019B960494DF}">
-                  <a14:hiddenLine xmlns="" xmlns:a14="http://schemas.microsoft.com/office/drawing/2010/main" w="9525">
+                  <a14:hiddenLine xmlns:a14="http://schemas.microsoft.com/office/drawing/2010/main" xmlns="" w="9525">
                     <a:solidFill>
                       <a:srgbClr val="000000"/>
                     </a:solidFill>
@@ -11718,7 +11718,7 @@
               </a:ln>
               <a:extLst>
                 <a:ext uri="{91240B29-F687-4f45-9708-019B960494DF}">
-                  <a14:hiddenLine xmlns="" xmlns:a14="http://schemas.microsoft.com/office/drawing/2010/main" w="9525">
+                  <a14:hiddenLine xmlns:a14="http://schemas.microsoft.com/office/drawing/2010/main" xmlns="" w="9525">
                     <a:solidFill>
                       <a:srgbClr val="000000"/>
                     </a:solidFill>
@@ -11786,7 +11786,7 @@
               </a:ln>
               <a:extLst>
                 <a:ext uri="{91240B29-F687-4f45-9708-019B960494DF}">
-                  <a14:hiddenLine xmlns="" xmlns:a14="http://schemas.microsoft.com/office/drawing/2010/main" w="9525">
+                  <a14:hiddenLine xmlns:a14="http://schemas.microsoft.com/office/drawing/2010/main" xmlns="" w="9525">
                     <a:solidFill>
                       <a:srgbClr val="000000"/>
                     </a:solidFill>
@@ -11876,7 +11876,7 @@
               </a:ln>
               <a:extLst>
                 <a:ext uri="{91240B29-F687-4f45-9708-019B960494DF}">
-                  <a14:hiddenLine xmlns="" xmlns:a14="http://schemas.microsoft.com/office/drawing/2010/main" w="9525">
+                  <a14:hiddenLine xmlns:a14="http://schemas.microsoft.com/office/drawing/2010/main" xmlns="" w="9525">
                     <a:solidFill>
                       <a:srgbClr val="000000"/>
                     </a:solidFill>
@@ -11910,7 +11910,7 @@
               </a:ln>
               <a:extLst>
                 <a:ext uri="{91240B29-F687-4f45-9708-019B960494DF}">
-                  <a14:hiddenLine xmlns="" xmlns:a14="http://schemas.microsoft.com/office/drawing/2010/main" w="9525">
+                  <a14:hiddenLine xmlns:a14="http://schemas.microsoft.com/office/drawing/2010/main" xmlns="" w="9525">
                     <a:solidFill>
                       <a:srgbClr val="000000"/>
                     </a:solidFill>
@@ -12051,7 +12051,7 @@
             <a:fld id="{48A87A34-81AB-432B-8DAE-1953F412C126}" type="datetimeFigureOut">
               <a:rPr lang="en-US" dirty="0"/>
               <a:pPr/>
-              <a:t>3/28/2022</a:t>
+              <a:t>3/29/2022</a:t>
             </a:fld>
             <a:endParaRPr lang="en-US" dirty="0"/>
           </a:p>
@@ -12517,7 +12517,85 @@
           <a:bodyPr/>
           <a:lstStyle/>
           <a:p>
-            <a:endParaRPr lang="it-IT" dirty="0"/>
+            <a:r>
+              <a:rPr lang="it-IT" dirty="0" err="1">
+                <a:solidFill>
+                  <a:schemeClr val="tx1">
+                    <a:lumMod val="95000"/>
+                  </a:schemeClr>
+                </a:solidFill>
+              </a:rPr>
+              <a:t>DoCENTE</a:t>
+            </a:r>
+            <a:r>
+              <a:rPr lang="it-IT" dirty="0">
+                <a:solidFill>
+                  <a:schemeClr val="tx1">
+                    <a:lumMod val="95000"/>
+                  </a:schemeClr>
+                </a:solidFill>
+              </a:rPr>
+              <a:t>: eros </a:t>
+            </a:r>
+            <a:r>
+              <a:rPr lang="it-IT" dirty="0" err="1">
+                <a:solidFill>
+                  <a:schemeClr val="tx1">
+                    <a:lumMod val="95000"/>
+                  </a:schemeClr>
+                </a:solidFill>
+              </a:rPr>
+              <a:t>capobianco</a:t>
+            </a:r>
+            <a:endParaRPr lang="it-IT" dirty="0">
+              <a:solidFill>
+                <a:schemeClr val="tx1">
+                  <a:lumMod val="95000"/>
+                </a:schemeClr>
+              </a:solidFill>
+            </a:endParaRPr>
+          </a:p>
+          <a:p>
+            <a:r>
+              <a:rPr lang="it-IT" dirty="0">
+                <a:solidFill>
+                  <a:schemeClr val="tx1">
+                    <a:lumMod val="95000"/>
+                  </a:schemeClr>
+                </a:solidFill>
+              </a:rPr>
+              <a:t>Mail: </a:t>
+            </a:r>
+            <a:r>
+              <a:rPr lang="it-IT" dirty="0">
+                <a:solidFill>
+                  <a:schemeClr val="tx1">
+                    <a:lumMod val="95000"/>
+                  </a:schemeClr>
+                </a:solidFill>
+                <a:hlinkClick r:id="rId2"/>
+              </a:rPr>
+              <a:t>ANTEROS.CAPO@GMAIL.COM</a:t>
+            </a:r>
+            <a:endParaRPr lang="it-IT" dirty="0">
+              <a:solidFill>
+                <a:schemeClr val="tx1">
+                  <a:lumMod val="95000"/>
+                </a:schemeClr>
+              </a:solidFill>
+            </a:endParaRPr>
+          </a:p>
+          <a:p>
+            <a:r>
+              <a:rPr lang="it-IT" dirty="0">
+                <a:solidFill>
+                  <a:schemeClr val="tx1">
+                    <a:lumMod val="95000"/>
+                  </a:schemeClr>
+                </a:solidFill>
+              </a:rPr>
+              <a:t>Materiale: https://github.com/Eros-Capo/Corso-Java</a:t>
+            </a:r>
           </a:p>
         </p:txBody>
       </p:sp>
@@ -12632,15 +12710,38 @@
                   </a:schemeClr>
                 </a:solidFill>
               </a:rPr>
-              <a:t>Tra la memoria centrale e la CPU vi è un rapporto MASTER-SLAVE.</a:t>
-            </a:r>
-          </a:p>
-          <a:p>
+              <a:t>Tra la memoria centrale e la CPU vi è un </a:t>
+            </a:r>
+            <a:r>
+              <a:rPr lang="it-IT" dirty="0">
+                <a:solidFill>
+                  <a:schemeClr val="accent5">
+                    <a:lumMod val="60000"/>
+                    <a:lumOff val="40000"/>
+                  </a:schemeClr>
+                </a:solidFill>
+              </a:rPr>
+              <a:t>rapporto MASTER-SLAVE</a:t>
+            </a:r>
+            <a:r>
+              <a:rPr lang="it-IT" dirty="0">
+                <a:solidFill>
+                  <a:schemeClr val="tx1">
+                    <a:lumMod val="95000"/>
+                  </a:schemeClr>
+                </a:solidFill>
+              </a:rPr>
+              <a:t>.</a:t>
+            </a:r>
+          </a:p>
+          <a:p>
+            <a:pPr algn="ctr"/>
             <a:r>
               <a:rPr lang="it-IT" dirty="0" err="1">
                 <a:solidFill>
-                  <a:schemeClr val="tx1">
-                    <a:lumMod val="95000"/>
+                  <a:schemeClr val="accent5">
+                    <a:lumMod val="60000"/>
+                    <a:lumOff val="40000"/>
                   </a:schemeClr>
                 </a:solidFill>
               </a:rPr>
@@ -12648,8 +12749,9 @@
             </a:r>
             <a:endParaRPr lang="it-IT" dirty="0">
               <a:solidFill>
-                <a:schemeClr val="tx1">
-                  <a:lumMod val="95000"/>
+                <a:schemeClr val="accent5">
+                  <a:lumMod val="60000"/>
+                  <a:lumOff val="40000"/>
                 </a:schemeClr>
               </a:solidFill>
             </a:endParaRPr>
@@ -12687,11 +12789,13 @@
             </a:r>
           </a:p>
           <a:p>
-            <a:r>
-              <a:rPr lang="it-IT" dirty="0">
-                <a:solidFill>
-                  <a:schemeClr val="tx1">
-                    <a:lumMod val="95000"/>
+            <a:pPr algn="ctr"/>
+            <a:r>
+              <a:rPr lang="it-IT" dirty="0">
+                <a:solidFill>
+                  <a:schemeClr val="accent5">
+                    <a:lumMod val="60000"/>
+                    <a:lumOff val="40000"/>
                   </a:schemeClr>
                 </a:solidFill>
               </a:rPr>
@@ -13846,7 +13950,28 @@
                   </a:schemeClr>
                 </a:solidFill>
               </a:rPr>
-              <a:t>) è una tipologia di memoria di tipo volatile che permette una grande velocità di accesso alle informazioni presenti in essa.</a:t>
+              <a:t>) è una tipologia di memoria di </a:t>
+            </a:r>
+            <a:r>
+              <a:rPr lang="it-IT" dirty="0">
+                <a:solidFill>
+                  <a:schemeClr val="accent5">
+                    <a:lumMod val="60000"/>
+                    <a:lumOff val="40000"/>
+                  </a:schemeClr>
+                </a:solidFill>
+              </a:rPr>
+              <a:t>tipo volatile</a:t>
+            </a:r>
+            <a:r>
+              <a:rPr lang="it-IT" dirty="0">
+                <a:solidFill>
+                  <a:schemeClr val="tx1">
+                    <a:lumMod val="95000"/>
+                  </a:schemeClr>
+                </a:solidFill>
+              </a:rPr>
+              <a:t> che permette una grande velocità di accesso alle informazioni presenti in essa.</a:t>
             </a:r>
           </a:p>
           <a:p>
@@ -14976,7 +15101,28 @@
                   </a:schemeClr>
                 </a:solidFill>
               </a:rPr>
-              <a:t>) è una tipologia di memoria non volatile.</a:t>
+              <a:t>) è una tipologia di memoria </a:t>
+            </a:r>
+            <a:r>
+              <a:rPr lang="it-IT" dirty="0">
+                <a:solidFill>
+                  <a:schemeClr val="accent5">
+                    <a:lumMod val="60000"/>
+                    <a:lumOff val="40000"/>
+                  </a:schemeClr>
+                </a:solidFill>
+              </a:rPr>
+              <a:t>non volatile</a:t>
+            </a:r>
+            <a:r>
+              <a:rPr lang="it-IT" dirty="0">
+                <a:solidFill>
+                  <a:schemeClr val="tx1">
+                    <a:lumMod val="95000"/>
+                  </a:schemeClr>
+                </a:solidFill>
+              </a:rPr>
+              <a:t>.</a:t>
             </a:r>
           </a:p>
           <a:p>
@@ -15584,7 +15730,28 @@
                   </a:schemeClr>
                 </a:solidFill>
               </a:rPr>
-              <a:t>Le memorie di massa sono quelle memorie che possono salvare in modo permanente grandi quantità di dati. </a:t>
+              <a:t>Le memorie di massa sono quelle memorie che possono </a:t>
+            </a:r>
+            <a:r>
+              <a:rPr lang="it-IT" dirty="0">
+                <a:solidFill>
+                  <a:schemeClr val="accent5">
+                    <a:lumMod val="60000"/>
+                    <a:lumOff val="40000"/>
+                  </a:schemeClr>
+                </a:solidFill>
+              </a:rPr>
+              <a:t>salvare in modo permanente</a:t>
+            </a:r>
+            <a:r>
+              <a:rPr lang="it-IT" dirty="0">
+                <a:solidFill>
+                  <a:schemeClr val="tx1">
+                    <a:lumMod val="95000"/>
+                  </a:schemeClr>
+                </a:solidFill>
+              </a:rPr>
+              <a:t> grandi quantità di dati. </a:t>
             </a:r>
           </a:p>
           <a:p>
@@ -15720,19 +15887,61 @@
                   </a:schemeClr>
                 </a:solidFill>
               </a:rPr>
-              <a:t>Le periferiche di input sono quegli strumenti elettronici collegati al calcolatore che permettono l’inserimento di dati. (Tastiera, mouse, fotocamera)</a:t>
-            </a:r>
-          </a:p>
-          <a:p>
-            <a:r>
-              <a:rPr lang="it-IT" dirty="0">
-                <a:solidFill>
-                  <a:schemeClr val="tx1">
-                    <a:lumMod val="95000"/>
-                  </a:schemeClr>
-                </a:solidFill>
-              </a:rPr>
-              <a:t>Le periferiche di output sono quelle periferiche  che sono incaricate di presentare i dati all’utente. (Schermo, proiettore, stampante)</a:t>
+              <a:t>Le periferiche di input sono quegli strumenti elettronici collegati al calcolatore che permettono </a:t>
+            </a:r>
+            <a:r>
+              <a:rPr lang="it-IT" dirty="0">
+                <a:solidFill>
+                  <a:schemeClr val="accent5">
+                    <a:lumMod val="60000"/>
+                    <a:lumOff val="40000"/>
+                  </a:schemeClr>
+                </a:solidFill>
+              </a:rPr>
+              <a:t>l’inserimento di dati</a:t>
+            </a:r>
+            <a:r>
+              <a:rPr lang="it-IT" dirty="0">
+                <a:solidFill>
+                  <a:schemeClr val="tx1">
+                    <a:lumMod val="95000"/>
+                  </a:schemeClr>
+                </a:solidFill>
+              </a:rPr>
+              <a:t>. (Tastiera, mouse, fotocamera)</a:t>
+            </a:r>
+          </a:p>
+          <a:p>
+            <a:r>
+              <a:rPr lang="it-IT" dirty="0">
+                <a:solidFill>
+                  <a:schemeClr val="tx1">
+                    <a:lumMod val="95000"/>
+                  </a:schemeClr>
+                </a:solidFill>
+              </a:rPr>
+              <a:t>Le periferiche di output sono quelle periferiche  che sono incaricate di </a:t>
+            </a:r>
+            <a:r>
+              <a:rPr lang="it-IT" dirty="0">
+                <a:solidFill>
+                  <a:schemeClr val="accent5">
+                    <a:lumMod val="60000"/>
+                    <a:lumOff val="40000"/>
+                  </a:schemeClr>
+                </a:solidFill>
+              </a:rPr>
+              <a:t>presentare i dati </a:t>
+            </a:r>
+            <a:r>
+              <a:rPr lang="it-IT" dirty="0">
+                <a:solidFill>
+                  <a:schemeClr val="tx1">
+                    <a:lumMod val="95000"/>
+                  </a:schemeClr>
+                </a:solidFill>
+              </a:rPr>
+              <a:t>all’utente. (Schermo, proiettore, stampante)</a:t>
             </a:r>
           </a:p>
         </p:txBody>
@@ -15844,13 +16053,25 @@
                   </a:schemeClr>
                 </a:solidFill>
               </a:rPr>
-              <a:t>Il funzionamento della </a:t>
+              <a:t>Il </a:t>
+            </a:r>
+            <a:r>
+              <a:rPr lang="it-IT" dirty="0">
+                <a:solidFill>
+                  <a:schemeClr val="accent5">
+                    <a:lumMod val="60000"/>
+                    <a:lumOff val="40000"/>
+                  </a:schemeClr>
+                </a:solidFill>
+              </a:rPr>
+              <a:t>funzionamento della </a:t>
             </a:r>
             <a:r>
               <a:rPr lang="it-IT" dirty="0" err="1">
                 <a:solidFill>
-                  <a:schemeClr val="tx1">
-                    <a:lumMod val="95000"/>
+                  <a:schemeClr val="accent5">
+                    <a:lumMod val="60000"/>
+                    <a:lumOff val="40000"/>
                   </a:schemeClr>
                 </a:solidFill>
               </a:rPr>
@@ -15859,12 +16080,23 @@
             <a:r>
               <a:rPr lang="it-IT" dirty="0">
                 <a:solidFill>
-                  <a:schemeClr val="tx1">
-                    <a:lumMod val="95000"/>
-                  </a:schemeClr>
-                </a:solidFill>
-              </a:rPr>
-              <a:t> viene suddiviso in tre fasi principali:</a:t>
+                  <a:schemeClr val="accent5">
+                    <a:lumMod val="60000"/>
+                    <a:lumOff val="40000"/>
+                  </a:schemeClr>
+                </a:solidFill>
+              </a:rPr>
+              <a:t> </a:t>
+            </a:r>
+            <a:r>
+              <a:rPr lang="it-IT" dirty="0">
+                <a:solidFill>
+                  <a:schemeClr val="tx1">
+                    <a:lumMod val="95000"/>
+                  </a:schemeClr>
+                </a:solidFill>
+              </a:rPr>
+              <a:t>viene suddiviso in tre fasi principali:</a:t>
             </a:r>
           </a:p>
           <a:p>
@@ -16081,7 +16313,28 @@
                   </a:schemeClr>
                 </a:solidFill>
               </a:rPr>
-              <a:t> che coordina le attività della stessa, si occupa quindi di leggere le istruzioni da eseguire all’interno della memoria centrale ed inserirle in un registro di istruzioni in modo sequenziale.</a:t>
+              <a:t> che </a:t>
+            </a:r>
+            <a:r>
+              <a:rPr lang="it-IT" dirty="0">
+                <a:solidFill>
+                  <a:schemeClr val="accent5">
+                    <a:lumMod val="60000"/>
+                    <a:lumOff val="40000"/>
+                  </a:schemeClr>
+                </a:solidFill>
+              </a:rPr>
+              <a:t>coordina le attività</a:t>
+            </a:r>
+            <a:r>
+              <a:rPr lang="it-IT" dirty="0">
+                <a:solidFill>
+                  <a:schemeClr val="tx1">
+                    <a:lumMod val="95000"/>
+                  </a:schemeClr>
+                </a:solidFill>
+              </a:rPr>
+              <a:t> della stessa, si occupa quindi di leggere le istruzioni da eseguire all’interno della memoria centrale ed inserirle in un registro di istruzioni in modo sequenziale.</a:t>
             </a:r>
           </a:p>
           <a:p>
@@ -16242,7 +16495,28 @@
                   </a:schemeClr>
                 </a:solidFill>
               </a:rPr>
-              <a:t> che si occupa dello svolgimento di tutte le operazioni aritmetiche (somme in complemento a 2, sottrazioni, moltiplicazioni e divisioni) e logiche (and, or, </a:t>
+              <a:t> che si occupa dello </a:t>
+            </a:r>
+            <a:r>
+              <a:rPr lang="it-IT" dirty="0">
+                <a:solidFill>
+                  <a:schemeClr val="accent5">
+                    <a:lumMod val="60000"/>
+                    <a:lumOff val="40000"/>
+                  </a:schemeClr>
+                </a:solidFill>
+              </a:rPr>
+              <a:t>svolgimento di tutte le operazioni aritmetiche </a:t>
+            </a:r>
+            <a:r>
+              <a:rPr lang="it-IT" dirty="0">
+                <a:solidFill>
+                  <a:schemeClr val="tx1">
+                    <a:lumMod val="95000"/>
+                  </a:schemeClr>
+                </a:solidFill>
+              </a:rPr>
+              <a:t>(somme in complemento a 2, sottrazioni, moltiplicazioni e divisioni) e logiche (and, or, </a:t>
             </a:r>
             <a:r>
               <a:rPr lang="it-IT" dirty="0" err="1">
@@ -16463,19 +16737,61 @@
                   </a:schemeClr>
                 </a:solidFill>
               </a:rPr>
-              <a:t>L’hardware come visto nelle lezioni precedenti è un insieme contente tutte le parti fisiche che compongono un computer, un sistema informatico o una rete.</a:t>
-            </a:r>
-          </a:p>
-          <a:p>
-            <a:r>
-              <a:rPr lang="it-IT" dirty="0">
-                <a:solidFill>
-                  <a:schemeClr val="tx1">
-                    <a:lumMod val="95000"/>
-                  </a:schemeClr>
-                </a:solidFill>
-              </a:rPr>
-              <a:t>Il software è un componente logico del computer/sistema informatico, definito meglio come l’insieme di istruzioni, codice eseguibile, dati ed informazioni.</a:t>
+              <a:t>L’hardware come visto nelle lezioni precedenti è un insieme contente tutte le </a:t>
+            </a:r>
+            <a:r>
+              <a:rPr lang="it-IT" dirty="0">
+                <a:solidFill>
+                  <a:schemeClr val="accent5">
+                    <a:lumMod val="60000"/>
+                    <a:lumOff val="40000"/>
+                  </a:schemeClr>
+                </a:solidFill>
+              </a:rPr>
+              <a:t>parti fisiche </a:t>
+            </a:r>
+            <a:r>
+              <a:rPr lang="it-IT" dirty="0">
+                <a:solidFill>
+                  <a:schemeClr val="tx1">
+                    <a:lumMod val="95000"/>
+                  </a:schemeClr>
+                </a:solidFill>
+              </a:rPr>
+              <a:t>che compongono un computer, un sistema informatico o una rete.</a:t>
+            </a:r>
+          </a:p>
+          <a:p>
+            <a:r>
+              <a:rPr lang="it-IT" dirty="0">
+                <a:solidFill>
+                  <a:schemeClr val="tx1">
+                    <a:lumMod val="95000"/>
+                  </a:schemeClr>
+                </a:solidFill>
+              </a:rPr>
+              <a:t>Il software è un </a:t>
+            </a:r>
+            <a:r>
+              <a:rPr lang="it-IT" dirty="0">
+                <a:solidFill>
+                  <a:schemeClr val="accent5">
+                    <a:lumMod val="60000"/>
+                    <a:lumOff val="40000"/>
+                  </a:schemeClr>
+                </a:solidFill>
+              </a:rPr>
+              <a:t>componente logico </a:t>
+            </a:r>
+            <a:r>
+              <a:rPr lang="it-IT" dirty="0">
+                <a:solidFill>
+                  <a:schemeClr val="tx1">
+                    <a:lumMod val="95000"/>
+                  </a:schemeClr>
+                </a:solidFill>
+              </a:rPr>
+              <a:t>del computer/sistema informatico, definito meglio come l’insieme di istruzioni, codice eseguibile, dati ed informazioni.</a:t>
             </a:r>
           </a:p>
         </p:txBody>
@@ -16571,7 +16887,137 @@
           <a:bodyPr/>
           <a:lstStyle/>
           <a:p>
-            <a:endParaRPr lang="it-IT"/>
+            <a:r>
+              <a:rPr lang="it-IT" dirty="0">
+                <a:solidFill>
+                  <a:schemeClr val="tx1">
+                    <a:lumMod val="95000"/>
+                  </a:schemeClr>
+                </a:solidFill>
+              </a:rPr>
+              <a:t>I sistemi informatici si distinguono principalmente in 3 ruoli logici, ovvero:</a:t>
+            </a:r>
+          </a:p>
+          <a:p>
+            <a:pPr marL="342900" indent="-342900">
+              <a:buFont typeface="Arial" panose="020B0604020202020204" pitchFamily="34" charset="0"/>
+              <a:buChar char="•"/>
+            </a:pPr>
+            <a:r>
+              <a:rPr lang="it-IT" dirty="0">
+                <a:solidFill>
+                  <a:schemeClr val="accent5">
+                    <a:lumMod val="60000"/>
+                    <a:lumOff val="40000"/>
+                  </a:schemeClr>
+                </a:solidFill>
+              </a:rPr>
+              <a:t>Presentazione</a:t>
+            </a:r>
+            <a:r>
+              <a:rPr lang="it-IT" dirty="0">
+                <a:solidFill>
+                  <a:schemeClr val="tx1">
+                    <a:lumMod val="95000"/>
+                  </a:schemeClr>
+                </a:solidFill>
+              </a:rPr>
+              <a:t> (Front-end): Utilizzato per la presentazione delle informazioni agli utenti del sistema</a:t>
+            </a:r>
+          </a:p>
+          <a:p>
+            <a:pPr marL="342900" indent="-342900">
+              <a:buFont typeface="Arial" panose="020B0604020202020204" pitchFamily="34" charset="0"/>
+              <a:buChar char="•"/>
+            </a:pPr>
+            <a:r>
+              <a:rPr lang="it-IT" dirty="0">
+                <a:solidFill>
+                  <a:schemeClr val="accent5">
+                    <a:lumMod val="60000"/>
+                    <a:lumOff val="40000"/>
+                  </a:schemeClr>
+                </a:solidFill>
+              </a:rPr>
+              <a:t>Applicazione</a:t>
+            </a:r>
+            <a:r>
+              <a:rPr lang="it-IT" dirty="0">
+                <a:solidFill>
+                  <a:schemeClr val="tx1">
+                    <a:lumMod val="95000"/>
+                  </a:schemeClr>
+                </a:solidFill>
+              </a:rPr>
+              <a:t> (</a:t>
+            </a:r>
+            <a:r>
+              <a:rPr lang="it-IT" dirty="0" err="1">
+                <a:solidFill>
+                  <a:schemeClr val="tx1">
+                    <a:lumMod val="95000"/>
+                  </a:schemeClr>
+                </a:solidFill>
+              </a:rPr>
+              <a:t>application</a:t>
+            </a:r>
+            <a:r>
+              <a:rPr lang="it-IT" dirty="0">
+                <a:solidFill>
+                  <a:schemeClr val="tx1">
+                    <a:lumMod val="95000"/>
+                  </a:schemeClr>
+                </a:solidFill>
+              </a:rPr>
+              <a:t>/business): Fornisce un applicativo, possiamo pensare ad un gestionale</a:t>
+            </a:r>
+          </a:p>
+          <a:p>
+            <a:pPr marL="342900" indent="-342900">
+              <a:buFont typeface="Arial" panose="020B0604020202020204" pitchFamily="34" charset="0"/>
+              <a:buChar char="•"/>
+            </a:pPr>
+            <a:r>
+              <a:rPr lang="it-IT" dirty="0">
+                <a:solidFill>
+                  <a:schemeClr val="accent5">
+                    <a:lumMod val="60000"/>
+                    <a:lumOff val="40000"/>
+                  </a:schemeClr>
+                </a:solidFill>
+              </a:rPr>
+              <a:t>Accesso</a:t>
+            </a:r>
+            <a:r>
+              <a:rPr lang="it-IT" dirty="0">
+                <a:solidFill>
+                  <a:schemeClr val="tx1">
+                    <a:lumMod val="95000"/>
+                  </a:schemeClr>
+                </a:solidFill>
+              </a:rPr>
+              <a:t> (Access/ back-end): utilizzati per la gestione dei dati, il salvataggio </a:t>
+            </a:r>
+            <a:r>
+              <a:rPr lang="it-IT" dirty="0" err="1">
+                <a:solidFill>
+                  <a:schemeClr val="tx1">
+                    <a:lumMod val="95000"/>
+                  </a:schemeClr>
+                </a:solidFill>
+              </a:rPr>
+              <a:t>ecc</a:t>
+            </a:r>
+            <a:r>
+              <a:rPr lang="it-IT" dirty="0">
+                <a:solidFill>
+                  <a:schemeClr val="tx1">
+                    <a:lumMod val="95000"/>
+                  </a:schemeClr>
+                </a:solidFill>
+              </a:rPr>
+              <a:t>…</a:t>
+            </a:r>
           </a:p>
         </p:txBody>
       </p:sp>
@@ -16782,12 +17228,23 @@
             <a:r>
               <a:rPr lang="it-IT" dirty="0">
                 <a:solidFill>
-                  <a:schemeClr val="tx1">
-                    <a:lumMod val="95000"/>
-                  </a:schemeClr>
-                </a:solidFill>
-              </a:rPr>
-              <a:t>Linux: Famiglia di sistemi operativi a codice aperto, personalizzati in base al settore di utilizzo (Home Computer-Ubuntu, Cybersecurity-</a:t>
+                  <a:schemeClr val="accent5">
+                    <a:lumMod val="60000"/>
+                    <a:lumOff val="40000"/>
+                  </a:schemeClr>
+                </a:solidFill>
+              </a:rPr>
+              <a:t>Linux</a:t>
+            </a:r>
+            <a:r>
+              <a:rPr lang="it-IT" dirty="0">
+                <a:solidFill>
+                  <a:schemeClr val="tx1">
+                    <a:lumMod val="95000"/>
+                  </a:schemeClr>
+                </a:solidFill>
+              </a:rPr>
+              <a:t>: Famiglia di sistemi operativi a codice aperto, personalizzati in base al settore di utilizzo (Home Computer-Ubuntu, Cybersecurity-</a:t>
             </a:r>
             <a:r>
               <a:rPr lang="it-IT" dirty="0" err="1">
@@ -16814,32 +17271,55 @@
             <a:r>
               <a:rPr lang="it-IT" dirty="0">
                 <a:solidFill>
-                  <a:schemeClr val="tx1">
-                    <a:lumMod val="95000"/>
-                  </a:schemeClr>
-                </a:solidFill>
-              </a:rPr>
-              <a:t>Windows: Famiglia di sistemi operativi prodotta da Microsoft Corp. , è un sistema operativo pensato per essere usato con il mouse in cui l’interfaccia grafica è essenziale.</a:t>
-            </a:r>
-          </a:p>
-          <a:p>
-            <a:r>
-              <a:rPr lang="it-IT" dirty="0">
-                <a:solidFill>
-                  <a:schemeClr val="tx1">
-                    <a:lumMod val="95000"/>
-                  </a:schemeClr>
-                </a:solidFill>
-              </a:rPr>
-              <a:t>MacOS: Sistema operativo sviluppato da Apple, nato come una comunione tra interfaccia grafica professionale e motore Unix.</a:t>
+                  <a:schemeClr val="accent5">
+                    <a:lumMod val="60000"/>
+                    <a:lumOff val="40000"/>
+                  </a:schemeClr>
+                </a:solidFill>
+              </a:rPr>
+              <a:t>Windows</a:t>
+            </a:r>
+            <a:r>
+              <a:rPr lang="it-IT" dirty="0">
+                <a:solidFill>
+                  <a:schemeClr val="tx1">
+                    <a:lumMod val="95000"/>
+                  </a:schemeClr>
+                </a:solidFill>
+              </a:rPr>
+              <a:t>: Famiglia di sistemi operativi prodotta da Microsoft Corp. , è un sistema operativo pensato per essere usato con il mouse in cui l’interfaccia grafica è essenziale.</a:t>
+            </a:r>
+          </a:p>
+          <a:p>
+            <a:r>
+              <a:rPr lang="it-IT" dirty="0">
+                <a:solidFill>
+                  <a:schemeClr val="accent5">
+                    <a:lumMod val="60000"/>
+                    <a:lumOff val="40000"/>
+                  </a:schemeClr>
+                </a:solidFill>
+              </a:rPr>
+              <a:t>MacOS</a:t>
+            </a:r>
+            <a:r>
+              <a:rPr lang="it-IT" dirty="0">
+                <a:solidFill>
+                  <a:schemeClr val="tx1">
+                    <a:lumMod val="95000"/>
+                  </a:schemeClr>
+                </a:solidFill>
+              </a:rPr>
+              <a:t>: Sistema operativo sviluppato da Apple, nato come una comunione tra interfaccia grafica professionale e motore Unix.</a:t>
             </a:r>
           </a:p>
           <a:p>
             <a:r>
               <a:rPr lang="it-IT" dirty="0" err="1">
                 <a:solidFill>
-                  <a:schemeClr val="tx1">
-                    <a:lumMod val="95000"/>
+                  <a:schemeClr val="accent5">
+                    <a:lumMod val="60000"/>
+                    <a:lumOff val="40000"/>
                   </a:schemeClr>
                 </a:solidFill>
               </a:rPr>
@@ -16900,12 +17380,23 @@
             <a:r>
               <a:rPr lang="it-IT" dirty="0">
                 <a:solidFill>
-                  <a:schemeClr val="tx1">
-                    <a:lumMod val="95000"/>
-                  </a:schemeClr>
-                </a:solidFill>
-              </a:rPr>
-              <a:t>Android: Sistema operativo per dispositivi mobili sviluppato da Google e basato su </a:t>
+                  <a:schemeClr val="accent5">
+                    <a:lumMod val="60000"/>
+                    <a:lumOff val="40000"/>
+                  </a:schemeClr>
+                </a:solidFill>
+              </a:rPr>
+              <a:t>Android</a:t>
+            </a:r>
+            <a:r>
+              <a:rPr lang="it-IT" dirty="0">
+                <a:solidFill>
+                  <a:schemeClr val="tx1">
+                    <a:lumMod val="95000"/>
+                  </a:schemeClr>
+                </a:solidFill>
+              </a:rPr>
+              <a:t>: Sistema operativo per dispositivi mobili sviluppato da Google e basato su </a:t>
             </a:r>
             <a:r>
               <a:rPr lang="it-IT" dirty="0" err="1">
@@ -17113,8 +17604,9 @@
             <a:r>
               <a:rPr lang="it-IT" dirty="0" err="1">
                 <a:solidFill>
-                  <a:schemeClr val="tx1">
-                    <a:lumMod val="95000"/>
+                  <a:schemeClr val="accent5">
+                    <a:lumMod val="60000"/>
+                    <a:lumOff val="40000"/>
                   </a:schemeClr>
                 </a:solidFill>
               </a:rPr>
@@ -17139,8 +17631,9 @@
             <a:r>
               <a:rPr lang="it-IT" dirty="0" err="1">
                 <a:solidFill>
-                  <a:schemeClr val="tx1">
-                    <a:lumMod val="95000"/>
+                  <a:schemeClr val="accent5">
+                    <a:lumMod val="60000"/>
+                    <a:lumOff val="40000"/>
                   </a:schemeClr>
                 </a:solidFill>
               </a:rPr>
@@ -17149,12 +17642,23 @@
             <a:r>
               <a:rPr lang="it-IT" dirty="0">
                 <a:solidFill>
-                  <a:schemeClr val="tx1">
-                    <a:lumMod val="95000"/>
-                  </a:schemeClr>
-                </a:solidFill>
-              </a:rPr>
-              <a:t>/loader: Programma che si occupa di caricare in memoria i programmi da eseguire </a:t>
+                  <a:schemeClr val="accent5">
+                    <a:lumMod val="60000"/>
+                    <a:lumOff val="40000"/>
+                  </a:schemeClr>
+                </a:solidFill>
+              </a:rPr>
+              <a:t>/loader</a:t>
+            </a:r>
+            <a:r>
+              <a:rPr lang="it-IT" dirty="0">
+                <a:solidFill>
+                  <a:schemeClr val="tx1">
+                    <a:lumMod val="95000"/>
+                  </a:schemeClr>
+                </a:solidFill>
+              </a:rPr>
+              <a:t>: Programma che si occupa di caricare in memoria i programmi da eseguire </a:t>
             </a:r>
           </a:p>
           <a:p>
@@ -17165,12 +17669,23 @@
             <a:r>
               <a:rPr lang="it-IT" dirty="0">
                 <a:solidFill>
-                  <a:schemeClr val="tx1">
-                    <a:lumMod val="95000"/>
-                  </a:schemeClr>
-                </a:solidFill>
-              </a:rPr>
-              <a:t>Drivers: Programmi che interfacciano i componenti hardware con il sistema operativo.</a:t>
+                  <a:schemeClr val="accent5">
+                    <a:lumMod val="60000"/>
+                    <a:lumOff val="40000"/>
+                  </a:schemeClr>
+                </a:solidFill>
+              </a:rPr>
+              <a:t>Drivers</a:t>
+            </a:r>
+            <a:r>
+              <a:rPr lang="it-IT" dirty="0">
+                <a:solidFill>
+                  <a:schemeClr val="tx1">
+                    <a:lumMod val="95000"/>
+                  </a:schemeClr>
+                </a:solidFill>
+              </a:rPr>
+              <a:t>: Programmi che interfacciano i componenti hardware con il sistema operativo.</a:t>
             </a:r>
           </a:p>
         </p:txBody>
@@ -17264,7 +17779,7 @@
         </p:spPr>
         <p:txBody>
           <a:bodyPr>
-            <a:normAutofit fontScale="92500"/>
+            <a:normAutofit fontScale="92500" lnSpcReduction="20000"/>
           </a:bodyPr>
           <a:lstStyle/>
           <a:p>
@@ -17277,6 +17792,29 @@
                 </a:solidFill>
               </a:rPr>
               <a:t>Un algoritmo è una sequenza finita di istruzioni che specificano come date operazioni elementari devono susseguirsi per risolvere una classe di problemi.</a:t>
+            </a:r>
+          </a:p>
+          <a:p>
+            <a:r>
+              <a:rPr lang="it-IT" dirty="0">
+                <a:solidFill>
+                  <a:schemeClr val="accent5">
+                    <a:lumMod val="60000"/>
+                    <a:lumOff val="40000"/>
+                  </a:schemeClr>
+                </a:solidFill>
+              </a:rPr>
+              <a:t>Caratteristiche dell’algoritmo</a:t>
+            </a:r>
+            <a:r>
+              <a:rPr lang="it-IT" dirty="0">
+                <a:solidFill>
+                  <a:schemeClr val="tx1">
+                    <a:lumMod val="95000"/>
+                  </a:schemeClr>
+                </a:solidFill>
+              </a:rPr>
+              <a:t>:</a:t>
             </a:r>
           </a:p>
           <a:p>
@@ -17489,7 +18027,28 @@
                   </a:schemeClr>
                 </a:solidFill>
               </a:rPr>
-              <a:t>Un dato è la più elementare codifica di un informazione </a:t>
+              <a:t>Un </a:t>
+            </a:r>
+            <a:r>
+              <a:rPr lang="it-IT" dirty="0">
+                <a:solidFill>
+                  <a:schemeClr val="accent5">
+                    <a:lumMod val="60000"/>
+                    <a:lumOff val="40000"/>
+                  </a:schemeClr>
+                </a:solidFill>
+              </a:rPr>
+              <a:t>dato è la più elementare </a:t>
+            </a:r>
+            <a:r>
+              <a:rPr lang="it-IT" dirty="0">
+                <a:solidFill>
+                  <a:schemeClr val="tx1">
+                    <a:lumMod val="95000"/>
+                  </a:schemeClr>
+                </a:solidFill>
+              </a:rPr>
+              <a:t>codifica di un informazione </a:t>
             </a:r>
             <a:r>
               <a:rPr lang="it-IT" dirty="0">
@@ -17513,7 +18072,53 @@
                 </a:solidFill>
                 <a:sym typeface="Wingdings" panose="05000000000000000000" pitchFamily="2" charset="2"/>
               </a:rPr>
-              <a:t>Un informazione è invece il risultato dell’elaborazione di più dati.</a:t>
+              <a:t>Un </a:t>
+            </a:r>
+            <a:r>
+              <a:rPr lang="it-IT" dirty="0">
+                <a:solidFill>
+                  <a:schemeClr val="accent5">
+                    <a:lumMod val="60000"/>
+                    <a:lumOff val="40000"/>
+                  </a:schemeClr>
+                </a:solidFill>
+                <a:sym typeface="Wingdings" panose="05000000000000000000" pitchFamily="2" charset="2"/>
+              </a:rPr>
+              <a:t>informazione</a:t>
+            </a:r>
+            <a:r>
+              <a:rPr lang="it-IT" dirty="0">
+                <a:solidFill>
+                  <a:schemeClr val="tx1">
+                    <a:lumMod val="95000"/>
+                  </a:schemeClr>
+                </a:solidFill>
+                <a:sym typeface="Wingdings" panose="05000000000000000000" pitchFamily="2" charset="2"/>
+              </a:rPr>
+              <a:t> è invece il </a:t>
+            </a:r>
+            <a:r>
+              <a:rPr lang="it-IT" dirty="0">
+                <a:solidFill>
+                  <a:schemeClr val="accent5">
+                    <a:lumMod val="60000"/>
+                    <a:lumOff val="40000"/>
+                  </a:schemeClr>
+                </a:solidFill>
+                <a:sym typeface="Wingdings" panose="05000000000000000000" pitchFamily="2" charset="2"/>
+              </a:rPr>
+              <a:t>risultato dell’elaborazione </a:t>
+            </a:r>
+            <a:r>
+              <a:rPr lang="it-IT" dirty="0">
+                <a:solidFill>
+                  <a:schemeClr val="tx1">
+                    <a:lumMod val="95000"/>
+                  </a:schemeClr>
+                </a:solidFill>
+                <a:sym typeface="Wingdings" panose="05000000000000000000" pitchFamily="2" charset="2"/>
+              </a:rPr>
+              <a:t>di più dati.</a:t>
             </a:r>
             <a:endParaRPr lang="it-IT" dirty="0">
               <a:solidFill>
@@ -20852,7 +21457,28 @@
                   </a:schemeClr>
                 </a:solidFill>
               </a:rPr>
-              <a:t>Il sistema informatico è la struttura identificata dal complesso delle risorse Hardware/software incaricata della gestione dei dati e delle informazioni.</a:t>
+              <a:t>Il </a:t>
+            </a:r>
+            <a:r>
+              <a:rPr lang="it-IT" dirty="0">
+                <a:solidFill>
+                  <a:schemeClr val="accent5">
+                    <a:lumMod val="60000"/>
+                    <a:lumOff val="40000"/>
+                  </a:schemeClr>
+                </a:solidFill>
+              </a:rPr>
+              <a:t>sistema informatico </a:t>
+            </a:r>
+            <a:r>
+              <a:rPr lang="it-IT" dirty="0">
+                <a:solidFill>
+                  <a:schemeClr val="tx1">
+                    <a:lumMod val="95000"/>
+                  </a:schemeClr>
+                </a:solidFill>
+              </a:rPr>
+              <a:t>è la struttura identificata dal complesso delle risorse Hardware/software incaricata della gestione dei dati e delle informazioni.</a:t>
             </a:r>
           </a:p>
         </p:txBody>
@@ -22975,7 +23601,7 @@
                   </a:schemeClr>
                 </a:solidFill>
               </a:rPr>
-              <a:t> Vi era quindi la necessità di elaborare informazioni velocemente in modo automatico privo dell’intervento dell’uomo per ottimizzarne il loro utilizzo.     Le prime vere «informazioni» per il quale nacque la necessità di possedere un «calcolatore» erano le operazioni matematiche.</a:t>
+              <a:t> Vi era quindi la necessità di elaborare informazioni velocemente in modo automatico privo dell’intervento dell’uomo per ottimizzarne il loro utilizzo.     Le prime vere «informazioni» per il quale nacque la necessità di possedere un «calcolatore» sono le operazioni matematiche.</a:t>
             </a:r>
           </a:p>
         </p:txBody>
@@ -25104,7 +25730,28 @@
                   </a:schemeClr>
                 </a:solidFill>
               </a:rPr>
-              <a:t> (1840) un matematico e filosofo che per primo ebbe l’idea di costruire un elaboratore programmabile.</a:t>
+              <a:t> (1840) un matematico e filosofo che per primo ebbe l’idea di costruire un </a:t>
+            </a:r>
+            <a:r>
+              <a:rPr lang="it-IT" dirty="0">
+                <a:solidFill>
+                  <a:schemeClr val="accent5">
+                    <a:lumMod val="60000"/>
+                    <a:lumOff val="40000"/>
+                  </a:schemeClr>
+                </a:solidFill>
+              </a:rPr>
+              <a:t>elaboratore programmabile</a:t>
+            </a:r>
+            <a:r>
+              <a:rPr lang="it-IT" dirty="0">
+                <a:solidFill>
+                  <a:schemeClr val="tx1">
+                    <a:lumMod val="95000"/>
+                  </a:schemeClr>
+                </a:solidFill>
+              </a:rPr>
+              <a:t>.</a:t>
             </a:r>
           </a:p>
           <a:p>
@@ -25234,7 +25881,14 @@
           <a:p>
             <a:pPr algn="ctr"/>
             <a:r>
-              <a:rPr lang="it-IT" dirty="0"/>
+              <a:rPr lang="it-IT" dirty="0">
+                <a:solidFill>
+                  <a:schemeClr val="accent5">
+                    <a:lumMod val="60000"/>
+                    <a:lumOff val="40000"/>
+                  </a:schemeClr>
+                </a:solidFill>
+              </a:rPr>
               <a:t>Input-elaborazione-controllo-output</a:t>
             </a:r>
           </a:p>
@@ -26381,7 +27035,80 @@
           <a:bodyPr/>
           <a:lstStyle/>
           <a:p>
-            <a:endParaRPr lang="it-IT"/>
+            <a:r>
+              <a:rPr lang="it-IT" dirty="0">
+                <a:solidFill>
+                  <a:schemeClr val="tx1">
+                    <a:lumMod val="95000"/>
+                  </a:schemeClr>
+                </a:solidFill>
+              </a:rPr>
+              <a:t>IN precedenza abbiamo discusso le fasi principali di una CPU (fetch, </a:t>
+            </a:r>
+            <a:r>
+              <a:rPr lang="it-IT" dirty="0" err="1">
+                <a:solidFill>
+                  <a:schemeClr val="tx1">
+                    <a:lumMod val="95000"/>
+                  </a:schemeClr>
+                </a:solidFill>
+              </a:rPr>
+              <a:t>decode</a:t>
+            </a:r>
+            <a:r>
+              <a:rPr lang="it-IT" dirty="0">
+                <a:solidFill>
+                  <a:schemeClr val="tx1">
+                    <a:lumMod val="95000"/>
+                  </a:schemeClr>
+                </a:solidFill>
+              </a:rPr>
+              <a:t>, </a:t>
+            </a:r>
+            <a:r>
+              <a:rPr lang="it-IT" dirty="0" err="1">
+                <a:solidFill>
+                  <a:schemeClr val="tx1">
+                    <a:lumMod val="95000"/>
+                  </a:schemeClr>
+                </a:solidFill>
+              </a:rPr>
+              <a:t>execute</a:t>
+            </a:r>
+            <a:r>
+              <a:rPr lang="it-IT" dirty="0">
+                <a:solidFill>
+                  <a:schemeClr val="tx1">
+                    <a:lumMod val="95000"/>
+                  </a:schemeClr>
+                </a:solidFill>
+              </a:rPr>
+              <a:t>).</a:t>
+            </a:r>
+          </a:p>
+          <a:p>
+            <a:r>
+              <a:rPr lang="it-IT" dirty="0">
+                <a:solidFill>
+                  <a:schemeClr val="tx1">
+                    <a:lumMod val="95000"/>
+                  </a:schemeClr>
+                </a:solidFill>
+              </a:rPr>
+              <a:t>Il linguaggio macchina è la rappresentazione più elementare delle istruzioni che possono essere compiute da una CPU ed è il risultato della fase DECODE del processore.</a:t>
+            </a:r>
+          </a:p>
+          <a:p>
+            <a:r>
+              <a:rPr lang="it-IT" dirty="0">
+                <a:solidFill>
+                  <a:schemeClr val="tx1">
+                    <a:lumMod val="95000"/>
+                  </a:schemeClr>
+                </a:solidFill>
+              </a:rPr>
+              <a:t>Ogni processore possiede un proprio linguaggio macchina, le cui istruzioni sono costituite nella generalità da una stringa di bit contenente l’istruzione da eseguire e gli operandi sui quali deve essere eseguita (ES: registri, locazioni di memoria ecc..)</a:t>
+            </a:r>
           </a:p>
         </p:txBody>
       </p:sp>
@@ -26473,10 +27200,329 @@
           </a:xfrm>
         </p:spPr>
         <p:txBody>
-          <a:bodyPr/>
+          <a:bodyPr>
+            <a:normAutofit fontScale="77500" lnSpcReduction="20000"/>
+          </a:bodyPr>
           <a:lstStyle/>
           <a:p>
-            <a:endParaRPr lang="it-IT"/>
+            <a:r>
+              <a:rPr lang="it-IT" dirty="0">
+                <a:solidFill>
+                  <a:schemeClr val="tx1">
+                    <a:lumMod val="95000"/>
+                  </a:schemeClr>
+                </a:solidFill>
+              </a:rPr>
+              <a:t>Il linguaggio assembly come nuovo </a:t>
+            </a:r>
+            <a:r>
+              <a:rPr lang="it-IT" dirty="0" err="1">
+                <a:solidFill>
+                  <a:schemeClr val="tx1">
+                    <a:lumMod val="95000"/>
+                  </a:schemeClr>
+                </a:solidFill>
+              </a:rPr>
+              <a:t>layer</a:t>
+            </a:r>
+            <a:r>
+              <a:rPr lang="it-IT" dirty="0">
+                <a:solidFill>
+                  <a:schemeClr val="tx1">
+                    <a:lumMod val="95000"/>
+                  </a:schemeClr>
+                </a:solidFill>
+              </a:rPr>
+              <a:t> di astrazione.</a:t>
+            </a:r>
+          </a:p>
+          <a:p>
+            <a:r>
+              <a:rPr lang="it-IT" dirty="0">
+                <a:solidFill>
+                  <a:schemeClr val="tx1">
+                    <a:lumMod val="95000"/>
+                  </a:schemeClr>
+                </a:solidFill>
+              </a:rPr>
+              <a:t>Data la difficoltà nella programmazione in linguaggio macchina viene definito il linguaggio assembly che propone una corrispondenza tra istruzioni basilari mnemoniche e istruzioni in linguaggio macchina.</a:t>
+            </a:r>
+          </a:p>
+          <a:p>
+            <a:r>
+              <a:rPr lang="it-IT" dirty="0">
+                <a:solidFill>
+                  <a:schemeClr val="tx1">
+                    <a:lumMod val="95000"/>
+                  </a:schemeClr>
+                </a:solidFill>
+              </a:rPr>
+              <a:t>Il linguaggio assembly definisce una struttura per le stringhe di codice :</a:t>
+            </a:r>
+          </a:p>
+          <a:p>
+            <a:pPr algn="ctr"/>
+            <a:r>
+              <a:rPr lang="it-IT" dirty="0">
+                <a:solidFill>
+                  <a:schemeClr val="tx1">
+                    <a:lumMod val="95000"/>
+                  </a:schemeClr>
+                </a:solidFill>
+              </a:rPr>
+              <a:t> Label  OPCODE  </a:t>
+            </a:r>
+            <a:r>
+              <a:rPr lang="it-IT" dirty="0" err="1">
+                <a:solidFill>
+                  <a:schemeClr val="tx1">
+                    <a:lumMod val="95000"/>
+                  </a:schemeClr>
+                </a:solidFill>
+              </a:rPr>
+              <a:t>operands</a:t>
+            </a:r>
+            <a:r>
+              <a:rPr lang="it-IT" dirty="0">
+                <a:solidFill>
+                  <a:schemeClr val="tx1">
+                    <a:lumMod val="95000"/>
+                  </a:schemeClr>
+                </a:solidFill>
+              </a:rPr>
+              <a:t>  ;</a:t>
+            </a:r>
+            <a:r>
+              <a:rPr lang="it-IT" dirty="0" err="1">
+                <a:solidFill>
+                  <a:schemeClr val="tx1">
+                    <a:lumMod val="95000"/>
+                  </a:schemeClr>
+                </a:solidFill>
+              </a:rPr>
+              <a:t>comments</a:t>
+            </a:r>
+            <a:endParaRPr lang="it-IT" dirty="0">
+              <a:solidFill>
+                <a:schemeClr val="tx1">
+                  <a:lumMod val="95000"/>
+                </a:schemeClr>
+              </a:solidFill>
+            </a:endParaRPr>
+          </a:p>
+          <a:p>
+            <a:r>
+              <a:rPr lang="it-IT" dirty="0">
+                <a:solidFill>
+                  <a:schemeClr val="tx1">
+                    <a:lumMod val="95000"/>
+                  </a:schemeClr>
+                </a:solidFill>
+              </a:rPr>
+              <a:t>In cui: </a:t>
+            </a:r>
+          </a:p>
+          <a:p>
+            <a:pPr marL="342900" indent="-342900">
+              <a:buFont typeface="Arial" panose="020B0604020202020204" pitchFamily="34" charset="0"/>
+              <a:buChar char="•"/>
+            </a:pPr>
+            <a:r>
+              <a:rPr lang="it-IT" dirty="0">
+                <a:solidFill>
+                  <a:schemeClr val="tx1">
+                    <a:lumMod val="95000"/>
+                  </a:schemeClr>
+                </a:solidFill>
+              </a:rPr>
+              <a:t>Label identifica un riferimento simbolico scelto dal programmatore per indicare l’indirizzo di memoria contenente l’istruzione</a:t>
+            </a:r>
+          </a:p>
+          <a:p>
+            <a:pPr marL="342900" indent="-342900">
+              <a:buFont typeface="Arial" panose="020B0604020202020204" pitchFamily="34" charset="0"/>
+              <a:buChar char="•"/>
+            </a:pPr>
+            <a:r>
+              <a:rPr lang="it-IT" dirty="0" err="1">
+                <a:solidFill>
+                  <a:schemeClr val="tx1">
+                    <a:lumMod val="95000"/>
+                  </a:schemeClr>
+                </a:solidFill>
+              </a:rPr>
+              <a:t>opcode</a:t>
+            </a:r>
+            <a:r>
+              <a:rPr lang="it-IT" dirty="0">
+                <a:solidFill>
+                  <a:schemeClr val="tx1">
+                    <a:lumMod val="95000"/>
+                  </a:schemeClr>
+                </a:solidFill>
+              </a:rPr>
+              <a:t>: identifica un codice mnemonico associato ad un operazione (es: </a:t>
+            </a:r>
+            <a:r>
+              <a:rPr lang="it-IT" dirty="0" err="1">
+                <a:solidFill>
+                  <a:schemeClr val="tx1">
+                    <a:lumMod val="95000"/>
+                  </a:schemeClr>
+                </a:solidFill>
+              </a:rPr>
+              <a:t>add</a:t>
+            </a:r>
+            <a:r>
+              <a:rPr lang="it-IT" dirty="0">
+                <a:solidFill>
+                  <a:schemeClr val="tx1">
+                    <a:lumMod val="95000"/>
+                  </a:schemeClr>
+                </a:solidFill>
+              </a:rPr>
+              <a:t>, </a:t>
+            </a:r>
+            <a:r>
+              <a:rPr lang="it-IT" dirty="0" err="1">
+                <a:solidFill>
+                  <a:schemeClr val="tx1">
+                    <a:lumMod val="95000"/>
+                  </a:schemeClr>
+                </a:solidFill>
+              </a:rPr>
+              <a:t>move</a:t>
+            </a:r>
+            <a:r>
+              <a:rPr lang="it-IT" dirty="0">
+                <a:solidFill>
+                  <a:schemeClr val="tx1">
+                    <a:lumMod val="95000"/>
+                  </a:schemeClr>
+                </a:solidFill>
+              </a:rPr>
+              <a:t>)</a:t>
+            </a:r>
+          </a:p>
+          <a:p>
+            <a:pPr marL="342900" indent="-342900">
+              <a:buFont typeface="Arial" panose="020B0604020202020204" pitchFamily="34" charset="0"/>
+              <a:buChar char="•"/>
+            </a:pPr>
+            <a:r>
+              <a:rPr lang="it-IT" dirty="0" err="1">
+                <a:solidFill>
+                  <a:schemeClr val="tx1">
+                    <a:lumMod val="95000"/>
+                  </a:schemeClr>
+                </a:solidFill>
+              </a:rPr>
+              <a:t>Operands</a:t>
+            </a:r>
+            <a:r>
+              <a:rPr lang="it-IT" dirty="0">
+                <a:solidFill>
+                  <a:schemeClr val="tx1">
+                    <a:lumMod val="95000"/>
+                  </a:schemeClr>
+                </a:solidFill>
+              </a:rPr>
+              <a:t> identifica riferimenti a registri o indirizzi di memoria (es </a:t>
+            </a:r>
+            <a:r>
+              <a:rPr lang="it-IT" dirty="0" err="1">
+                <a:solidFill>
+                  <a:schemeClr val="tx1">
+                    <a:lumMod val="95000"/>
+                  </a:schemeClr>
+                </a:solidFill>
+              </a:rPr>
+              <a:t>ax</a:t>
+            </a:r>
+            <a:r>
+              <a:rPr lang="it-IT" dirty="0">
+                <a:solidFill>
+                  <a:schemeClr val="tx1">
+                    <a:lumMod val="95000"/>
+                  </a:schemeClr>
+                </a:solidFill>
+              </a:rPr>
+              <a:t>, </a:t>
+            </a:r>
+            <a:r>
+              <a:rPr lang="it-IT" dirty="0" err="1">
+                <a:solidFill>
+                  <a:schemeClr val="tx1">
+                    <a:lumMod val="95000"/>
+                  </a:schemeClr>
+                </a:solidFill>
+              </a:rPr>
+              <a:t>bx</a:t>
+            </a:r>
+            <a:r>
+              <a:rPr lang="it-IT" dirty="0">
+                <a:solidFill>
+                  <a:schemeClr val="tx1">
+                    <a:lumMod val="95000"/>
+                  </a:schemeClr>
+                </a:solidFill>
+              </a:rPr>
+              <a:t>)</a:t>
+            </a:r>
+          </a:p>
+          <a:p>
+            <a:pPr marL="342900" indent="-342900">
+              <a:buFont typeface="Arial" panose="020B0604020202020204" pitchFamily="34" charset="0"/>
+              <a:buChar char="•"/>
+            </a:pPr>
+            <a:r>
+              <a:rPr lang="it-IT" dirty="0">
+                <a:solidFill>
+                  <a:schemeClr val="tx1">
+                    <a:lumMod val="95000"/>
+                  </a:schemeClr>
+                </a:solidFill>
+              </a:rPr>
+              <a:t>;</a:t>
+            </a:r>
+            <a:r>
+              <a:rPr lang="it-IT" dirty="0" err="1">
+                <a:solidFill>
+                  <a:schemeClr val="tx1">
+                    <a:lumMod val="95000"/>
+                  </a:schemeClr>
+                </a:solidFill>
+              </a:rPr>
+              <a:t>Comments</a:t>
+            </a:r>
+            <a:r>
+              <a:rPr lang="it-IT" dirty="0">
+                <a:solidFill>
+                  <a:schemeClr val="tx1">
+                    <a:lumMod val="95000"/>
+                  </a:schemeClr>
+                </a:solidFill>
+              </a:rPr>
+              <a:t> indica un commento libero del programmatore</a:t>
+            </a:r>
+          </a:p>
+          <a:p>
+            <a:endParaRPr lang="it-IT" dirty="0">
+              <a:solidFill>
+                <a:schemeClr val="tx1">
+                  <a:lumMod val="95000"/>
+                </a:schemeClr>
+              </a:solidFill>
+            </a:endParaRPr>
+          </a:p>
+          <a:p>
+            <a:endParaRPr lang="it-IT" dirty="0">
+              <a:solidFill>
+                <a:schemeClr val="tx1">
+                  <a:lumMod val="95000"/>
+                </a:schemeClr>
+              </a:solidFill>
+            </a:endParaRPr>
           </a:p>
         </p:txBody>
       </p:sp>
@@ -26565,17 +27611,206 @@
         <p:spPr>
           <a:xfrm>
             <a:off x="1876425" y="1555124"/>
-            <a:ext cx="9515826" cy="4115834"/>
+            <a:ext cx="5833058" cy="4115834"/>
           </a:xfrm>
         </p:spPr>
         <p:txBody>
-          <a:bodyPr/>
+          <a:bodyPr>
+            <a:normAutofit fontScale="77500" lnSpcReduction="20000"/>
+          </a:bodyPr>
           <a:lstStyle/>
           <a:p>
-            <a:endParaRPr lang="it-IT"/>
-          </a:p>
-        </p:txBody>
-      </p:sp>
+            <a:r>
+              <a:rPr lang="it-IT" dirty="0">
+                <a:solidFill>
+                  <a:schemeClr val="tx1">
+                    <a:lumMod val="95000"/>
+                  </a:schemeClr>
+                </a:solidFill>
+              </a:rPr>
+              <a:t>Quale differenza c’è tra assembly ed </a:t>
+            </a:r>
+            <a:r>
+              <a:rPr lang="it-IT" dirty="0" err="1">
+                <a:solidFill>
+                  <a:schemeClr val="tx1">
+                    <a:lumMod val="95000"/>
+                  </a:schemeClr>
+                </a:solidFill>
+              </a:rPr>
+              <a:t>assembler</a:t>
+            </a:r>
+            <a:r>
+              <a:rPr lang="it-IT" dirty="0">
+                <a:solidFill>
+                  <a:schemeClr val="tx1">
+                    <a:lumMod val="95000"/>
+                  </a:schemeClr>
+                </a:solidFill>
+              </a:rPr>
+              <a:t>?</a:t>
+            </a:r>
+          </a:p>
+          <a:p>
+            <a:r>
+              <a:rPr lang="it-IT" dirty="0">
+                <a:solidFill>
+                  <a:schemeClr val="tx1">
+                    <a:lumMod val="95000"/>
+                  </a:schemeClr>
+                </a:solidFill>
+              </a:rPr>
+              <a:t>Assembler è il nome dato al programma che si occupa di eseguire la traduzione automatica da codice assembly a codice macchina.</a:t>
+            </a:r>
+          </a:p>
+          <a:p>
+            <a:r>
+              <a:rPr lang="it-IT" dirty="0">
+                <a:solidFill>
+                  <a:schemeClr val="tx1">
+                    <a:lumMod val="95000"/>
+                  </a:schemeClr>
+                </a:solidFill>
+              </a:rPr>
+              <a:t>Ma tutti i processori possiedono un proprio linguaggio macchina!!</a:t>
+            </a:r>
+          </a:p>
+          <a:p>
+            <a:r>
+              <a:rPr lang="it-IT" dirty="0">
+                <a:solidFill>
+                  <a:schemeClr val="tx1">
+                    <a:lumMod val="95000"/>
+                  </a:schemeClr>
+                </a:solidFill>
+              </a:rPr>
+              <a:t>Il programma </a:t>
+            </a:r>
+            <a:r>
+              <a:rPr lang="it-IT" dirty="0" err="1">
+                <a:solidFill>
+                  <a:schemeClr val="tx1">
+                    <a:lumMod val="95000"/>
+                  </a:schemeClr>
+                </a:solidFill>
+              </a:rPr>
+              <a:t>assembler</a:t>
+            </a:r>
+            <a:r>
+              <a:rPr lang="it-IT" dirty="0">
+                <a:solidFill>
+                  <a:schemeClr val="tx1">
+                    <a:lumMod val="95000"/>
+                  </a:schemeClr>
+                </a:solidFill>
+              </a:rPr>
+              <a:t> per risolvere questo problema permette al programmatore di definire delle pseudo-istruzioni o direttive  che fungono da guida nel processo di traduzione automatica.</a:t>
+            </a:r>
+          </a:p>
+          <a:p>
+            <a:r>
+              <a:rPr lang="it-IT" dirty="0">
+                <a:solidFill>
+                  <a:schemeClr val="tx1">
+                    <a:lumMod val="95000"/>
+                  </a:schemeClr>
+                </a:solidFill>
+              </a:rPr>
+              <a:t>Es: .end</a:t>
+            </a:r>
+          </a:p>
+          <a:p>
+            <a:r>
+              <a:rPr lang="it-IT" dirty="0">
+                <a:solidFill>
+                  <a:schemeClr val="tx1">
+                    <a:lumMod val="95000"/>
+                  </a:schemeClr>
+                </a:solidFill>
+              </a:rPr>
+              <a:t>. È l’</a:t>
+            </a:r>
+            <a:r>
+              <a:rPr lang="it-IT" dirty="0" err="1">
+                <a:solidFill>
+                  <a:schemeClr val="tx1">
+                    <a:lumMod val="95000"/>
+                  </a:schemeClr>
+                </a:solidFill>
+              </a:rPr>
+              <a:t>Opcode</a:t>
+            </a:r>
+            <a:r>
+              <a:rPr lang="it-IT" dirty="0">
+                <a:solidFill>
+                  <a:schemeClr val="tx1">
+                    <a:lumMod val="95000"/>
+                  </a:schemeClr>
+                </a:solidFill>
+              </a:rPr>
+              <a:t> che definisce la direttiva</a:t>
+            </a:r>
+          </a:p>
+          <a:p>
+            <a:r>
+              <a:rPr lang="it-IT" dirty="0">
+                <a:solidFill>
+                  <a:schemeClr val="tx1">
+                    <a:lumMod val="95000"/>
+                  </a:schemeClr>
+                </a:solidFill>
+              </a:rPr>
+              <a:t>End indica la conclusione della traduzione</a:t>
+            </a:r>
+          </a:p>
+        </p:txBody>
+      </p:sp>
+      <p:pic>
+        <p:nvPicPr>
+          <p:cNvPr id="5" name="Immagine 4">
+            <a:extLst>
+              <a:ext uri="{FF2B5EF4-FFF2-40B4-BE49-F238E27FC236}">
+                <a16:creationId xmlns:a16="http://schemas.microsoft.com/office/drawing/2014/main" id="{03212B3E-B230-4E48-A3FD-D8A9FFD002D9}"/>
+              </a:ext>
+            </a:extLst>
+          </p:cNvPr>
+          <p:cNvPicPr>
+            <a:picLocks noChangeAspect="1"/>
+          </p:cNvPicPr>
+          <p:nvPr/>
+        </p:nvPicPr>
+        <p:blipFill>
+          <a:blip r:embed="rId2"/>
+          <a:stretch>
+            <a:fillRect/>
+          </a:stretch>
+        </p:blipFill>
+        <p:spPr>
+          <a:xfrm>
+            <a:off x="7969541" y="1367405"/>
+            <a:ext cx="3043005" cy="4304109"/>
+          </a:xfrm>
+          <a:prstGeom prst="round2DiagRect">
+            <a:avLst>
+              <a:gd name="adj1" fmla="val 16667"/>
+              <a:gd name="adj2" fmla="val 0"/>
+            </a:avLst>
+          </a:prstGeom>
+          <a:ln w="88900" cap="sq">
+            <a:solidFill>
+              <a:srgbClr val="FFFFFF"/>
+            </a:solidFill>
+            <a:miter lim="800000"/>
+          </a:ln>
+          <a:effectLst>
+            <a:outerShdw blurRad="254000" algn="tl" rotWithShape="0">
+              <a:srgbClr val="000000">
+                <a:alpha val="43000"/>
+              </a:srgbClr>
+            </a:outerShdw>
+          </a:effectLst>
+        </p:spPr>
+      </p:pic>
     </p:spTree>
     <p:extLst>
       <p:ext uri="{BB962C8B-B14F-4D97-AF65-F5344CB8AC3E}">
@@ -26781,7 +28016,28 @@
                   </a:schemeClr>
                 </a:solidFill>
               </a:rPr>
-              <a:t>tanto impegnata agli albori dell’informatica da definire il primo linguaggio di programmazione, destinato ad una macchina teorica.</a:t>
+              <a:t>tanto impegnata agli albori dell’informatica da definire il </a:t>
+            </a:r>
+            <a:r>
+              <a:rPr lang="it-IT" dirty="0">
+                <a:solidFill>
+                  <a:schemeClr val="accent5">
+                    <a:lumMod val="60000"/>
+                    <a:lumOff val="40000"/>
+                  </a:schemeClr>
+                </a:solidFill>
+              </a:rPr>
+              <a:t>primo algoritmo</a:t>
+            </a:r>
+            <a:r>
+              <a:rPr lang="it-IT" dirty="0">
+                <a:solidFill>
+                  <a:schemeClr val="tx1">
+                    <a:lumMod val="95000"/>
+                  </a:schemeClr>
+                </a:solidFill>
+              </a:rPr>
+              <a:t>, destinato ad una macchina teorica.</a:t>
             </a:r>
           </a:p>
           <a:p>
@@ -26978,10 +28234,118 @@
           </a:xfrm>
         </p:spPr>
         <p:txBody>
-          <a:bodyPr/>
+          <a:bodyPr>
+            <a:normAutofit fontScale="92500" lnSpcReduction="20000"/>
+          </a:bodyPr>
           <a:lstStyle/>
           <a:p>
-            <a:endParaRPr lang="it-IT"/>
+            <a:r>
+              <a:rPr lang="it-IT" dirty="0">
+                <a:solidFill>
+                  <a:schemeClr val="tx1">
+                    <a:lumMod val="95000"/>
+                  </a:schemeClr>
+                </a:solidFill>
+              </a:rPr>
+              <a:t>Il linguaggio assembly è considerato un linguaggio di basso livello siccome molto vicino alla comprensione da parte della macchina piuttosto che dell’uomo.</a:t>
+            </a:r>
+          </a:p>
+          <a:p>
+            <a:r>
+              <a:rPr lang="it-IT" dirty="0">
+                <a:solidFill>
+                  <a:schemeClr val="tx1">
+                    <a:lumMod val="95000"/>
+                  </a:schemeClr>
+                </a:solidFill>
+              </a:rPr>
+              <a:t>I linguaggi ad alto livello nascono dall’idea opposta, ovvero sono dei linguaggi molto più comprensibili all’uomo rispetto che alla macchina;  le istruzioni sono descritte attraverso una vicinanza con il linguaggio naturale.</a:t>
+            </a:r>
+          </a:p>
+          <a:p>
+            <a:r>
+              <a:rPr lang="it-IT" dirty="0">
+                <a:solidFill>
+                  <a:schemeClr val="tx1">
+                    <a:lumMod val="95000"/>
+                  </a:schemeClr>
+                </a:solidFill>
+              </a:rPr>
+              <a:t>Questo tipo di linguaggi porta i seguenti benefici:</a:t>
+            </a:r>
+          </a:p>
+          <a:p>
+            <a:pPr marL="342900" indent="-342900">
+              <a:buFont typeface="Arial" panose="020B0604020202020204" pitchFamily="34" charset="0"/>
+              <a:buChar char="•"/>
+            </a:pPr>
+            <a:r>
+              <a:rPr lang="it-IT" dirty="0">
+                <a:solidFill>
+                  <a:schemeClr val="tx1">
+                    <a:lumMod val="95000"/>
+                  </a:schemeClr>
+                </a:solidFill>
+              </a:rPr>
+              <a:t>Leggibilità</a:t>
+            </a:r>
+          </a:p>
+          <a:p>
+            <a:pPr marL="342900" indent="-342900">
+              <a:buFont typeface="Arial" panose="020B0604020202020204" pitchFamily="34" charset="0"/>
+              <a:buChar char="•"/>
+            </a:pPr>
+            <a:r>
+              <a:rPr lang="it-IT" dirty="0">
+                <a:solidFill>
+                  <a:schemeClr val="tx1">
+                    <a:lumMod val="95000"/>
+                  </a:schemeClr>
+                </a:solidFill>
+              </a:rPr>
+              <a:t>Portabilità</a:t>
+            </a:r>
+          </a:p>
+          <a:p>
+            <a:pPr marL="342900" indent="-342900">
+              <a:buFont typeface="Arial" panose="020B0604020202020204" pitchFamily="34" charset="0"/>
+              <a:buChar char="•"/>
+            </a:pPr>
+            <a:r>
+              <a:rPr lang="it-IT" dirty="0">
+                <a:solidFill>
+                  <a:schemeClr val="tx1">
+                    <a:lumMod val="95000"/>
+                  </a:schemeClr>
+                </a:solidFill>
+              </a:rPr>
+              <a:t>Costruzione di librerie</a:t>
+            </a:r>
+          </a:p>
+          <a:p>
+            <a:pPr marL="342900" indent="-342900">
+              <a:buFont typeface="Arial" panose="020B0604020202020204" pitchFamily="34" charset="0"/>
+              <a:buChar char="•"/>
+            </a:pPr>
+            <a:r>
+              <a:rPr lang="it-IT" dirty="0">
+                <a:solidFill>
+                  <a:schemeClr val="tx1">
+                    <a:lumMod val="95000"/>
+                  </a:schemeClr>
+                </a:solidFill>
+              </a:rPr>
+              <a:t>Maggiore semplicità nel controllo sull’efficienza</a:t>
+            </a:r>
+          </a:p>
+          <a:p>
+            <a:endParaRPr lang="it-IT" dirty="0">
+              <a:solidFill>
+                <a:schemeClr val="tx1">
+                  <a:lumMod val="95000"/>
+                </a:schemeClr>
+              </a:solidFill>
+            </a:endParaRPr>
           </a:p>
         </p:txBody>
       </p:sp>
@@ -27080,10 +28444,141 @@
           </a:xfrm>
         </p:spPr>
         <p:txBody>
-          <a:bodyPr/>
+          <a:bodyPr>
+            <a:normAutofit fontScale="77500" lnSpcReduction="20000"/>
+          </a:bodyPr>
           <a:lstStyle/>
           <a:p>
-            <a:endParaRPr lang="it-IT"/>
+            <a:r>
+              <a:rPr lang="it-IT" dirty="0">
+                <a:solidFill>
+                  <a:schemeClr val="tx1">
+                    <a:lumMod val="95000"/>
+                  </a:schemeClr>
+                </a:solidFill>
+              </a:rPr>
+              <a:t>I linguaggi ad alto livello richiedono un compilatore o un interprete in grado di renderli comprensibili alla macchina.</a:t>
+            </a:r>
+          </a:p>
+          <a:p>
+            <a:r>
+              <a:rPr lang="it-IT" dirty="0">
+                <a:solidFill>
+                  <a:schemeClr val="tx1">
+                    <a:lumMod val="95000"/>
+                  </a:schemeClr>
+                </a:solidFill>
+              </a:rPr>
+              <a:t>Il compilatore si occupa di :</a:t>
+            </a:r>
+          </a:p>
+          <a:p>
+            <a:pPr marL="342900" indent="-342900">
+              <a:buFont typeface="Arial" panose="020B0604020202020204" pitchFamily="34" charset="0"/>
+              <a:buChar char="•"/>
+            </a:pPr>
+            <a:r>
+              <a:rPr lang="it-IT" dirty="0">
+                <a:solidFill>
+                  <a:schemeClr val="tx1">
+                    <a:lumMod val="95000"/>
+                  </a:schemeClr>
+                </a:solidFill>
+              </a:rPr>
+              <a:t>Verificare la correttezza delle istruzioni</a:t>
+            </a:r>
+          </a:p>
+          <a:p>
+            <a:pPr marL="342900" indent="-342900">
+              <a:buFont typeface="Arial" panose="020B0604020202020204" pitchFamily="34" charset="0"/>
+              <a:buChar char="•"/>
+            </a:pPr>
+            <a:r>
+              <a:rPr lang="it-IT" dirty="0">
+                <a:solidFill>
+                  <a:schemeClr val="tx1">
+                    <a:lumMod val="95000"/>
+                  </a:schemeClr>
+                </a:solidFill>
+              </a:rPr>
+              <a:t>Tradurre il programma nel linguaggio macchina specifico per un tipo di architettura hardware</a:t>
+            </a:r>
+          </a:p>
+          <a:p>
+            <a:pPr marL="342900" indent="-342900">
+              <a:buFont typeface="Arial" panose="020B0604020202020204" pitchFamily="34" charset="0"/>
+              <a:buChar char="•"/>
+            </a:pPr>
+            <a:r>
+              <a:rPr lang="it-IT" dirty="0">
+                <a:solidFill>
+                  <a:schemeClr val="tx1">
+                    <a:lumMod val="95000"/>
+                  </a:schemeClr>
+                </a:solidFill>
+              </a:rPr>
+              <a:t>Il codice tradotto viene in seguito  assemblato con altre funzioni di librerie o programmi e viene costruito il file eseguibile.</a:t>
+            </a:r>
+          </a:p>
+          <a:p>
+            <a:r>
+              <a:rPr lang="it-IT" dirty="0">
+                <a:solidFill>
+                  <a:schemeClr val="tx1">
+                    <a:lumMod val="95000"/>
+                  </a:schemeClr>
+                </a:solidFill>
+              </a:rPr>
+              <a:t>L’interprete invece:</a:t>
+            </a:r>
+          </a:p>
+          <a:p>
+            <a:pPr marL="342900" indent="-342900">
+              <a:buFont typeface="Arial" panose="020B0604020202020204" pitchFamily="34" charset="0"/>
+              <a:buChar char="•"/>
+            </a:pPr>
+            <a:r>
+              <a:rPr lang="it-IT" dirty="0">
+                <a:solidFill>
+                  <a:schemeClr val="tx1">
+                    <a:lumMod val="95000"/>
+                  </a:schemeClr>
+                </a:solidFill>
+              </a:rPr>
+              <a:t>Verifica la correttezza</a:t>
+            </a:r>
+          </a:p>
+          <a:p>
+            <a:pPr marL="342900" indent="-342900">
+              <a:buFont typeface="Arial" panose="020B0604020202020204" pitchFamily="34" charset="0"/>
+              <a:buChar char="•"/>
+            </a:pPr>
+            <a:r>
+              <a:rPr lang="it-IT" dirty="0">
+                <a:solidFill>
+                  <a:schemeClr val="tx1">
+                    <a:lumMod val="95000"/>
+                  </a:schemeClr>
+                </a:solidFill>
+              </a:rPr>
+              <a:t>Traduce il codice in un formato intermedio</a:t>
+            </a:r>
+          </a:p>
+          <a:p>
+            <a:pPr marL="342900" indent="-342900">
+              <a:buFont typeface="Arial" panose="020B0604020202020204" pitchFamily="34" charset="0"/>
+              <a:buChar char="•"/>
+            </a:pPr>
+            <a:r>
+              <a:rPr lang="it-IT" dirty="0">
+                <a:solidFill>
+                  <a:schemeClr val="tx1">
+                    <a:lumMod val="95000"/>
+                  </a:schemeClr>
+                </a:solidFill>
+              </a:rPr>
+              <a:t>Simula l’esecuzione del codice intermedio</a:t>
+            </a:r>
           </a:p>
         </p:txBody>
       </p:sp>
@@ -27175,10 +28670,69 @@
           </a:xfrm>
         </p:spPr>
         <p:txBody>
-          <a:bodyPr/>
+          <a:bodyPr>
+            <a:normAutofit fontScale="92500"/>
+          </a:bodyPr>
           <a:lstStyle/>
           <a:p>
-            <a:endParaRPr lang="it-IT"/>
+            <a:r>
+              <a:rPr lang="it-IT" dirty="0">
+                <a:solidFill>
+                  <a:schemeClr val="tx1">
+                    <a:lumMod val="95000"/>
+                  </a:schemeClr>
+                </a:solidFill>
+              </a:rPr>
+              <a:t>Le differenze principali tra interpretazione e compilazione sono:</a:t>
+            </a:r>
+          </a:p>
+          <a:p>
+            <a:pPr marL="342900" indent="-342900">
+              <a:buFont typeface="Arial" panose="020B0604020202020204" pitchFamily="34" charset="0"/>
+              <a:buChar char="•"/>
+            </a:pPr>
+            <a:r>
+              <a:rPr lang="it-IT" dirty="0">
+                <a:solidFill>
+                  <a:schemeClr val="tx1">
+                    <a:lumMod val="95000"/>
+                  </a:schemeClr>
+                </a:solidFill>
+              </a:rPr>
+              <a:t>Il compilatore cessa la sua esecuzione una volta costruito l’eseguibile mentre l’interprete necessità di essere in esecuzione ogni volta che il programma viene eseguito.</a:t>
+            </a:r>
+          </a:p>
+          <a:p>
+            <a:pPr marL="342900" indent="-342900">
+              <a:buFont typeface="Arial" panose="020B0604020202020204" pitchFamily="34" charset="0"/>
+              <a:buChar char="•"/>
+            </a:pPr>
+            <a:r>
+              <a:rPr lang="it-IT" dirty="0">
+                <a:solidFill>
+                  <a:schemeClr val="tx1">
+                    <a:lumMod val="95000"/>
+                  </a:schemeClr>
+                </a:solidFill>
+              </a:rPr>
+              <a:t>I compilatori producono un eseguibile per un’architettura software ben definita mentre gli interpreti garantiscono l’indipendenza dalla macchina.</a:t>
+            </a:r>
+          </a:p>
+          <a:p>
+            <a:pPr marL="342900" indent="-342900">
+              <a:buFont typeface="Arial" panose="020B0604020202020204" pitchFamily="34" charset="0"/>
+              <a:buChar char="•"/>
+            </a:pPr>
+            <a:r>
+              <a:rPr lang="it-IT" dirty="0">
+                <a:solidFill>
+                  <a:schemeClr val="tx1">
+                    <a:lumMod val="95000"/>
+                  </a:schemeClr>
+                </a:solidFill>
+              </a:rPr>
+              <a:t>Se necessario correggere o aggiungere codice nei programmi compilati bisognerà modificare il sorgente e creare un nuovo eseguibile, mentre i programmi interpretati possono essere modificati senza dover modificare il «punto di avvio».</a:t>
+            </a:r>
           </a:p>
         </p:txBody>
       </p:sp>
@@ -27265,18 +28819,193 @@
         </p:nvSpPr>
         <p:spPr>
           <a:xfrm>
-            <a:off x="1876425" y="1555124"/>
-            <a:ext cx="9515826" cy="4115834"/>
+            <a:off x="1876422" y="1741705"/>
+            <a:ext cx="6177006" cy="4115834"/>
           </a:xfrm>
         </p:spPr>
         <p:txBody>
-          <a:bodyPr/>
+          <a:bodyPr>
+            <a:normAutofit fontScale="70000" lnSpcReduction="20000"/>
+          </a:bodyPr>
           <a:lstStyle/>
           <a:p>
-            <a:endParaRPr lang="it-IT" dirty="0"/>
-          </a:p>
-        </p:txBody>
-      </p:sp>
+            <a:r>
+              <a:rPr lang="it-IT" dirty="0">
+                <a:solidFill>
+                  <a:schemeClr val="tx1">
+                    <a:lumMod val="95000"/>
+                  </a:schemeClr>
+                </a:solidFill>
+              </a:rPr>
+              <a:t>La compilazione è un processo di traduzione di un linguaggio ad alto livello attraverso un processo efficiente e che consente in maniera indiretta l’utilizzo di dettagli architetturali di basso livello. (Metodi di indirizzamento, memoria cache, </a:t>
+            </a:r>
+            <a:r>
+              <a:rPr lang="it-IT" dirty="0" err="1">
+                <a:solidFill>
+                  <a:schemeClr val="tx1">
+                    <a:lumMod val="95000"/>
+                  </a:schemeClr>
+                </a:solidFill>
+              </a:rPr>
+              <a:t>ecc</a:t>
+            </a:r>
+            <a:r>
+              <a:rPr lang="it-IT" dirty="0">
+                <a:solidFill>
+                  <a:schemeClr val="tx1">
+                    <a:lumMod val="95000"/>
+                  </a:schemeClr>
+                </a:solidFill>
+              </a:rPr>
+              <a:t> …)</a:t>
+            </a:r>
+          </a:p>
+          <a:p>
+            <a:r>
+              <a:rPr lang="it-IT" dirty="0">
+                <a:solidFill>
+                  <a:schemeClr val="tx1">
+                    <a:lumMod val="95000"/>
+                  </a:schemeClr>
+                </a:solidFill>
+              </a:rPr>
+              <a:t>Il processo è suddiviso principalmente in due fasi</a:t>
+            </a:r>
+          </a:p>
+          <a:p>
+            <a:pPr marL="342900" indent="-342900">
+              <a:buFont typeface="Arial" panose="020B0604020202020204" pitchFamily="34" charset="0"/>
+              <a:buChar char="•"/>
+            </a:pPr>
+            <a:r>
+              <a:rPr lang="it-IT" dirty="0">
+                <a:solidFill>
+                  <a:schemeClr val="tx1">
+                    <a:lumMod val="95000"/>
+                  </a:schemeClr>
+                </a:solidFill>
+              </a:rPr>
+              <a:t>Analisi: viene analizzata la grammatica e la struttura sintattica/semantica del programma</a:t>
+            </a:r>
+          </a:p>
+          <a:p>
+            <a:pPr marL="342900" indent="-342900">
+              <a:buFont typeface="Arial" panose="020B0604020202020204" pitchFamily="34" charset="0"/>
+              <a:buChar char="•"/>
+            </a:pPr>
+            <a:r>
+              <a:rPr lang="it-IT" dirty="0">
+                <a:solidFill>
+                  <a:schemeClr val="tx1">
+                    <a:lumMod val="95000"/>
+                  </a:schemeClr>
+                </a:solidFill>
+              </a:rPr>
+              <a:t>Sintesi: viene creato partendo da una rappresentazione intermedia il programma target.</a:t>
+            </a:r>
+          </a:p>
+          <a:p>
+            <a:r>
+              <a:rPr lang="it-IT" dirty="0">
+                <a:solidFill>
+                  <a:schemeClr val="tx1">
+                    <a:lumMod val="95000"/>
+                  </a:schemeClr>
+                </a:solidFill>
+              </a:rPr>
+              <a:t>Mentre le fasi principali dell’interprete sono:</a:t>
+            </a:r>
+          </a:p>
+          <a:p>
+            <a:pPr marL="342900" indent="-342900">
+              <a:buFont typeface="Arial" panose="020B0604020202020204" pitchFamily="34" charset="0"/>
+              <a:buChar char="•"/>
+            </a:pPr>
+            <a:r>
+              <a:rPr lang="it-IT" dirty="0" err="1">
+                <a:solidFill>
+                  <a:schemeClr val="tx1">
+                    <a:lumMod val="95000"/>
+                  </a:schemeClr>
+                </a:solidFill>
+              </a:rPr>
+              <a:t>Parsing</a:t>
+            </a:r>
+            <a:r>
+              <a:rPr lang="it-IT" dirty="0">
+                <a:solidFill>
+                  <a:schemeClr val="tx1">
+                    <a:lumMod val="95000"/>
+                  </a:schemeClr>
+                </a:solidFill>
+              </a:rPr>
+              <a:t>(analisi): si analizza la struttura del codice producendo una versione intermedia</a:t>
+            </a:r>
+          </a:p>
+          <a:p>
+            <a:pPr marL="342900" indent="-342900">
+              <a:buFont typeface="Arial" panose="020B0604020202020204" pitchFamily="34" charset="0"/>
+              <a:buChar char="•"/>
+            </a:pPr>
+            <a:r>
+              <a:rPr lang="it-IT" dirty="0">
+                <a:solidFill>
+                  <a:schemeClr val="tx1">
+                    <a:lumMod val="95000"/>
+                  </a:schemeClr>
+                </a:solidFill>
+              </a:rPr>
+              <a:t>Esecuzione: si esegue la versione intermedia</a:t>
+            </a:r>
+          </a:p>
+        </p:txBody>
+      </p:sp>
+      <p:pic>
+        <p:nvPicPr>
+          <p:cNvPr id="5" name="Immagine 4">
+            <a:extLst>
+              <a:ext uri="{FF2B5EF4-FFF2-40B4-BE49-F238E27FC236}">
+                <a16:creationId xmlns:a16="http://schemas.microsoft.com/office/drawing/2014/main" id="{64C90144-D2F9-4588-8452-430DC70B786D}"/>
+              </a:ext>
+            </a:extLst>
+          </p:cNvPr>
+          <p:cNvPicPr>
+            <a:picLocks noChangeAspect="1"/>
+          </p:cNvPicPr>
+          <p:nvPr/>
+        </p:nvPicPr>
+        <p:blipFill>
+          <a:blip r:embed="rId2"/>
+          <a:stretch>
+            <a:fillRect/>
+          </a:stretch>
+        </p:blipFill>
+        <p:spPr>
+          <a:xfrm>
+            <a:off x="8319198" y="1555124"/>
+            <a:ext cx="3173720" cy="4488996"/>
+          </a:xfrm>
+          <a:prstGeom prst="round2DiagRect">
+            <a:avLst>
+              <a:gd name="adj1" fmla="val 16667"/>
+              <a:gd name="adj2" fmla="val 0"/>
+            </a:avLst>
+          </a:prstGeom>
+          <a:ln w="88900" cap="sq">
+            <a:solidFill>
+              <a:srgbClr val="FFFFFF"/>
+            </a:solidFill>
+            <a:miter lim="800000"/>
+          </a:ln>
+          <a:effectLst>
+            <a:outerShdw blurRad="254000" algn="tl" rotWithShape="0">
+              <a:srgbClr val="000000">
+                <a:alpha val="43000"/>
+              </a:srgbClr>
+            </a:outerShdw>
+          </a:effectLst>
+        </p:spPr>
+      </p:pic>
     </p:spTree>
     <p:extLst>
       <p:ext uri="{BB962C8B-B14F-4D97-AF65-F5344CB8AC3E}">
@@ -27365,10 +29094,92 @@
           </a:xfrm>
         </p:spPr>
         <p:txBody>
-          <a:bodyPr/>
+          <a:bodyPr>
+            <a:normAutofit fontScale="85000" lnSpcReduction="20000"/>
+          </a:bodyPr>
           <a:lstStyle/>
           <a:p>
-            <a:endParaRPr lang="it-IT"/>
+            <a:r>
+              <a:rPr lang="it-IT" dirty="0">
+                <a:solidFill>
+                  <a:schemeClr val="tx1">
+                    <a:lumMod val="95000"/>
+                  </a:schemeClr>
+                </a:solidFill>
+              </a:rPr>
+              <a:t>Un paradigma di programmazione è un modello concettuale che fornisce la struttura di un programma, i principali paradigmi sono:</a:t>
+            </a:r>
+          </a:p>
+          <a:p>
+            <a:pPr marL="342900" indent="-342900">
+              <a:buFont typeface="Arial" panose="020B0604020202020204" pitchFamily="34" charset="0"/>
+              <a:buChar char="•"/>
+            </a:pPr>
+            <a:r>
+              <a:rPr lang="it-IT" dirty="0">
+                <a:solidFill>
+                  <a:schemeClr val="tx1">
+                    <a:lumMod val="95000"/>
+                  </a:schemeClr>
+                </a:solidFill>
+              </a:rPr>
+              <a:t>Programmazione imperativa o procedurale : i linguaggi di questa categoria vedono la computazione come una serie di azioni (programma composto tramite trasformazioni di stato basate sulle assegnazioni)</a:t>
+            </a:r>
+          </a:p>
+          <a:p>
+            <a:pPr marL="342900" indent="-342900">
+              <a:buFont typeface="Arial" panose="020B0604020202020204" pitchFamily="34" charset="0"/>
+              <a:buChar char="•"/>
+            </a:pPr>
+            <a:r>
+              <a:rPr lang="it-IT" dirty="0">
+                <a:solidFill>
+                  <a:schemeClr val="tx1">
+                    <a:lumMod val="95000"/>
+                  </a:schemeClr>
+                </a:solidFill>
+              </a:rPr>
+              <a:t>Programmazione funzionale: un programma viene visto come una funzione che attraverso la sua valutazione porta ad un risultato (orientato alla definizione di nuovi stati)</a:t>
+            </a:r>
+          </a:p>
+          <a:p>
+            <a:pPr marL="342900" indent="-342900">
+              <a:buFont typeface="Arial" panose="020B0604020202020204" pitchFamily="34" charset="0"/>
+              <a:buChar char="•"/>
+            </a:pPr>
+            <a:r>
+              <a:rPr lang="it-IT" dirty="0">
+                <a:solidFill>
+                  <a:schemeClr val="tx1">
+                    <a:lumMod val="95000"/>
+                  </a:schemeClr>
+                </a:solidFill>
+              </a:rPr>
+              <a:t>Programmazione logica: il programma è visto come un problema descritto con un insieme di formule della logica le cui deduzioni sono la soluzione.</a:t>
+            </a:r>
+          </a:p>
+          <a:p>
+            <a:pPr marL="342900" indent="-342900">
+              <a:buFont typeface="Arial" panose="020B0604020202020204" pitchFamily="34" charset="0"/>
+              <a:buChar char="•"/>
+            </a:pPr>
+            <a:r>
+              <a:rPr lang="it-IT" dirty="0">
+                <a:solidFill>
+                  <a:schemeClr val="tx1">
+                    <a:lumMod val="95000"/>
+                  </a:schemeClr>
+                </a:solidFill>
+              </a:rPr>
+              <a:t>Programmazione orientata agli oggetti: è basata sulla creazione di entità software che dirigono le relazioni tra degli oggetti a loro volta utilizzati per rappresentare la realtà di riferimento</a:t>
+            </a:r>
+          </a:p>
+          <a:p>
+            <a:pPr marL="342900" indent="-342900">
+              <a:buFont typeface="Arial" panose="020B0604020202020204" pitchFamily="34" charset="0"/>
+              <a:buChar char="•"/>
+            </a:pPr>
+            <a:endParaRPr lang="it-IT" dirty="0"/>
           </a:p>
         </p:txBody>
       </p:sp>
@@ -27468,7 +29279,13 @@
           <a:bodyPr/>
           <a:lstStyle/>
           <a:p>
-            <a:endParaRPr lang="it-IT"/>
+            <a:endParaRPr lang="it-IT" dirty="0">
+              <a:solidFill>
+                <a:schemeClr val="tx1">
+                  <a:lumMod val="95000"/>
+                </a:schemeClr>
+              </a:solidFill>
+            </a:endParaRPr>
           </a:p>
         </p:txBody>
       </p:sp>
@@ -27975,12 +29792,23 @@
             <a:r>
               <a:rPr lang="it-IT" dirty="0">
                 <a:solidFill>
-                  <a:schemeClr val="tx1">
-                    <a:lumMod val="95000"/>
-                  </a:schemeClr>
-                </a:solidFill>
-              </a:rPr>
-              <a:t>Workstation: rispetto ai personal computer sono indicati per un uso più professionale (grafico o ingegneristico)</a:t>
+                  <a:schemeClr val="accent5">
+                    <a:lumMod val="60000"/>
+                    <a:lumOff val="40000"/>
+                  </a:schemeClr>
+                </a:solidFill>
+              </a:rPr>
+              <a:t>Workstation</a:t>
+            </a:r>
+            <a:r>
+              <a:rPr lang="it-IT" dirty="0">
+                <a:solidFill>
+                  <a:schemeClr val="tx1">
+                    <a:lumMod val="95000"/>
+                  </a:schemeClr>
+                </a:solidFill>
+              </a:rPr>
+              <a:t>: rispetto ai personal computer sono indicati per un uso più professionale (grafico o ingegneristico)</a:t>
             </a:r>
           </a:p>
           <a:p>
@@ -27991,12 +29819,23 @@
             <a:r>
               <a:rPr lang="it-IT" dirty="0">
                 <a:solidFill>
-                  <a:schemeClr val="tx1">
-                    <a:lumMod val="95000"/>
-                  </a:schemeClr>
-                </a:solidFill>
-              </a:rPr>
-              <a:t>Server: sono computer specifici nella costruzione di un’infrastruttura informatica incaricati principalmente di gestire vari servizi della rete</a:t>
+                  <a:schemeClr val="accent5">
+                    <a:lumMod val="60000"/>
+                    <a:lumOff val="40000"/>
+                  </a:schemeClr>
+                </a:solidFill>
+              </a:rPr>
+              <a:t>Server</a:t>
+            </a:r>
+            <a:r>
+              <a:rPr lang="it-IT" dirty="0">
+                <a:solidFill>
+                  <a:schemeClr val="tx1">
+                    <a:lumMod val="95000"/>
+                  </a:schemeClr>
+                </a:solidFill>
+              </a:rPr>
+              <a:t>: sono computer specifici nella costruzione di un’infrastruttura informatica incaricati principalmente di gestire vari servizi della rete</a:t>
             </a:r>
           </a:p>
           <a:p>
@@ -28007,12 +29846,23 @@
             <a:r>
               <a:rPr lang="it-IT" dirty="0">
                 <a:solidFill>
-                  <a:schemeClr val="tx1">
-                    <a:lumMod val="95000"/>
-                  </a:schemeClr>
-                </a:solidFill>
-              </a:rPr>
-              <a:t>Notebook: computer general </a:t>
+                  <a:schemeClr val="accent5">
+                    <a:lumMod val="60000"/>
+                    <a:lumOff val="40000"/>
+                  </a:schemeClr>
+                </a:solidFill>
+              </a:rPr>
+              <a:t>Notebook</a:t>
+            </a:r>
+            <a:r>
+              <a:rPr lang="it-IT" dirty="0">
+                <a:solidFill>
+                  <a:schemeClr val="tx1">
+                    <a:lumMod val="95000"/>
+                  </a:schemeClr>
+                </a:solidFill>
+              </a:rPr>
+              <a:t>: computer general </a:t>
             </a:r>
             <a:r>
               <a:rPr lang="it-IT" dirty="0" err="1">
@@ -28043,12 +29893,23 @@
             <a:r>
               <a:rPr lang="it-IT" dirty="0">
                 <a:solidFill>
-                  <a:schemeClr val="tx1">
-                    <a:lumMod val="95000"/>
-                  </a:schemeClr>
-                </a:solidFill>
-              </a:rPr>
-              <a:t>Smartphone: computer general </a:t>
+                  <a:schemeClr val="accent5">
+                    <a:lumMod val="60000"/>
+                    <a:lumOff val="40000"/>
+                  </a:schemeClr>
+                </a:solidFill>
+              </a:rPr>
+              <a:t>Smartphone</a:t>
+            </a:r>
+            <a:r>
+              <a:rPr lang="it-IT" dirty="0">
+                <a:solidFill>
+                  <a:schemeClr val="tx1">
+                    <a:lumMod val="95000"/>
+                  </a:schemeClr>
+                </a:solidFill>
+              </a:rPr>
+              <a:t>: computer general </a:t>
             </a:r>
             <a:r>
               <a:rPr lang="it-IT" dirty="0" err="1">
@@ -28079,12 +29940,23 @@
             <a:r>
               <a:rPr lang="it-IT" dirty="0">
                 <a:solidFill>
-                  <a:schemeClr val="tx1">
-                    <a:lumMod val="95000"/>
-                  </a:schemeClr>
-                </a:solidFill>
-              </a:rPr>
-              <a:t>Console di videogiochi: computer speciale sviluppato appositamente per garantire prestazioni elevate di elaborazione</a:t>
+                  <a:schemeClr val="accent5">
+                    <a:lumMod val="60000"/>
+                    <a:lumOff val="40000"/>
+                  </a:schemeClr>
+                </a:solidFill>
+              </a:rPr>
+              <a:t>Console di videogiochi</a:t>
+            </a:r>
+            <a:r>
+              <a:rPr lang="it-IT" dirty="0">
+                <a:solidFill>
+                  <a:schemeClr val="tx1">
+                    <a:lumMod val="95000"/>
+                  </a:schemeClr>
+                </a:solidFill>
+              </a:rPr>
+              <a:t>: computer speciale sviluppato appositamente per garantire prestazioni elevate di elaborazione</a:t>
             </a:r>
           </a:p>
           <a:p>
@@ -28095,12 +29967,23 @@
             <a:r>
               <a:rPr lang="it-IT" dirty="0">
                 <a:solidFill>
-                  <a:schemeClr val="tx1">
-                    <a:lumMod val="95000"/>
-                  </a:schemeClr>
-                </a:solidFill>
-              </a:rPr>
-              <a:t>Pos/atm: computer di dimensioni ridotte, sviluppati per effettuare pagamenti elettronici</a:t>
+                  <a:schemeClr val="accent5">
+                    <a:lumMod val="60000"/>
+                    <a:lumOff val="40000"/>
+                  </a:schemeClr>
+                </a:solidFill>
+              </a:rPr>
+              <a:t>Pos/atm</a:t>
+            </a:r>
+            <a:r>
+              <a:rPr lang="it-IT" dirty="0">
+                <a:solidFill>
+                  <a:schemeClr val="tx1">
+                    <a:lumMod val="95000"/>
+                  </a:schemeClr>
+                </a:solidFill>
+              </a:rPr>
+              <a:t>: computer di dimensioni ridotte, sviluppati per effettuare pagamenti elettronici</a:t>
             </a:r>
           </a:p>
           <a:p>
@@ -28111,12 +29994,23 @@
             <a:r>
               <a:rPr lang="it-IT" dirty="0">
                 <a:solidFill>
-                  <a:schemeClr val="tx1">
-                    <a:lumMod val="95000"/>
-                  </a:schemeClr>
-                </a:solidFill>
-              </a:rPr>
-              <a:t>Plc: controllore logico programmabile, computer specializzato nella gestione dei processi industriali</a:t>
+                  <a:schemeClr val="accent5">
+                    <a:lumMod val="60000"/>
+                    <a:lumOff val="40000"/>
+                  </a:schemeClr>
+                </a:solidFill>
+              </a:rPr>
+              <a:t>Plc</a:t>
+            </a:r>
+            <a:r>
+              <a:rPr lang="it-IT" dirty="0">
+                <a:solidFill>
+                  <a:schemeClr val="tx1">
+                    <a:lumMod val="95000"/>
+                  </a:schemeClr>
+                </a:solidFill>
+              </a:rPr>
+              <a:t>: controllore logico programmabile, computer specializzato nella gestione dei processi industriali</a:t>
             </a:r>
           </a:p>
           <a:p>
@@ -29216,12 +31110,23 @@
             <a:r>
               <a:rPr lang="it-IT" dirty="0">
                 <a:solidFill>
-                  <a:schemeClr val="tx1">
-                    <a:lumMod val="95000"/>
-                  </a:schemeClr>
-                </a:solidFill>
-              </a:rPr>
-              <a:t>Elementi della macchina:</a:t>
+                  <a:schemeClr val="accent5">
+                    <a:lumMod val="60000"/>
+                    <a:lumOff val="40000"/>
+                  </a:schemeClr>
+                </a:solidFill>
+              </a:rPr>
+              <a:t>Elementi della macchina</a:t>
+            </a:r>
+            <a:r>
+              <a:rPr lang="it-IT" dirty="0">
+                <a:solidFill>
+                  <a:schemeClr val="tx1">
+                    <a:lumMod val="95000"/>
+                  </a:schemeClr>
+                </a:solidFill>
+              </a:rPr>
+              <a:t>:</a:t>
             </a:r>
           </a:p>
           <a:p>

--- a/Corso Java.pptx
+++ b/Corso Java.pptx
@@ -70,65 +70,66 @@
     <p:sldId id="316" r:id="rId64"/>
     <p:sldId id="317" r:id="rId65"/>
     <p:sldId id="318" r:id="rId66"/>
-    <p:sldId id="352" r:id="rId67"/>
-    <p:sldId id="319" r:id="rId68"/>
-    <p:sldId id="320" r:id="rId69"/>
-    <p:sldId id="321" r:id="rId70"/>
-    <p:sldId id="322" r:id="rId71"/>
-    <p:sldId id="323" r:id="rId72"/>
-    <p:sldId id="324" r:id="rId73"/>
-    <p:sldId id="325" r:id="rId74"/>
-    <p:sldId id="326" r:id="rId75"/>
-    <p:sldId id="327" r:id="rId76"/>
-    <p:sldId id="328" r:id="rId77"/>
-    <p:sldId id="329" r:id="rId78"/>
-    <p:sldId id="330" r:id="rId79"/>
-    <p:sldId id="331" r:id="rId80"/>
-    <p:sldId id="332" r:id="rId81"/>
-    <p:sldId id="333" r:id="rId82"/>
-    <p:sldId id="334" r:id="rId83"/>
-    <p:sldId id="335" r:id="rId84"/>
-    <p:sldId id="336" r:id="rId85"/>
-    <p:sldId id="337" r:id="rId86"/>
-    <p:sldId id="338" r:id="rId87"/>
-    <p:sldId id="339" r:id="rId88"/>
-    <p:sldId id="340" r:id="rId89"/>
-    <p:sldId id="341" r:id="rId90"/>
-    <p:sldId id="342" r:id="rId91"/>
-    <p:sldId id="343" r:id="rId92"/>
-    <p:sldId id="344" r:id="rId93"/>
-    <p:sldId id="345" r:id="rId94"/>
-    <p:sldId id="346" r:id="rId95"/>
-    <p:sldId id="347" r:id="rId96"/>
-    <p:sldId id="348" r:id="rId97"/>
-    <p:sldId id="349" r:id="rId98"/>
-    <p:sldId id="351" r:id="rId99"/>
-    <p:sldId id="350" r:id="rId100"/>
-    <p:sldId id="354" r:id="rId101"/>
-    <p:sldId id="355" r:id="rId102"/>
-    <p:sldId id="356" r:id="rId103"/>
-    <p:sldId id="357" r:id="rId104"/>
-    <p:sldId id="358" r:id="rId105"/>
-    <p:sldId id="359" r:id="rId106"/>
-    <p:sldId id="360" r:id="rId107"/>
-    <p:sldId id="361" r:id="rId108"/>
-    <p:sldId id="362" r:id="rId109"/>
-    <p:sldId id="363" r:id="rId110"/>
-    <p:sldId id="364" r:id="rId111"/>
-    <p:sldId id="365" r:id="rId112"/>
-    <p:sldId id="366" r:id="rId113"/>
-    <p:sldId id="367" r:id="rId114"/>
-    <p:sldId id="368" r:id="rId115"/>
-    <p:sldId id="369" r:id="rId116"/>
-    <p:sldId id="370" r:id="rId117"/>
-    <p:sldId id="371" r:id="rId118"/>
-    <p:sldId id="372" r:id="rId119"/>
-    <p:sldId id="373" r:id="rId120"/>
-    <p:sldId id="374" r:id="rId121"/>
-    <p:sldId id="375" r:id="rId122"/>
-    <p:sldId id="376" r:id="rId123"/>
-    <p:sldId id="377" r:id="rId124"/>
-    <p:sldId id="378" r:id="rId125"/>
+    <p:sldId id="380" r:id="rId67"/>
+    <p:sldId id="352" r:id="rId68"/>
+    <p:sldId id="319" r:id="rId69"/>
+    <p:sldId id="320" r:id="rId70"/>
+    <p:sldId id="321" r:id="rId71"/>
+    <p:sldId id="322" r:id="rId72"/>
+    <p:sldId id="323" r:id="rId73"/>
+    <p:sldId id="324" r:id="rId74"/>
+    <p:sldId id="325" r:id="rId75"/>
+    <p:sldId id="326" r:id="rId76"/>
+    <p:sldId id="327" r:id="rId77"/>
+    <p:sldId id="328" r:id="rId78"/>
+    <p:sldId id="329" r:id="rId79"/>
+    <p:sldId id="330" r:id="rId80"/>
+    <p:sldId id="331" r:id="rId81"/>
+    <p:sldId id="332" r:id="rId82"/>
+    <p:sldId id="333" r:id="rId83"/>
+    <p:sldId id="334" r:id="rId84"/>
+    <p:sldId id="335" r:id="rId85"/>
+    <p:sldId id="336" r:id="rId86"/>
+    <p:sldId id="337" r:id="rId87"/>
+    <p:sldId id="338" r:id="rId88"/>
+    <p:sldId id="339" r:id="rId89"/>
+    <p:sldId id="340" r:id="rId90"/>
+    <p:sldId id="341" r:id="rId91"/>
+    <p:sldId id="342" r:id="rId92"/>
+    <p:sldId id="343" r:id="rId93"/>
+    <p:sldId id="344" r:id="rId94"/>
+    <p:sldId id="345" r:id="rId95"/>
+    <p:sldId id="346" r:id="rId96"/>
+    <p:sldId id="347" r:id="rId97"/>
+    <p:sldId id="348" r:id="rId98"/>
+    <p:sldId id="349" r:id="rId99"/>
+    <p:sldId id="351" r:id="rId100"/>
+    <p:sldId id="350" r:id="rId101"/>
+    <p:sldId id="354" r:id="rId102"/>
+    <p:sldId id="355" r:id="rId103"/>
+    <p:sldId id="356" r:id="rId104"/>
+    <p:sldId id="357" r:id="rId105"/>
+    <p:sldId id="358" r:id="rId106"/>
+    <p:sldId id="359" r:id="rId107"/>
+    <p:sldId id="360" r:id="rId108"/>
+    <p:sldId id="361" r:id="rId109"/>
+    <p:sldId id="362" r:id="rId110"/>
+    <p:sldId id="363" r:id="rId111"/>
+    <p:sldId id="364" r:id="rId112"/>
+    <p:sldId id="365" r:id="rId113"/>
+    <p:sldId id="366" r:id="rId114"/>
+    <p:sldId id="367" r:id="rId115"/>
+    <p:sldId id="368" r:id="rId116"/>
+    <p:sldId id="369" r:id="rId117"/>
+    <p:sldId id="370" r:id="rId118"/>
+    <p:sldId id="371" r:id="rId119"/>
+    <p:sldId id="372" r:id="rId120"/>
+    <p:sldId id="373" r:id="rId121"/>
+    <p:sldId id="374" r:id="rId122"/>
+    <p:sldId id="375" r:id="rId123"/>
+    <p:sldId id="376" r:id="rId124"/>
+    <p:sldId id="377" r:id="rId125"/>
+    <p:sldId id="378" r:id="rId126"/>
   </p:sldIdLst>
   <p:sldSz cx="12192000" cy="6858000"/>
   <p:notesSz cx="6858000" cy="9144000"/>
@@ -292,7 +293,7 @@
           <a:noFill/>
           <a:extLst>
             <a:ext uri="{909E8E84-426E-40dd-AFC4-6F175D3DCCD1}">
-              <a14:hiddenFill xmlns:a14="http://schemas.microsoft.com/office/drawing/2010/main" xmlns="">
+              <a14:hiddenFill xmlns="" xmlns:a14="http://schemas.microsoft.com/office/drawing/2010/main">
                 <a:solidFill>
                   <a:srgbClr val="FFFFFF"/>
                 </a:solidFill>
@@ -351,7 +352,7 @@
             </a:ln>
             <a:extLst>
               <a:ext uri="{91240B29-F687-4f45-9708-019B960494DF}">
-                <a14:hiddenLine xmlns:a14="http://schemas.microsoft.com/office/drawing/2010/main" xmlns="" w="9525">
+                <a14:hiddenLine xmlns="" xmlns:a14="http://schemas.microsoft.com/office/drawing/2010/main" w="9525">
                   <a:solidFill>
                     <a:srgbClr val="000000"/>
                   </a:solidFill>
@@ -441,7 +442,7 @@
             </a:ln>
             <a:extLst>
               <a:ext uri="{91240B29-F687-4f45-9708-019B960494DF}">
-                <a14:hiddenLine xmlns:a14="http://schemas.microsoft.com/office/drawing/2010/main" xmlns="" w="9525">
+                <a14:hiddenLine xmlns="" xmlns:a14="http://schemas.microsoft.com/office/drawing/2010/main" w="9525">
                   <a:solidFill>
                     <a:srgbClr val="000000"/>
                   </a:solidFill>
@@ -531,7 +532,7 @@
             </a:ln>
             <a:extLst>
               <a:ext uri="{91240B29-F687-4f45-9708-019B960494DF}">
-                <a14:hiddenLine xmlns:a14="http://schemas.microsoft.com/office/drawing/2010/main" xmlns="" w="9525">
+                <a14:hiddenLine xmlns="" xmlns:a14="http://schemas.microsoft.com/office/drawing/2010/main" w="9525">
                   <a:solidFill>
                     <a:srgbClr val="000000"/>
                   </a:solidFill>
@@ -565,7 +566,7 @@
             </a:ln>
             <a:extLst>
               <a:ext uri="{91240B29-F687-4f45-9708-019B960494DF}">
-                <a14:hiddenLine xmlns:a14="http://schemas.microsoft.com/office/drawing/2010/main" xmlns="" w="9525">
+                <a14:hiddenLine xmlns="" xmlns:a14="http://schemas.microsoft.com/office/drawing/2010/main" w="9525">
                   <a:solidFill>
                     <a:srgbClr val="000000"/>
                   </a:solidFill>
@@ -655,7 +656,7 @@
             </a:ln>
             <a:extLst>
               <a:ext uri="{91240B29-F687-4f45-9708-019B960494DF}">
-                <a14:hiddenLine xmlns:a14="http://schemas.microsoft.com/office/drawing/2010/main" xmlns="" w="9525">
+                <a14:hiddenLine xmlns="" xmlns:a14="http://schemas.microsoft.com/office/drawing/2010/main" w="9525">
                   <a:solidFill>
                     <a:srgbClr val="000000"/>
                   </a:solidFill>
@@ -717,7 +718,7 @@
             </a:ln>
             <a:extLst>
               <a:ext uri="{91240B29-F687-4f45-9708-019B960494DF}">
-                <a14:hiddenLine xmlns:a14="http://schemas.microsoft.com/office/drawing/2010/main" xmlns="" w="9525">
+                <a14:hiddenLine xmlns="" xmlns:a14="http://schemas.microsoft.com/office/drawing/2010/main" w="9525">
                   <a:solidFill>
                     <a:srgbClr val="000000"/>
                   </a:solidFill>
@@ -779,7 +780,7 @@
             </a:ln>
             <a:extLst>
               <a:ext uri="{91240B29-F687-4f45-9708-019B960494DF}">
-                <a14:hiddenLine xmlns:a14="http://schemas.microsoft.com/office/drawing/2010/main" xmlns="" w="9525">
+                <a14:hiddenLine xmlns="" xmlns:a14="http://schemas.microsoft.com/office/drawing/2010/main" w="9525">
                   <a:solidFill>
                     <a:srgbClr val="000000"/>
                   </a:solidFill>
@@ -869,7 +870,7 @@
             </a:ln>
             <a:extLst>
               <a:ext uri="{91240B29-F687-4f45-9708-019B960494DF}">
-                <a14:hiddenLine xmlns:a14="http://schemas.microsoft.com/office/drawing/2010/main" xmlns="" w="9525">
+                <a14:hiddenLine xmlns="" xmlns:a14="http://schemas.microsoft.com/office/drawing/2010/main" w="9525">
                   <a:solidFill>
                     <a:srgbClr val="000000"/>
                   </a:solidFill>
@@ -931,7 +932,7 @@
             </a:ln>
             <a:extLst>
               <a:ext uri="{91240B29-F687-4f45-9708-019B960494DF}">
-                <a14:hiddenLine xmlns:a14="http://schemas.microsoft.com/office/drawing/2010/main" xmlns="" w="9525">
+                <a14:hiddenLine xmlns="" xmlns:a14="http://schemas.microsoft.com/office/drawing/2010/main" w="9525">
                   <a:solidFill>
                     <a:srgbClr val="000000"/>
                   </a:solidFill>
@@ -993,7 +994,7 @@
             </a:ln>
             <a:extLst>
               <a:ext uri="{91240B29-F687-4f45-9708-019B960494DF}">
-                <a14:hiddenLine xmlns:a14="http://schemas.microsoft.com/office/drawing/2010/main" xmlns="" w="9525">
+                <a14:hiddenLine xmlns="" xmlns:a14="http://schemas.microsoft.com/office/drawing/2010/main" w="9525">
                   <a:solidFill>
                     <a:srgbClr val="000000"/>
                   </a:solidFill>
@@ -1083,7 +1084,7 @@
             </a:ln>
             <a:extLst>
               <a:ext uri="{91240B29-F687-4f45-9708-019B960494DF}">
-                <a14:hiddenLine xmlns:a14="http://schemas.microsoft.com/office/drawing/2010/main" xmlns="" w="9525">
+                <a14:hiddenLine xmlns="" xmlns:a14="http://schemas.microsoft.com/office/drawing/2010/main" w="9525">
                   <a:solidFill>
                     <a:srgbClr val="000000"/>
                   </a:solidFill>
@@ -1173,7 +1174,7 @@
             </a:ln>
             <a:extLst>
               <a:ext uri="{91240B29-F687-4f45-9708-019B960494DF}">
-                <a14:hiddenLine xmlns:a14="http://schemas.microsoft.com/office/drawing/2010/main" xmlns="" w="9525">
+                <a14:hiddenLine xmlns="" xmlns:a14="http://schemas.microsoft.com/office/drawing/2010/main" w="9525">
                   <a:solidFill>
                     <a:srgbClr val="000000"/>
                   </a:solidFill>
@@ -1235,7 +1236,7 @@
             </a:ln>
             <a:extLst>
               <a:ext uri="{91240B29-F687-4f45-9708-019B960494DF}">
-                <a14:hiddenLine xmlns:a14="http://schemas.microsoft.com/office/drawing/2010/main" xmlns="" w="9525">
+                <a14:hiddenLine xmlns="" xmlns:a14="http://schemas.microsoft.com/office/drawing/2010/main" w="9525">
                   <a:solidFill>
                     <a:srgbClr val="000000"/>
                   </a:solidFill>
@@ -1345,7 +1346,7 @@
             </a:ln>
             <a:extLst>
               <a:ext uri="{91240B29-F687-4f45-9708-019B960494DF}">
-                <a14:hiddenLine xmlns:a14="http://schemas.microsoft.com/office/drawing/2010/main" xmlns="" w="9525">
+                <a14:hiddenLine xmlns="" xmlns:a14="http://schemas.microsoft.com/office/drawing/2010/main" w="9525">
                   <a:solidFill>
                     <a:srgbClr val="000000"/>
                   </a:solidFill>
@@ -1407,7 +1408,7 @@
             </a:ln>
             <a:extLst>
               <a:ext uri="{91240B29-F687-4f45-9708-019B960494DF}">
-                <a14:hiddenLine xmlns:a14="http://schemas.microsoft.com/office/drawing/2010/main" xmlns="" w="9525">
+                <a14:hiddenLine xmlns="" xmlns:a14="http://schemas.microsoft.com/office/drawing/2010/main" w="9525">
                   <a:solidFill>
                     <a:srgbClr val="000000"/>
                   </a:solidFill>
@@ -1497,7 +1498,7 @@
             </a:ln>
             <a:extLst>
               <a:ext uri="{91240B29-F687-4f45-9708-019B960494DF}">
-                <a14:hiddenLine xmlns:a14="http://schemas.microsoft.com/office/drawing/2010/main" xmlns="" w="9525">
+                <a14:hiddenLine xmlns="" xmlns:a14="http://schemas.microsoft.com/office/drawing/2010/main" w="9525">
                   <a:solidFill>
                     <a:srgbClr val="000000"/>
                   </a:solidFill>
@@ -1587,7 +1588,7 @@
             </a:ln>
             <a:extLst>
               <a:ext uri="{91240B29-F687-4f45-9708-019B960494DF}">
-                <a14:hiddenLine xmlns:a14="http://schemas.microsoft.com/office/drawing/2010/main" xmlns="" w="9525">
+                <a14:hiddenLine xmlns="" xmlns:a14="http://schemas.microsoft.com/office/drawing/2010/main" w="9525">
                   <a:solidFill>
                     <a:srgbClr val="000000"/>
                   </a:solidFill>
@@ -1649,7 +1650,7 @@
             </a:ln>
             <a:extLst>
               <a:ext uri="{91240B29-F687-4f45-9708-019B960494DF}">
-                <a14:hiddenLine xmlns:a14="http://schemas.microsoft.com/office/drawing/2010/main" xmlns="" w="9525">
+                <a14:hiddenLine xmlns="" xmlns:a14="http://schemas.microsoft.com/office/drawing/2010/main" w="9525">
                   <a:solidFill>
                     <a:srgbClr val="000000"/>
                   </a:solidFill>
@@ -1739,7 +1740,7 @@
             </a:ln>
             <a:extLst>
               <a:ext uri="{91240B29-F687-4f45-9708-019B960494DF}">
-                <a14:hiddenLine xmlns:a14="http://schemas.microsoft.com/office/drawing/2010/main" xmlns="" w="9525">
+                <a14:hiddenLine xmlns="" xmlns:a14="http://schemas.microsoft.com/office/drawing/2010/main" w="9525">
                   <a:solidFill>
                     <a:srgbClr val="000000"/>
                   </a:solidFill>
@@ -1829,7 +1830,7 @@
             </a:ln>
             <a:extLst>
               <a:ext uri="{91240B29-F687-4f45-9708-019B960494DF}">
-                <a14:hiddenLine xmlns:a14="http://schemas.microsoft.com/office/drawing/2010/main" xmlns="" w="9525">
+                <a14:hiddenLine xmlns="" xmlns:a14="http://schemas.microsoft.com/office/drawing/2010/main" w="9525">
                   <a:solidFill>
                     <a:srgbClr val="000000"/>
                   </a:solidFill>
@@ -1885,7 +1886,7 @@
             </a:ln>
             <a:extLst>
               <a:ext uri="{91240B29-F687-4f45-9708-019B960494DF}">
-                <a14:hiddenLine xmlns:a14="http://schemas.microsoft.com/office/drawing/2010/main" xmlns="" w="9525">
+                <a14:hiddenLine xmlns="" xmlns:a14="http://schemas.microsoft.com/office/drawing/2010/main" w="9525">
                   <a:solidFill>
                     <a:srgbClr val="000000"/>
                   </a:solidFill>
@@ -1975,7 +1976,7 @@
             </a:ln>
             <a:extLst>
               <a:ext uri="{91240B29-F687-4f45-9708-019B960494DF}">
-                <a14:hiddenLine xmlns:a14="http://schemas.microsoft.com/office/drawing/2010/main" xmlns="" w="9525">
+                <a14:hiddenLine xmlns="" xmlns:a14="http://schemas.microsoft.com/office/drawing/2010/main" w="9525">
                   <a:solidFill>
                     <a:srgbClr val="000000"/>
                   </a:solidFill>
@@ -2031,7 +2032,7 @@
             </a:ln>
             <a:extLst>
               <a:ext uri="{91240B29-F687-4f45-9708-019B960494DF}">
-                <a14:hiddenLine xmlns:a14="http://schemas.microsoft.com/office/drawing/2010/main" xmlns="" w="9525">
+                <a14:hiddenLine xmlns="" xmlns:a14="http://schemas.microsoft.com/office/drawing/2010/main" w="9525">
                   <a:solidFill>
                     <a:srgbClr val="000000"/>
                   </a:solidFill>
@@ -2121,7 +2122,7 @@
             </a:ln>
             <a:extLst>
               <a:ext uri="{91240B29-F687-4f45-9708-019B960494DF}">
-                <a14:hiddenLine xmlns:a14="http://schemas.microsoft.com/office/drawing/2010/main" xmlns="" w="9525">
+                <a14:hiddenLine xmlns="" xmlns:a14="http://schemas.microsoft.com/office/drawing/2010/main" w="9525">
                   <a:solidFill>
                     <a:srgbClr val="000000"/>
                   </a:solidFill>
@@ -2189,7 +2190,7 @@
             </a:ln>
             <a:extLst>
               <a:ext uri="{91240B29-F687-4f45-9708-019B960494DF}">
-                <a14:hiddenLine xmlns:a14="http://schemas.microsoft.com/office/drawing/2010/main" xmlns="" w="9525">
+                <a14:hiddenLine xmlns="" xmlns:a14="http://schemas.microsoft.com/office/drawing/2010/main" w="9525">
                   <a:solidFill>
                     <a:srgbClr val="000000"/>
                   </a:solidFill>
@@ -2279,7 +2280,7 @@
             </a:ln>
             <a:extLst>
               <a:ext uri="{91240B29-F687-4f45-9708-019B960494DF}">
-                <a14:hiddenLine xmlns:a14="http://schemas.microsoft.com/office/drawing/2010/main" xmlns="" w="9525">
+                <a14:hiddenLine xmlns="" xmlns:a14="http://schemas.microsoft.com/office/drawing/2010/main" w="9525">
                   <a:solidFill>
                     <a:srgbClr val="000000"/>
                   </a:solidFill>
@@ -2347,7 +2348,7 @@
             </a:ln>
             <a:extLst>
               <a:ext uri="{91240B29-F687-4f45-9708-019B960494DF}">
-                <a14:hiddenLine xmlns:a14="http://schemas.microsoft.com/office/drawing/2010/main" xmlns="" w="9525">
+                <a14:hiddenLine xmlns="" xmlns:a14="http://schemas.microsoft.com/office/drawing/2010/main" w="9525">
                   <a:solidFill>
                     <a:srgbClr val="000000"/>
                   </a:solidFill>
@@ -2437,7 +2438,7 @@
             </a:ln>
             <a:extLst>
               <a:ext uri="{91240B29-F687-4f45-9708-019B960494DF}">
-                <a14:hiddenLine xmlns:a14="http://schemas.microsoft.com/office/drawing/2010/main" xmlns="" w="9525">
+                <a14:hiddenLine xmlns="" xmlns:a14="http://schemas.microsoft.com/office/drawing/2010/main" w="9525">
                   <a:solidFill>
                     <a:srgbClr val="000000"/>
                   </a:solidFill>
@@ -2471,7 +2472,7 @@
             </a:ln>
             <a:extLst>
               <a:ext uri="{91240B29-F687-4f45-9708-019B960494DF}">
-                <a14:hiddenLine xmlns:a14="http://schemas.microsoft.com/office/drawing/2010/main" xmlns="" w="9525">
+                <a14:hiddenLine xmlns="" xmlns:a14="http://schemas.microsoft.com/office/drawing/2010/main" w="9525">
                   <a:solidFill>
                     <a:srgbClr val="000000"/>
                   </a:solidFill>
@@ -2561,7 +2562,7 @@
             </a:ln>
             <a:extLst>
               <a:ext uri="{91240B29-F687-4f45-9708-019B960494DF}">
-                <a14:hiddenLine xmlns:a14="http://schemas.microsoft.com/office/drawing/2010/main" xmlns="" w="9525">
+                <a14:hiddenLine xmlns="" xmlns:a14="http://schemas.microsoft.com/office/drawing/2010/main" w="9525">
                   <a:solidFill>
                     <a:srgbClr val="000000"/>
                   </a:solidFill>
@@ -2623,7 +2624,7 @@
             </a:ln>
             <a:extLst>
               <a:ext uri="{91240B29-F687-4f45-9708-019B960494DF}">
-                <a14:hiddenLine xmlns:a14="http://schemas.microsoft.com/office/drawing/2010/main" xmlns="" w="9525">
+                <a14:hiddenLine xmlns="" xmlns:a14="http://schemas.microsoft.com/office/drawing/2010/main" w="9525">
                   <a:solidFill>
                     <a:srgbClr val="000000"/>
                   </a:solidFill>
@@ -2685,7 +2686,7 @@
             </a:ln>
             <a:extLst>
               <a:ext uri="{91240B29-F687-4f45-9708-019B960494DF}">
-                <a14:hiddenLine xmlns:a14="http://schemas.microsoft.com/office/drawing/2010/main" xmlns="" w="9525">
+                <a14:hiddenLine xmlns="" xmlns:a14="http://schemas.microsoft.com/office/drawing/2010/main" w="9525">
                   <a:solidFill>
                     <a:srgbClr val="000000"/>
                   </a:solidFill>
@@ -2775,7 +2776,7 @@
             </a:ln>
             <a:extLst>
               <a:ext uri="{91240B29-F687-4f45-9708-019B960494DF}">
-                <a14:hiddenLine xmlns:a14="http://schemas.microsoft.com/office/drawing/2010/main" xmlns="" w="9525">
+                <a14:hiddenLine xmlns="" xmlns:a14="http://schemas.microsoft.com/office/drawing/2010/main" w="9525">
                   <a:solidFill>
                     <a:srgbClr val="000000"/>
                   </a:solidFill>
@@ -2843,7 +2844,7 @@
             </a:ln>
             <a:extLst>
               <a:ext uri="{91240B29-F687-4f45-9708-019B960494DF}">
-                <a14:hiddenLine xmlns:a14="http://schemas.microsoft.com/office/drawing/2010/main" xmlns="" w="9525">
+                <a14:hiddenLine xmlns="" xmlns:a14="http://schemas.microsoft.com/office/drawing/2010/main" w="9525">
                   <a:solidFill>
                     <a:srgbClr val="000000"/>
                   </a:solidFill>
@@ -2905,7 +2906,7 @@
             </a:ln>
             <a:extLst>
               <a:ext uri="{91240B29-F687-4f45-9708-019B960494DF}">
-                <a14:hiddenLine xmlns:a14="http://schemas.microsoft.com/office/drawing/2010/main" xmlns="" w="9525">
+                <a14:hiddenLine xmlns="" xmlns:a14="http://schemas.microsoft.com/office/drawing/2010/main" w="9525">
                   <a:solidFill>
                     <a:srgbClr val="000000"/>
                   </a:solidFill>
@@ -2995,7 +2996,7 @@
             </a:ln>
             <a:extLst>
               <a:ext uri="{91240B29-F687-4f45-9708-019B960494DF}">
-                <a14:hiddenLine xmlns:a14="http://schemas.microsoft.com/office/drawing/2010/main" xmlns="" w="9525">
+                <a14:hiddenLine xmlns="" xmlns:a14="http://schemas.microsoft.com/office/drawing/2010/main" w="9525">
                   <a:solidFill>
                     <a:srgbClr val="000000"/>
                   </a:solidFill>
@@ -3057,7 +3058,7 @@
             </a:ln>
             <a:extLst>
               <a:ext uri="{91240B29-F687-4f45-9708-019B960494DF}">
-                <a14:hiddenLine xmlns:a14="http://schemas.microsoft.com/office/drawing/2010/main" xmlns="" w="9525">
+                <a14:hiddenLine xmlns="" xmlns:a14="http://schemas.microsoft.com/office/drawing/2010/main" w="9525">
                   <a:solidFill>
                     <a:srgbClr val="000000"/>
                   </a:solidFill>
@@ -3147,7 +3148,7 @@
             </a:ln>
             <a:extLst>
               <a:ext uri="{91240B29-F687-4f45-9708-019B960494DF}">
-                <a14:hiddenLine xmlns:a14="http://schemas.microsoft.com/office/drawing/2010/main" xmlns="" w="9525">
+                <a14:hiddenLine xmlns="" xmlns:a14="http://schemas.microsoft.com/office/drawing/2010/main" w="9525">
                   <a:solidFill>
                     <a:srgbClr val="000000"/>
                   </a:solidFill>
@@ -3209,7 +3210,7 @@
             </a:ln>
             <a:extLst>
               <a:ext uri="{91240B29-F687-4f45-9708-019B960494DF}">
-                <a14:hiddenLine xmlns:a14="http://schemas.microsoft.com/office/drawing/2010/main" xmlns="" w="9525">
+                <a14:hiddenLine xmlns="" xmlns:a14="http://schemas.microsoft.com/office/drawing/2010/main" w="9525">
                   <a:solidFill>
                     <a:srgbClr val="000000"/>
                   </a:solidFill>
@@ -3299,7 +3300,7 @@
             </a:ln>
             <a:extLst>
               <a:ext uri="{91240B29-F687-4f45-9708-019B960494DF}">
-                <a14:hiddenLine xmlns:a14="http://schemas.microsoft.com/office/drawing/2010/main" xmlns="" w="9525">
+                <a14:hiddenLine xmlns="" xmlns:a14="http://schemas.microsoft.com/office/drawing/2010/main" w="9525">
                   <a:solidFill>
                     <a:srgbClr val="000000"/>
                   </a:solidFill>
@@ -3333,7 +3334,7 @@
             </a:ln>
             <a:extLst>
               <a:ext uri="{91240B29-F687-4f45-9708-019B960494DF}">
-                <a14:hiddenLine xmlns:a14="http://schemas.microsoft.com/office/drawing/2010/main" xmlns="" w="9525">
+                <a14:hiddenLine xmlns="" xmlns:a14="http://schemas.microsoft.com/office/drawing/2010/main" w="9525">
                   <a:solidFill>
                     <a:srgbClr val="000000"/>
                   </a:solidFill>
@@ -3398,7 +3399,7 @@
             </a:ln>
             <a:extLst>
               <a:ext uri="{91240B29-F687-4f45-9708-019B960494DF}">
-                <a14:hiddenLine xmlns:a14="http://schemas.microsoft.com/office/drawing/2010/main" xmlns="" w="9525">
+                <a14:hiddenLine xmlns="" xmlns:a14="http://schemas.microsoft.com/office/drawing/2010/main" w="9525">
                   <a:solidFill>
                     <a:srgbClr val="000000"/>
                   </a:solidFill>
@@ -3488,7 +3489,7 @@
             </a:ln>
             <a:extLst>
               <a:ext uri="{91240B29-F687-4f45-9708-019B960494DF}">
-                <a14:hiddenLine xmlns:a14="http://schemas.microsoft.com/office/drawing/2010/main" xmlns="" w="9525">
+                <a14:hiddenLine xmlns="" xmlns:a14="http://schemas.microsoft.com/office/drawing/2010/main" w="9525">
                   <a:solidFill>
                     <a:srgbClr val="000000"/>
                   </a:solidFill>
@@ -3550,7 +3551,7 @@
             </a:ln>
             <a:extLst>
               <a:ext uri="{91240B29-F687-4f45-9708-019B960494DF}">
-                <a14:hiddenLine xmlns:a14="http://schemas.microsoft.com/office/drawing/2010/main" xmlns="" w="9525">
+                <a14:hiddenLine xmlns="" xmlns:a14="http://schemas.microsoft.com/office/drawing/2010/main" w="9525">
                   <a:solidFill>
                     <a:srgbClr val="000000"/>
                   </a:solidFill>
@@ -3640,7 +3641,7 @@
             </a:ln>
             <a:extLst>
               <a:ext uri="{91240B29-F687-4f45-9708-019B960494DF}">
-                <a14:hiddenLine xmlns:a14="http://schemas.microsoft.com/office/drawing/2010/main" xmlns="" w="9525">
+                <a14:hiddenLine xmlns="" xmlns:a14="http://schemas.microsoft.com/office/drawing/2010/main" w="9525">
                   <a:solidFill>
                     <a:srgbClr val="000000"/>
                   </a:solidFill>
@@ -3730,7 +3731,7 @@
             </a:ln>
             <a:extLst>
               <a:ext uri="{91240B29-F687-4f45-9708-019B960494DF}">
-                <a14:hiddenLine xmlns:a14="http://schemas.microsoft.com/office/drawing/2010/main" xmlns="" w="9525">
+                <a14:hiddenLine xmlns="" xmlns:a14="http://schemas.microsoft.com/office/drawing/2010/main" w="9525">
                   <a:solidFill>
                     <a:srgbClr val="000000"/>
                   </a:solidFill>
@@ -3795,7 +3796,7 @@
             </a:ln>
             <a:extLst>
               <a:ext uri="{91240B29-F687-4f45-9708-019B960494DF}">
-                <a14:hiddenLine xmlns:a14="http://schemas.microsoft.com/office/drawing/2010/main" xmlns="" w="9525">
+                <a14:hiddenLine xmlns="" xmlns:a14="http://schemas.microsoft.com/office/drawing/2010/main" w="9525">
                   <a:solidFill>
                     <a:srgbClr val="000000"/>
                   </a:solidFill>
@@ -3857,7 +3858,7 @@
             </a:ln>
             <a:extLst>
               <a:ext uri="{91240B29-F687-4f45-9708-019B960494DF}">
-                <a14:hiddenLine xmlns:a14="http://schemas.microsoft.com/office/drawing/2010/main" xmlns="" w="9525">
+                <a14:hiddenLine xmlns="" xmlns:a14="http://schemas.microsoft.com/office/drawing/2010/main" w="9525">
                   <a:solidFill>
                     <a:srgbClr val="000000"/>
                   </a:solidFill>
@@ -3947,7 +3948,7 @@
             </a:ln>
             <a:extLst>
               <a:ext uri="{91240B29-F687-4f45-9708-019B960494DF}">
-                <a14:hiddenLine xmlns:a14="http://schemas.microsoft.com/office/drawing/2010/main" xmlns="" w="9525">
+                <a14:hiddenLine xmlns="" xmlns:a14="http://schemas.microsoft.com/office/drawing/2010/main" w="9525">
                   <a:solidFill>
                     <a:srgbClr val="000000"/>
                   </a:solidFill>
@@ -4037,7 +4038,7 @@
             </a:ln>
             <a:extLst>
               <a:ext uri="{91240B29-F687-4f45-9708-019B960494DF}">
-                <a14:hiddenLine xmlns:a14="http://schemas.microsoft.com/office/drawing/2010/main" xmlns="" w="9525">
+                <a14:hiddenLine xmlns="" xmlns:a14="http://schemas.microsoft.com/office/drawing/2010/main" w="9525">
                   <a:solidFill>
                     <a:srgbClr val="000000"/>
                   </a:solidFill>
@@ -4099,7 +4100,7 @@
             </a:ln>
             <a:extLst>
               <a:ext uri="{91240B29-F687-4f45-9708-019B960494DF}">
-                <a14:hiddenLine xmlns:a14="http://schemas.microsoft.com/office/drawing/2010/main" xmlns="" w="9525">
+                <a14:hiddenLine xmlns="" xmlns:a14="http://schemas.microsoft.com/office/drawing/2010/main" w="9525">
                   <a:solidFill>
                     <a:srgbClr val="000000"/>
                   </a:solidFill>
@@ -4219,7 +4220,7 @@
             </a:ln>
             <a:extLst>
               <a:ext uri="{91240B29-F687-4f45-9708-019B960494DF}">
-                <a14:hiddenLine xmlns:a14="http://schemas.microsoft.com/office/drawing/2010/main" xmlns="" w="9525">
+                <a14:hiddenLine xmlns="" xmlns:a14="http://schemas.microsoft.com/office/drawing/2010/main" w="9525">
                   <a:solidFill>
                     <a:srgbClr val="000000"/>
                   </a:solidFill>
@@ -4287,7 +4288,7 @@
             </a:ln>
             <a:extLst>
               <a:ext uri="{91240B29-F687-4f45-9708-019B960494DF}">
-                <a14:hiddenLine xmlns:a14="http://schemas.microsoft.com/office/drawing/2010/main" xmlns="" w="9525">
+                <a14:hiddenLine xmlns="" xmlns:a14="http://schemas.microsoft.com/office/drawing/2010/main" w="9525">
                   <a:solidFill>
                     <a:srgbClr val="000000"/>
                   </a:solidFill>
@@ -4377,7 +4378,7 @@
             </a:ln>
             <a:extLst>
               <a:ext uri="{91240B29-F687-4f45-9708-019B960494DF}">
-                <a14:hiddenLine xmlns:a14="http://schemas.microsoft.com/office/drawing/2010/main" xmlns="" w="9525">
+                <a14:hiddenLine xmlns="" xmlns:a14="http://schemas.microsoft.com/office/drawing/2010/main" w="9525">
                   <a:solidFill>
                     <a:srgbClr val="000000"/>
                   </a:solidFill>
@@ -4517,7 +4518,7 @@
           <a:p>
             <a:fld id="{48A87A34-81AB-432B-8DAE-1953F412C126}" type="datetimeFigureOut">
               <a:rPr lang="en-US" dirty="0"/>
-              <a:t>3/29/2022</a:t>
+              <a:t>3/30/2022</a:t>
             </a:fld>
             <a:endParaRPr lang="en-US" dirty="0"/>
           </a:p>
@@ -4779,7 +4780,7 @@
           <a:p>
             <a:fld id="{48A87A34-81AB-432B-8DAE-1953F412C126}" type="datetimeFigureOut">
               <a:rPr lang="en-US" dirty="0"/>
-              <a:t>3/29/2022</a:t>
+              <a:t>3/30/2022</a:t>
             </a:fld>
             <a:endParaRPr lang="en-US" dirty="0"/>
           </a:p>
@@ -4970,7 +4971,7 @@
           <a:p>
             <a:fld id="{48A87A34-81AB-432B-8DAE-1953F412C126}" type="datetimeFigureOut">
               <a:rPr lang="en-US" dirty="0"/>
-              <a:t>3/29/2022</a:t>
+              <a:t>3/30/2022</a:t>
             </a:fld>
             <a:endParaRPr lang="en-US" dirty="0"/>
           </a:p>
@@ -5228,7 +5229,7 @@
           <a:p>
             <a:fld id="{48A87A34-81AB-432B-8DAE-1953F412C126}" type="datetimeFigureOut">
               <a:rPr lang="en-US" dirty="0"/>
-              <a:t>3/29/2022</a:t>
+              <a:t>3/30/2022</a:t>
             </a:fld>
             <a:endParaRPr lang="en-US" dirty="0"/>
           </a:p>
@@ -5657,7 +5658,7 @@
           <a:p>
             <a:fld id="{48A87A34-81AB-432B-8DAE-1953F412C126}" type="datetimeFigureOut">
               <a:rPr lang="en-US" dirty="0"/>
-              <a:t>3/29/2022</a:t>
+              <a:t>3/30/2022</a:t>
             </a:fld>
             <a:endParaRPr lang="en-US" dirty="0"/>
           </a:p>
@@ -6198,7 +6199,7 @@
           <a:p>
             <a:fld id="{48A87A34-81AB-432B-8DAE-1953F412C126}" type="datetimeFigureOut">
               <a:rPr lang="en-US" dirty="0"/>
-              <a:t>3/29/2022</a:t>
+              <a:t>3/30/2022</a:t>
             </a:fld>
             <a:endParaRPr lang="en-US" dirty="0"/>
           </a:p>
@@ -6913,7 +6914,7 @@
           <a:p>
             <a:fld id="{48A87A34-81AB-432B-8DAE-1953F412C126}" type="datetimeFigureOut">
               <a:rPr lang="en-US" dirty="0"/>
-              <a:t>3/29/2022</a:t>
+              <a:t>3/30/2022</a:t>
             </a:fld>
             <a:endParaRPr lang="en-US" dirty="0"/>
           </a:p>
@@ -7078,7 +7079,7 @@
           <a:p>
             <a:fld id="{48A87A34-81AB-432B-8DAE-1953F412C126}" type="datetimeFigureOut">
               <a:rPr lang="en-US" dirty="0"/>
-              <a:t>3/29/2022</a:t>
+              <a:t>3/30/2022</a:t>
             </a:fld>
             <a:endParaRPr lang="en-US" dirty="0"/>
           </a:p>
@@ -7253,7 +7254,7 @@
           <a:p>
             <a:fld id="{48A87A34-81AB-432B-8DAE-1953F412C126}" type="datetimeFigureOut">
               <a:rPr lang="en-US" dirty="0"/>
-              <a:t>3/29/2022</a:t>
+              <a:t>3/30/2022</a:t>
             </a:fld>
             <a:endParaRPr lang="en-US" dirty="0"/>
           </a:p>
@@ -7418,7 +7419,7 @@
           <a:p>
             <a:fld id="{48A87A34-81AB-432B-8DAE-1953F412C126}" type="datetimeFigureOut">
               <a:rPr lang="en-US" dirty="0"/>
-              <a:t>3/29/2022</a:t>
+              <a:t>3/30/2022</a:t>
             </a:fld>
             <a:endParaRPr lang="en-US" dirty="0"/>
           </a:p>
@@ -7663,7 +7664,7 @@
           <a:p>
             <a:fld id="{48A87A34-81AB-432B-8DAE-1953F412C126}" type="datetimeFigureOut">
               <a:rPr lang="en-US" dirty="0"/>
-              <a:t>3/29/2022</a:t>
+              <a:t>3/30/2022</a:t>
             </a:fld>
             <a:endParaRPr lang="en-US" dirty="0"/>
           </a:p>
@@ -7890,7 +7891,7 @@
           <a:p>
             <a:fld id="{48A87A34-81AB-432B-8DAE-1953F412C126}" type="datetimeFigureOut">
               <a:rPr lang="en-US" dirty="0"/>
-              <a:t>3/29/2022</a:t>
+              <a:t>3/30/2022</a:t>
             </a:fld>
             <a:endParaRPr lang="en-US" dirty="0"/>
           </a:p>
@@ -8266,7 +8267,7 @@
           <a:p>
             <a:fld id="{48A87A34-81AB-432B-8DAE-1953F412C126}" type="datetimeFigureOut">
               <a:rPr lang="en-US" dirty="0"/>
-              <a:t>3/29/2022</a:t>
+              <a:t>3/30/2022</a:t>
             </a:fld>
             <a:endParaRPr lang="en-US" dirty="0"/>
           </a:p>
@@ -8379,7 +8380,7 @@
           <a:p>
             <a:fld id="{48A87A34-81AB-432B-8DAE-1953F412C126}" type="datetimeFigureOut">
               <a:rPr lang="en-US" dirty="0"/>
-              <a:t>3/29/2022</a:t>
+              <a:t>3/30/2022</a:t>
             </a:fld>
             <a:endParaRPr lang="en-US" dirty="0"/>
           </a:p>
@@ -8469,7 +8470,7 @@
           <a:p>
             <a:fld id="{48A87A34-81AB-432B-8DAE-1953F412C126}" type="datetimeFigureOut">
               <a:rPr lang="en-US" dirty="0"/>
-              <a:t>3/29/2022</a:t>
+              <a:t>3/30/2022</a:t>
             </a:fld>
             <a:endParaRPr lang="en-US" dirty="0"/>
           </a:p>
@@ -8713,7 +8714,7 @@
           <a:p>
             <a:fld id="{48A87A34-81AB-432B-8DAE-1953F412C126}" type="datetimeFigureOut">
               <a:rPr lang="en-US" dirty="0"/>
-              <a:t>3/29/2022</a:t>
+              <a:t>3/30/2022</a:t>
             </a:fld>
             <a:endParaRPr lang="en-US" dirty="0"/>
           </a:p>
@@ -8988,7 +8989,7 @@
           <a:p>
             <a:fld id="{48A87A34-81AB-432B-8DAE-1953F412C126}" type="datetimeFigureOut">
               <a:rPr lang="en-US" dirty="0"/>
-              <a:t>3/29/2022</a:t>
+              <a:t>3/30/2022</a:t>
             </a:fld>
             <a:endParaRPr lang="en-US" dirty="0"/>
           </a:p>
@@ -9106,7 +9107,7 @@
           <a:noFill/>
           <a:extLst>
             <a:ext uri="{909E8E84-426E-40dd-AFC4-6F175D3DCCD1}">
-              <a14:hiddenFill xmlns:a14="http://schemas.microsoft.com/office/drawing/2010/main" xmlns="">
+              <a14:hiddenFill xmlns="" xmlns:a14="http://schemas.microsoft.com/office/drawing/2010/main">
                 <a:solidFill>
                   <a:srgbClr val="FFFFFF"/>
                 </a:solidFill>
@@ -9180,7 +9181,7 @@
               </a:ln>
               <a:extLst>
                 <a:ext uri="{91240B29-F687-4f45-9708-019B960494DF}">
-                  <a14:hiddenLine xmlns:a14="http://schemas.microsoft.com/office/drawing/2010/main" xmlns="" w="9525">
+                  <a14:hiddenLine xmlns="" xmlns:a14="http://schemas.microsoft.com/office/drawing/2010/main" w="9525">
                     <a:solidFill>
                       <a:srgbClr val="000000"/>
                     </a:solidFill>
@@ -9270,7 +9271,7 @@
               </a:ln>
               <a:extLst>
                 <a:ext uri="{91240B29-F687-4f45-9708-019B960494DF}">
-                  <a14:hiddenLine xmlns:a14="http://schemas.microsoft.com/office/drawing/2010/main" xmlns="" w="9525">
+                  <a14:hiddenLine xmlns="" xmlns:a14="http://schemas.microsoft.com/office/drawing/2010/main" w="9525">
                     <a:solidFill>
                       <a:srgbClr val="000000"/>
                     </a:solidFill>
@@ -9360,7 +9361,7 @@
               </a:ln>
               <a:extLst>
                 <a:ext uri="{91240B29-F687-4f45-9708-019B960494DF}">
-                  <a14:hiddenLine xmlns:a14="http://schemas.microsoft.com/office/drawing/2010/main" xmlns="" w="9525">
+                  <a14:hiddenLine xmlns="" xmlns:a14="http://schemas.microsoft.com/office/drawing/2010/main" w="9525">
                     <a:solidFill>
                       <a:srgbClr val="000000"/>
                     </a:solidFill>
@@ -9422,7 +9423,7 @@
               </a:ln>
               <a:extLst>
                 <a:ext uri="{91240B29-F687-4f45-9708-019B960494DF}">
-                  <a14:hiddenLine xmlns:a14="http://schemas.microsoft.com/office/drawing/2010/main" xmlns="" w="9525">
+                  <a14:hiddenLine xmlns="" xmlns:a14="http://schemas.microsoft.com/office/drawing/2010/main" w="9525">
                     <a:solidFill>
                       <a:srgbClr val="000000"/>
                     </a:solidFill>
@@ -9512,7 +9513,7 @@
               </a:ln>
               <a:extLst>
                 <a:ext uri="{91240B29-F687-4f45-9708-019B960494DF}">
-                  <a14:hiddenLine xmlns:a14="http://schemas.microsoft.com/office/drawing/2010/main" xmlns="" w="9525">
+                  <a14:hiddenLine xmlns="" xmlns:a14="http://schemas.microsoft.com/office/drawing/2010/main" w="9525">
                     <a:solidFill>
                       <a:srgbClr val="000000"/>
                     </a:solidFill>
@@ -9574,7 +9575,7 @@
               </a:ln>
               <a:extLst>
                 <a:ext uri="{91240B29-F687-4f45-9708-019B960494DF}">
-                  <a14:hiddenLine xmlns:a14="http://schemas.microsoft.com/office/drawing/2010/main" xmlns="" w="9525">
+                  <a14:hiddenLine xmlns="" xmlns:a14="http://schemas.microsoft.com/office/drawing/2010/main" w="9525">
                     <a:solidFill>
                       <a:srgbClr val="000000"/>
                     </a:solidFill>
@@ -9636,7 +9637,7 @@
               </a:ln>
               <a:extLst>
                 <a:ext uri="{91240B29-F687-4f45-9708-019B960494DF}">
-                  <a14:hiddenLine xmlns:a14="http://schemas.microsoft.com/office/drawing/2010/main" xmlns="" w="9525">
+                  <a14:hiddenLine xmlns="" xmlns:a14="http://schemas.microsoft.com/office/drawing/2010/main" w="9525">
                     <a:solidFill>
                       <a:srgbClr val="000000"/>
                     </a:solidFill>
@@ -9726,7 +9727,7 @@
               </a:ln>
               <a:extLst>
                 <a:ext uri="{91240B29-F687-4f45-9708-019B960494DF}">
-                  <a14:hiddenLine xmlns:a14="http://schemas.microsoft.com/office/drawing/2010/main" xmlns="" w="9525">
+                  <a14:hiddenLine xmlns="" xmlns:a14="http://schemas.microsoft.com/office/drawing/2010/main" w="9525">
                     <a:solidFill>
                       <a:srgbClr val="000000"/>
                     </a:solidFill>
@@ -9816,7 +9817,7 @@
               </a:ln>
               <a:extLst>
                 <a:ext uri="{91240B29-F687-4f45-9708-019B960494DF}">
-                  <a14:hiddenLine xmlns:a14="http://schemas.microsoft.com/office/drawing/2010/main" xmlns="" w="9525">
+                  <a14:hiddenLine xmlns="" xmlns:a14="http://schemas.microsoft.com/office/drawing/2010/main" w="9525">
                     <a:solidFill>
                       <a:srgbClr val="000000"/>
                     </a:solidFill>
@@ -9878,7 +9879,7 @@
               </a:ln>
               <a:extLst>
                 <a:ext uri="{91240B29-F687-4f45-9708-019B960494DF}">
-                  <a14:hiddenLine xmlns:a14="http://schemas.microsoft.com/office/drawing/2010/main" xmlns="" w="9525">
+                  <a14:hiddenLine xmlns="" xmlns:a14="http://schemas.microsoft.com/office/drawing/2010/main" w="9525">
                     <a:solidFill>
                       <a:srgbClr val="000000"/>
                     </a:solidFill>
@@ -9988,7 +9989,7 @@
               </a:ln>
               <a:extLst>
                 <a:ext uri="{91240B29-F687-4f45-9708-019B960494DF}">
-                  <a14:hiddenLine xmlns:a14="http://schemas.microsoft.com/office/drawing/2010/main" xmlns="" w="9525">
+                  <a14:hiddenLine xmlns="" xmlns:a14="http://schemas.microsoft.com/office/drawing/2010/main" w="9525">
                     <a:solidFill>
                       <a:srgbClr val="000000"/>
                     </a:solidFill>
@@ -10072,7 +10073,7 @@
               </a:ln>
               <a:extLst>
                 <a:ext uri="{91240B29-F687-4f45-9708-019B960494DF}">
-                  <a14:hiddenLine xmlns:a14="http://schemas.microsoft.com/office/drawing/2010/main" xmlns="" w="9525">
+                  <a14:hiddenLine xmlns="" xmlns:a14="http://schemas.microsoft.com/office/drawing/2010/main" w="9525">
                     <a:solidFill>
                       <a:srgbClr val="000000"/>
                     </a:solidFill>
@@ -10134,7 +10135,7 @@
               </a:ln>
               <a:extLst>
                 <a:ext uri="{91240B29-F687-4f45-9708-019B960494DF}">
-                  <a14:hiddenLine xmlns:a14="http://schemas.microsoft.com/office/drawing/2010/main" xmlns="" w="9525">
+                  <a14:hiddenLine xmlns="" xmlns:a14="http://schemas.microsoft.com/office/drawing/2010/main" w="9525">
                     <a:solidFill>
                       <a:srgbClr val="000000"/>
                     </a:solidFill>
@@ -10196,7 +10197,7 @@
               </a:ln>
               <a:extLst>
                 <a:ext uri="{91240B29-F687-4f45-9708-019B960494DF}">
-                  <a14:hiddenLine xmlns:a14="http://schemas.microsoft.com/office/drawing/2010/main" xmlns="" w="9525">
+                  <a14:hiddenLine xmlns="" xmlns:a14="http://schemas.microsoft.com/office/drawing/2010/main" w="9525">
                     <a:solidFill>
                       <a:srgbClr val="000000"/>
                     </a:solidFill>
@@ -10286,7 +10287,7 @@
               </a:ln>
               <a:extLst>
                 <a:ext uri="{91240B29-F687-4f45-9708-019B960494DF}">
-                  <a14:hiddenLine xmlns:a14="http://schemas.microsoft.com/office/drawing/2010/main" xmlns="" w="9525">
+                  <a14:hiddenLine xmlns="" xmlns:a14="http://schemas.microsoft.com/office/drawing/2010/main" w="9525">
                     <a:solidFill>
                       <a:srgbClr val="000000"/>
                     </a:solidFill>
@@ -10320,7 +10321,7 @@
               </a:ln>
               <a:extLst>
                 <a:ext uri="{91240B29-F687-4f45-9708-019B960494DF}">
-                  <a14:hiddenLine xmlns:a14="http://schemas.microsoft.com/office/drawing/2010/main" xmlns="" w="9525">
+                  <a14:hiddenLine xmlns="" xmlns:a14="http://schemas.microsoft.com/office/drawing/2010/main" w="9525">
                     <a:solidFill>
                       <a:srgbClr val="000000"/>
                     </a:solidFill>
@@ -10385,7 +10386,7 @@
               </a:ln>
               <a:extLst>
                 <a:ext uri="{91240B29-F687-4f45-9708-019B960494DF}">
-                  <a14:hiddenLine xmlns:a14="http://schemas.microsoft.com/office/drawing/2010/main" xmlns="" w="9525">
+                  <a14:hiddenLine xmlns="" xmlns:a14="http://schemas.microsoft.com/office/drawing/2010/main" w="9525">
                     <a:solidFill>
                       <a:srgbClr val="000000"/>
                     </a:solidFill>
@@ -10475,7 +10476,7 @@
               </a:ln>
               <a:extLst>
                 <a:ext uri="{91240B29-F687-4f45-9708-019B960494DF}">
-                  <a14:hiddenLine xmlns:a14="http://schemas.microsoft.com/office/drawing/2010/main" xmlns="" w="9525">
+                  <a14:hiddenLine xmlns="" xmlns:a14="http://schemas.microsoft.com/office/drawing/2010/main" w="9525">
                     <a:solidFill>
                       <a:srgbClr val="000000"/>
                     </a:solidFill>
@@ -10537,7 +10538,7 @@
               </a:ln>
               <a:extLst>
                 <a:ext uri="{91240B29-F687-4f45-9708-019B960494DF}">
-                  <a14:hiddenLine xmlns:a14="http://schemas.microsoft.com/office/drawing/2010/main" xmlns="" w="9525">
+                  <a14:hiddenLine xmlns="" xmlns:a14="http://schemas.microsoft.com/office/drawing/2010/main" w="9525">
                     <a:solidFill>
                       <a:srgbClr val="000000"/>
                     </a:solidFill>
@@ -10627,7 +10628,7 @@
               </a:ln>
               <a:extLst>
                 <a:ext uri="{91240B29-F687-4f45-9708-019B960494DF}">
-                  <a14:hiddenLine xmlns:a14="http://schemas.microsoft.com/office/drawing/2010/main" xmlns="" w="9525">
+                  <a14:hiddenLine xmlns="" xmlns:a14="http://schemas.microsoft.com/office/drawing/2010/main" w="9525">
                     <a:solidFill>
                       <a:srgbClr val="000000"/>
                     </a:solidFill>
@@ -10692,7 +10693,7 @@
               </a:ln>
               <a:extLst>
                 <a:ext uri="{91240B29-F687-4f45-9708-019B960494DF}">
-                  <a14:hiddenLine xmlns:a14="http://schemas.microsoft.com/office/drawing/2010/main" xmlns="" w="9525">
+                  <a14:hiddenLine xmlns="" xmlns:a14="http://schemas.microsoft.com/office/drawing/2010/main" w="9525">
                     <a:solidFill>
                       <a:srgbClr val="000000"/>
                     </a:solidFill>
@@ -10754,7 +10755,7 @@
               </a:ln>
               <a:extLst>
                 <a:ext uri="{91240B29-F687-4f45-9708-019B960494DF}">
-                  <a14:hiddenLine xmlns:a14="http://schemas.microsoft.com/office/drawing/2010/main" xmlns="" w="9525">
+                  <a14:hiddenLine xmlns="" xmlns:a14="http://schemas.microsoft.com/office/drawing/2010/main" w="9525">
                     <a:solidFill>
                       <a:srgbClr val="000000"/>
                     </a:solidFill>
@@ -10844,7 +10845,7 @@
               </a:ln>
               <a:extLst>
                 <a:ext uri="{91240B29-F687-4f45-9708-019B960494DF}">
-                  <a14:hiddenLine xmlns:a14="http://schemas.microsoft.com/office/drawing/2010/main" xmlns="" w="9525">
+                  <a14:hiddenLine xmlns="" xmlns:a14="http://schemas.microsoft.com/office/drawing/2010/main" w="9525">
                     <a:solidFill>
                       <a:srgbClr val="000000"/>
                     </a:solidFill>
@@ -10934,7 +10935,7 @@
               </a:ln>
               <a:extLst>
                 <a:ext uri="{91240B29-F687-4f45-9708-019B960494DF}">
-                  <a14:hiddenLine xmlns:a14="http://schemas.microsoft.com/office/drawing/2010/main" xmlns="" w="9525">
+                  <a14:hiddenLine xmlns="" xmlns:a14="http://schemas.microsoft.com/office/drawing/2010/main" w="9525">
                     <a:solidFill>
                       <a:srgbClr val="000000"/>
                     </a:solidFill>
@@ -10999,7 +11000,7 @@
               </a:ln>
               <a:extLst>
                 <a:ext uri="{91240B29-F687-4f45-9708-019B960494DF}">
-                  <a14:hiddenLine xmlns:a14="http://schemas.microsoft.com/office/drawing/2010/main" xmlns="" w="9525">
+                  <a14:hiddenLine xmlns="" xmlns:a14="http://schemas.microsoft.com/office/drawing/2010/main" w="9525">
                     <a:solidFill>
                       <a:srgbClr val="000000"/>
                     </a:solidFill>
@@ -11119,7 +11120,7 @@
               </a:ln>
               <a:extLst>
                 <a:ext uri="{91240B29-F687-4f45-9708-019B960494DF}">
-                  <a14:hiddenLine xmlns:a14="http://schemas.microsoft.com/office/drawing/2010/main" xmlns="" w="9525">
+                  <a14:hiddenLine xmlns="" xmlns:a14="http://schemas.microsoft.com/office/drawing/2010/main" w="9525">
                     <a:solidFill>
                       <a:srgbClr val="000000"/>
                     </a:solidFill>
@@ -11200,7 +11201,7 @@
               </a:ln>
               <a:extLst>
                 <a:ext uri="{91240B29-F687-4f45-9708-019B960494DF}">
-                  <a14:hiddenLine xmlns:a14="http://schemas.microsoft.com/office/drawing/2010/main" xmlns="" w="9525">
+                  <a14:hiddenLine xmlns="" xmlns:a14="http://schemas.microsoft.com/office/drawing/2010/main" w="9525">
                     <a:solidFill>
                       <a:srgbClr val="000000"/>
                     </a:solidFill>
@@ -11315,7 +11316,7 @@
               </a:ln>
               <a:extLst>
                 <a:ext uri="{91240B29-F687-4f45-9708-019B960494DF}">
-                  <a14:hiddenLine xmlns:a14="http://schemas.microsoft.com/office/drawing/2010/main" xmlns="" w="9525">
+                  <a14:hiddenLine xmlns="" xmlns:a14="http://schemas.microsoft.com/office/drawing/2010/main" w="9525">
                     <a:solidFill>
                       <a:srgbClr val="000000"/>
                     </a:solidFill>
@@ -11405,7 +11406,7 @@
               </a:ln>
               <a:extLst>
                 <a:ext uri="{91240B29-F687-4f45-9708-019B960494DF}">
-                  <a14:hiddenLine xmlns:a14="http://schemas.microsoft.com/office/drawing/2010/main" xmlns="" w="9525">
+                  <a14:hiddenLine xmlns="" xmlns:a14="http://schemas.microsoft.com/office/drawing/2010/main" w="9525">
                     <a:solidFill>
                       <a:srgbClr val="000000"/>
                     </a:solidFill>
@@ -11470,7 +11471,7 @@
               </a:ln>
               <a:extLst>
                 <a:ext uri="{91240B29-F687-4f45-9708-019B960494DF}">
-                  <a14:hiddenLine xmlns:a14="http://schemas.microsoft.com/office/drawing/2010/main" xmlns="" w="9525">
+                  <a14:hiddenLine xmlns="" xmlns:a14="http://schemas.microsoft.com/office/drawing/2010/main" w="9525">
                     <a:solidFill>
                       <a:srgbClr val="000000"/>
                     </a:solidFill>
@@ -11560,7 +11561,7 @@
               </a:ln>
               <a:extLst>
                 <a:ext uri="{91240B29-F687-4f45-9708-019B960494DF}">
-                  <a14:hiddenLine xmlns:a14="http://schemas.microsoft.com/office/drawing/2010/main" xmlns="" w="9525">
+                  <a14:hiddenLine xmlns="" xmlns:a14="http://schemas.microsoft.com/office/drawing/2010/main" w="9525">
                     <a:solidFill>
                       <a:srgbClr val="000000"/>
                     </a:solidFill>
@@ -11628,7 +11629,7 @@
               </a:ln>
               <a:extLst>
                 <a:ext uri="{91240B29-F687-4f45-9708-019B960494DF}">
-                  <a14:hiddenLine xmlns:a14="http://schemas.microsoft.com/office/drawing/2010/main" xmlns="" w="9525">
+                  <a14:hiddenLine xmlns="" xmlns:a14="http://schemas.microsoft.com/office/drawing/2010/main" w="9525">
                     <a:solidFill>
                       <a:srgbClr val="000000"/>
                     </a:solidFill>
@@ -11718,7 +11719,7 @@
               </a:ln>
               <a:extLst>
                 <a:ext uri="{91240B29-F687-4f45-9708-019B960494DF}">
-                  <a14:hiddenLine xmlns:a14="http://schemas.microsoft.com/office/drawing/2010/main" xmlns="" w="9525">
+                  <a14:hiddenLine xmlns="" xmlns:a14="http://schemas.microsoft.com/office/drawing/2010/main" w="9525">
                     <a:solidFill>
                       <a:srgbClr val="000000"/>
                     </a:solidFill>
@@ -11786,7 +11787,7 @@
               </a:ln>
               <a:extLst>
                 <a:ext uri="{91240B29-F687-4f45-9708-019B960494DF}">
-                  <a14:hiddenLine xmlns:a14="http://schemas.microsoft.com/office/drawing/2010/main" xmlns="" w="9525">
+                  <a14:hiddenLine xmlns="" xmlns:a14="http://schemas.microsoft.com/office/drawing/2010/main" w="9525">
                     <a:solidFill>
                       <a:srgbClr val="000000"/>
                     </a:solidFill>
@@ -11876,7 +11877,7 @@
               </a:ln>
               <a:extLst>
                 <a:ext uri="{91240B29-F687-4f45-9708-019B960494DF}">
-                  <a14:hiddenLine xmlns:a14="http://schemas.microsoft.com/office/drawing/2010/main" xmlns="" w="9525">
+                  <a14:hiddenLine xmlns="" xmlns:a14="http://schemas.microsoft.com/office/drawing/2010/main" w="9525">
                     <a:solidFill>
                       <a:srgbClr val="000000"/>
                     </a:solidFill>
@@ -11910,7 +11911,7 @@
               </a:ln>
               <a:extLst>
                 <a:ext uri="{91240B29-F687-4f45-9708-019B960494DF}">
-                  <a14:hiddenLine xmlns:a14="http://schemas.microsoft.com/office/drawing/2010/main" xmlns="" w="9525">
+                  <a14:hiddenLine xmlns="" xmlns:a14="http://schemas.microsoft.com/office/drawing/2010/main" w="9525">
                     <a:solidFill>
                       <a:srgbClr val="000000"/>
                     </a:solidFill>
@@ -12051,7 +12052,7 @@
             <a:fld id="{48A87A34-81AB-432B-8DAE-1953F412C126}" type="datetimeFigureOut">
               <a:rPr lang="en-US" dirty="0"/>
               <a:pPr/>
-              <a:t>3/29/2022</a:t>
+              <a:t>3/30/2022</a:t>
             </a:fld>
             <a:endParaRPr lang="en-US" dirty="0"/>
           </a:p>
@@ -12905,7 +12906,7 @@
           <a:p>
             <a:r>
               <a:rPr lang="it-IT" sz="4300" dirty="0"/>
-              <a:t>Le costanti in java</a:t>
+              <a:t>Le variabili in java</a:t>
             </a:r>
           </a:p>
         </p:txBody>
@@ -12943,7 +12944,7 @@
     </p:spTree>
     <p:extLst>
       <p:ext uri="{BB962C8B-B14F-4D97-AF65-F5344CB8AC3E}">
-        <p14:creationId xmlns:p14="http://schemas.microsoft.com/office/powerpoint/2010/main" val="1496653589"/>
+        <p14:creationId xmlns:p14="http://schemas.microsoft.com/office/powerpoint/2010/main" val="1775812485"/>
       </p:ext>
     </p:extLst>
   </p:cSld>
@@ -13000,7 +13001,7 @@
           <a:p>
             <a:r>
               <a:rPr lang="it-IT" sz="4300" dirty="0"/>
-              <a:t>Tipologia dei dati in java</a:t>
+              <a:t>Le costanti in java</a:t>
             </a:r>
           </a:p>
         </p:txBody>
@@ -13038,7 +13039,7 @@
     </p:spTree>
     <p:extLst>
       <p:ext uri="{BB962C8B-B14F-4D97-AF65-F5344CB8AC3E}">
-        <p14:creationId xmlns:p14="http://schemas.microsoft.com/office/powerpoint/2010/main" val="979557922"/>
+        <p14:creationId xmlns:p14="http://schemas.microsoft.com/office/powerpoint/2010/main" val="1496653589"/>
       </p:ext>
     </p:extLst>
   </p:cSld>
@@ -13095,15 +13096,7 @@
           <a:p>
             <a:r>
               <a:rPr lang="it-IT" sz="4300" dirty="0"/>
-              <a:t>I </a:t>
-            </a:r>
-            <a:r>
-              <a:rPr lang="it-IT" sz="4300" dirty="0" err="1"/>
-              <a:t>wrapprer</a:t>
-            </a:r>
-            <a:r>
-              <a:rPr lang="it-IT" sz="4300" dirty="0"/>
-              <a:t> in java</a:t>
+              <a:t>Tipologia dei dati in java</a:t>
             </a:r>
           </a:p>
         </p:txBody>
@@ -13141,7 +13134,7 @@
     </p:spTree>
     <p:extLst>
       <p:ext uri="{BB962C8B-B14F-4D97-AF65-F5344CB8AC3E}">
-        <p14:creationId xmlns:p14="http://schemas.microsoft.com/office/powerpoint/2010/main" val="2567033275"/>
+        <p14:creationId xmlns:p14="http://schemas.microsoft.com/office/powerpoint/2010/main" val="979557922"/>
       </p:ext>
     </p:extLst>
   </p:cSld>
@@ -13198,7 +13191,15 @@
           <a:p>
             <a:r>
               <a:rPr lang="it-IT" sz="4300" dirty="0"/>
-              <a:t>Tipologia di variabili e scope</a:t>
+              <a:t>I </a:t>
+            </a:r>
+            <a:r>
+              <a:rPr lang="it-IT" sz="4300" dirty="0" err="1"/>
+              <a:t>wrapprer</a:t>
+            </a:r>
+            <a:r>
+              <a:rPr lang="it-IT" sz="4300" dirty="0"/>
+              <a:t> in java</a:t>
             </a:r>
           </a:p>
         </p:txBody>
@@ -13236,7 +13237,7 @@
     </p:spTree>
     <p:extLst>
       <p:ext uri="{BB962C8B-B14F-4D97-AF65-F5344CB8AC3E}">
-        <p14:creationId xmlns:p14="http://schemas.microsoft.com/office/powerpoint/2010/main" val="3689290080"/>
+        <p14:creationId xmlns:p14="http://schemas.microsoft.com/office/powerpoint/2010/main" val="2567033275"/>
       </p:ext>
     </p:extLst>
   </p:cSld>
@@ -13293,7 +13294,7 @@
           <a:p>
             <a:r>
               <a:rPr lang="it-IT" sz="4300" dirty="0"/>
-              <a:t>Le variabili locali</a:t>
+              <a:t>Tipologia di variabili e scope</a:t>
             </a:r>
           </a:p>
         </p:txBody>
@@ -13331,7 +13332,7 @@
     </p:spTree>
     <p:extLst>
       <p:ext uri="{BB962C8B-B14F-4D97-AF65-F5344CB8AC3E}">
-        <p14:creationId xmlns:p14="http://schemas.microsoft.com/office/powerpoint/2010/main" val="1086546404"/>
+        <p14:creationId xmlns:p14="http://schemas.microsoft.com/office/powerpoint/2010/main" val="3689290080"/>
       </p:ext>
     </p:extLst>
   </p:cSld>
@@ -13388,7 +13389,7 @@
           <a:p>
             <a:r>
               <a:rPr lang="it-IT" sz="4300" dirty="0"/>
-              <a:t>Le variabili di istanza</a:t>
+              <a:t>Le variabili locali</a:t>
             </a:r>
           </a:p>
         </p:txBody>
@@ -13426,7 +13427,7 @@
     </p:spTree>
     <p:extLst>
       <p:ext uri="{BB962C8B-B14F-4D97-AF65-F5344CB8AC3E}">
-        <p14:creationId xmlns:p14="http://schemas.microsoft.com/office/powerpoint/2010/main" val="2647932667"/>
+        <p14:creationId xmlns:p14="http://schemas.microsoft.com/office/powerpoint/2010/main" val="1086546404"/>
       </p:ext>
     </p:extLst>
   </p:cSld>
@@ -13483,7 +13484,7 @@
           <a:p>
             <a:r>
               <a:rPr lang="it-IT" sz="4300" dirty="0"/>
-              <a:t>Le variabili di classe</a:t>
+              <a:t>Le variabili di istanza</a:t>
             </a:r>
           </a:p>
         </p:txBody>
@@ -13514,14 +13515,23 @@
           <a:bodyPr/>
           <a:lstStyle/>
           <a:p>
-            <a:endParaRPr lang="it-IT"/>
+            <a:r>
+              <a:rPr lang="it-IT" dirty="0">
+                <a:solidFill>
+                  <a:schemeClr val="tx1">
+                    <a:lumMod val="95000"/>
+                  </a:schemeClr>
+                </a:solidFill>
+              </a:rPr>
+              <a:t>qui</a:t>
+            </a:r>
           </a:p>
         </p:txBody>
       </p:sp>
     </p:spTree>
     <p:extLst>
       <p:ext uri="{BB962C8B-B14F-4D97-AF65-F5344CB8AC3E}">
-        <p14:creationId xmlns:p14="http://schemas.microsoft.com/office/powerpoint/2010/main" val="171747260"/>
+        <p14:creationId xmlns:p14="http://schemas.microsoft.com/office/powerpoint/2010/main" val="2647932667"/>
       </p:ext>
     </p:extLst>
   </p:cSld>
@@ -13566,23 +13576,19 @@
         </p:nvSpPr>
         <p:spPr>
           <a:xfrm>
-            <a:off x="1876424" y="1256587"/>
-            <a:ext cx="9515826" cy="656103"/>
+            <a:off x="1876423" y="711302"/>
+            <a:ext cx="10103055" cy="656103"/>
           </a:xfrm>
         </p:spPr>
         <p:txBody>
           <a:bodyPr>
-            <a:normAutofit fontScale="90000"/>
+            <a:noAutofit/>
           </a:bodyPr>
           <a:lstStyle/>
           <a:p>
             <a:r>
-              <a:rPr lang="it-IT" dirty="0" err="1"/>
-              <a:t>Literals</a:t>
-            </a:r>
-            <a:r>
-              <a:rPr lang="it-IT" dirty="0"/>
-              <a:t> e codifica di valori numerici e stringhe</a:t>
+              <a:rPr lang="it-IT" sz="4300" dirty="0"/>
+              <a:t>Le variabili di classe</a:t>
             </a:r>
           </a:p>
         </p:txBody>
@@ -13605,7 +13611,7 @@
         </p:nvSpPr>
         <p:spPr>
           <a:xfrm>
-            <a:off x="1876425" y="2100409"/>
+            <a:off x="1876425" y="1555124"/>
             <a:ext cx="9515826" cy="4115834"/>
           </a:xfrm>
         </p:spPr>
@@ -13620,7 +13626,7 @@
     </p:spTree>
     <p:extLst>
       <p:ext uri="{BB962C8B-B14F-4D97-AF65-F5344CB8AC3E}">
-        <p14:creationId xmlns:p14="http://schemas.microsoft.com/office/powerpoint/2010/main" val="517010995"/>
+        <p14:creationId xmlns:p14="http://schemas.microsoft.com/office/powerpoint/2010/main" val="171747260"/>
       </p:ext>
     </p:extLst>
   </p:cSld>
@@ -13665,19 +13671,23 @@
         </p:nvSpPr>
         <p:spPr>
           <a:xfrm>
-            <a:off x="1876423" y="711302"/>
-            <a:ext cx="10103055" cy="656103"/>
+            <a:off x="1876424" y="1256587"/>
+            <a:ext cx="9515826" cy="656103"/>
           </a:xfrm>
         </p:spPr>
         <p:txBody>
           <a:bodyPr>
-            <a:noAutofit/>
+            <a:normAutofit fontScale="90000"/>
           </a:bodyPr>
           <a:lstStyle/>
           <a:p>
             <a:r>
-              <a:rPr lang="it-IT" sz="4300" dirty="0"/>
-              <a:t>Il boxing in java</a:t>
+              <a:rPr lang="it-IT" dirty="0" err="1"/>
+              <a:t>Literals</a:t>
+            </a:r>
+            <a:r>
+              <a:rPr lang="it-IT" dirty="0"/>
+              <a:t> e codifica di valori numerici e stringhe</a:t>
             </a:r>
           </a:p>
         </p:txBody>
@@ -13700,7 +13710,7 @@
         </p:nvSpPr>
         <p:spPr>
           <a:xfrm>
-            <a:off x="1876425" y="1555124"/>
+            <a:off x="1876425" y="2100409"/>
             <a:ext cx="9515826" cy="4115834"/>
           </a:xfrm>
         </p:spPr>
@@ -13715,7 +13725,7 @@
     </p:spTree>
     <p:extLst>
       <p:ext uri="{BB962C8B-B14F-4D97-AF65-F5344CB8AC3E}">
-        <p14:creationId xmlns:p14="http://schemas.microsoft.com/office/powerpoint/2010/main" val="1349329975"/>
+        <p14:creationId xmlns:p14="http://schemas.microsoft.com/office/powerpoint/2010/main" val="517010995"/>
       </p:ext>
     </p:extLst>
   </p:cSld>
@@ -13771,10 +13781,9 @@
           <a:lstStyle/>
           <a:p>
             <a:r>
-              <a:rPr lang="it-IT" sz="4300" dirty="0" err="1"/>
-              <a:t>autoboxing</a:t>
-            </a:r>
-            <a:endParaRPr lang="it-IT" sz="4300" dirty="0"/>
+              <a:rPr lang="it-IT" sz="4300" dirty="0"/>
+              <a:t>Il boxing in java</a:t>
+            </a:r>
           </a:p>
         </p:txBody>
       </p:sp>
@@ -13811,7 +13820,7 @@
     </p:spTree>
     <p:extLst>
       <p:ext uri="{BB962C8B-B14F-4D97-AF65-F5344CB8AC3E}">
-        <p14:creationId xmlns:p14="http://schemas.microsoft.com/office/powerpoint/2010/main" val="423864529"/>
+        <p14:creationId xmlns:p14="http://schemas.microsoft.com/office/powerpoint/2010/main" val="1349329975"/>
       </p:ext>
     </p:extLst>
   </p:cSld>
@@ -14068,7 +14077,7 @@
           <a:p>
             <a:r>
               <a:rPr lang="it-IT" sz="4300" dirty="0" err="1"/>
-              <a:t>unboxing</a:t>
+              <a:t>autoboxing</a:t>
             </a:r>
             <a:endParaRPr lang="it-IT" sz="4300" dirty="0"/>
           </a:p>
@@ -14107,7 +14116,7 @@
     </p:spTree>
     <p:extLst>
       <p:ext uri="{BB962C8B-B14F-4D97-AF65-F5344CB8AC3E}">
-        <p14:creationId xmlns:p14="http://schemas.microsoft.com/office/powerpoint/2010/main" val="1886187167"/>
+        <p14:creationId xmlns:p14="http://schemas.microsoft.com/office/powerpoint/2010/main" val="423864529"/>
       </p:ext>
     </p:extLst>
   </p:cSld>
@@ -14163,9 +14172,10 @@
           <a:lstStyle/>
           <a:p>
             <a:r>
-              <a:rPr lang="it-IT" sz="4300" dirty="0"/>
-              <a:t>casting</a:t>
-            </a:r>
+              <a:rPr lang="it-IT" sz="4300" dirty="0" err="1"/>
+              <a:t>unboxing</a:t>
+            </a:r>
+            <a:endParaRPr lang="it-IT" sz="4300" dirty="0"/>
           </a:p>
         </p:txBody>
       </p:sp>
@@ -14202,7 +14212,7 @@
     </p:spTree>
     <p:extLst>
       <p:ext uri="{BB962C8B-B14F-4D97-AF65-F5344CB8AC3E}">
-        <p14:creationId xmlns:p14="http://schemas.microsoft.com/office/powerpoint/2010/main" val="1710361079"/>
+        <p14:creationId xmlns:p14="http://schemas.microsoft.com/office/powerpoint/2010/main" val="1886187167"/>
       </p:ext>
     </p:extLst>
   </p:cSld>
@@ -14259,7 +14269,7 @@
           <a:p>
             <a:r>
               <a:rPr lang="it-IT" sz="4300" dirty="0"/>
-              <a:t>Modificatori di visibilità</a:t>
+              <a:t>casting</a:t>
             </a:r>
           </a:p>
         </p:txBody>
@@ -14297,7 +14307,7 @@
     </p:spTree>
     <p:extLst>
       <p:ext uri="{BB962C8B-B14F-4D97-AF65-F5344CB8AC3E}">
-        <p14:creationId xmlns:p14="http://schemas.microsoft.com/office/powerpoint/2010/main" val="2424196560"/>
+        <p14:creationId xmlns:p14="http://schemas.microsoft.com/office/powerpoint/2010/main" val="1710361079"/>
       </p:ext>
     </p:extLst>
   </p:cSld>
@@ -14354,7 +14364,7 @@
           <a:p>
             <a:r>
               <a:rPr lang="it-IT" sz="4300" dirty="0"/>
-              <a:t>Modificatori di visibilità public</a:t>
+              <a:t>Modificatori di visibilità</a:t>
             </a:r>
           </a:p>
         </p:txBody>
@@ -14392,7 +14402,7 @@
     </p:spTree>
     <p:extLst>
       <p:ext uri="{BB962C8B-B14F-4D97-AF65-F5344CB8AC3E}">
-        <p14:creationId xmlns:p14="http://schemas.microsoft.com/office/powerpoint/2010/main" val="2938427526"/>
+        <p14:creationId xmlns:p14="http://schemas.microsoft.com/office/powerpoint/2010/main" val="2424196560"/>
       </p:ext>
     </p:extLst>
   </p:cSld>
@@ -14449,7 +14459,7 @@
           <a:p>
             <a:r>
               <a:rPr lang="it-IT" sz="4300" dirty="0"/>
-              <a:t>Modificatori di visibilità private</a:t>
+              <a:t>Modificatori di visibilità public</a:t>
             </a:r>
           </a:p>
         </p:txBody>
@@ -14487,7 +14497,7 @@
     </p:spTree>
     <p:extLst>
       <p:ext uri="{BB962C8B-B14F-4D97-AF65-F5344CB8AC3E}">
-        <p14:creationId xmlns:p14="http://schemas.microsoft.com/office/powerpoint/2010/main" val="970912843"/>
+        <p14:creationId xmlns:p14="http://schemas.microsoft.com/office/powerpoint/2010/main" val="2938427526"/>
       </p:ext>
     </p:extLst>
   </p:cSld>
@@ -14544,13 +14554,8 @@
           <a:p>
             <a:r>
               <a:rPr lang="it-IT" sz="4300" dirty="0"/>
-              <a:t>Modificatori di visibilità </a:t>
-            </a:r>
-            <a:r>
-              <a:rPr lang="it-IT" sz="4300" dirty="0" err="1"/>
-              <a:t>protected</a:t>
-            </a:r>
-            <a:endParaRPr lang="it-IT" sz="4300" dirty="0"/>
+              <a:t>Modificatori di visibilità private</a:t>
+            </a:r>
           </a:p>
         </p:txBody>
       </p:sp>
@@ -14587,7 +14592,7 @@
     </p:spTree>
     <p:extLst>
       <p:ext uri="{BB962C8B-B14F-4D97-AF65-F5344CB8AC3E}">
-        <p14:creationId xmlns:p14="http://schemas.microsoft.com/office/powerpoint/2010/main" val="3215785069"/>
+        <p14:creationId xmlns:p14="http://schemas.microsoft.com/office/powerpoint/2010/main" val="970912843"/>
       </p:ext>
     </p:extLst>
   </p:cSld>
@@ -14644,8 +14649,13 @@
           <a:p>
             <a:r>
               <a:rPr lang="it-IT" sz="4300" dirty="0"/>
-              <a:t>Modificatori di visibilità default</a:t>
-            </a:r>
+              <a:t>Modificatori di visibilità </a:t>
+            </a:r>
+            <a:r>
+              <a:rPr lang="it-IT" sz="4300" dirty="0" err="1"/>
+              <a:t>protected</a:t>
+            </a:r>
+            <a:endParaRPr lang="it-IT" sz="4300" dirty="0"/>
           </a:p>
         </p:txBody>
       </p:sp>
@@ -14682,7 +14692,7 @@
     </p:spTree>
     <p:extLst>
       <p:ext uri="{BB962C8B-B14F-4D97-AF65-F5344CB8AC3E}">
-        <p14:creationId xmlns:p14="http://schemas.microsoft.com/office/powerpoint/2010/main" val="2247736885"/>
+        <p14:creationId xmlns:p14="http://schemas.microsoft.com/office/powerpoint/2010/main" val="3215785069"/>
       </p:ext>
     </p:extLst>
   </p:cSld>
@@ -14739,7 +14749,7 @@
           <a:p>
             <a:r>
               <a:rPr lang="it-IT" sz="4300" dirty="0"/>
-              <a:t>Definizione di un metodo in java</a:t>
+              <a:t>Modificatori di visibilità default</a:t>
             </a:r>
           </a:p>
         </p:txBody>
@@ -14777,7 +14787,7 @@
     </p:spTree>
     <p:extLst>
       <p:ext uri="{BB962C8B-B14F-4D97-AF65-F5344CB8AC3E}">
-        <p14:creationId xmlns:p14="http://schemas.microsoft.com/office/powerpoint/2010/main" val="4240462642"/>
+        <p14:creationId xmlns:p14="http://schemas.microsoft.com/office/powerpoint/2010/main" val="2247736885"/>
       </p:ext>
     </p:extLst>
   </p:cSld>
@@ -14834,7 +14844,7 @@
           <a:p>
             <a:r>
               <a:rPr lang="it-IT" sz="4300" dirty="0"/>
-              <a:t>I parametri</a:t>
+              <a:t>Definizione di un metodo in java</a:t>
             </a:r>
           </a:p>
         </p:txBody>
@@ -14872,7 +14882,7 @@
     </p:spTree>
     <p:extLst>
       <p:ext uri="{BB962C8B-B14F-4D97-AF65-F5344CB8AC3E}">
-        <p14:creationId xmlns:p14="http://schemas.microsoft.com/office/powerpoint/2010/main" val="3425414071"/>
+        <p14:creationId xmlns:p14="http://schemas.microsoft.com/office/powerpoint/2010/main" val="4240462642"/>
       </p:ext>
     </p:extLst>
   </p:cSld>
@@ -14929,7 +14939,7 @@
           <a:p>
             <a:r>
               <a:rPr lang="it-IT" sz="4300" dirty="0"/>
-              <a:t>Richiamare un metodo</a:t>
+              <a:t>I parametri</a:t>
             </a:r>
           </a:p>
         </p:txBody>
@@ -14967,7 +14977,7 @@
     </p:spTree>
     <p:extLst>
       <p:ext uri="{BB962C8B-B14F-4D97-AF65-F5344CB8AC3E}">
-        <p14:creationId xmlns:p14="http://schemas.microsoft.com/office/powerpoint/2010/main" val="457099950"/>
+        <p14:creationId xmlns:p14="http://schemas.microsoft.com/office/powerpoint/2010/main" val="3425414071"/>
       </p:ext>
     </p:extLst>
   </p:cSld>
@@ -15199,26 +15209,19 @@
         </p:nvSpPr>
         <p:spPr>
           <a:xfrm>
-            <a:off x="1876424" y="1256587"/>
-            <a:ext cx="9515826" cy="656103"/>
+            <a:off x="1876423" y="711302"/>
+            <a:ext cx="10103055" cy="656103"/>
           </a:xfrm>
         </p:spPr>
         <p:txBody>
           <a:bodyPr>
-            <a:normAutofit fontScale="90000"/>
+            <a:noAutofit/>
           </a:bodyPr>
           <a:lstStyle/>
           <a:p>
             <a:r>
-              <a:rPr lang="it-IT" dirty="0"/>
-              <a:t>Return ed il valore di ritorno</a:t>
-            </a:r>
-            <a:br>
-              <a:rPr lang="it-IT" dirty="0"/>
-            </a:br>
-            <a:r>
-              <a:rPr lang="it-IT" dirty="0"/>
-              <a:t>del metodo</a:t>
+              <a:rPr lang="it-IT" sz="4300" dirty="0"/>
+              <a:t>Richiamare un metodo</a:t>
             </a:r>
           </a:p>
         </p:txBody>
@@ -15241,7 +15244,7 @@
         </p:nvSpPr>
         <p:spPr>
           <a:xfrm>
-            <a:off x="1876425" y="2100409"/>
+            <a:off x="1876425" y="1555124"/>
             <a:ext cx="9515826" cy="4115834"/>
           </a:xfrm>
         </p:spPr>
@@ -15256,7 +15259,7 @@
     </p:spTree>
     <p:extLst>
       <p:ext uri="{BB962C8B-B14F-4D97-AF65-F5344CB8AC3E}">
-        <p14:creationId xmlns:p14="http://schemas.microsoft.com/office/powerpoint/2010/main" val="1664109156"/>
+        <p14:creationId xmlns:p14="http://schemas.microsoft.com/office/powerpoint/2010/main" val="457099950"/>
       </p:ext>
     </p:extLst>
   </p:cSld>
@@ -15301,19 +15304,26 @@
         </p:nvSpPr>
         <p:spPr>
           <a:xfrm>
-            <a:off x="1876423" y="711302"/>
-            <a:ext cx="10103055" cy="656103"/>
+            <a:off x="1876424" y="1256587"/>
+            <a:ext cx="9515826" cy="656103"/>
           </a:xfrm>
         </p:spPr>
         <p:txBody>
           <a:bodyPr>
-            <a:noAutofit/>
+            <a:normAutofit fontScale="90000"/>
           </a:bodyPr>
           <a:lstStyle/>
           <a:p>
             <a:r>
-              <a:rPr lang="it-IT" sz="4300" dirty="0"/>
-              <a:t>Signature e la firma dei metodi</a:t>
+              <a:rPr lang="it-IT" dirty="0"/>
+              <a:t>Return ed il valore di ritorno</a:t>
+            </a:r>
+            <a:br>
+              <a:rPr lang="it-IT" dirty="0"/>
+            </a:br>
+            <a:r>
+              <a:rPr lang="it-IT" dirty="0"/>
+              <a:t>del metodo</a:t>
             </a:r>
           </a:p>
         </p:txBody>
@@ -15336,7 +15346,7 @@
         </p:nvSpPr>
         <p:spPr>
           <a:xfrm>
-            <a:off x="1876425" y="1555124"/>
+            <a:off x="1876425" y="2100409"/>
             <a:ext cx="9515826" cy="4115834"/>
           </a:xfrm>
         </p:spPr>
@@ -15351,7 +15361,7 @@
     </p:spTree>
     <p:extLst>
       <p:ext uri="{BB962C8B-B14F-4D97-AF65-F5344CB8AC3E}">
-        <p14:creationId xmlns:p14="http://schemas.microsoft.com/office/powerpoint/2010/main" val="3107471358"/>
+        <p14:creationId xmlns:p14="http://schemas.microsoft.com/office/powerpoint/2010/main" val="1664109156"/>
       </p:ext>
     </p:extLst>
   </p:cSld>
@@ -15408,7 +15418,7 @@
           <a:p>
             <a:r>
               <a:rPr lang="it-IT" sz="4300" dirty="0"/>
-              <a:t>I getter e i setter</a:t>
+              <a:t>Signature e la firma dei metodi</a:t>
             </a:r>
           </a:p>
         </p:txBody>
@@ -15446,7 +15456,7 @@
     </p:spTree>
     <p:extLst>
       <p:ext uri="{BB962C8B-B14F-4D97-AF65-F5344CB8AC3E}">
-        <p14:creationId xmlns:p14="http://schemas.microsoft.com/office/powerpoint/2010/main" val="2046674380"/>
+        <p14:creationId xmlns:p14="http://schemas.microsoft.com/office/powerpoint/2010/main" val="3107471358"/>
       </p:ext>
     </p:extLst>
   </p:cSld>
@@ -15478,6 +15488,101 @@
           <p:cNvPr id="2" name="Titolo 1">
             <a:extLst>
               <a:ext uri="{FF2B5EF4-FFF2-40B4-BE49-F238E27FC236}">
+                <a16:creationId xmlns:a16="http://schemas.microsoft.com/office/drawing/2014/main" id="{A6CF85A1-E457-4832-BCB1-61021474450D}"/>
+              </a:ext>
+            </a:extLst>
+          </p:cNvPr>
+          <p:cNvSpPr>
+            <a:spLocks noGrp="1"/>
+          </p:cNvSpPr>
+          <p:nvPr>
+            <p:ph type="ctrTitle"/>
+          </p:nvPr>
+        </p:nvSpPr>
+        <p:spPr>
+          <a:xfrm>
+            <a:off x="1876423" y="711302"/>
+            <a:ext cx="10103055" cy="656103"/>
+          </a:xfrm>
+        </p:spPr>
+        <p:txBody>
+          <a:bodyPr>
+            <a:noAutofit/>
+          </a:bodyPr>
+          <a:lstStyle/>
+          <a:p>
+            <a:r>
+              <a:rPr lang="it-IT" sz="4300" dirty="0"/>
+              <a:t>I getter e i setter</a:t>
+            </a:r>
+          </a:p>
+        </p:txBody>
+      </p:sp>
+      <p:sp>
+        <p:nvSpPr>
+          <p:cNvPr id="3" name="Sottotitolo 2">
+            <a:extLst>
+              <a:ext uri="{FF2B5EF4-FFF2-40B4-BE49-F238E27FC236}">
+                <a16:creationId xmlns:a16="http://schemas.microsoft.com/office/drawing/2014/main" id="{66409AAA-04C6-4E69-9F24-FBCFD422D4E8}"/>
+              </a:ext>
+            </a:extLst>
+          </p:cNvPr>
+          <p:cNvSpPr>
+            <a:spLocks noGrp="1"/>
+          </p:cNvSpPr>
+          <p:nvPr>
+            <p:ph type="subTitle" idx="1"/>
+          </p:nvPr>
+        </p:nvSpPr>
+        <p:spPr>
+          <a:xfrm>
+            <a:off x="1876425" y="1555124"/>
+            <a:ext cx="9515826" cy="4115834"/>
+          </a:xfrm>
+        </p:spPr>
+        <p:txBody>
+          <a:bodyPr/>
+          <a:lstStyle/>
+          <a:p>
+            <a:endParaRPr lang="it-IT"/>
+          </a:p>
+        </p:txBody>
+      </p:sp>
+    </p:spTree>
+    <p:extLst>
+      <p:ext uri="{BB962C8B-B14F-4D97-AF65-F5344CB8AC3E}">
+        <p14:creationId xmlns:p14="http://schemas.microsoft.com/office/powerpoint/2010/main" val="2046674380"/>
+      </p:ext>
+    </p:extLst>
+  </p:cSld>
+  <p:clrMapOvr>
+    <a:masterClrMapping/>
+  </p:clrMapOvr>
+</p:sld>
+</file>
+
+<file path=ppt/slides/slide124.xml><?xml version="1.0" encoding="utf-8"?>
+<p:sld xmlns:a="http://schemas.openxmlformats.org/drawingml/2006/main" xmlns:r="http://schemas.openxmlformats.org/officeDocument/2006/relationships" xmlns:p="http://schemas.openxmlformats.org/presentationml/2006/main">
+  <p:cSld>
+    <p:spTree>
+      <p:nvGrpSpPr>
+        <p:cNvPr id="1" name=""/>
+        <p:cNvGrpSpPr/>
+        <p:nvPr/>
+      </p:nvGrpSpPr>
+      <p:grpSpPr>
+        <a:xfrm>
+          <a:off x="0" y="0"/>
+          <a:ext cx="0" cy="0"/>
+          <a:chOff x="0" y="0"/>
+          <a:chExt cx="0" cy="0"/>
+        </a:xfrm>
+      </p:grpSpPr>
+      <p:sp>
+        <p:nvSpPr>
+          <p:cNvPr id="2" name="Titolo 1">
+            <a:extLst>
+              <a:ext uri="{FF2B5EF4-FFF2-40B4-BE49-F238E27FC236}">
                 <a16:creationId xmlns:a16="http://schemas.microsoft.com/office/drawing/2014/main" id="{C6753786-AD29-4A88-AC1C-11AC3057D22C}"/>
               </a:ext>
             </a:extLst>
@@ -15550,7 +15655,7 @@
 </p:sld>
 </file>
 
-<file path=ppt/slides/slide124.xml><?xml version="1.0" encoding="utf-8"?>
+<file path=ppt/slides/slide125.xml><?xml version="1.0" encoding="utf-8"?>
 <p:sld xmlns:a="http://schemas.openxmlformats.org/drawingml/2006/main" xmlns:r="http://schemas.openxmlformats.org/officeDocument/2006/relationships" xmlns:p="http://schemas.openxmlformats.org/presentationml/2006/main">
   <p:cSld>
     <p:spTree>
@@ -16035,7 +16140,7 @@
         </p:nvSpPr>
         <p:spPr>
           <a:xfrm>
-            <a:off x="1876423" y="1325461"/>
+            <a:off x="1876424" y="1392572"/>
             <a:ext cx="5128384" cy="4328719"/>
           </a:xfrm>
         </p:spPr>
@@ -18241,7 +18346,7 @@
                   </a:schemeClr>
                 </a:solidFill>
               </a:rPr>
-              <a:t>Al contrario una costante è anch’essa un contenitore ma del quale il valore non può chiamare durante il suo ciclo di vita, comunemente quando si dichiara un dato costante, viene inizializzato con il suo valore.</a:t>
+              <a:t>Al contrario una costante è anch’essa un contenitore ma del quale il valore non può cambiare durante il suo ciclo di vita, comunemente quando si dichiara un dato costante, viene inizializzato con il suo valore.</a:t>
             </a:r>
           </a:p>
         </p:txBody>
@@ -18786,12 +18891,12 @@
         <p:spPr>
           <a:xfrm>
             <a:off x="1946246" y="1300294"/>
-            <a:ext cx="5771626" cy="4913515"/>
+            <a:ext cx="5981350" cy="5066950"/>
           </a:xfrm>
         </p:spPr>
         <p:txBody>
           <a:bodyPr>
-            <a:normAutofit fontScale="55000" lnSpcReduction="20000"/>
+            <a:normAutofit fontScale="62500" lnSpcReduction="20000"/>
           </a:bodyPr>
           <a:lstStyle/>
           <a:p>
@@ -18903,7 +19008,7 @@
                   </a:schemeClr>
                 </a:solidFill>
               </a:rPr>
-              <a:t>deve tagliare la frutta </a:t>
+              <a:t>Inserire nel frullatore</a:t>
             </a:r>
           </a:p>
           <a:p>
@@ -18919,7 +19024,7 @@
                   </a:schemeClr>
                 </a:solidFill>
               </a:rPr>
-              <a:t>Inserire nel frullatore</a:t>
+              <a:t>deve tagliare la frutta </a:t>
             </a:r>
           </a:p>
           <a:p>
@@ -19409,27 +19514,7 @@
                   </a:schemeClr>
                 </a:solidFill>
               </a:rPr>
-              <a:t>La programmazione strutturata è un paradigma di programmazione nato con lo scopo di risolvere il problema dello «spaghetti code» ovvero la stesura di codice priva di una sequenza logica ordinata, causata dall’utilizzo indiscriminato di </a:t>
-            </a:r>
-            <a:r>
-              <a:rPr lang="it-IT" dirty="0" err="1">
-                <a:solidFill>
-                  <a:schemeClr val="tx1">
-                    <a:lumMod val="95000"/>
-                  </a:schemeClr>
-                </a:solidFill>
-              </a:rPr>
-              <a:t>saltiincondizionati</a:t>
-            </a:r>
-            <a:r>
-              <a:rPr lang="it-IT" dirty="0">
-                <a:solidFill>
-                  <a:schemeClr val="tx1">
-                    <a:lumMod val="95000"/>
-                  </a:schemeClr>
-                </a:solidFill>
-              </a:rPr>
-              <a:t>.</a:t>
+              <a:t>La programmazione strutturata è un paradigma di programmazione nato con lo scopo di risolvere il problema dello «spaghetti code» ovvero la stesura di codice priva di una sequenza logica ordinata, causata dall’utilizzo indiscriminato di salti incondizionati.</a:t>
             </a:r>
           </a:p>
           <a:p>
@@ -22166,8 +22251,8 @@
         </p:blipFill>
         <p:spPr>
           <a:xfrm>
-            <a:off x="3678651" y="3825292"/>
-            <a:ext cx="5911371" cy="2827177"/>
+            <a:off x="3301147" y="3728944"/>
+            <a:ext cx="6077745" cy="2906747"/>
           </a:xfrm>
           <a:prstGeom prst="rect">
             <a:avLst/>
@@ -22333,7 +22418,7 @@
         </p:blipFill>
         <p:spPr bwMode="auto">
           <a:xfrm>
-            <a:off x="7587193" y="1850051"/>
+            <a:off x="7738195" y="1703468"/>
             <a:ext cx="3827428" cy="3451064"/>
           </a:xfrm>
           <a:prstGeom prst="rect">
@@ -22993,8 +23078,8 @@
         </p:blipFill>
         <p:spPr>
           <a:xfrm>
-            <a:off x="9057429" y="1546404"/>
-            <a:ext cx="2661991" cy="3765192"/>
+            <a:off x="9041473" y="1367405"/>
+            <a:ext cx="2909895" cy="4115835"/>
           </a:xfrm>
           <a:prstGeom prst="round2DiagRect">
             <a:avLst>
@@ -23601,7 +23686,7 @@
                   </a:schemeClr>
                 </a:solidFill>
               </a:rPr>
-              <a:t> Vi era quindi la necessità di elaborare informazioni velocemente in modo automatico privo dell’intervento dell’uomo per ottimizzarne il loro utilizzo.     Le prime vere «informazioni» per il quale nacque la necessità di possedere un «calcolatore» sono le operazioni matematiche.</a:t>
+              <a:t>Vi era quindi la necessità di elaborare informazioni velocemente in modo automatico privo dell’intervento dell’uomo per ottimizzarne il loro utilizzo.     Le prime vere «informazioni» per il quale nacque la necessità di possedere un «calcolatore» sono le operazioni matematiche.</a:t>
             </a:r>
           </a:p>
         </p:txBody>
@@ -23796,8 +23881,8 @@
         </p:blipFill>
         <p:spPr bwMode="auto">
           <a:xfrm>
-            <a:off x="8081278" y="1513696"/>
-            <a:ext cx="3748124" cy="3830608"/>
+            <a:off x="7558481" y="1279062"/>
+            <a:ext cx="4207286" cy="4299875"/>
           </a:xfrm>
           <a:prstGeom prst="rect">
             <a:avLst/>
@@ -23990,7 +24075,7 @@
         </p:blipFill>
         <p:spPr bwMode="auto">
           <a:xfrm>
-            <a:off x="7001037" y="1760689"/>
+            <a:off x="7001037" y="1760690"/>
             <a:ext cx="4718384" cy="3336621"/>
           </a:xfrm>
           <a:prstGeom prst="rect">
@@ -26310,7 +26395,7 @@
         </p:blipFill>
         <p:spPr>
           <a:xfrm>
-            <a:off x="4576650" y="2841638"/>
+            <a:off x="4501149" y="2841638"/>
             <a:ext cx="4115374" cy="2829320"/>
           </a:xfrm>
           <a:prstGeom prst="rect">
@@ -26865,7 +26950,7 @@
           <p:cNvPr id="2" name="Titolo 1">
             <a:extLst>
               <a:ext uri="{FF2B5EF4-FFF2-40B4-BE49-F238E27FC236}">
-                <a16:creationId xmlns:a16="http://schemas.microsoft.com/office/drawing/2014/main" id="{C6753786-AD29-4A88-AC1C-11AC3057D22C}"/>
+                <a16:creationId xmlns:a16="http://schemas.microsoft.com/office/drawing/2014/main" id="{71E15110-5C46-4016-881D-236BE49E0FE8}"/>
               </a:ext>
             </a:extLst>
           </p:cNvPr>
@@ -26876,15 +26961,21 @@
             <p:ph type="ctrTitle"/>
           </p:nvPr>
         </p:nvSpPr>
-        <p:spPr/>
-        <p:txBody>
-          <a:bodyPr/>
+        <p:spPr>
+          <a:xfrm>
+            <a:off x="1876424" y="872455"/>
+            <a:ext cx="9943664" cy="813732"/>
+          </a:xfrm>
+        </p:spPr>
+        <p:txBody>
+          <a:bodyPr>
+            <a:normAutofit fontScale="90000"/>
+          </a:bodyPr>
           <a:lstStyle/>
           <a:p>
-            <a:pPr algn="r"/>
             <a:r>
               <a:rPr lang="it-IT" dirty="0"/>
-              <a:t>Unit 2</a:t>
+              <a:t>Attori=verde e funzioni=arancione</a:t>
             </a:r>
           </a:p>
         </p:txBody>
@@ -26894,7 +26985,7 @@
           <p:cNvPr id="3" name="Sottotitolo 2">
             <a:extLst>
               <a:ext uri="{FF2B5EF4-FFF2-40B4-BE49-F238E27FC236}">
-                <a16:creationId xmlns:a16="http://schemas.microsoft.com/office/drawing/2014/main" id="{E3812A85-7B93-4D44-9999-B5293FB9C3EA}"/>
+                <a16:creationId xmlns:a16="http://schemas.microsoft.com/office/drawing/2014/main" id="{6CE891D7-527A-42FF-8CA2-DCC92E665B78}"/>
               </a:ext>
             </a:extLst>
           </p:cNvPr>
@@ -26905,49 +26996,264 @@
             <p:ph type="subTitle" idx="1"/>
           </p:nvPr>
         </p:nvSpPr>
-        <p:spPr/>
-        <p:txBody>
-          <a:bodyPr/>
+        <p:spPr>
+          <a:xfrm>
+            <a:off x="1876424" y="2046914"/>
+            <a:ext cx="8791575" cy="3210886"/>
+          </a:xfrm>
+        </p:spPr>
+        <p:txBody>
+          <a:bodyPr>
+            <a:normAutofit lnSpcReduction="10000"/>
+          </a:bodyPr>
           <a:lstStyle/>
           <a:p>
-            <a:pPr algn="r"/>
-            <a:r>
-              <a:rPr lang="it-IT" dirty="0">
-                <a:solidFill>
-                  <a:schemeClr val="tx1">
-                    <a:lumMod val="95000"/>
-                  </a:schemeClr>
-                </a:solidFill>
-              </a:rPr>
-              <a:t>Linguaggi di programmazione, la </a:t>
-            </a:r>
-            <a:r>
-              <a:rPr lang="it-IT" dirty="0" err="1">
-                <a:solidFill>
-                  <a:schemeClr val="tx1">
-                    <a:lumMod val="95000"/>
-                  </a:schemeClr>
-                </a:solidFill>
-              </a:rPr>
-              <a:t>oop</a:t>
-            </a:r>
-            <a:r>
-              <a:rPr lang="it-IT" dirty="0">
-                <a:solidFill>
-                  <a:schemeClr val="tx1">
-                    <a:lumMod val="95000"/>
-                  </a:schemeClr>
-                </a:solidFill>
-              </a:rPr>
-              <a:t> e java parte 1</a:t>
-            </a:r>
+            <a:r>
+              <a:rPr lang="it-IT" b="0" i="0" dirty="0">
+                <a:solidFill>
+                  <a:schemeClr val="tx1">
+                    <a:lumMod val="95000"/>
+                  </a:schemeClr>
+                </a:solidFill>
+                <a:effectLst/>
+                <a:latin typeface="Segoe UI" panose="020B0502040204020203" pitchFamily="34" charset="0"/>
+              </a:rPr>
+              <a:t>SI vuole realizzare un diagramma dei casi d'uso riguardante il sito di una pizzeria, attraverso il sito </a:t>
+            </a:r>
+            <a:r>
+              <a:rPr lang="it-IT" b="0" i="0" dirty="0">
+                <a:solidFill>
+                  <a:schemeClr val="accent6"/>
+                </a:solidFill>
+                <a:effectLst/>
+                <a:latin typeface="Segoe UI" panose="020B0502040204020203" pitchFamily="34" charset="0"/>
+              </a:rPr>
+              <a:t>i visitatori </a:t>
+            </a:r>
+            <a:r>
+              <a:rPr lang="it-IT" b="0" i="0" dirty="0">
+                <a:solidFill>
+                  <a:schemeClr val="tx1">
+                    <a:lumMod val="95000"/>
+                  </a:schemeClr>
+                </a:solidFill>
+                <a:effectLst/>
+                <a:latin typeface="Segoe UI" panose="020B0502040204020203" pitchFamily="34" charset="0"/>
+              </a:rPr>
+              <a:t>potranno </a:t>
+            </a:r>
+            <a:r>
+              <a:rPr lang="it-IT" b="0" i="0" dirty="0">
+                <a:solidFill>
+                  <a:schemeClr val="accent5"/>
+                </a:solidFill>
+                <a:effectLst/>
+                <a:latin typeface="Segoe UI" panose="020B0502040204020203" pitchFamily="34" charset="0"/>
+              </a:rPr>
+              <a:t>visualizzare il menu </a:t>
+            </a:r>
+            <a:r>
+              <a:rPr lang="it-IT" b="0" i="0" dirty="0">
+                <a:solidFill>
+                  <a:schemeClr val="tx1">
+                    <a:lumMod val="95000"/>
+                  </a:schemeClr>
+                </a:solidFill>
+                <a:effectLst/>
+                <a:latin typeface="Segoe UI" panose="020B0502040204020203" pitchFamily="34" charset="0"/>
+              </a:rPr>
+              <a:t>delle pizze e </a:t>
+            </a:r>
+            <a:r>
+              <a:rPr lang="it-IT" b="0" i="0" dirty="0">
+                <a:solidFill>
+                  <a:schemeClr val="accent5"/>
+                </a:solidFill>
+                <a:effectLst/>
+                <a:latin typeface="Segoe UI" panose="020B0502040204020203" pitchFamily="34" charset="0"/>
+              </a:rPr>
+              <a:t>condividere una singola pizza </a:t>
+            </a:r>
+            <a:r>
+              <a:rPr lang="it-IT" b="0" i="0" dirty="0">
+                <a:solidFill>
+                  <a:schemeClr val="tx1">
+                    <a:lumMod val="95000"/>
+                  </a:schemeClr>
+                </a:solidFill>
+                <a:effectLst/>
+                <a:latin typeface="Segoe UI" panose="020B0502040204020203" pitchFamily="34" charset="0"/>
+              </a:rPr>
+              <a:t>presente nel menu, gli </a:t>
+            </a:r>
+            <a:r>
+              <a:rPr lang="it-IT" b="0" i="0" dirty="0">
+                <a:solidFill>
+                  <a:schemeClr val="accent6"/>
+                </a:solidFill>
+                <a:effectLst/>
+                <a:latin typeface="Segoe UI" panose="020B0502040204020203" pitchFamily="34" charset="0"/>
+              </a:rPr>
+              <a:t>utenti registrati </a:t>
+            </a:r>
+            <a:r>
+              <a:rPr lang="it-IT" b="0" i="0" dirty="0">
+                <a:solidFill>
+                  <a:schemeClr val="tx1">
+                    <a:lumMod val="95000"/>
+                  </a:schemeClr>
+                </a:solidFill>
+                <a:effectLst/>
+                <a:latin typeface="Segoe UI" panose="020B0502040204020203" pitchFamily="34" charset="0"/>
+              </a:rPr>
+              <a:t>sul sito potranno </a:t>
+            </a:r>
+            <a:r>
+              <a:rPr lang="it-IT" b="0" i="0" dirty="0">
+                <a:solidFill>
+                  <a:schemeClr val="accent5"/>
+                </a:solidFill>
+                <a:effectLst/>
+                <a:latin typeface="Segoe UI" panose="020B0502040204020203" pitchFamily="34" charset="0"/>
+              </a:rPr>
+              <a:t>compiere un ordine selezionando le pizze</a:t>
+            </a:r>
+            <a:r>
+              <a:rPr lang="it-IT" b="0" i="0" dirty="0">
+                <a:solidFill>
+                  <a:schemeClr val="tx1">
+                    <a:lumMod val="95000"/>
+                  </a:schemeClr>
+                </a:solidFill>
+                <a:effectLst/>
+                <a:latin typeface="Segoe UI" panose="020B0502040204020203" pitchFamily="34" charset="0"/>
+              </a:rPr>
+              <a:t> scelte ed </a:t>
+            </a:r>
+            <a:r>
+              <a:rPr lang="it-IT" b="0" i="0" dirty="0">
+                <a:solidFill>
+                  <a:schemeClr val="accent5"/>
+                </a:solidFill>
+                <a:effectLst/>
+                <a:latin typeface="Segoe UI" panose="020B0502040204020203" pitchFamily="34" charset="0"/>
+              </a:rPr>
+              <a:t>inserendo i propri dati</a:t>
+            </a:r>
+            <a:r>
+              <a:rPr lang="it-IT" b="0" i="0" dirty="0">
+                <a:solidFill>
+                  <a:schemeClr val="tx1">
+                    <a:lumMod val="95000"/>
+                  </a:schemeClr>
+                </a:solidFill>
+                <a:effectLst/>
+                <a:latin typeface="Segoe UI" panose="020B0502040204020203" pitchFamily="34" charset="0"/>
+              </a:rPr>
+              <a:t> per la consegna, gli </a:t>
+            </a:r>
+            <a:r>
+              <a:rPr lang="it-IT" b="0" i="0" dirty="0">
+                <a:solidFill>
+                  <a:schemeClr val="accent5"/>
+                </a:solidFill>
+                <a:effectLst/>
+                <a:latin typeface="Segoe UI" panose="020B0502040204020203" pitchFamily="34" charset="0"/>
+              </a:rPr>
+              <a:t>ordini possono essere disdetti </a:t>
+            </a:r>
+            <a:r>
+              <a:rPr lang="it-IT" b="0" i="0" dirty="0">
+                <a:solidFill>
+                  <a:schemeClr val="tx1">
+                    <a:lumMod val="95000"/>
+                  </a:schemeClr>
+                </a:solidFill>
+                <a:effectLst/>
+                <a:latin typeface="Segoe UI" panose="020B0502040204020203" pitchFamily="34" charset="0"/>
+              </a:rPr>
+              <a:t>se non ancora in lavorazione. </a:t>
+            </a:r>
+            <a:r>
+              <a:rPr lang="it-IT" b="0" i="0" dirty="0">
+                <a:solidFill>
+                  <a:schemeClr val="accent6"/>
+                </a:solidFill>
+                <a:effectLst/>
+                <a:latin typeface="Segoe UI" panose="020B0502040204020203" pitchFamily="34" charset="0"/>
+              </a:rPr>
+              <a:t>l'utenza della pizzeria </a:t>
+            </a:r>
+            <a:r>
+              <a:rPr lang="it-IT" b="0" i="0" dirty="0">
+                <a:solidFill>
+                  <a:schemeClr val="tx1">
+                    <a:lumMod val="95000"/>
+                  </a:schemeClr>
+                </a:solidFill>
+                <a:effectLst/>
+                <a:latin typeface="Segoe UI" panose="020B0502040204020203" pitchFamily="34" charset="0"/>
+              </a:rPr>
+              <a:t>potrà invece </a:t>
+            </a:r>
+            <a:r>
+              <a:rPr lang="it-IT" b="0" i="0" dirty="0">
+                <a:solidFill>
+                  <a:schemeClr val="accent5"/>
+                </a:solidFill>
+                <a:effectLst/>
+                <a:latin typeface="Segoe UI" panose="020B0502040204020203" pitchFamily="34" charset="0"/>
+              </a:rPr>
+              <a:t>verificare la lista degli ordini</a:t>
+            </a:r>
+            <a:r>
+              <a:rPr lang="it-IT" b="0" i="0" dirty="0">
+                <a:solidFill>
+                  <a:schemeClr val="tx1">
+                    <a:lumMod val="95000"/>
+                  </a:schemeClr>
+                </a:solidFill>
+                <a:effectLst/>
+                <a:latin typeface="Segoe UI" panose="020B0502040204020203" pitchFamily="34" charset="0"/>
+              </a:rPr>
+              <a:t>, </a:t>
+            </a:r>
+            <a:r>
+              <a:rPr lang="it-IT" b="0" i="0" dirty="0">
+                <a:solidFill>
+                  <a:schemeClr val="accent5"/>
+                </a:solidFill>
+                <a:effectLst/>
+                <a:latin typeface="Segoe UI" panose="020B0502040204020203" pitchFamily="34" charset="0"/>
+              </a:rPr>
+              <a:t>segnalare gli ordini </a:t>
+            </a:r>
+            <a:r>
+              <a:rPr lang="it-IT" b="0" i="0" dirty="0">
+                <a:solidFill>
+                  <a:schemeClr val="tx1">
+                    <a:lumMod val="95000"/>
+                  </a:schemeClr>
+                </a:solidFill>
+                <a:effectLst/>
+                <a:latin typeface="Segoe UI" panose="020B0502040204020203" pitchFamily="34" charset="0"/>
+              </a:rPr>
+              <a:t>in esecuzione e segnalare gli ordini compiuti.</a:t>
+            </a:r>
+            <a:endParaRPr lang="it-IT" dirty="0">
+              <a:solidFill>
+                <a:schemeClr val="tx1">
+                  <a:lumMod val="95000"/>
+                </a:schemeClr>
+              </a:solidFill>
+            </a:endParaRPr>
           </a:p>
         </p:txBody>
       </p:sp>
     </p:spTree>
     <p:extLst>
       <p:ext uri="{BB962C8B-B14F-4D97-AF65-F5344CB8AC3E}">
-        <p14:creationId xmlns:p14="http://schemas.microsoft.com/office/powerpoint/2010/main" val="1127004285"/>
+        <p14:creationId xmlns:p14="http://schemas.microsoft.com/office/powerpoint/2010/main" val="4131992950"/>
       </p:ext>
     </p:extLst>
   </p:cSld>
@@ -26979,7 +27285,7 @@
           <p:cNvPr id="2" name="Titolo 1">
             <a:extLst>
               <a:ext uri="{FF2B5EF4-FFF2-40B4-BE49-F238E27FC236}">
-                <a16:creationId xmlns:a16="http://schemas.microsoft.com/office/drawing/2014/main" id="{A6CF85A1-E457-4832-BCB1-61021474450D}"/>
+                <a16:creationId xmlns:a16="http://schemas.microsoft.com/office/drawing/2014/main" id="{C6753786-AD29-4A88-AC1C-11AC3057D22C}"/>
               </a:ext>
             </a:extLst>
           </p:cNvPr>
@@ -26990,60 +27296,50 @@
             <p:ph type="ctrTitle"/>
           </p:nvPr>
         </p:nvSpPr>
-        <p:spPr>
-          <a:xfrm>
-            <a:off x="1876424" y="711302"/>
-            <a:ext cx="9515826" cy="656103"/>
-          </a:xfrm>
-        </p:spPr>
-        <p:txBody>
-          <a:bodyPr>
-            <a:normAutofit fontScale="90000"/>
-          </a:bodyPr>
-          <a:lstStyle/>
-          <a:p>
-            <a:r>
-              <a:rPr lang="it-IT" dirty="0"/>
-              <a:t>Linguaggio macchina</a:t>
-            </a:r>
-          </a:p>
-        </p:txBody>
-      </p:sp>
-      <p:sp>
-        <p:nvSpPr>
-          <p:cNvPr id="3" name="Sottotitolo 2">
-            <a:extLst>
-              <a:ext uri="{FF2B5EF4-FFF2-40B4-BE49-F238E27FC236}">
-                <a16:creationId xmlns:a16="http://schemas.microsoft.com/office/drawing/2014/main" id="{66409AAA-04C6-4E69-9F24-FBCFD422D4E8}"/>
-              </a:ext>
-            </a:extLst>
-          </p:cNvPr>
-          <p:cNvSpPr>
-            <a:spLocks noGrp="1"/>
-          </p:cNvSpPr>
-          <p:nvPr>
-            <p:ph type="subTitle" idx="1"/>
-          </p:nvPr>
-        </p:nvSpPr>
-        <p:spPr>
-          <a:xfrm>
-            <a:off x="1876425" y="1555124"/>
-            <a:ext cx="9515826" cy="4115834"/>
-          </a:xfrm>
-        </p:spPr>
+        <p:spPr/>
         <p:txBody>
           <a:bodyPr/>
           <a:lstStyle/>
           <a:p>
-            <a:r>
-              <a:rPr lang="it-IT" dirty="0">
-                <a:solidFill>
-                  <a:schemeClr val="tx1">
-                    <a:lumMod val="95000"/>
-                  </a:schemeClr>
-                </a:solidFill>
-              </a:rPr>
-              <a:t>IN precedenza abbiamo discusso le fasi principali di una CPU (fetch, </a:t>
+            <a:pPr algn="r"/>
+            <a:r>
+              <a:rPr lang="it-IT" dirty="0"/>
+              <a:t>Unit 2</a:t>
+            </a:r>
+          </a:p>
+        </p:txBody>
+      </p:sp>
+      <p:sp>
+        <p:nvSpPr>
+          <p:cNvPr id="3" name="Sottotitolo 2">
+            <a:extLst>
+              <a:ext uri="{FF2B5EF4-FFF2-40B4-BE49-F238E27FC236}">
+                <a16:creationId xmlns:a16="http://schemas.microsoft.com/office/drawing/2014/main" id="{E3812A85-7B93-4D44-9999-B5293FB9C3EA}"/>
+              </a:ext>
+            </a:extLst>
+          </p:cNvPr>
+          <p:cNvSpPr>
+            <a:spLocks noGrp="1"/>
+          </p:cNvSpPr>
+          <p:nvPr>
+            <p:ph type="subTitle" idx="1"/>
+          </p:nvPr>
+        </p:nvSpPr>
+        <p:spPr/>
+        <p:txBody>
+          <a:bodyPr/>
+          <a:lstStyle/>
+          <a:p>
+            <a:pPr algn="r"/>
+            <a:r>
+              <a:rPr lang="it-IT" dirty="0">
+                <a:solidFill>
+                  <a:schemeClr val="tx1">
+                    <a:lumMod val="95000"/>
+                  </a:schemeClr>
+                </a:solidFill>
+              </a:rPr>
+              <a:t>Linguaggi di programmazione, la </a:t>
             </a:r>
             <a:r>
               <a:rPr lang="it-IT" dirty="0" err="1">
@@ -27053,61 +27349,17 @@
                   </a:schemeClr>
                 </a:solidFill>
               </a:rPr>
-              <a:t>decode</a:t>
-            </a:r>
-            <a:r>
-              <a:rPr lang="it-IT" dirty="0">
-                <a:solidFill>
-                  <a:schemeClr val="tx1">
-                    <a:lumMod val="95000"/>
-                  </a:schemeClr>
-                </a:solidFill>
-              </a:rPr>
-              <a:t>, </a:t>
-            </a:r>
-            <a:r>
-              <a:rPr lang="it-IT" dirty="0" err="1">
-                <a:solidFill>
-                  <a:schemeClr val="tx1">
-                    <a:lumMod val="95000"/>
-                  </a:schemeClr>
-                </a:solidFill>
-              </a:rPr>
-              <a:t>execute</a:t>
-            </a:r>
-            <a:r>
-              <a:rPr lang="it-IT" dirty="0">
-                <a:solidFill>
-                  <a:schemeClr val="tx1">
-                    <a:lumMod val="95000"/>
-                  </a:schemeClr>
-                </a:solidFill>
-              </a:rPr>
-              <a:t>).</a:t>
-            </a:r>
-          </a:p>
-          <a:p>
-            <a:r>
-              <a:rPr lang="it-IT" dirty="0">
-                <a:solidFill>
-                  <a:schemeClr val="tx1">
-                    <a:lumMod val="95000"/>
-                  </a:schemeClr>
-                </a:solidFill>
-              </a:rPr>
-              <a:t>Il linguaggio macchina è la rappresentazione più elementare delle istruzioni che possono essere compiute da una CPU ed è il risultato della fase DECODE del processore.</a:t>
-            </a:r>
-          </a:p>
-          <a:p>
-            <a:r>
-              <a:rPr lang="it-IT" dirty="0">
-                <a:solidFill>
-                  <a:schemeClr val="tx1">
-                    <a:lumMod val="95000"/>
-                  </a:schemeClr>
-                </a:solidFill>
-              </a:rPr>
-              <a:t>Ogni processore possiede un proprio linguaggio macchina, le cui istruzioni sono costituite nella generalità da una stringa di bit contenente l’istruzione da eseguire e gli operandi sui quali deve essere eseguita (ES: registri, locazioni di memoria ecc..)</a:t>
+              <a:t>oop</a:t>
+            </a:r>
+            <a:r>
+              <a:rPr lang="it-IT" dirty="0">
+                <a:solidFill>
+                  <a:schemeClr val="tx1">
+                    <a:lumMod val="95000"/>
+                  </a:schemeClr>
+                </a:solidFill>
+              </a:rPr>
+              <a:t> e java parte 1</a:t>
             </a:r>
           </a:p>
         </p:txBody>
@@ -27115,7 +27367,7 @@
     </p:spTree>
     <p:extLst>
       <p:ext uri="{BB962C8B-B14F-4D97-AF65-F5344CB8AC3E}">
-        <p14:creationId xmlns:p14="http://schemas.microsoft.com/office/powerpoint/2010/main" val="241220582"/>
+        <p14:creationId xmlns:p14="http://schemas.microsoft.com/office/powerpoint/2010/main" val="1127004285"/>
       </p:ext>
     </p:extLst>
   </p:cSld>
@@ -27172,6 +27424,174 @@
           <a:p>
             <a:r>
               <a:rPr lang="it-IT" dirty="0"/>
+              <a:t>Linguaggio macchina</a:t>
+            </a:r>
+          </a:p>
+        </p:txBody>
+      </p:sp>
+      <p:sp>
+        <p:nvSpPr>
+          <p:cNvPr id="3" name="Sottotitolo 2">
+            <a:extLst>
+              <a:ext uri="{FF2B5EF4-FFF2-40B4-BE49-F238E27FC236}">
+                <a16:creationId xmlns:a16="http://schemas.microsoft.com/office/drawing/2014/main" id="{66409AAA-04C6-4E69-9F24-FBCFD422D4E8}"/>
+              </a:ext>
+            </a:extLst>
+          </p:cNvPr>
+          <p:cNvSpPr>
+            <a:spLocks noGrp="1"/>
+          </p:cNvSpPr>
+          <p:nvPr>
+            <p:ph type="subTitle" idx="1"/>
+          </p:nvPr>
+        </p:nvSpPr>
+        <p:spPr>
+          <a:xfrm>
+            <a:off x="1876425" y="1555124"/>
+            <a:ext cx="9515826" cy="4115834"/>
+          </a:xfrm>
+        </p:spPr>
+        <p:txBody>
+          <a:bodyPr/>
+          <a:lstStyle/>
+          <a:p>
+            <a:r>
+              <a:rPr lang="it-IT" dirty="0">
+                <a:solidFill>
+                  <a:schemeClr val="tx1">
+                    <a:lumMod val="95000"/>
+                  </a:schemeClr>
+                </a:solidFill>
+              </a:rPr>
+              <a:t>IN precedenza abbiamo discusso le fasi principali di una CPU (fetch, </a:t>
+            </a:r>
+            <a:r>
+              <a:rPr lang="it-IT" dirty="0" err="1">
+                <a:solidFill>
+                  <a:schemeClr val="tx1">
+                    <a:lumMod val="95000"/>
+                  </a:schemeClr>
+                </a:solidFill>
+              </a:rPr>
+              <a:t>decode</a:t>
+            </a:r>
+            <a:r>
+              <a:rPr lang="it-IT" dirty="0">
+                <a:solidFill>
+                  <a:schemeClr val="tx1">
+                    <a:lumMod val="95000"/>
+                  </a:schemeClr>
+                </a:solidFill>
+              </a:rPr>
+              <a:t>, </a:t>
+            </a:r>
+            <a:r>
+              <a:rPr lang="it-IT" dirty="0" err="1">
+                <a:solidFill>
+                  <a:schemeClr val="tx1">
+                    <a:lumMod val="95000"/>
+                  </a:schemeClr>
+                </a:solidFill>
+              </a:rPr>
+              <a:t>execute</a:t>
+            </a:r>
+            <a:r>
+              <a:rPr lang="it-IT" dirty="0">
+                <a:solidFill>
+                  <a:schemeClr val="tx1">
+                    <a:lumMod val="95000"/>
+                  </a:schemeClr>
+                </a:solidFill>
+              </a:rPr>
+              <a:t>).</a:t>
+            </a:r>
+          </a:p>
+          <a:p>
+            <a:r>
+              <a:rPr lang="it-IT" dirty="0">
+                <a:solidFill>
+                  <a:schemeClr val="tx1">
+                    <a:lumMod val="95000"/>
+                  </a:schemeClr>
+                </a:solidFill>
+              </a:rPr>
+              <a:t>Il linguaggio macchina è la rappresentazione più elementare delle istruzioni che possono essere compiute da una CPU ed è il risultato della fase DECODE del processore.</a:t>
+            </a:r>
+          </a:p>
+          <a:p>
+            <a:r>
+              <a:rPr lang="it-IT" dirty="0">
+                <a:solidFill>
+                  <a:schemeClr val="tx1">
+                    <a:lumMod val="95000"/>
+                  </a:schemeClr>
+                </a:solidFill>
+              </a:rPr>
+              <a:t>Ogni processore possiede un proprio linguaggio macchina, le cui istruzioni sono costituite nella generalità da una stringa di bit contenente l’istruzione da eseguire e gli operandi sui quali deve essere eseguita (ES: registri, locazioni di memoria ecc..)</a:t>
+            </a:r>
+          </a:p>
+        </p:txBody>
+      </p:sp>
+    </p:spTree>
+    <p:extLst>
+      <p:ext uri="{BB962C8B-B14F-4D97-AF65-F5344CB8AC3E}">
+        <p14:creationId xmlns:p14="http://schemas.microsoft.com/office/powerpoint/2010/main" val="241220582"/>
+      </p:ext>
+    </p:extLst>
+  </p:cSld>
+  <p:clrMapOvr>
+    <a:masterClrMapping/>
+  </p:clrMapOvr>
+</p:sld>
+</file>
+
+<file path=ppt/slides/slide69.xml><?xml version="1.0" encoding="utf-8"?>
+<p:sld xmlns:a="http://schemas.openxmlformats.org/drawingml/2006/main" xmlns:r="http://schemas.openxmlformats.org/officeDocument/2006/relationships" xmlns:p="http://schemas.openxmlformats.org/presentationml/2006/main">
+  <p:cSld>
+    <p:spTree>
+      <p:nvGrpSpPr>
+        <p:cNvPr id="1" name=""/>
+        <p:cNvGrpSpPr/>
+        <p:nvPr/>
+      </p:nvGrpSpPr>
+      <p:grpSpPr>
+        <a:xfrm>
+          <a:off x="0" y="0"/>
+          <a:ext cx="0" cy="0"/>
+          <a:chOff x="0" y="0"/>
+          <a:chExt cx="0" cy="0"/>
+        </a:xfrm>
+      </p:grpSpPr>
+      <p:sp>
+        <p:nvSpPr>
+          <p:cNvPr id="2" name="Titolo 1">
+            <a:extLst>
+              <a:ext uri="{FF2B5EF4-FFF2-40B4-BE49-F238E27FC236}">
+                <a16:creationId xmlns:a16="http://schemas.microsoft.com/office/drawing/2014/main" id="{A6CF85A1-E457-4832-BCB1-61021474450D}"/>
+              </a:ext>
+            </a:extLst>
+          </p:cNvPr>
+          <p:cNvSpPr>
+            <a:spLocks noGrp="1"/>
+          </p:cNvSpPr>
+          <p:nvPr>
+            <p:ph type="ctrTitle"/>
+          </p:nvPr>
+        </p:nvSpPr>
+        <p:spPr>
+          <a:xfrm>
+            <a:off x="1876424" y="711302"/>
+            <a:ext cx="9515826" cy="656103"/>
+          </a:xfrm>
+        </p:spPr>
+        <p:txBody>
+          <a:bodyPr>
+            <a:normAutofit fontScale="90000"/>
+          </a:bodyPr>
+          <a:lstStyle/>
+          <a:p>
+            <a:r>
+              <a:rPr lang="it-IT" dirty="0"/>
               <a:t>Linguaggio assembly</a:t>
             </a:r>
           </a:p>
@@ -27539,7 +27959,342 @@
 </p:sld>
 </file>
 
-<file path=ppt/slides/slide69.xml><?xml version="1.0" encoding="utf-8"?>
+<file path=ppt/slides/slide7.xml><?xml version="1.0" encoding="utf-8"?>
+<p:sld xmlns:a="http://schemas.openxmlformats.org/drawingml/2006/main" xmlns:r="http://schemas.openxmlformats.org/officeDocument/2006/relationships" xmlns:p="http://schemas.openxmlformats.org/presentationml/2006/main">
+  <p:cSld>
+    <p:spTree>
+      <p:nvGrpSpPr>
+        <p:cNvPr id="1" name=""/>
+        <p:cNvGrpSpPr/>
+        <p:nvPr/>
+      </p:nvGrpSpPr>
+      <p:grpSpPr>
+        <a:xfrm>
+          <a:off x="0" y="0"/>
+          <a:ext cx="0" cy="0"/>
+          <a:chOff x="0" y="0"/>
+          <a:chExt cx="0" cy="0"/>
+        </a:xfrm>
+      </p:grpSpPr>
+      <p:sp>
+        <p:nvSpPr>
+          <p:cNvPr id="2" name="Titolo 1">
+            <a:extLst>
+              <a:ext uri="{FF2B5EF4-FFF2-40B4-BE49-F238E27FC236}">
+                <a16:creationId xmlns:a16="http://schemas.microsoft.com/office/drawing/2014/main" id="{6029BAE7-074D-4656-994B-B28298D7F709}"/>
+              </a:ext>
+            </a:extLst>
+          </p:cNvPr>
+          <p:cNvSpPr>
+            <a:spLocks noGrp="1"/>
+          </p:cNvSpPr>
+          <p:nvPr>
+            <p:ph type="ctrTitle"/>
+          </p:nvPr>
+        </p:nvSpPr>
+        <p:spPr>
+          <a:xfrm>
+            <a:off x="1943536" y="709540"/>
+            <a:ext cx="9742328" cy="731604"/>
+          </a:xfrm>
+        </p:spPr>
+        <p:txBody>
+          <a:bodyPr>
+            <a:normAutofit fontScale="90000"/>
+          </a:bodyPr>
+          <a:lstStyle/>
+          <a:p>
+            <a:r>
+              <a:rPr lang="it-IT" dirty="0"/>
+              <a:t>Cenni storici: La programmazione</a:t>
+            </a:r>
+          </a:p>
+        </p:txBody>
+      </p:sp>
+      <p:sp>
+        <p:nvSpPr>
+          <p:cNvPr id="3" name="Sottotitolo 2">
+            <a:extLst>
+              <a:ext uri="{FF2B5EF4-FFF2-40B4-BE49-F238E27FC236}">
+                <a16:creationId xmlns:a16="http://schemas.microsoft.com/office/drawing/2014/main" id="{A8ADECB8-CCD1-4B04-9706-D59678CBC7D6}"/>
+              </a:ext>
+            </a:extLst>
+          </p:cNvPr>
+          <p:cNvSpPr>
+            <a:spLocks noGrp="1"/>
+          </p:cNvSpPr>
+          <p:nvPr>
+            <p:ph type="subTitle" idx="1"/>
+          </p:nvPr>
+        </p:nvSpPr>
+        <p:spPr>
+          <a:xfrm>
+            <a:off x="1943536" y="1542904"/>
+            <a:ext cx="9742328" cy="4605556"/>
+          </a:xfrm>
+        </p:spPr>
+        <p:txBody>
+          <a:bodyPr>
+            <a:normAutofit fontScale="70000" lnSpcReduction="20000"/>
+          </a:bodyPr>
+          <a:lstStyle/>
+          <a:p>
+            <a:r>
+              <a:rPr lang="it-IT" dirty="0">
+                <a:solidFill>
+                  <a:schemeClr val="tx1">
+                    <a:lumMod val="95000"/>
+                  </a:schemeClr>
+                </a:solidFill>
+              </a:rPr>
+              <a:t>Ada </a:t>
+            </a:r>
+            <a:r>
+              <a:rPr lang="it-IT" dirty="0" err="1">
+                <a:solidFill>
+                  <a:schemeClr val="tx1">
+                    <a:lumMod val="95000"/>
+                  </a:schemeClr>
+                </a:solidFill>
+              </a:rPr>
+              <a:t>byron</a:t>
+            </a:r>
+            <a:r>
+              <a:rPr lang="it-IT" dirty="0">
+                <a:solidFill>
+                  <a:schemeClr val="tx1">
+                    <a:lumMod val="95000"/>
+                  </a:schemeClr>
+                </a:solidFill>
+              </a:rPr>
+              <a:t>(1815-1852) anche nota come Ada </a:t>
+            </a:r>
+            <a:r>
+              <a:rPr lang="it-IT" dirty="0" err="1">
+                <a:solidFill>
+                  <a:schemeClr val="tx1">
+                    <a:lumMod val="95000"/>
+                  </a:schemeClr>
+                </a:solidFill>
+              </a:rPr>
+              <a:t>lovelace</a:t>
+            </a:r>
+            <a:r>
+              <a:rPr lang="it-IT" dirty="0">
+                <a:solidFill>
+                  <a:schemeClr val="tx1">
+                    <a:lumMod val="95000"/>
+                  </a:schemeClr>
+                </a:solidFill>
+              </a:rPr>
+              <a:t> è considerata la prima pioniera della programmazione.</a:t>
+            </a:r>
+          </a:p>
+          <a:p>
+            <a:r>
+              <a:rPr lang="it-IT" dirty="0">
+                <a:solidFill>
+                  <a:schemeClr val="tx1">
+                    <a:lumMod val="95000"/>
+                  </a:schemeClr>
+                </a:solidFill>
+              </a:rPr>
+              <a:t>Vissuta negli anni in cui Babbage sviluppo la macchina analitica, </a:t>
+            </a:r>
+            <a:r>
+              <a:rPr lang="it-IT" dirty="0" err="1">
+                <a:solidFill>
+                  <a:schemeClr val="tx1">
+                    <a:lumMod val="95000"/>
+                  </a:schemeClr>
+                </a:solidFill>
+              </a:rPr>
+              <a:t>ada</a:t>
+            </a:r>
+            <a:r>
+              <a:rPr lang="it-IT" dirty="0">
+                <a:solidFill>
+                  <a:schemeClr val="tx1">
+                    <a:lumMod val="95000"/>
+                  </a:schemeClr>
+                </a:solidFill>
+              </a:rPr>
+              <a:t>  fu una grande sostenitrice del progetto, sviluppò inoltre alcuni algoritmi per la macchina di </a:t>
+            </a:r>
+            <a:r>
+              <a:rPr lang="it-IT" dirty="0" err="1">
+                <a:solidFill>
+                  <a:schemeClr val="tx1">
+                    <a:lumMod val="95000"/>
+                  </a:schemeClr>
+                </a:solidFill>
+              </a:rPr>
+              <a:t>babbage</a:t>
+            </a:r>
+            <a:r>
+              <a:rPr lang="it-IT" dirty="0">
+                <a:solidFill>
+                  <a:schemeClr val="tx1">
+                    <a:lumMod val="95000"/>
+                  </a:schemeClr>
+                </a:solidFill>
+              </a:rPr>
+              <a:t>.</a:t>
+            </a:r>
+          </a:p>
+          <a:p>
+            <a:r>
+              <a:rPr lang="it-IT" dirty="0">
+                <a:solidFill>
+                  <a:schemeClr val="tx1">
+                    <a:lumMod val="95000"/>
+                  </a:schemeClr>
+                </a:solidFill>
+              </a:rPr>
+              <a:t>tanto impegnata agli albori dell’informatica da definire il </a:t>
+            </a:r>
+            <a:r>
+              <a:rPr lang="it-IT" dirty="0">
+                <a:solidFill>
+                  <a:schemeClr val="accent5">
+                    <a:lumMod val="60000"/>
+                    <a:lumOff val="40000"/>
+                  </a:schemeClr>
+                </a:solidFill>
+              </a:rPr>
+              <a:t>primo algoritmo</a:t>
+            </a:r>
+            <a:r>
+              <a:rPr lang="it-IT" dirty="0">
+                <a:solidFill>
+                  <a:schemeClr val="tx1">
+                    <a:lumMod val="95000"/>
+                  </a:schemeClr>
+                </a:solidFill>
+              </a:rPr>
+              <a:t>, destinato ad una macchina teorica.</a:t>
+            </a:r>
+          </a:p>
+          <a:p>
+            <a:r>
+              <a:rPr lang="it-IT" dirty="0">
+                <a:solidFill>
+                  <a:schemeClr val="tx1">
+                    <a:lumMod val="95000"/>
+                  </a:schemeClr>
+                </a:solidFill>
+              </a:rPr>
+              <a:t>Il programmatore agli albori della programmazione si occupava di tutto il processo, dalla soluzione del problema alla sua implementazione.</a:t>
+            </a:r>
+          </a:p>
+          <a:p>
+            <a:r>
+              <a:rPr lang="it-IT" dirty="0">
+                <a:solidFill>
+                  <a:schemeClr val="tx1">
+                    <a:lumMod val="95000"/>
+                  </a:schemeClr>
+                </a:solidFill>
+              </a:rPr>
+              <a:t>Oggi il processo descritto in precedenza è suddiviso principalmente in:</a:t>
+            </a:r>
+          </a:p>
+          <a:p>
+            <a:pPr marL="342900" indent="-342900">
+              <a:buFont typeface="Arial" panose="020B0604020202020204" pitchFamily="34" charset="0"/>
+              <a:buChar char="•"/>
+            </a:pPr>
+            <a:r>
+              <a:rPr lang="it-IT" dirty="0">
+                <a:solidFill>
+                  <a:schemeClr val="tx1">
+                    <a:lumMod val="95000"/>
+                  </a:schemeClr>
+                </a:solidFill>
+              </a:rPr>
+              <a:t>Raccolta dei requisiti</a:t>
+            </a:r>
+          </a:p>
+          <a:p>
+            <a:pPr marL="342900" indent="-342900">
+              <a:buFont typeface="Arial" panose="020B0604020202020204" pitchFamily="34" charset="0"/>
+              <a:buChar char="•"/>
+            </a:pPr>
+            <a:r>
+              <a:rPr lang="it-IT" dirty="0">
+                <a:solidFill>
+                  <a:schemeClr val="tx1">
+                    <a:lumMod val="95000"/>
+                  </a:schemeClr>
+                </a:solidFill>
+              </a:rPr>
+              <a:t>Progettazione</a:t>
+            </a:r>
+          </a:p>
+          <a:p>
+            <a:pPr marL="342900" indent="-342900">
+              <a:buFont typeface="Arial" panose="020B0604020202020204" pitchFamily="34" charset="0"/>
+              <a:buChar char="•"/>
+            </a:pPr>
+            <a:r>
+              <a:rPr lang="it-IT" dirty="0">
+                <a:solidFill>
+                  <a:schemeClr val="tx1">
+                    <a:lumMod val="95000"/>
+                  </a:schemeClr>
+                </a:solidFill>
+              </a:rPr>
+              <a:t>Sviluppo</a:t>
+            </a:r>
+          </a:p>
+          <a:p>
+            <a:pPr marL="342900" indent="-342900">
+              <a:buFont typeface="Arial" panose="020B0604020202020204" pitchFamily="34" charset="0"/>
+              <a:buChar char="•"/>
+            </a:pPr>
+            <a:r>
+              <a:rPr lang="it-IT" dirty="0">
+                <a:solidFill>
+                  <a:schemeClr val="tx1">
+                    <a:lumMod val="95000"/>
+                  </a:schemeClr>
+                </a:solidFill>
+              </a:rPr>
+              <a:t>Test</a:t>
+            </a:r>
+          </a:p>
+          <a:p>
+            <a:pPr marL="342900" indent="-342900">
+              <a:buFont typeface="Arial" panose="020B0604020202020204" pitchFamily="34" charset="0"/>
+              <a:buChar char="•"/>
+            </a:pPr>
+            <a:r>
+              <a:rPr lang="it-IT" dirty="0">
+                <a:solidFill>
+                  <a:schemeClr val="tx1">
+                    <a:lumMod val="95000"/>
+                  </a:schemeClr>
+                </a:solidFill>
+              </a:rPr>
+              <a:t>Mantenimento</a:t>
+            </a:r>
+          </a:p>
+        </p:txBody>
+      </p:sp>
+    </p:spTree>
+    <p:extLst>
+      <p:ext uri="{BB962C8B-B14F-4D97-AF65-F5344CB8AC3E}">
+        <p14:creationId xmlns:p14="http://schemas.microsoft.com/office/powerpoint/2010/main" val="131589702"/>
+      </p:ext>
+    </p:extLst>
+  </p:cSld>
+  <p:clrMapOvr>
+    <a:masterClrMapping/>
+  </p:clrMapOvr>
+</p:sld>
+</file>
+
+<file path=ppt/slides/slide70.xml><?xml version="1.0" encoding="utf-8"?>
 <p:sld xmlns:a="http://schemas.openxmlformats.org/drawingml/2006/main" xmlns:r="http://schemas.openxmlformats.org/officeDocument/2006/relationships" xmlns:p="http://schemas.openxmlformats.org/presentationml/2006/main">
   <p:cSld>
     <p:spTree>
@@ -27824,544 +28579,6 @@
 </p:sld>
 </file>
 
-<file path=ppt/slides/slide7.xml><?xml version="1.0" encoding="utf-8"?>
-<p:sld xmlns:a="http://schemas.openxmlformats.org/drawingml/2006/main" xmlns:r="http://schemas.openxmlformats.org/officeDocument/2006/relationships" xmlns:p="http://schemas.openxmlformats.org/presentationml/2006/main">
-  <p:cSld>
-    <p:spTree>
-      <p:nvGrpSpPr>
-        <p:cNvPr id="1" name=""/>
-        <p:cNvGrpSpPr/>
-        <p:nvPr/>
-      </p:nvGrpSpPr>
-      <p:grpSpPr>
-        <a:xfrm>
-          <a:off x="0" y="0"/>
-          <a:ext cx="0" cy="0"/>
-          <a:chOff x="0" y="0"/>
-          <a:chExt cx="0" cy="0"/>
-        </a:xfrm>
-      </p:grpSpPr>
-      <p:sp>
-        <p:nvSpPr>
-          <p:cNvPr id="2" name="Titolo 1">
-            <a:extLst>
-              <a:ext uri="{FF2B5EF4-FFF2-40B4-BE49-F238E27FC236}">
-                <a16:creationId xmlns:a16="http://schemas.microsoft.com/office/drawing/2014/main" id="{6029BAE7-074D-4656-994B-B28298D7F709}"/>
-              </a:ext>
-            </a:extLst>
-          </p:cNvPr>
-          <p:cNvSpPr>
-            <a:spLocks noGrp="1"/>
-          </p:cNvSpPr>
-          <p:nvPr>
-            <p:ph type="ctrTitle"/>
-          </p:nvPr>
-        </p:nvSpPr>
-        <p:spPr>
-          <a:xfrm>
-            <a:off x="1943536" y="709540"/>
-            <a:ext cx="9742328" cy="731604"/>
-          </a:xfrm>
-        </p:spPr>
-        <p:txBody>
-          <a:bodyPr>
-            <a:normAutofit fontScale="90000"/>
-          </a:bodyPr>
-          <a:lstStyle/>
-          <a:p>
-            <a:r>
-              <a:rPr lang="it-IT" dirty="0"/>
-              <a:t>Cenni storici: La programmazione</a:t>
-            </a:r>
-          </a:p>
-        </p:txBody>
-      </p:sp>
-      <p:sp>
-        <p:nvSpPr>
-          <p:cNvPr id="3" name="Sottotitolo 2">
-            <a:extLst>
-              <a:ext uri="{FF2B5EF4-FFF2-40B4-BE49-F238E27FC236}">
-                <a16:creationId xmlns:a16="http://schemas.microsoft.com/office/drawing/2014/main" id="{A8ADECB8-CCD1-4B04-9706-D59678CBC7D6}"/>
-              </a:ext>
-            </a:extLst>
-          </p:cNvPr>
-          <p:cNvSpPr>
-            <a:spLocks noGrp="1"/>
-          </p:cNvSpPr>
-          <p:nvPr>
-            <p:ph type="subTitle" idx="1"/>
-          </p:nvPr>
-        </p:nvSpPr>
-        <p:spPr>
-          <a:xfrm>
-            <a:off x="1943536" y="1542904"/>
-            <a:ext cx="9742328" cy="4605556"/>
-          </a:xfrm>
-        </p:spPr>
-        <p:txBody>
-          <a:bodyPr>
-            <a:normAutofit fontScale="70000" lnSpcReduction="20000"/>
-          </a:bodyPr>
-          <a:lstStyle/>
-          <a:p>
-            <a:r>
-              <a:rPr lang="it-IT" dirty="0">
-                <a:solidFill>
-                  <a:schemeClr val="tx1">
-                    <a:lumMod val="95000"/>
-                  </a:schemeClr>
-                </a:solidFill>
-              </a:rPr>
-              <a:t>Ada </a:t>
-            </a:r>
-            <a:r>
-              <a:rPr lang="it-IT" dirty="0" err="1">
-                <a:solidFill>
-                  <a:schemeClr val="tx1">
-                    <a:lumMod val="95000"/>
-                  </a:schemeClr>
-                </a:solidFill>
-              </a:rPr>
-              <a:t>byron</a:t>
-            </a:r>
-            <a:r>
-              <a:rPr lang="it-IT" dirty="0">
-                <a:solidFill>
-                  <a:schemeClr val="tx1">
-                    <a:lumMod val="95000"/>
-                  </a:schemeClr>
-                </a:solidFill>
-              </a:rPr>
-              <a:t>(1815-1852) anche nota come Ada </a:t>
-            </a:r>
-            <a:r>
-              <a:rPr lang="it-IT" dirty="0" err="1">
-                <a:solidFill>
-                  <a:schemeClr val="tx1">
-                    <a:lumMod val="95000"/>
-                  </a:schemeClr>
-                </a:solidFill>
-              </a:rPr>
-              <a:t>lovelace</a:t>
-            </a:r>
-            <a:r>
-              <a:rPr lang="it-IT" dirty="0">
-                <a:solidFill>
-                  <a:schemeClr val="tx1">
-                    <a:lumMod val="95000"/>
-                  </a:schemeClr>
-                </a:solidFill>
-              </a:rPr>
-              <a:t> è considerata la prima pioniera della programmazione.</a:t>
-            </a:r>
-          </a:p>
-          <a:p>
-            <a:r>
-              <a:rPr lang="it-IT" dirty="0">
-                <a:solidFill>
-                  <a:schemeClr val="tx1">
-                    <a:lumMod val="95000"/>
-                  </a:schemeClr>
-                </a:solidFill>
-              </a:rPr>
-              <a:t>Vissuta negli anni in cui Babbage sviluppo la macchina analitica, </a:t>
-            </a:r>
-            <a:r>
-              <a:rPr lang="it-IT" dirty="0" err="1">
-                <a:solidFill>
-                  <a:schemeClr val="tx1">
-                    <a:lumMod val="95000"/>
-                  </a:schemeClr>
-                </a:solidFill>
-              </a:rPr>
-              <a:t>ada</a:t>
-            </a:r>
-            <a:r>
-              <a:rPr lang="it-IT" dirty="0">
-                <a:solidFill>
-                  <a:schemeClr val="tx1">
-                    <a:lumMod val="95000"/>
-                  </a:schemeClr>
-                </a:solidFill>
-              </a:rPr>
-              <a:t>  fu una grande sostenitrice del progetto, sviluppò inoltre alcuni algoritmi per la macchina di </a:t>
-            </a:r>
-            <a:r>
-              <a:rPr lang="it-IT" dirty="0" err="1">
-                <a:solidFill>
-                  <a:schemeClr val="tx1">
-                    <a:lumMod val="95000"/>
-                  </a:schemeClr>
-                </a:solidFill>
-              </a:rPr>
-              <a:t>babbage</a:t>
-            </a:r>
-            <a:r>
-              <a:rPr lang="it-IT" dirty="0">
-                <a:solidFill>
-                  <a:schemeClr val="tx1">
-                    <a:lumMod val="95000"/>
-                  </a:schemeClr>
-                </a:solidFill>
-              </a:rPr>
-              <a:t>.</a:t>
-            </a:r>
-          </a:p>
-          <a:p>
-            <a:r>
-              <a:rPr lang="it-IT" dirty="0">
-                <a:solidFill>
-                  <a:schemeClr val="tx1">
-                    <a:lumMod val="95000"/>
-                  </a:schemeClr>
-                </a:solidFill>
-              </a:rPr>
-              <a:t>tanto impegnata agli albori dell’informatica da definire il </a:t>
-            </a:r>
-            <a:r>
-              <a:rPr lang="it-IT" dirty="0">
-                <a:solidFill>
-                  <a:schemeClr val="accent5">
-                    <a:lumMod val="60000"/>
-                    <a:lumOff val="40000"/>
-                  </a:schemeClr>
-                </a:solidFill>
-              </a:rPr>
-              <a:t>primo algoritmo</a:t>
-            </a:r>
-            <a:r>
-              <a:rPr lang="it-IT" dirty="0">
-                <a:solidFill>
-                  <a:schemeClr val="tx1">
-                    <a:lumMod val="95000"/>
-                  </a:schemeClr>
-                </a:solidFill>
-              </a:rPr>
-              <a:t>, destinato ad una macchina teorica.</a:t>
-            </a:r>
-          </a:p>
-          <a:p>
-            <a:r>
-              <a:rPr lang="it-IT" dirty="0">
-                <a:solidFill>
-                  <a:schemeClr val="tx1">
-                    <a:lumMod val="95000"/>
-                  </a:schemeClr>
-                </a:solidFill>
-              </a:rPr>
-              <a:t>Il programmatore agli albori della programmazione si occupava di tutto il processo, dalla soluzione del problema alla sua implementazione.</a:t>
-            </a:r>
-          </a:p>
-          <a:p>
-            <a:r>
-              <a:rPr lang="it-IT" dirty="0">
-                <a:solidFill>
-                  <a:schemeClr val="tx1">
-                    <a:lumMod val="95000"/>
-                  </a:schemeClr>
-                </a:solidFill>
-              </a:rPr>
-              <a:t>Oggi il processo descritto in precedenza è suddiviso principalmente in:</a:t>
-            </a:r>
-          </a:p>
-          <a:p>
-            <a:pPr marL="342900" indent="-342900">
-              <a:buFont typeface="Arial" panose="020B0604020202020204" pitchFamily="34" charset="0"/>
-              <a:buChar char="•"/>
-            </a:pPr>
-            <a:r>
-              <a:rPr lang="it-IT" dirty="0">
-                <a:solidFill>
-                  <a:schemeClr val="tx1">
-                    <a:lumMod val="95000"/>
-                  </a:schemeClr>
-                </a:solidFill>
-              </a:rPr>
-              <a:t>Raccolta dei requisiti</a:t>
-            </a:r>
-          </a:p>
-          <a:p>
-            <a:pPr marL="342900" indent="-342900">
-              <a:buFont typeface="Arial" panose="020B0604020202020204" pitchFamily="34" charset="0"/>
-              <a:buChar char="•"/>
-            </a:pPr>
-            <a:r>
-              <a:rPr lang="it-IT" dirty="0">
-                <a:solidFill>
-                  <a:schemeClr val="tx1">
-                    <a:lumMod val="95000"/>
-                  </a:schemeClr>
-                </a:solidFill>
-              </a:rPr>
-              <a:t>Progettazione</a:t>
-            </a:r>
-          </a:p>
-          <a:p>
-            <a:pPr marL="342900" indent="-342900">
-              <a:buFont typeface="Arial" panose="020B0604020202020204" pitchFamily="34" charset="0"/>
-              <a:buChar char="•"/>
-            </a:pPr>
-            <a:r>
-              <a:rPr lang="it-IT" dirty="0">
-                <a:solidFill>
-                  <a:schemeClr val="tx1">
-                    <a:lumMod val="95000"/>
-                  </a:schemeClr>
-                </a:solidFill>
-              </a:rPr>
-              <a:t>Sviluppo</a:t>
-            </a:r>
-          </a:p>
-          <a:p>
-            <a:pPr marL="342900" indent="-342900">
-              <a:buFont typeface="Arial" panose="020B0604020202020204" pitchFamily="34" charset="0"/>
-              <a:buChar char="•"/>
-            </a:pPr>
-            <a:r>
-              <a:rPr lang="it-IT" dirty="0">
-                <a:solidFill>
-                  <a:schemeClr val="tx1">
-                    <a:lumMod val="95000"/>
-                  </a:schemeClr>
-                </a:solidFill>
-              </a:rPr>
-              <a:t>Test</a:t>
-            </a:r>
-          </a:p>
-          <a:p>
-            <a:pPr marL="342900" indent="-342900">
-              <a:buFont typeface="Arial" panose="020B0604020202020204" pitchFamily="34" charset="0"/>
-              <a:buChar char="•"/>
-            </a:pPr>
-            <a:r>
-              <a:rPr lang="it-IT" dirty="0">
-                <a:solidFill>
-                  <a:schemeClr val="tx1">
-                    <a:lumMod val="95000"/>
-                  </a:schemeClr>
-                </a:solidFill>
-              </a:rPr>
-              <a:t>Mantenimento</a:t>
-            </a:r>
-          </a:p>
-        </p:txBody>
-      </p:sp>
-    </p:spTree>
-    <p:extLst>
-      <p:ext uri="{BB962C8B-B14F-4D97-AF65-F5344CB8AC3E}">
-        <p14:creationId xmlns:p14="http://schemas.microsoft.com/office/powerpoint/2010/main" val="131589702"/>
-      </p:ext>
-    </p:extLst>
-  </p:cSld>
-  <p:clrMapOvr>
-    <a:masterClrMapping/>
-  </p:clrMapOvr>
-</p:sld>
-</file>
-
-<file path=ppt/slides/slide70.xml><?xml version="1.0" encoding="utf-8"?>
-<p:sld xmlns:a="http://schemas.openxmlformats.org/drawingml/2006/main" xmlns:r="http://schemas.openxmlformats.org/officeDocument/2006/relationships" xmlns:p="http://schemas.openxmlformats.org/presentationml/2006/main">
-  <p:cSld>
-    <p:spTree>
-      <p:nvGrpSpPr>
-        <p:cNvPr id="1" name=""/>
-        <p:cNvGrpSpPr/>
-        <p:nvPr/>
-      </p:nvGrpSpPr>
-      <p:grpSpPr>
-        <a:xfrm>
-          <a:off x="0" y="0"/>
-          <a:ext cx="0" cy="0"/>
-          <a:chOff x="0" y="0"/>
-          <a:chExt cx="0" cy="0"/>
-        </a:xfrm>
-      </p:grpSpPr>
-      <p:sp>
-        <p:nvSpPr>
-          <p:cNvPr id="2" name="Titolo 1">
-            <a:extLst>
-              <a:ext uri="{FF2B5EF4-FFF2-40B4-BE49-F238E27FC236}">
-                <a16:creationId xmlns:a16="http://schemas.microsoft.com/office/drawing/2014/main" id="{A6CF85A1-E457-4832-BCB1-61021474450D}"/>
-              </a:ext>
-            </a:extLst>
-          </p:cNvPr>
-          <p:cNvSpPr>
-            <a:spLocks noGrp="1"/>
-          </p:cNvSpPr>
-          <p:nvPr>
-            <p:ph type="ctrTitle"/>
-          </p:nvPr>
-        </p:nvSpPr>
-        <p:spPr>
-          <a:xfrm>
-            <a:off x="1876424" y="711302"/>
-            <a:ext cx="9515826" cy="656103"/>
-          </a:xfrm>
-        </p:spPr>
-        <p:txBody>
-          <a:bodyPr>
-            <a:normAutofit fontScale="90000"/>
-          </a:bodyPr>
-          <a:lstStyle/>
-          <a:p>
-            <a:r>
-              <a:rPr lang="it-IT" dirty="0"/>
-              <a:t>Linguaggi ad alto livello</a:t>
-            </a:r>
-          </a:p>
-        </p:txBody>
-      </p:sp>
-      <p:sp>
-        <p:nvSpPr>
-          <p:cNvPr id="3" name="Sottotitolo 2">
-            <a:extLst>
-              <a:ext uri="{FF2B5EF4-FFF2-40B4-BE49-F238E27FC236}">
-                <a16:creationId xmlns:a16="http://schemas.microsoft.com/office/drawing/2014/main" id="{66409AAA-04C6-4E69-9F24-FBCFD422D4E8}"/>
-              </a:ext>
-            </a:extLst>
-          </p:cNvPr>
-          <p:cNvSpPr>
-            <a:spLocks noGrp="1"/>
-          </p:cNvSpPr>
-          <p:nvPr>
-            <p:ph type="subTitle" idx="1"/>
-          </p:nvPr>
-        </p:nvSpPr>
-        <p:spPr>
-          <a:xfrm>
-            <a:off x="1876425" y="1555124"/>
-            <a:ext cx="9515826" cy="4115834"/>
-          </a:xfrm>
-        </p:spPr>
-        <p:txBody>
-          <a:bodyPr>
-            <a:normAutofit fontScale="92500" lnSpcReduction="20000"/>
-          </a:bodyPr>
-          <a:lstStyle/>
-          <a:p>
-            <a:r>
-              <a:rPr lang="it-IT" dirty="0">
-                <a:solidFill>
-                  <a:schemeClr val="tx1">
-                    <a:lumMod val="95000"/>
-                  </a:schemeClr>
-                </a:solidFill>
-              </a:rPr>
-              <a:t>Il linguaggio assembly è considerato un linguaggio di basso livello siccome molto vicino alla comprensione da parte della macchina piuttosto che dell’uomo.</a:t>
-            </a:r>
-          </a:p>
-          <a:p>
-            <a:r>
-              <a:rPr lang="it-IT" dirty="0">
-                <a:solidFill>
-                  <a:schemeClr val="tx1">
-                    <a:lumMod val="95000"/>
-                  </a:schemeClr>
-                </a:solidFill>
-              </a:rPr>
-              <a:t>I linguaggi ad alto livello nascono dall’idea opposta, ovvero sono dei linguaggi molto più comprensibili all’uomo rispetto che alla macchina;  le istruzioni sono descritte attraverso una vicinanza con il linguaggio naturale.</a:t>
-            </a:r>
-          </a:p>
-          <a:p>
-            <a:r>
-              <a:rPr lang="it-IT" dirty="0">
-                <a:solidFill>
-                  <a:schemeClr val="tx1">
-                    <a:lumMod val="95000"/>
-                  </a:schemeClr>
-                </a:solidFill>
-              </a:rPr>
-              <a:t>Questo tipo di linguaggi porta i seguenti benefici:</a:t>
-            </a:r>
-          </a:p>
-          <a:p>
-            <a:pPr marL="342900" indent="-342900">
-              <a:buFont typeface="Arial" panose="020B0604020202020204" pitchFamily="34" charset="0"/>
-              <a:buChar char="•"/>
-            </a:pPr>
-            <a:r>
-              <a:rPr lang="it-IT" dirty="0">
-                <a:solidFill>
-                  <a:schemeClr val="tx1">
-                    <a:lumMod val="95000"/>
-                  </a:schemeClr>
-                </a:solidFill>
-              </a:rPr>
-              <a:t>Leggibilità</a:t>
-            </a:r>
-          </a:p>
-          <a:p>
-            <a:pPr marL="342900" indent="-342900">
-              <a:buFont typeface="Arial" panose="020B0604020202020204" pitchFamily="34" charset="0"/>
-              <a:buChar char="•"/>
-            </a:pPr>
-            <a:r>
-              <a:rPr lang="it-IT" dirty="0">
-                <a:solidFill>
-                  <a:schemeClr val="tx1">
-                    <a:lumMod val="95000"/>
-                  </a:schemeClr>
-                </a:solidFill>
-              </a:rPr>
-              <a:t>Portabilità</a:t>
-            </a:r>
-          </a:p>
-          <a:p>
-            <a:pPr marL="342900" indent="-342900">
-              <a:buFont typeface="Arial" panose="020B0604020202020204" pitchFamily="34" charset="0"/>
-              <a:buChar char="•"/>
-            </a:pPr>
-            <a:r>
-              <a:rPr lang="it-IT" dirty="0">
-                <a:solidFill>
-                  <a:schemeClr val="tx1">
-                    <a:lumMod val="95000"/>
-                  </a:schemeClr>
-                </a:solidFill>
-              </a:rPr>
-              <a:t>Costruzione di librerie</a:t>
-            </a:r>
-          </a:p>
-          <a:p>
-            <a:pPr marL="342900" indent="-342900">
-              <a:buFont typeface="Arial" panose="020B0604020202020204" pitchFamily="34" charset="0"/>
-              <a:buChar char="•"/>
-            </a:pPr>
-            <a:r>
-              <a:rPr lang="it-IT" dirty="0">
-                <a:solidFill>
-                  <a:schemeClr val="tx1">
-                    <a:lumMod val="95000"/>
-                  </a:schemeClr>
-                </a:solidFill>
-              </a:rPr>
-              <a:t>Maggiore semplicità nel controllo sull’efficienza</a:t>
-            </a:r>
-          </a:p>
-          <a:p>
-            <a:endParaRPr lang="it-IT" dirty="0">
-              <a:solidFill>
-                <a:schemeClr val="tx1">
-                  <a:lumMod val="95000"/>
-                </a:schemeClr>
-              </a:solidFill>
-            </a:endParaRPr>
-          </a:p>
-        </p:txBody>
-      </p:sp>
-    </p:spTree>
-    <p:extLst>
-      <p:ext uri="{BB962C8B-B14F-4D97-AF65-F5344CB8AC3E}">
-        <p14:creationId xmlns:p14="http://schemas.microsoft.com/office/powerpoint/2010/main" val="1145642359"/>
-      </p:ext>
-    </p:extLst>
-  </p:cSld>
-  <p:clrMapOvr>
-    <a:masterClrMapping/>
-  </p:clrMapOvr>
-</p:sld>
-</file>
-
 <file path=ppt/slides/slide71.xml><?xml version="1.0" encoding="utf-8"?>
 <p:sld xmlns:a="http://schemas.openxmlformats.org/drawingml/2006/main" xmlns:r="http://schemas.openxmlformats.org/officeDocument/2006/relationships" xmlns:p="http://schemas.openxmlformats.org/presentationml/2006/main">
   <p:cSld>
@@ -28397,7 +28614,7 @@
         </p:nvSpPr>
         <p:spPr>
           <a:xfrm>
-            <a:off x="1876424" y="1256587"/>
+            <a:off x="1876424" y="711302"/>
             <a:ext cx="9515826" cy="656103"/>
           </a:xfrm>
         </p:spPr>
@@ -28409,14 +28626,7 @@
           <a:p>
             <a:r>
               <a:rPr lang="it-IT" dirty="0"/>
-              <a:t>Linguaggi interpretati e</a:t>
-            </a:r>
-            <a:br>
-              <a:rPr lang="it-IT" dirty="0"/>
-            </a:br>
-            <a:r>
-              <a:rPr lang="it-IT" dirty="0"/>
-              <a:t>linguaggi compilati</a:t>
+              <a:t>Linguaggi ad alto livello</a:t>
             </a:r>
           </a:p>
         </p:txBody>
@@ -28439,13 +28649,13 @@
         </p:nvSpPr>
         <p:spPr>
           <a:xfrm>
-            <a:off x="1876425" y="2100409"/>
+            <a:off x="1876425" y="1555124"/>
             <a:ext cx="9515826" cy="4115834"/>
           </a:xfrm>
         </p:spPr>
         <p:txBody>
           <a:bodyPr>
-            <a:normAutofit fontScale="77500" lnSpcReduction="20000"/>
+            <a:normAutofit fontScale="92500" lnSpcReduction="20000"/>
           </a:bodyPr>
           <a:lstStyle/>
           <a:p>
@@ -28457,19 +28667,31 @@
                   </a:schemeClr>
                 </a:solidFill>
               </a:rPr>
-              <a:t>I linguaggi ad alto livello richiedono un compilatore o un interprete in grado di renderli comprensibili alla macchina.</a:t>
-            </a:r>
-          </a:p>
-          <a:p>
-            <a:r>
-              <a:rPr lang="it-IT" dirty="0">
-                <a:solidFill>
-                  <a:schemeClr val="tx1">
-                    <a:lumMod val="95000"/>
-                  </a:schemeClr>
-                </a:solidFill>
-              </a:rPr>
-              <a:t>Il compilatore si occupa di :</a:t>
+              <a:t>Il linguaggio assembly è considerato un linguaggio di basso livello siccome molto vicino alla comprensione da parte della macchina piuttosto che dell’uomo.</a:t>
+            </a:r>
+          </a:p>
+          <a:p>
+            <a:r>
+              <a:rPr lang="it-IT" dirty="0">
+                <a:solidFill>
+                  <a:schemeClr val="tx1">
+                    <a:lumMod val="95000"/>
+                  </a:schemeClr>
+                </a:solidFill>
+              </a:rPr>
+              <a:t>I linguaggi ad alto livello nascono dall’idea opposta, ovvero sono dei linguaggi molto più comprensibili all’uomo rispetto che alla macchina;  le istruzioni sono descritte attraverso una vicinanza con il linguaggio naturale.</a:t>
+            </a:r>
+          </a:p>
+          <a:p>
+            <a:r>
+              <a:rPr lang="it-IT" dirty="0">
+                <a:solidFill>
+                  <a:schemeClr val="tx1">
+                    <a:lumMod val="95000"/>
+                  </a:schemeClr>
+                </a:solidFill>
+              </a:rPr>
+              <a:t>Questo tipo di linguaggi porta i seguenti benefici:</a:t>
             </a:r>
           </a:p>
           <a:p>
@@ -28485,7 +28707,7 @@
                   </a:schemeClr>
                 </a:solidFill>
               </a:rPr>
-              <a:t>Verificare la correttezza delle istruzioni</a:t>
+              <a:t>Leggibilità</a:t>
             </a:r>
           </a:p>
           <a:p>
@@ -28501,7 +28723,7 @@
                   </a:schemeClr>
                 </a:solidFill>
               </a:rPr>
-              <a:t>Tradurre il programma nel linguaggio macchina specifico per un tipo di architettura hardware</a:t>
+              <a:t>Portabilità</a:t>
             </a:r>
           </a:p>
           <a:p>
@@ -28517,19 +28739,7 @@
                   </a:schemeClr>
                 </a:solidFill>
               </a:rPr>
-              <a:t>Il codice tradotto viene in seguito  assemblato con altre funzioni di librerie o programmi e viene costruito il file eseguibile.</a:t>
-            </a:r>
-          </a:p>
-          <a:p>
-            <a:r>
-              <a:rPr lang="it-IT" dirty="0">
-                <a:solidFill>
-                  <a:schemeClr val="tx1">
-                    <a:lumMod val="95000"/>
-                  </a:schemeClr>
-                </a:solidFill>
-              </a:rPr>
-              <a:t>L’interprete invece:</a:t>
+              <a:t>Costruzione di librerie</a:t>
             </a:r>
           </a:p>
           <a:p>
@@ -28545,47 +28755,24 @@
                   </a:schemeClr>
                 </a:solidFill>
               </a:rPr>
-              <a:t>Verifica la correttezza</a:t>
-            </a:r>
-          </a:p>
-          <a:p>
-            <a:pPr marL="342900" indent="-342900">
-              <a:buFont typeface="Arial" panose="020B0604020202020204" pitchFamily="34" charset="0"/>
-              <a:buChar char="•"/>
-            </a:pPr>
-            <a:r>
-              <a:rPr lang="it-IT" dirty="0">
-                <a:solidFill>
-                  <a:schemeClr val="tx1">
-                    <a:lumMod val="95000"/>
-                  </a:schemeClr>
-                </a:solidFill>
-              </a:rPr>
-              <a:t>Traduce il codice in un formato intermedio</a:t>
-            </a:r>
-          </a:p>
-          <a:p>
-            <a:pPr marL="342900" indent="-342900">
-              <a:buFont typeface="Arial" panose="020B0604020202020204" pitchFamily="34" charset="0"/>
-              <a:buChar char="•"/>
-            </a:pPr>
-            <a:r>
-              <a:rPr lang="it-IT" dirty="0">
-                <a:solidFill>
-                  <a:schemeClr val="tx1">
-                    <a:lumMod val="95000"/>
-                  </a:schemeClr>
-                </a:solidFill>
-              </a:rPr>
-              <a:t>Simula l’esecuzione del codice intermedio</a:t>
-            </a:r>
+              <a:t>Maggiore semplicità nel controllo sull’efficienza</a:t>
+            </a:r>
+          </a:p>
+          <a:p>
+            <a:endParaRPr lang="it-IT" dirty="0">
+              <a:solidFill>
+                <a:schemeClr val="tx1">
+                  <a:lumMod val="95000"/>
+                </a:schemeClr>
+              </a:solidFill>
+            </a:endParaRPr>
           </a:p>
         </p:txBody>
       </p:sp>
     </p:spTree>
     <p:extLst>
       <p:ext uri="{BB962C8B-B14F-4D97-AF65-F5344CB8AC3E}">
-        <p14:creationId xmlns:p14="http://schemas.microsoft.com/office/powerpoint/2010/main" val="1141322533"/>
+        <p14:creationId xmlns:p14="http://schemas.microsoft.com/office/powerpoint/2010/main" val="1145642359"/>
       </p:ext>
     </p:extLst>
   </p:cSld>
@@ -28630,6 +28817,239 @@
         </p:nvSpPr>
         <p:spPr>
           <a:xfrm>
+            <a:off x="1876424" y="1256587"/>
+            <a:ext cx="9515826" cy="656103"/>
+          </a:xfrm>
+        </p:spPr>
+        <p:txBody>
+          <a:bodyPr>
+            <a:normAutofit fontScale="90000"/>
+          </a:bodyPr>
+          <a:lstStyle/>
+          <a:p>
+            <a:r>
+              <a:rPr lang="it-IT" dirty="0"/>
+              <a:t>Linguaggi interpretati e</a:t>
+            </a:r>
+            <a:br>
+              <a:rPr lang="it-IT" dirty="0"/>
+            </a:br>
+            <a:r>
+              <a:rPr lang="it-IT" dirty="0"/>
+              <a:t>linguaggi compilati</a:t>
+            </a:r>
+          </a:p>
+        </p:txBody>
+      </p:sp>
+      <p:sp>
+        <p:nvSpPr>
+          <p:cNvPr id="3" name="Sottotitolo 2">
+            <a:extLst>
+              <a:ext uri="{FF2B5EF4-FFF2-40B4-BE49-F238E27FC236}">
+                <a16:creationId xmlns:a16="http://schemas.microsoft.com/office/drawing/2014/main" id="{66409AAA-04C6-4E69-9F24-FBCFD422D4E8}"/>
+              </a:ext>
+            </a:extLst>
+          </p:cNvPr>
+          <p:cNvSpPr>
+            <a:spLocks noGrp="1"/>
+          </p:cNvSpPr>
+          <p:nvPr>
+            <p:ph type="subTitle" idx="1"/>
+          </p:nvPr>
+        </p:nvSpPr>
+        <p:spPr>
+          <a:xfrm>
+            <a:off x="1876425" y="2100409"/>
+            <a:ext cx="9515826" cy="4115834"/>
+          </a:xfrm>
+        </p:spPr>
+        <p:txBody>
+          <a:bodyPr>
+            <a:normAutofit fontScale="77500" lnSpcReduction="20000"/>
+          </a:bodyPr>
+          <a:lstStyle/>
+          <a:p>
+            <a:r>
+              <a:rPr lang="it-IT" dirty="0">
+                <a:solidFill>
+                  <a:schemeClr val="tx1">
+                    <a:lumMod val="95000"/>
+                  </a:schemeClr>
+                </a:solidFill>
+              </a:rPr>
+              <a:t>I linguaggi ad alto livello richiedono un compilatore o un interprete in grado di renderli comprensibili alla macchina.</a:t>
+            </a:r>
+          </a:p>
+          <a:p>
+            <a:r>
+              <a:rPr lang="it-IT" dirty="0">
+                <a:solidFill>
+                  <a:schemeClr val="tx1">
+                    <a:lumMod val="95000"/>
+                  </a:schemeClr>
+                </a:solidFill>
+              </a:rPr>
+              <a:t>Il compilatore si occupa di :</a:t>
+            </a:r>
+          </a:p>
+          <a:p>
+            <a:pPr marL="342900" indent="-342900">
+              <a:buFont typeface="Arial" panose="020B0604020202020204" pitchFamily="34" charset="0"/>
+              <a:buChar char="•"/>
+            </a:pPr>
+            <a:r>
+              <a:rPr lang="it-IT" dirty="0">
+                <a:solidFill>
+                  <a:schemeClr val="tx1">
+                    <a:lumMod val="95000"/>
+                  </a:schemeClr>
+                </a:solidFill>
+              </a:rPr>
+              <a:t>Verificare la correttezza delle istruzioni</a:t>
+            </a:r>
+          </a:p>
+          <a:p>
+            <a:pPr marL="342900" indent="-342900">
+              <a:buFont typeface="Arial" panose="020B0604020202020204" pitchFamily="34" charset="0"/>
+              <a:buChar char="•"/>
+            </a:pPr>
+            <a:r>
+              <a:rPr lang="it-IT" dirty="0">
+                <a:solidFill>
+                  <a:schemeClr val="tx1">
+                    <a:lumMod val="95000"/>
+                  </a:schemeClr>
+                </a:solidFill>
+              </a:rPr>
+              <a:t>Tradurre il programma nel linguaggio macchina specifico per un tipo di architettura hardware</a:t>
+            </a:r>
+          </a:p>
+          <a:p>
+            <a:pPr marL="342900" indent="-342900">
+              <a:buFont typeface="Arial" panose="020B0604020202020204" pitchFamily="34" charset="0"/>
+              <a:buChar char="•"/>
+            </a:pPr>
+            <a:r>
+              <a:rPr lang="it-IT" dirty="0">
+                <a:solidFill>
+                  <a:schemeClr val="tx1">
+                    <a:lumMod val="95000"/>
+                  </a:schemeClr>
+                </a:solidFill>
+              </a:rPr>
+              <a:t>Il codice tradotto viene in seguito assemblato con altre funzioni di librerie o programmi e viene costruito il file eseguibile.</a:t>
+            </a:r>
+          </a:p>
+          <a:p>
+            <a:r>
+              <a:rPr lang="it-IT" dirty="0">
+                <a:solidFill>
+                  <a:schemeClr val="tx1">
+                    <a:lumMod val="95000"/>
+                  </a:schemeClr>
+                </a:solidFill>
+              </a:rPr>
+              <a:t>L’interprete invece:</a:t>
+            </a:r>
+          </a:p>
+          <a:p>
+            <a:pPr marL="342900" indent="-342900">
+              <a:buFont typeface="Arial" panose="020B0604020202020204" pitchFamily="34" charset="0"/>
+              <a:buChar char="•"/>
+            </a:pPr>
+            <a:r>
+              <a:rPr lang="it-IT" dirty="0">
+                <a:solidFill>
+                  <a:schemeClr val="tx1">
+                    <a:lumMod val="95000"/>
+                  </a:schemeClr>
+                </a:solidFill>
+              </a:rPr>
+              <a:t>Verifica la correttezza</a:t>
+            </a:r>
+          </a:p>
+          <a:p>
+            <a:pPr marL="342900" indent="-342900">
+              <a:buFont typeface="Arial" panose="020B0604020202020204" pitchFamily="34" charset="0"/>
+              <a:buChar char="•"/>
+            </a:pPr>
+            <a:r>
+              <a:rPr lang="it-IT" dirty="0">
+                <a:solidFill>
+                  <a:schemeClr val="tx1">
+                    <a:lumMod val="95000"/>
+                  </a:schemeClr>
+                </a:solidFill>
+              </a:rPr>
+              <a:t>Traduce il codice in un formato intermedio</a:t>
+            </a:r>
+          </a:p>
+          <a:p>
+            <a:pPr marL="342900" indent="-342900">
+              <a:buFont typeface="Arial" panose="020B0604020202020204" pitchFamily="34" charset="0"/>
+              <a:buChar char="•"/>
+            </a:pPr>
+            <a:r>
+              <a:rPr lang="it-IT" dirty="0">
+                <a:solidFill>
+                  <a:schemeClr val="tx1">
+                    <a:lumMod val="95000"/>
+                  </a:schemeClr>
+                </a:solidFill>
+              </a:rPr>
+              <a:t>Simula l’esecuzione del codice intermedio</a:t>
+            </a:r>
+          </a:p>
+        </p:txBody>
+      </p:sp>
+    </p:spTree>
+    <p:extLst>
+      <p:ext uri="{BB962C8B-B14F-4D97-AF65-F5344CB8AC3E}">
+        <p14:creationId xmlns:p14="http://schemas.microsoft.com/office/powerpoint/2010/main" val="1141322533"/>
+      </p:ext>
+    </p:extLst>
+  </p:cSld>
+  <p:clrMapOvr>
+    <a:masterClrMapping/>
+  </p:clrMapOvr>
+</p:sld>
+</file>
+
+<file path=ppt/slides/slide73.xml><?xml version="1.0" encoding="utf-8"?>
+<p:sld xmlns:a="http://schemas.openxmlformats.org/drawingml/2006/main" xmlns:r="http://schemas.openxmlformats.org/officeDocument/2006/relationships" xmlns:p="http://schemas.openxmlformats.org/presentationml/2006/main">
+  <p:cSld>
+    <p:spTree>
+      <p:nvGrpSpPr>
+        <p:cNvPr id="1" name=""/>
+        <p:cNvGrpSpPr/>
+        <p:nvPr/>
+      </p:nvGrpSpPr>
+      <p:grpSpPr>
+        <a:xfrm>
+          <a:off x="0" y="0"/>
+          <a:ext cx="0" cy="0"/>
+          <a:chOff x="0" y="0"/>
+          <a:chExt cx="0" cy="0"/>
+        </a:xfrm>
+      </p:grpSpPr>
+      <p:sp>
+        <p:nvSpPr>
+          <p:cNvPr id="2" name="Titolo 1">
+            <a:extLst>
+              <a:ext uri="{FF2B5EF4-FFF2-40B4-BE49-F238E27FC236}">
+                <a16:creationId xmlns:a16="http://schemas.microsoft.com/office/drawing/2014/main" id="{A6CF85A1-E457-4832-BCB1-61021474450D}"/>
+              </a:ext>
+            </a:extLst>
+          </p:cNvPr>
+          <p:cNvSpPr>
+            <a:spLocks noGrp="1"/>
+          </p:cNvSpPr>
+          <p:nvPr>
+            <p:ph type="ctrTitle"/>
+          </p:nvPr>
+        </p:nvSpPr>
+        <p:spPr>
+          <a:xfrm>
             <a:off x="1876424" y="711302"/>
             <a:ext cx="9515826" cy="656103"/>
           </a:xfrm>
@@ -28749,7 +29169,7 @@
 </p:sld>
 </file>
 
-<file path=ppt/slides/slide73.xml><?xml version="1.0" encoding="utf-8"?>
+<file path=ppt/slides/slide74.xml><?xml version="1.0" encoding="utf-8"?>
 <p:sld xmlns:a="http://schemas.openxmlformats.org/drawingml/2006/main" xmlns:r="http://schemas.openxmlformats.org/officeDocument/2006/relationships" xmlns:p="http://schemas.openxmlformats.org/presentationml/2006/main">
   <p:cSld>
     <p:spTree>
@@ -29019,183 +29439,6 @@
 </p:sld>
 </file>
 
-<file path=ppt/slides/slide74.xml><?xml version="1.0" encoding="utf-8"?>
-<p:sld xmlns:a="http://schemas.openxmlformats.org/drawingml/2006/main" xmlns:r="http://schemas.openxmlformats.org/officeDocument/2006/relationships" xmlns:p="http://schemas.openxmlformats.org/presentationml/2006/main">
-  <p:cSld>
-    <p:spTree>
-      <p:nvGrpSpPr>
-        <p:cNvPr id="1" name=""/>
-        <p:cNvGrpSpPr/>
-        <p:nvPr/>
-      </p:nvGrpSpPr>
-      <p:grpSpPr>
-        <a:xfrm>
-          <a:off x="0" y="0"/>
-          <a:ext cx="0" cy="0"/>
-          <a:chOff x="0" y="0"/>
-          <a:chExt cx="0" cy="0"/>
-        </a:xfrm>
-      </p:grpSpPr>
-      <p:sp>
-        <p:nvSpPr>
-          <p:cNvPr id="2" name="Titolo 1">
-            <a:extLst>
-              <a:ext uri="{FF2B5EF4-FFF2-40B4-BE49-F238E27FC236}">
-                <a16:creationId xmlns:a16="http://schemas.microsoft.com/office/drawing/2014/main" id="{A6CF85A1-E457-4832-BCB1-61021474450D}"/>
-              </a:ext>
-            </a:extLst>
-          </p:cNvPr>
-          <p:cNvSpPr>
-            <a:spLocks noGrp="1"/>
-          </p:cNvSpPr>
-          <p:nvPr>
-            <p:ph type="ctrTitle"/>
-          </p:nvPr>
-        </p:nvSpPr>
-        <p:spPr>
-          <a:xfrm>
-            <a:off x="1876424" y="711302"/>
-            <a:ext cx="9515826" cy="656103"/>
-          </a:xfrm>
-        </p:spPr>
-        <p:txBody>
-          <a:bodyPr>
-            <a:normAutofit fontScale="90000"/>
-          </a:bodyPr>
-          <a:lstStyle/>
-          <a:p>
-            <a:r>
-              <a:rPr lang="it-IT" dirty="0"/>
-              <a:t>Paradigmi di programmazione</a:t>
-            </a:r>
-          </a:p>
-        </p:txBody>
-      </p:sp>
-      <p:sp>
-        <p:nvSpPr>
-          <p:cNvPr id="3" name="Sottotitolo 2">
-            <a:extLst>
-              <a:ext uri="{FF2B5EF4-FFF2-40B4-BE49-F238E27FC236}">
-                <a16:creationId xmlns:a16="http://schemas.microsoft.com/office/drawing/2014/main" id="{66409AAA-04C6-4E69-9F24-FBCFD422D4E8}"/>
-              </a:ext>
-            </a:extLst>
-          </p:cNvPr>
-          <p:cNvSpPr>
-            <a:spLocks noGrp="1"/>
-          </p:cNvSpPr>
-          <p:nvPr>
-            <p:ph type="subTitle" idx="1"/>
-          </p:nvPr>
-        </p:nvSpPr>
-        <p:spPr>
-          <a:xfrm>
-            <a:off x="1876425" y="1555124"/>
-            <a:ext cx="9515826" cy="4115834"/>
-          </a:xfrm>
-        </p:spPr>
-        <p:txBody>
-          <a:bodyPr>
-            <a:normAutofit fontScale="85000" lnSpcReduction="20000"/>
-          </a:bodyPr>
-          <a:lstStyle/>
-          <a:p>
-            <a:r>
-              <a:rPr lang="it-IT" dirty="0">
-                <a:solidFill>
-                  <a:schemeClr val="tx1">
-                    <a:lumMod val="95000"/>
-                  </a:schemeClr>
-                </a:solidFill>
-              </a:rPr>
-              <a:t>Un paradigma di programmazione è un modello concettuale che fornisce la struttura di un programma, i principali paradigmi sono:</a:t>
-            </a:r>
-          </a:p>
-          <a:p>
-            <a:pPr marL="342900" indent="-342900">
-              <a:buFont typeface="Arial" panose="020B0604020202020204" pitchFamily="34" charset="0"/>
-              <a:buChar char="•"/>
-            </a:pPr>
-            <a:r>
-              <a:rPr lang="it-IT" dirty="0">
-                <a:solidFill>
-                  <a:schemeClr val="tx1">
-                    <a:lumMod val="95000"/>
-                  </a:schemeClr>
-                </a:solidFill>
-              </a:rPr>
-              <a:t>Programmazione imperativa o procedurale : i linguaggi di questa categoria vedono la computazione come una serie di azioni (programma composto tramite trasformazioni di stato basate sulle assegnazioni)</a:t>
-            </a:r>
-          </a:p>
-          <a:p>
-            <a:pPr marL="342900" indent="-342900">
-              <a:buFont typeface="Arial" panose="020B0604020202020204" pitchFamily="34" charset="0"/>
-              <a:buChar char="•"/>
-            </a:pPr>
-            <a:r>
-              <a:rPr lang="it-IT" dirty="0">
-                <a:solidFill>
-                  <a:schemeClr val="tx1">
-                    <a:lumMod val="95000"/>
-                  </a:schemeClr>
-                </a:solidFill>
-              </a:rPr>
-              <a:t>Programmazione funzionale: un programma viene visto come una funzione che attraverso la sua valutazione porta ad un risultato (orientato alla definizione di nuovi stati)</a:t>
-            </a:r>
-          </a:p>
-          <a:p>
-            <a:pPr marL="342900" indent="-342900">
-              <a:buFont typeface="Arial" panose="020B0604020202020204" pitchFamily="34" charset="0"/>
-              <a:buChar char="•"/>
-            </a:pPr>
-            <a:r>
-              <a:rPr lang="it-IT" dirty="0">
-                <a:solidFill>
-                  <a:schemeClr val="tx1">
-                    <a:lumMod val="95000"/>
-                  </a:schemeClr>
-                </a:solidFill>
-              </a:rPr>
-              <a:t>Programmazione logica: il programma è visto come un problema descritto con un insieme di formule della logica le cui deduzioni sono la soluzione.</a:t>
-            </a:r>
-          </a:p>
-          <a:p>
-            <a:pPr marL="342900" indent="-342900">
-              <a:buFont typeface="Arial" panose="020B0604020202020204" pitchFamily="34" charset="0"/>
-              <a:buChar char="•"/>
-            </a:pPr>
-            <a:r>
-              <a:rPr lang="it-IT" dirty="0">
-                <a:solidFill>
-                  <a:schemeClr val="tx1">
-                    <a:lumMod val="95000"/>
-                  </a:schemeClr>
-                </a:solidFill>
-              </a:rPr>
-              <a:t>Programmazione orientata agli oggetti: è basata sulla creazione di entità software che dirigono le relazioni tra degli oggetti a loro volta utilizzati per rappresentare la realtà di riferimento</a:t>
-            </a:r>
-          </a:p>
-          <a:p>
-            <a:pPr marL="342900" indent="-342900">
-              <a:buFont typeface="Arial" panose="020B0604020202020204" pitchFamily="34" charset="0"/>
-              <a:buChar char="•"/>
-            </a:pPr>
-            <a:endParaRPr lang="it-IT" dirty="0"/>
-          </a:p>
-        </p:txBody>
-      </p:sp>
-    </p:spTree>
-    <p:extLst>
-      <p:ext uri="{BB962C8B-B14F-4D97-AF65-F5344CB8AC3E}">
-        <p14:creationId xmlns:p14="http://schemas.microsoft.com/office/powerpoint/2010/main" val="2476476871"/>
-      </p:ext>
-    </p:extLst>
-  </p:cSld>
-  <p:clrMapOvr>
-    <a:masterClrMapping/>
-  </p:clrMapOvr>
-</p:sld>
-</file>
-
 <file path=ppt/slides/slide75.xml><?xml version="1.0" encoding="utf-8"?>
 <p:sld xmlns:a="http://schemas.openxmlformats.org/drawingml/2006/main" xmlns:r="http://schemas.openxmlformats.org/officeDocument/2006/relationships" xmlns:p="http://schemas.openxmlformats.org/presentationml/2006/main">
   <p:cSld>
@@ -29231,25 +29474,20 @@
         </p:nvSpPr>
         <p:spPr>
           <a:xfrm>
-            <a:off x="1876423" y="711302"/>
-            <a:ext cx="10103055" cy="656103"/>
+            <a:off x="1876424" y="711302"/>
+            <a:ext cx="9515826" cy="656103"/>
           </a:xfrm>
         </p:spPr>
         <p:txBody>
           <a:bodyPr>
-            <a:normAutofit/>
+            <a:normAutofit fontScale="90000"/>
           </a:bodyPr>
           <a:lstStyle/>
           <a:p>
             <a:r>
-              <a:rPr lang="it-IT" sz="4100" dirty="0"/>
-              <a:t>Il paradigma di programmazione </a:t>
-            </a:r>
-            <a:r>
-              <a:rPr lang="it-IT" sz="4100" dirty="0" err="1"/>
-              <a:t>oop</a:t>
-            </a:r>
-            <a:endParaRPr lang="it-IT" sz="4100" dirty="0"/>
+              <a:rPr lang="it-IT" dirty="0"/>
+              <a:t>Paradigmi di programmazione</a:t>
+            </a:r>
           </a:p>
         </p:txBody>
       </p:sp>
@@ -29276,23 +29514,99 @@
           </a:xfrm>
         </p:spPr>
         <p:txBody>
-          <a:bodyPr/>
+          <a:bodyPr>
+            <a:normAutofit fontScale="85000" lnSpcReduction="20000"/>
+          </a:bodyPr>
           <a:lstStyle/>
           <a:p>
-            <a:endParaRPr lang="it-IT" dirty="0">
-              <a:solidFill>
-                <a:schemeClr val="tx1">
-                  <a:lumMod val="95000"/>
-                </a:schemeClr>
-              </a:solidFill>
-            </a:endParaRPr>
+            <a:r>
+              <a:rPr lang="it-IT" dirty="0">
+                <a:solidFill>
+                  <a:schemeClr val="tx1">
+                    <a:lumMod val="95000"/>
+                  </a:schemeClr>
+                </a:solidFill>
+              </a:rPr>
+              <a:t>Un paradigma di programmazione è un modello concettuale che fornisce la struttura di un programma, i principali paradigmi sono:</a:t>
+            </a:r>
+          </a:p>
+          <a:p>
+            <a:pPr marL="342900" indent="-342900">
+              <a:buFont typeface="Arial" panose="020B0604020202020204" pitchFamily="34" charset="0"/>
+              <a:buChar char="•"/>
+            </a:pPr>
+            <a:r>
+              <a:rPr lang="it-IT" dirty="0">
+                <a:solidFill>
+                  <a:schemeClr val="tx1">
+                    <a:lumMod val="95000"/>
+                  </a:schemeClr>
+                </a:solidFill>
+              </a:rPr>
+              <a:t>Programmazione imperativa o procedurale : i linguaggi di questa categoria vedono la computazione come una serie di azioni (programma composto tramite trasformazioni di stato basate sulle assegnazioni)</a:t>
+            </a:r>
+          </a:p>
+          <a:p>
+            <a:pPr marL="342900" indent="-342900">
+              <a:buFont typeface="Arial" panose="020B0604020202020204" pitchFamily="34" charset="0"/>
+              <a:buChar char="•"/>
+            </a:pPr>
+            <a:r>
+              <a:rPr lang="it-IT" dirty="0">
+                <a:solidFill>
+                  <a:schemeClr val="tx1">
+                    <a:lumMod val="95000"/>
+                  </a:schemeClr>
+                </a:solidFill>
+              </a:rPr>
+              <a:t>Programmazione funzionale: un programma viene visto come una funzione che attraverso la sua valutazione porta ad un risultato (orientato alla definizione di nuovi stati)</a:t>
+            </a:r>
+          </a:p>
+          <a:p>
+            <a:pPr marL="342900" indent="-342900">
+              <a:buFont typeface="Arial" panose="020B0604020202020204" pitchFamily="34" charset="0"/>
+              <a:buChar char="•"/>
+            </a:pPr>
+            <a:r>
+              <a:rPr lang="it-IT" dirty="0">
+                <a:solidFill>
+                  <a:schemeClr val="tx1">
+                    <a:lumMod val="95000"/>
+                  </a:schemeClr>
+                </a:solidFill>
+              </a:rPr>
+              <a:t>Programmazione logica: il programma è visto come un problema descritto con un insieme di formule della logica le cui deduzioni sono la soluzione.</a:t>
+            </a:r>
+          </a:p>
+          <a:p>
+            <a:pPr marL="342900" indent="-342900">
+              <a:buFont typeface="Arial" panose="020B0604020202020204" pitchFamily="34" charset="0"/>
+              <a:buChar char="•"/>
+            </a:pPr>
+            <a:r>
+              <a:rPr lang="it-IT" dirty="0">
+                <a:solidFill>
+                  <a:schemeClr val="tx1">
+                    <a:lumMod val="95000"/>
+                  </a:schemeClr>
+                </a:solidFill>
+              </a:rPr>
+              <a:t>Programmazione orientata agli oggetti: è basata sulla creazione di entità software che dirigono le relazioni tra degli oggetti a loro volta utilizzati per rappresentare la realtà di riferimento</a:t>
+            </a:r>
+          </a:p>
+          <a:p>
+            <a:pPr marL="342900" indent="-342900">
+              <a:buFont typeface="Arial" panose="020B0604020202020204" pitchFamily="34" charset="0"/>
+              <a:buChar char="•"/>
+            </a:pPr>
+            <a:endParaRPr lang="it-IT" dirty="0"/>
           </a:p>
         </p:txBody>
       </p:sp>
     </p:spTree>
     <p:extLst>
       <p:ext uri="{BB962C8B-B14F-4D97-AF65-F5344CB8AC3E}">
-        <p14:creationId xmlns:p14="http://schemas.microsoft.com/office/powerpoint/2010/main" val="3794904302"/>
+        <p14:creationId xmlns:p14="http://schemas.microsoft.com/office/powerpoint/2010/main" val="2476476871"/>
       </p:ext>
     </p:extLst>
   </p:cSld>
@@ -29343,14 +29657,19 @@
         </p:spPr>
         <p:txBody>
           <a:bodyPr>
-            <a:noAutofit/>
+            <a:normAutofit/>
           </a:bodyPr>
           <a:lstStyle/>
           <a:p>
             <a:r>
-              <a:rPr lang="it-IT" sz="4300" dirty="0"/>
-              <a:t>Introduzione al linguaggio java</a:t>
-            </a:r>
+              <a:rPr lang="it-IT" sz="4100" dirty="0"/>
+              <a:t>Il paradigma di programmazione </a:t>
+            </a:r>
+            <a:r>
+              <a:rPr lang="it-IT" sz="4100" dirty="0" err="1"/>
+              <a:t>oop</a:t>
+            </a:r>
+            <a:endParaRPr lang="it-IT" sz="4100" dirty="0"/>
           </a:p>
         </p:txBody>
       </p:sp>
@@ -29380,14 +29699,76 @@
           <a:bodyPr/>
           <a:lstStyle/>
           <a:p>
-            <a:endParaRPr lang="it-IT"/>
+            <a:r>
+              <a:rPr lang="it-IT" dirty="0">
+                <a:solidFill>
+                  <a:schemeClr val="tx1">
+                    <a:lumMod val="95000"/>
+                  </a:schemeClr>
+                </a:solidFill>
+              </a:rPr>
+              <a:t>Il paradigma di programmazione OOP (Object </a:t>
+            </a:r>
+            <a:r>
+              <a:rPr lang="it-IT" dirty="0" err="1">
+                <a:solidFill>
+                  <a:schemeClr val="tx1">
+                    <a:lumMod val="95000"/>
+                  </a:schemeClr>
+                </a:solidFill>
+              </a:rPr>
+              <a:t>oriented</a:t>
+            </a:r>
+            <a:r>
+              <a:rPr lang="it-IT" dirty="0">
+                <a:solidFill>
+                  <a:schemeClr val="tx1">
+                    <a:lumMod val="95000"/>
+                  </a:schemeClr>
+                </a:solidFill>
+              </a:rPr>
+              <a:t> programming) permette di definire entità chiamate oggetti in grado di comunicare tra loro.</a:t>
+            </a:r>
+          </a:p>
+          <a:p>
+            <a:r>
+              <a:rPr lang="it-IT" dirty="0">
+                <a:solidFill>
+                  <a:schemeClr val="tx1">
+                    <a:lumMod val="95000"/>
+                  </a:schemeClr>
+                </a:solidFill>
+              </a:rPr>
+              <a:t>È un paradigma orientato alla rappresentazione del mondo reale attraverso l’utilizzo di oggetti rappresentanti degli attori che scendono in campo.</a:t>
+            </a:r>
+          </a:p>
+          <a:p>
+            <a:r>
+              <a:rPr lang="it-IT" dirty="0">
+                <a:solidFill>
+                  <a:schemeClr val="tx1">
+                    <a:lumMod val="95000"/>
+                  </a:schemeClr>
+                </a:solidFill>
+              </a:rPr>
+              <a:t>È un paradigma che facilità la gestione delle componenti software attraverso la modularità delle componenti, motivo per il quale favorisce inoltre la riutilizzabilità del codice.</a:t>
+            </a:r>
+          </a:p>
+          <a:p>
+            <a:endParaRPr lang="it-IT" dirty="0">
+              <a:solidFill>
+                <a:schemeClr val="tx1">
+                  <a:lumMod val="95000"/>
+                </a:schemeClr>
+              </a:solidFill>
+            </a:endParaRPr>
           </a:p>
         </p:txBody>
       </p:sp>
     </p:spTree>
     <p:extLst>
       <p:ext uri="{BB962C8B-B14F-4D97-AF65-F5344CB8AC3E}">
-        <p14:creationId xmlns:p14="http://schemas.microsoft.com/office/powerpoint/2010/main" val="2636534564"/>
+        <p14:creationId xmlns:p14="http://schemas.microsoft.com/office/powerpoint/2010/main" val="3794904302"/>
       </p:ext>
     </p:extLst>
   </p:cSld>
@@ -29444,13 +29825,8 @@
           <a:p>
             <a:r>
               <a:rPr lang="it-IT" sz="4300" dirty="0"/>
-              <a:t>Il </a:t>
-            </a:r>
-            <a:r>
-              <a:rPr lang="it-IT" sz="4300" dirty="0" err="1"/>
-              <a:t>bytecode</a:t>
-            </a:r>
-            <a:endParaRPr lang="it-IT" sz="4300" dirty="0"/>
+              <a:t>Introduzione al linguaggio java</a:t>
+            </a:r>
           </a:p>
         </p:txBody>
       </p:sp>
@@ -29477,17 +29853,184 @@
           </a:xfrm>
         </p:spPr>
         <p:txBody>
-          <a:bodyPr/>
+          <a:bodyPr>
+            <a:normAutofit fontScale="92500" lnSpcReduction="10000"/>
+          </a:bodyPr>
           <a:lstStyle/>
           <a:p>
-            <a:endParaRPr lang="it-IT"/>
+            <a:r>
+              <a:rPr lang="it-IT" dirty="0">
+                <a:solidFill>
+                  <a:schemeClr val="tx1">
+                    <a:lumMod val="95000"/>
+                  </a:schemeClr>
+                </a:solidFill>
+              </a:rPr>
+              <a:t>il linguaggio java è un linguaggio fondato sul paradigma OOP, di alto livello e tipizzato in modo statico.</a:t>
+            </a:r>
+          </a:p>
+          <a:p>
+            <a:r>
+              <a:rPr lang="it-IT" dirty="0">
+                <a:solidFill>
+                  <a:schemeClr val="tx1">
+                    <a:lumMod val="95000"/>
+                  </a:schemeClr>
+                </a:solidFill>
+              </a:rPr>
+              <a:t>Tipizzazione: questa caratteristica del linguaggio è utilizzata per descrivere il modo in cui i dati utilizzati da un programma devono essere dichiarati in precedenza attraverso la definizione del loro tipo (INT, </a:t>
+            </a:r>
+            <a:r>
+              <a:rPr lang="it-IT" dirty="0" err="1">
+                <a:solidFill>
+                  <a:schemeClr val="tx1">
+                    <a:lumMod val="95000"/>
+                  </a:schemeClr>
+                </a:solidFill>
+              </a:rPr>
+              <a:t>FLOAt</a:t>
+            </a:r>
+            <a:r>
+              <a:rPr lang="it-IT" dirty="0">
+                <a:solidFill>
+                  <a:schemeClr val="tx1">
+                    <a:lumMod val="95000"/>
+                  </a:schemeClr>
+                </a:solidFill>
+              </a:rPr>
+              <a:t>, </a:t>
+            </a:r>
+            <a:r>
+              <a:rPr lang="it-IT" dirty="0" err="1">
+                <a:solidFill>
+                  <a:schemeClr val="tx1">
+                    <a:lumMod val="95000"/>
+                  </a:schemeClr>
+                </a:solidFill>
+              </a:rPr>
+              <a:t>string</a:t>
+            </a:r>
+            <a:r>
+              <a:rPr lang="it-IT" dirty="0">
+                <a:solidFill>
+                  <a:schemeClr val="tx1">
+                    <a:lumMod val="95000"/>
+                  </a:schemeClr>
+                </a:solidFill>
+              </a:rPr>
+              <a:t>, </a:t>
+            </a:r>
+            <a:r>
+              <a:rPr lang="it-IT" dirty="0" err="1">
+                <a:solidFill>
+                  <a:schemeClr val="tx1">
+                    <a:lumMod val="95000"/>
+                  </a:schemeClr>
+                </a:solidFill>
+              </a:rPr>
+              <a:t>char</a:t>
+            </a:r>
+            <a:r>
+              <a:rPr lang="it-IT" dirty="0">
+                <a:solidFill>
+                  <a:schemeClr val="tx1">
+                    <a:lumMod val="95000"/>
+                  </a:schemeClr>
+                </a:solidFill>
+              </a:rPr>
+              <a:t>, </a:t>
+            </a:r>
+            <a:r>
+              <a:rPr lang="it-IT" dirty="0" err="1">
+                <a:solidFill>
+                  <a:schemeClr val="tx1">
+                    <a:lumMod val="95000"/>
+                  </a:schemeClr>
+                </a:solidFill>
+              </a:rPr>
+              <a:t>boolean</a:t>
+            </a:r>
+            <a:r>
+              <a:rPr lang="it-IT" dirty="0">
+                <a:solidFill>
+                  <a:schemeClr val="tx1">
+                    <a:lumMod val="95000"/>
+                  </a:schemeClr>
+                </a:solidFill>
+              </a:rPr>
+              <a:t>, double)</a:t>
+            </a:r>
+          </a:p>
+          <a:p>
+            <a:r>
+              <a:rPr lang="it-IT" dirty="0">
+                <a:solidFill>
+                  <a:schemeClr val="tx1">
+                    <a:lumMod val="95000"/>
+                  </a:schemeClr>
+                </a:solidFill>
+              </a:rPr>
+              <a:t>Il linguaggio java è un linguaggio interpretato, per il scriviamo un programma una volta e possiamo eseguirlo poi su una qualsiasi macchina contenente la JVM.</a:t>
+            </a:r>
+          </a:p>
+          <a:p>
+            <a:r>
+              <a:rPr lang="it-IT" dirty="0">
+                <a:solidFill>
+                  <a:schemeClr val="tx1">
+                    <a:lumMod val="95000"/>
+                  </a:schemeClr>
+                </a:solidFill>
+              </a:rPr>
+              <a:t>Il linguaggio nasce intorno agli anni 90 da un gruppo di esperti capitanati da James </a:t>
+            </a:r>
+            <a:r>
+              <a:rPr lang="it-IT" dirty="0" err="1">
+                <a:solidFill>
+                  <a:schemeClr val="tx1">
+                    <a:lumMod val="95000"/>
+                  </a:schemeClr>
+                </a:solidFill>
+              </a:rPr>
+              <a:t>Goslin</a:t>
+            </a:r>
+            <a:r>
+              <a:rPr lang="it-IT" dirty="0">
+                <a:solidFill>
+                  <a:schemeClr val="tx1">
+                    <a:lumMod val="95000"/>
+                  </a:schemeClr>
+                </a:solidFill>
+              </a:rPr>
+              <a:t>  e prodotto dalla sun </a:t>
+            </a:r>
+            <a:r>
+              <a:rPr lang="it-IT" dirty="0" err="1">
+                <a:solidFill>
+                  <a:schemeClr val="tx1">
+                    <a:lumMod val="95000"/>
+                  </a:schemeClr>
+                </a:solidFill>
+              </a:rPr>
+              <a:t>microsystems</a:t>
+            </a:r>
+            <a:r>
+              <a:rPr lang="it-IT" dirty="0">
+                <a:solidFill>
+                  <a:schemeClr val="tx1">
+                    <a:lumMod val="95000"/>
+                  </a:schemeClr>
+                </a:solidFill>
+              </a:rPr>
+              <a:t>.</a:t>
+            </a:r>
           </a:p>
         </p:txBody>
       </p:sp>
     </p:spTree>
     <p:extLst>
       <p:ext uri="{BB962C8B-B14F-4D97-AF65-F5344CB8AC3E}">
-        <p14:creationId xmlns:p14="http://schemas.microsoft.com/office/powerpoint/2010/main" val="1192238034"/>
+        <p14:creationId xmlns:p14="http://schemas.microsoft.com/office/powerpoint/2010/main" val="2636534564"/>
       </p:ext>
     </p:extLst>
   </p:cSld>
@@ -29544,16 +30087,13 @@
           <a:p>
             <a:r>
               <a:rPr lang="it-IT" sz="4300" dirty="0"/>
-              <a:t>La java </a:t>
+              <a:t>Il </a:t>
             </a:r>
             <a:r>
               <a:rPr lang="it-IT" sz="4300" dirty="0" err="1"/>
-              <a:t>virtual</a:t>
-            </a:r>
-            <a:r>
-              <a:rPr lang="it-IT" sz="4300" dirty="0"/>
-              <a:t> machine</a:t>
-            </a:r>
+              <a:t>bytecode</a:t>
+            </a:r>
+            <a:endParaRPr lang="it-IT" sz="4300" dirty="0"/>
           </a:p>
         </p:txBody>
       </p:sp>
@@ -29576,21 +30116,183 @@
         <p:spPr>
           <a:xfrm>
             <a:off x="1876425" y="1555124"/>
-            <a:ext cx="9515826" cy="4115834"/>
+            <a:ext cx="5911468" cy="4115834"/>
           </a:xfrm>
         </p:spPr>
         <p:txBody>
-          <a:bodyPr/>
+          <a:bodyPr>
+            <a:normAutofit fontScale="85000" lnSpcReduction="20000"/>
+          </a:bodyPr>
           <a:lstStyle/>
           <a:p>
-            <a:endParaRPr lang="it-IT"/>
-          </a:p>
-        </p:txBody>
-      </p:sp>
+            <a:pPr algn="just"/>
+            <a:r>
+              <a:rPr lang="it-IT" dirty="0">
+                <a:solidFill>
+                  <a:schemeClr val="tx1">
+                    <a:lumMod val="95000"/>
+                  </a:schemeClr>
+                </a:solidFill>
+              </a:rPr>
+              <a:t>Essendo un linguaggio interpretato una volta prodotto un codice, durante la fase di interpretazione questo viene tradotto in un formato intermedio chiamato </a:t>
+            </a:r>
+            <a:r>
+              <a:rPr lang="it-IT" dirty="0" err="1">
+                <a:solidFill>
+                  <a:schemeClr val="accent5">
+                    <a:lumMod val="60000"/>
+                    <a:lumOff val="40000"/>
+                  </a:schemeClr>
+                </a:solidFill>
+              </a:rPr>
+              <a:t>bytecode</a:t>
+            </a:r>
+            <a:r>
+              <a:rPr lang="it-IT" dirty="0">
+                <a:solidFill>
+                  <a:schemeClr val="tx1">
+                    <a:lumMod val="95000"/>
+                  </a:schemeClr>
+                </a:solidFill>
+              </a:rPr>
+              <a:t>.</a:t>
+            </a:r>
+          </a:p>
+          <a:p>
+            <a:pPr algn="just"/>
+            <a:r>
+              <a:rPr lang="it-IT" dirty="0">
+                <a:solidFill>
+                  <a:schemeClr val="tx1">
+                    <a:lumMod val="95000"/>
+                  </a:schemeClr>
+                </a:solidFill>
+              </a:rPr>
+              <a:t>A sua volta questo </a:t>
+            </a:r>
+            <a:r>
+              <a:rPr lang="it-IT" dirty="0" err="1">
+                <a:solidFill>
+                  <a:schemeClr val="tx1">
+                    <a:lumMod val="95000"/>
+                  </a:schemeClr>
+                </a:solidFill>
+              </a:rPr>
+              <a:t>bytecode</a:t>
+            </a:r>
+            <a:r>
+              <a:rPr lang="it-IT" dirty="0">
+                <a:solidFill>
+                  <a:schemeClr val="tx1">
+                    <a:lumMod val="95000"/>
+                  </a:schemeClr>
+                </a:solidFill>
+              </a:rPr>
+              <a:t> viene poi eseguito dalla JVM.</a:t>
+            </a:r>
+          </a:p>
+          <a:p>
+            <a:pPr algn="just"/>
+            <a:r>
+              <a:rPr lang="it-IT" dirty="0">
+                <a:solidFill>
+                  <a:schemeClr val="tx1">
+                    <a:lumMod val="95000"/>
+                  </a:schemeClr>
+                </a:solidFill>
+              </a:rPr>
+              <a:t>Abbiamo visto in precedenza che ogni programma quando viene compilato assembla un codice eseguibile dalla </a:t>
+            </a:r>
+            <a:r>
+              <a:rPr lang="it-IT" dirty="0" err="1">
+                <a:solidFill>
+                  <a:schemeClr val="tx1">
+                    <a:lumMod val="95000"/>
+                  </a:schemeClr>
+                </a:solidFill>
+              </a:rPr>
+              <a:t>cpu</a:t>
+            </a:r>
+            <a:r>
+              <a:rPr lang="it-IT" dirty="0">
+                <a:solidFill>
+                  <a:schemeClr val="tx1">
+                    <a:lumMod val="95000"/>
+                  </a:schemeClr>
+                </a:solidFill>
+              </a:rPr>
+              <a:t> della macchina su cui deve essere eseguito. </a:t>
+            </a:r>
+          </a:p>
+          <a:p>
+            <a:pPr algn="just"/>
+            <a:r>
+              <a:rPr lang="it-IT" dirty="0">
+                <a:solidFill>
+                  <a:schemeClr val="tx1">
+                    <a:lumMod val="95000"/>
+                  </a:schemeClr>
+                </a:solidFill>
+              </a:rPr>
+              <a:t>Nel caso specifico di java è stata creata una «macchina virtuale» che si occuperà di eseguire il </a:t>
+            </a:r>
+            <a:r>
+              <a:rPr lang="it-IT" dirty="0" err="1">
+                <a:solidFill>
+                  <a:schemeClr val="tx1">
+                    <a:lumMod val="95000"/>
+                  </a:schemeClr>
+                </a:solidFill>
+              </a:rPr>
+              <a:t>bytecode</a:t>
+            </a:r>
+            <a:r>
+              <a:rPr lang="it-IT" dirty="0">
+                <a:solidFill>
+                  <a:schemeClr val="tx1">
+                    <a:lumMod val="95000"/>
+                  </a:schemeClr>
+                </a:solidFill>
+              </a:rPr>
+              <a:t>, perciò diciamo che questo è una rappresentazione del programma attraverso il set di istruzioni fornito dalla JVM.</a:t>
+            </a:r>
+          </a:p>
+        </p:txBody>
+      </p:sp>
+      <p:pic>
+        <p:nvPicPr>
+          <p:cNvPr id="5" name="Immagine 4">
+            <a:extLst>
+              <a:ext uri="{FF2B5EF4-FFF2-40B4-BE49-F238E27FC236}">
+                <a16:creationId xmlns:a16="http://schemas.microsoft.com/office/drawing/2014/main" id="{16507953-8783-4D19-B8DF-71138363A569}"/>
+              </a:ext>
+            </a:extLst>
+          </p:cNvPr>
+          <p:cNvPicPr>
+            <a:picLocks noChangeAspect="1"/>
+          </p:cNvPicPr>
+          <p:nvPr/>
+        </p:nvPicPr>
+        <p:blipFill>
+          <a:blip r:embed="rId2"/>
+          <a:stretch>
+            <a:fillRect/>
+          </a:stretch>
+        </p:blipFill>
+        <p:spPr>
+          <a:xfrm>
+            <a:off x="7787893" y="2176287"/>
+            <a:ext cx="4191585" cy="2505425"/>
+          </a:xfrm>
+          <a:prstGeom prst="rect">
+            <a:avLst/>
+          </a:prstGeom>
+        </p:spPr>
+      </p:pic>
     </p:spTree>
     <p:extLst>
       <p:ext uri="{BB962C8B-B14F-4D97-AF65-F5344CB8AC3E}">
-        <p14:creationId xmlns:p14="http://schemas.microsoft.com/office/powerpoint/2010/main" val="1951059497"/>
+        <p14:creationId xmlns:p14="http://schemas.microsoft.com/office/powerpoint/2010/main" val="1192238034"/>
       </p:ext>
     </p:extLst>
   </p:cSld>
@@ -29635,19 +30337,27 @@
         </p:nvSpPr>
         <p:spPr>
           <a:xfrm>
-            <a:off x="1876424" y="1256587"/>
-            <a:ext cx="9515826" cy="656103"/>
+            <a:off x="1876423" y="711302"/>
+            <a:ext cx="10103055" cy="656103"/>
           </a:xfrm>
         </p:spPr>
         <p:txBody>
           <a:bodyPr>
-            <a:normAutofit fontScale="90000"/>
+            <a:noAutofit/>
           </a:bodyPr>
           <a:lstStyle/>
           <a:p>
             <a:r>
-              <a:rPr lang="it-IT" dirty="0"/>
-              <a:t>Evoluzione, versioni e struttura della programmazione java</a:t>
+              <a:rPr lang="it-IT" sz="4300" dirty="0"/>
+              <a:t>La java </a:t>
+            </a:r>
+            <a:r>
+              <a:rPr lang="it-IT" sz="4300" dirty="0" err="1"/>
+              <a:t>virtual</a:t>
+            </a:r>
+            <a:r>
+              <a:rPr lang="it-IT" sz="4300" dirty="0"/>
+              <a:t> machine</a:t>
             </a:r>
           </a:p>
         </p:txBody>
@@ -29670,22 +30380,239 @@
         </p:nvSpPr>
         <p:spPr>
           <a:xfrm>
-            <a:off x="1876425" y="2100409"/>
-            <a:ext cx="9515826" cy="4115834"/>
+            <a:off x="1951926" y="1555124"/>
+            <a:ext cx="4781550" cy="4115834"/>
           </a:xfrm>
         </p:spPr>
         <p:txBody>
           <a:bodyPr/>
           <a:lstStyle/>
           <a:p>
-            <a:endParaRPr lang="it-IT"/>
-          </a:p>
-        </p:txBody>
-      </p:sp>
+            <a:pPr algn="just"/>
+            <a:r>
+              <a:rPr lang="it-IT" dirty="0">
+                <a:solidFill>
+                  <a:schemeClr val="tx1">
+                    <a:lumMod val="95000"/>
+                  </a:schemeClr>
+                </a:solidFill>
+              </a:rPr>
+              <a:t>La JVM è una machina virtuale che può essere installata su qualsiasi macchina. Nel concreto ciò significa che non è più la </a:t>
+            </a:r>
+            <a:r>
+              <a:rPr lang="it-IT" dirty="0" err="1">
+                <a:solidFill>
+                  <a:schemeClr val="tx1">
+                    <a:lumMod val="95000"/>
+                  </a:schemeClr>
+                </a:solidFill>
+              </a:rPr>
+              <a:t>cpu</a:t>
+            </a:r>
+            <a:r>
+              <a:rPr lang="it-IT" dirty="0">
+                <a:solidFill>
+                  <a:schemeClr val="tx1">
+                    <a:lumMod val="95000"/>
+                  </a:schemeClr>
+                </a:solidFill>
+              </a:rPr>
+              <a:t> della macchina fisica a compiere l’esecuzione del </a:t>
+            </a:r>
+            <a:r>
+              <a:rPr lang="it-IT" dirty="0" err="1">
+                <a:solidFill>
+                  <a:schemeClr val="tx1">
+                    <a:lumMod val="95000"/>
+                  </a:schemeClr>
+                </a:solidFill>
+              </a:rPr>
+              <a:t>bytecode</a:t>
+            </a:r>
+            <a:r>
+              <a:rPr lang="it-IT" dirty="0">
+                <a:solidFill>
+                  <a:schemeClr val="tx1">
+                    <a:lumMod val="95000"/>
+                  </a:schemeClr>
+                </a:solidFill>
+              </a:rPr>
+              <a:t> ma bensì la macchina virtuale java.</a:t>
+            </a:r>
+          </a:p>
+          <a:p>
+            <a:pPr algn="just"/>
+            <a:r>
+              <a:rPr lang="it-IT" dirty="0">
+                <a:solidFill>
+                  <a:schemeClr val="tx1">
+                    <a:lumMod val="95000"/>
+                  </a:schemeClr>
+                </a:solidFill>
+              </a:rPr>
+              <a:t>La </a:t>
+            </a:r>
+            <a:r>
+              <a:rPr lang="it-IT" dirty="0" err="1">
+                <a:solidFill>
+                  <a:schemeClr val="tx1">
+                    <a:lumMod val="95000"/>
+                  </a:schemeClr>
+                </a:solidFill>
+              </a:rPr>
+              <a:t>jvm</a:t>
+            </a:r>
+            <a:r>
+              <a:rPr lang="it-IT" dirty="0">
+                <a:solidFill>
+                  <a:schemeClr val="tx1">
+                    <a:lumMod val="95000"/>
+                  </a:schemeClr>
+                </a:solidFill>
+              </a:rPr>
+              <a:t> è quindi un «</a:t>
+            </a:r>
+            <a:r>
+              <a:rPr lang="it-IT" dirty="0" err="1">
+                <a:solidFill>
+                  <a:schemeClr val="tx1">
+                    <a:lumMod val="95000"/>
+                  </a:schemeClr>
+                </a:solidFill>
+              </a:rPr>
+              <a:t>layer</a:t>
+            </a:r>
+            <a:r>
+              <a:rPr lang="it-IT" dirty="0">
+                <a:solidFill>
+                  <a:schemeClr val="tx1">
+                    <a:lumMod val="95000"/>
+                  </a:schemeClr>
+                </a:solidFill>
+              </a:rPr>
+              <a:t>» posto su una macchina che permette di delegare l’esecuzione del </a:t>
+            </a:r>
+            <a:r>
+              <a:rPr lang="it-IT" dirty="0" err="1">
+                <a:solidFill>
+                  <a:schemeClr val="tx1">
+                    <a:lumMod val="95000"/>
+                  </a:schemeClr>
+                </a:solidFill>
+              </a:rPr>
+              <a:t>bytecode</a:t>
+            </a:r>
+            <a:r>
+              <a:rPr lang="it-IT" dirty="0">
+                <a:solidFill>
+                  <a:schemeClr val="tx1">
+                    <a:lumMod val="95000"/>
+                  </a:schemeClr>
+                </a:solidFill>
+              </a:rPr>
+              <a:t>.</a:t>
+            </a:r>
+          </a:p>
+        </p:txBody>
+      </p:sp>
+      <p:pic>
+        <p:nvPicPr>
+          <p:cNvPr id="1026" name="Picture 2">
+            <a:extLst>
+              <a:ext uri="{FF2B5EF4-FFF2-40B4-BE49-F238E27FC236}">
+                <a16:creationId xmlns:a16="http://schemas.microsoft.com/office/drawing/2014/main" id="{9B602287-5A93-4875-81D6-BF1600C001BE}"/>
+              </a:ext>
+            </a:extLst>
+          </p:cNvPr>
+          <p:cNvPicPr>
+            <a:picLocks noChangeAspect="1" noChangeArrowheads="1"/>
+          </p:cNvPicPr>
+          <p:nvPr/>
+        </p:nvPicPr>
+        <p:blipFill>
+          <a:blip r:embed="rId2">
+            <a:extLst>
+              <a:ext uri="{28A0092B-C50C-407E-A947-70E740481C1C}">
+                <a14:useLocalDpi xmlns:a14="http://schemas.microsoft.com/office/drawing/2010/main" val="0"/>
+              </a:ext>
+            </a:extLst>
+          </a:blip>
+          <a:srcRect/>
+          <a:stretch>
+            <a:fillRect/>
+          </a:stretch>
+        </p:blipFill>
+        <p:spPr bwMode="auto">
+          <a:xfrm>
+            <a:off x="8042334" y="1367405"/>
+            <a:ext cx="3014356" cy="2173699"/>
+          </a:xfrm>
+          <a:prstGeom prst="rect">
+            <a:avLst/>
+          </a:prstGeom>
+          <a:noFill/>
+          <a:extLst>
+            <a:ext uri="{909E8E84-426E-40DD-AFC4-6F175D3DCCD1}">
+              <a14:hiddenFill xmlns:a14="http://schemas.microsoft.com/office/drawing/2010/main">
+                <a:solidFill>
+                  <a:srgbClr val="FFFFFF"/>
+                </a:solidFill>
+              </a14:hiddenFill>
+            </a:ext>
+          </a:extLst>
+        </p:spPr>
+      </p:pic>
+      <p:pic>
+        <p:nvPicPr>
+          <p:cNvPr id="1028" name="Picture 4" descr="Java virtual machine - Wikipedia">
+            <a:extLst>
+              <a:ext uri="{FF2B5EF4-FFF2-40B4-BE49-F238E27FC236}">
+                <a16:creationId xmlns:a16="http://schemas.microsoft.com/office/drawing/2014/main" id="{EC0BC367-0475-4881-BB5E-DC5F089E3875}"/>
+              </a:ext>
+            </a:extLst>
+          </p:cNvPr>
+          <p:cNvPicPr>
+            <a:picLocks noChangeAspect="1" noChangeArrowheads="1"/>
+          </p:cNvPicPr>
+          <p:nvPr/>
+        </p:nvPicPr>
+        <p:blipFill>
+          <a:blip r:embed="rId3">
+            <a:extLst>
+              <a:ext uri="{28A0092B-C50C-407E-A947-70E740481C1C}">
+                <a14:useLocalDpi xmlns:a14="http://schemas.microsoft.com/office/drawing/2010/main" val="0"/>
+              </a:ext>
+            </a:extLst>
+          </a:blip>
+          <a:srcRect/>
+          <a:stretch>
+            <a:fillRect/>
+          </a:stretch>
+        </p:blipFill>
+        <p:spPr bwMode="auto">
+          <a:xfrm>
+            <a:off x="7069123" y="3695264"/>
+            <a:ext cx="4608352" cy="2792213"/>
+          </a:xfrm>
+          <a:prstGeom prst="rect">
+            <a:avLst/>
+          </a:prstGeom>
+          <a:noFill/>
+          <a:extLst>
+            <a:ext uri="{909E8E84-426E-40DD-AFC4-6F175D3DCCD1}">
+              <a14:hiddenFill xmlns:a14="http://schemas.microsoft.com/office/drawing/2010/main">
+                <a:solidFill>
+                  <a:srgbClr val="FFFFFF"/>
+                </a:solidFill>
+              </a14:hiddenFill>
+            </a:ext>
+          </a:extLst>
+        </p:spPr>
+      </p:pic>
     </p:spTree>
     <p:extLst>
       <p:ext uri="{BB962C8B-B14F-4D97-AF65-F5344CB8AC3E}">
-        <p14:creationId xmlns:p14="http://schemas.microsoft.com/office/powerpoint/2010/main" val="521195308"/>
+        <p14:creationId xmlns:p14="http://schemas.microsoft.com/office/powerpoint/2010/main" val="1951059497"/>
       </p:ext>
     </p:extLst>
   </p:cSld>
@@ -30072,19 +30999,19 @@
         </p:nvSpPr>
         <p:spPr>
           <a:xfrm>
-            <a:off x="1876423" y="711302"/>
-            <a:ext cx="10103055" cy="656103"/>
+            <a:off x="1876424" y="1256587"/>
+            <a:ext cx="9515826" cy="656103"/>
           </a:xfrm>
         </p:spPr>
         <p:txBody>
           <a:bodyPr>
-            <a:noAutofit/>
+            <a:normAutofit fontScale="90000"/>
           </a:bodyPr>
           <a:lstStyle/>
           <a:p>
             <a:r>
-              <a:rPr lang="it-IT" sz="4300" dirty="0"/>
-              <a:t>Architettura di java</a:t>
+              <a:rPr lang="it-IT" dirty="0"/>
+              <a:t>Evoluzione, versioni e struttura della programmazione java</a:t>
             </a:r>
           </a:p>
         </p:txBody>
@@ -30107,22 +31034,89 @@
         </p:nvSpPr>
         <p:spPr>
           <a:xfrm>
-            <a:off x="1876425" y="1555124"/>
+            <a:off x="1876425" y="2100409"/>
             <a:ext cx="9515826" cy="4115834"/>
           </a:xfrm>
         </p:spPr>
         <p:txBody>
-          <a:bodyPr/>
+          <a:bodyPr>
+            <a:normAutofit fontScale="85000" lnSpcReduction="10000"/>
+          </a:bodyPr>
           <a:lstStyle/>
           <a:p>
-            <a:endParaRPr lang="it-IT"/>
+            <a:r>
+              <a:rPr lang="it-IT" dirty="0">
+                <a:solidFill>
+                  <a:schemeClr val="tx1">
+                    <a:lumMod val="95000"/>
+                  </a:schemeClr>
+                </a:solidFill>
+              </a:rPr>
+              <a:t>La programmazione in java è basata sul concetto di «importazione delle librerie», all’interno quindi di un programma java potremo importare una o più librerie che ci consentano di utilizzare funzioni/metodi già codificati e caricati in una raccolta ovvero la libreria.</a:t>
+            </a:r>
+          </a:p>
+          <a:p>
+            <a:r>
+              <a:rPr lang="it-IT" dirty="0">
+                <a:solidFill>
+                  <a:schemeClr val="tx1">
+                    <a:lumMod val="95000"/>
+                  </a:schemeClr>
+                </a:solidFill>
+              </a:rPr>
+              <a:t>Le librerie per poter utilizzare java vengono descritte attraverso un pacchetto software chiamato JDK (Java </a:t>
+            </a:r>
+            <a:r>
+              <a:rPr lang="it-IT" dirty="0" err="1">
+                <a:solidFill>
+                  <a:schemeClr val="tx1">
+                    <a:lumMod val="95000"/>
+                  </a:schemeClr>
+                </a:solidFill>
+              </a:rPr>
+              <a:t>development</a:t>
+            </a:r>
+            <a:r>
+              <a:rPr lang="it-IT" dirty="0">
+                <a:solidFill>
+                  <a:schemeClr val="tx1">
+                    <a:lumMod val="95000"/>
+                  </a:schemeClr>
+                </a:solidFill>
+              </a:rPr>
+              <a:t> kit), questo definisce anche la versione correntemente installata di java.</a:t>
+            </a:r>
+          </a:p>
+          <a:p>
+            <a:r>
+              <a:rPr lang="it-IT" dirty="0">
+                <a:solidFill>
+                  <a:schemeClr val="tx1">
+                    <a:lumMod val="95000"/>
+                  </a:schemeClr>
+                </a:solidFill>
+              </a:rPr>
+              <a:t>Le versioni java in tempi odierni sono identificate come Java SE (numero versione), ma cosa cambia da una versione ad un’altra?</a:t>
+            </a:r>
+          </a:p>
+          <a:p>
+            <a:r>
+              <a:rPr lang="it-IT" dirty="0">
+                <a:solidFill>
+                  <a:schemeClr val="tx1">
+                    <a:lumMod val="95000"/>
+                  </a:schemeClr>
+                </a:solidFill>
+              </a:rPr>
+              <a:t>Inizialmente il pacchetto di sviluppo java conteneva una ridotta quantità di funzioni importabili e di sistemi operativi supportati, con l’evoluzione del linguaggio si è cercato di coprire la maggior parte dei sistemi operativi e di rifornire le librerie integrate.</a:t>
+            </a:r>
           </a:p>
         </p:txBody>
       </p:sp>
     </p:spTree>
     <p:extLst>
       <p:ext uri="{BB962C8B-B14F-4D97-AF65-F5344CB8AC3E}">
-        <p14:creationId xmlns:p14="http://schemas.microsoft.com/office/powerpoint/2010/main" val="3447640937"/>
+        <p14:creationId xmlns:p14="http://schemas.microsoft.com/office/powerpoint/2010/main" val="521195308"/>
       </p:ext>
     </p:extLst>
   </p:cSld>
@@ -30178,10 +31172,9 @@
           <a:lstStyle/>
           <a:p>
             <a:r>
-              <a:rPr lang="it-IT" sz="4300" dirty="0" err="1"/>
-              <a:t>jre</a:t>
-            </a:r>
-            <a:endParaRPr lang="it-IT" sz="4300" dirty="0"/>
+              <a:rPr lang="it-IT" sz="4300" dirty="0"/>
+              <a:t>Architettura di java</a:t>
+            </a:r>
           </a:p>
         </p:txBody>
       </p:sp>
@@ -30204,21 +31197,137 @@
         <p:spPr>
           <a:xfrm>
             <a:off x="1876425" y="1555124"/>
-            <a:ext cx="9515826" cy="4115834"/>
+            <a:ext cx="5312940" cy="4115834"/>
           </a:xfrm>
         </p:spPr>
         <p:txBody>
-          <a:bodyPr/>
+          <a:bodyPr>
+            <a:normAutofit fontScale="85000" lnSpcReduction="10000"/>
+          </a:bodyPr>
           <a:lstStyle/>
           <a:p>
-            <a:endParaRPr lang="it-IT"/>
-          </a:p>
-        </p:txBody>
-      </p:sp>
+            <a:r>
+              <a:rPr lang="it-IT" dirty="0">
+                <a:solidFill>
+                  <a:schemeClr val="tx1">
+                    <a:lumMod val="95000"/>
+                  </a:schemeClr>
+                </a:solidFill>
+              </a:rPr>
+              <a:t>Java non è semplicemente un linguaggio di programmazione, java è inteso anche come una specifica architettura software che garantisce l’indipendenza dal sistema che inoltre fornisce dei costrutti già sviluppati per consentirne un «pronto utilizzo».</a:t>
+            </a:r>
+          </a:p>
+          <a:p>
+            <a:r>
+              <a:rPr lang="it-IT" dirty="0">
+                <a:solidFill>
+                  <a:schemeClr val="tx1">
+                    <a:lumMod val="95000"/>
+                  </a:schemeClr>
+                </a:solidFill>
+              </a:rPr>
+              <a:t>Nell’immagine vediamo un esempio di gerarchia degli oggetti in java.</a:t>
+            </a:r>
+          </a:p>
+          <a:p>
+            <a:r>
+              <a:rPr lang="it-IT" dirty="0">
+                <a:solidFill>
+                  <a:schemeClr val="tx1">
+                    <a:lumMod val="95000"/>
+                  </a:schemeClr>
+                </a:solidFill>
+              </a:rPr>
+              <a:t>Questo permette di generare codice generico personalizzabile in base alle necessità di sviluppo.</a:t>
+            </a:r>
+          </a:p>
+          <a:p>
+            <a:r>
+              <a:rPr lang="it-IT" dirty="0">
+                <a:solidFill>
+                  <a:schemeClr val="tx1">
+                    <a:lumMod val="95000"/>
+                  </a:schemeClr>
+                </a:solidFill>
+              </a:rPr>
+              <a:t>Questo avviene in concreto anche per le librerie standard importate con il JDK.</a:t>
+            </a:r>
+          </a:p>
+          <a:p>
+            <a:endParaRPr lang="it-IT" dirty="0">
+              <a:solidFill>
+                <a:schemeClr val="tx1">
+                  <a:lumMod val="95000"/>
+                </a:schemeClr>
+              </a:solidFill>
+            </a:endParaRPr>
+          </a:p>
+        </p:txBody>
+      </p:sp>
+      <p:pic>
+        <p:nvPicPr>
+          <p:cNvPr id="5" name="Immagine 4">
+            <a:extLst>
+              <a:ext uri="{FF2B5EF4-FFF2-40B4-BE49-F238E27FC236}">
+                <a16:creationId xmlns:a16="http://schemas.microsoft.com/office/drawing/2014/main" id="{76F18496-102F-4E15-9558-285779487A17}"/>
+              </a:ext>
+            </a:extLst>
+          </p:cNvPr>
+          <p:cNvPicPr>
+            <a:picLocks noChangeAspect="1"/>
+          </p:cNvPicPr>
+          <p:nvPr/>
+        </p:nvPicPr>
+        <p:blipFill>
+          <a:blip r:embed="rId2"/>
+          <a:stretch>
+            <a:fillRect/>
+          </a:stretch>
+        </p:blipFill>
+        <p:spPr>
+          <a:xfrm>
+            <a:off x="7915377" y="1555124"/>
+            <a:ext cx="3359426" cy="2467679"/>
+          </a:xfrm>
+          <a:prstGeom prst="rect">
+            <a:avLst/>
+          </a:prstGeom>
+        </p:spPr>
+      </p:pic>
+      <p:pic>
+        <p:nvPicPr>
+          <p:cNvPr id="7" name="Immagine 6">
+            <a:extLst>
+              <a:ext uri="{FF2B5EF4-FFF2-40B4-BE49-F238E27FC236}">
+                <a16:creationId xmlns:a16="http://schemas.microsoft.com/office/drawing/2014/main" id="{B9AAF70B-9914-4A49-9DB8-F00C624F4E43}"/>
+              </a:ext>
+            </a:extLst>
+          </p:cNvPr>
+          <p:cNvPicPr>
+            <a:picLocks noChangeAspect="1"/>
+          </p:cNvPicPr>
+          <p:nvPr/>
+        </p:nvPicPr>
+        <p:blipFill>
+          <a:blip r:embed="rId3"/>
+          <a:stretch>
+            <a:fillRect/>
+          </a:stretch>
+        </p:blipFill>
+        <p:spPr>
+          <a:xfrm>
+            <a:off x="7915377" y="4359329"/>
+            <a:ext cx="3359426" cy="1152220"/>
+          </a:xfrm>
+          <a:prstGeom prst="rect">
+            <a:avLst/>
+          </a:prstGeom>
+        </p:spPr>
+      </p:pic>
     </p:spTree>
     <p:extLst>
       <p:ext uri="{BB962C8B-B14F-4D97-AF65-F5344CB8AC3E}">
-        <p14:creationId xmlns:p14="http://schemas.microsoft.com/office/powerpoint/2010/main" val="2820344683"/>
+        <p14:creationId xmlns:p14="http://schemas.microsoft.com/office/powerpoint/2010/main" val="3447640937"/>
       </p:ext>
     </p:extLst>
   </p:cSld>
@@ -30275,7 +31384,7 @@
           <a:p>
             <a:r>
               <a:rPr lang="it-IT" sz="4300" dirty="0" err="1"/>
-              <a:t>jdk</a:t>
+              <a:t>jre</a:t>
             </a:r>
             <a:endParaRPr lang="it-IT" sz="4300" dirty="0"/>
           </a:p>
@@ -30307,14 +31416,134 @@
           <a:bodyPr/>
           <a:lstStyle/>
           <a:p>
-            <a:endParaRPr lang="it-IT"/>
+            <a:r>
+              <a:rPr lang="it-IT" dirty="0">
+                <a:solidFill>
+                  <a:schemeClr val="tx1">
+                    <a:lumMod val="95000"/>
+                  </a:schemeClr>
+                </a:solidFill>
+              </a:rPr>
+              <a:t>Quando parliamo di JRE intendiamo il complesso dell’ambiente di esecuzione di programmi scritti in java.</a:t>
+            </a:r>
+          </a:p>
+          <a:p>
+            <a:r>
+              <a:rPr lang="it-IT" dirty="0">
+                <a:solidFill>
+                  <a:schemeClr val="tx1">
+                    <a:lumMod val="95000"/>
+                  </a:schemeClr>
+                </a:solidFill>
+              </a:rPr>
+              <a:t>Il Java </a:t>
+            </a:r>
+            <a:r>
+              <a:rPr lang="it-IT" dirty="0" err="1">
+                <a:solidFill>
+                  <a:schemeClr val="tx1">
+                    <a:lumMod val="95000"/>
+                  </a:schemeClr>
+                </a:solidFill>
+              </a:rPr>
+              <a:t>runtime</a:t>
+            </a:r>
+            <a:r>
+              <a:rPr lang="it-IT" dirty="0">
+                <a:solidFill>
+                  <a:schemeClr val="tx1">
+                    <a:lumMod val="95000"/>
+                  </a:schemeClr>
+                </a:solidFill>
+              </a:rPr>
+              <a:t> </a:t>
+            </a:r>
+            <a:r>
+              <a:rPr lang="it-IT" dirty="0" err="1">
+                <a:solidFill>
+                  <a:schemeClr val="tx1">
+                    <a:lumMod val="95000"/>
+                  </a:schemeClr>
+                </a:solidFill>
+              </a:rPr>
+              <a:t>environement</a:t>
+            </a:r>
+            <a:r>
+              <a:rPr lang="it-IT" dirty="0">
+                <a:solidFill>
+                  <a:schemeClr val="tx1">
+                    <a:lumMod val="95000"/>
+                  </a:schemeClr>
+                </a:solidFill>
+              </a:rPr>
+              <a:t> contiene quindi: la JVM, le librerie standard ed un </a:t>
+            </a:r>
+            <a:r>
+              <a:rPr lang="it-IT" dirty="0" err="1">
+                <a:solidFill>
+                  <a:schemeClr val="tx1">
+                    <a:lumMod val="95000"/>
+                  </a:schemeClr>
+                </a:solidFill>
+              </a:rPr>
+              <a:t>launcher</a:t>
+            </a:r>
+            <a:r>
+              <a:rPr lang="it-IT" dirty="0">
+                <a:solidFill>
+                  <a:schemeClr val="tx1">
+                    <a:lumMod val="95000"/>
+                  </a:schemeClr>
+                </a:solidFill>
+              </a:rPr>
+              <a:t> java utilizzato per eseguire applicazione java Già compilate.</a:t>
+            </a:r>
+          </a:p>
+          <a:p>
+            <a:r>
+              <a:rPr lang="it-IT" dirty="0">
+                <a:solidFill>
+                  <a:schemeClr val="tx1">
+                    <a:lumMod val="95000"/>
+                  </a:schemeClr>
+                </a:solidFill>
+              </a:rPr>
+              <a:t>Sito per download JRE: </a:t>
+            </a:r>
+            <a:r>
+              <a:rPr lang="it-IT" dirty="0">
+                <a:solidFill>
+                  <a:schemeClr val="tx1">
+                    <a:lumMod val="95000"/>
+                  </a:schemeClr>
+                </a:solidFill>
+                <a:hlinkClick r:id="rId2"/>
+              </a:rPr>
+              <a:t>https://www.java.com/it/download/manual.jsp</a:t>
+            </a:r>
+            <a:endParaRPr lang="it-IT" dirty="0">
+              <a:solidFill>
+                <a:schemeClr val="tx1">
+                  <a:lumMod val="95000"/>
+                </a:schemeClr>
+              </a:solidFill>
+            </a:endParaRPr>
+          </a:p>
+          <a:p>
+            <a:endParaRPr lang="it-IT" dirty="0">
+              <a:solidFill>
+                <a:schemeClr val="tx1">
+                  <a:lumMod val="95000"/>
+                </a:schemeClr>
+              </a:solidFill>
+            </a:endParaRPr>
           </a:p>
         </p:txBody>
       </p:sp>
     </p:spTree>
     <p:extLst>
       <p:ext uri="{BB962C8B-B14F-4D97-AF65-F5344CB8AC3E}">
-        <p14:creationId xmlns:p14="http://schemas.microsoft.com/office/powerpoint/2010/main" val="1284058427"/>
+        <p14:creationId xmlns:p14="http://schemas.microsoft.com/office/powerpoint/2010/main" val="2820344683"/>
       </p:ext>
     </p:extLst>
   </p:cSld>
@@ -30370,12 +31599,8 @@
           <a:lstStyle/>
           <a:p>
             <a:r>
-              <a:rPr lang="it-IT" sz="4300" dirty="0"/>
-              <a:t>Java </a:t>
-            </a:r>
-            <a:r>
               <a:rPr lang="it-IT" sz="4300" dirty="0" err="1"/>
-              <a:t>edition</a:t>
+              <a:t>jdk</a:t>
             </a:r>
             <a:endParaRPr lang="it-IT" sz="4300" dirty="0"/>
           </a:p>
@@ -30404,17 +31629,200 @@
           </a:xfrm>
         </p:spPr>
         <p:txBody>
-          <a:bodyPr/>
+          <a:bodyPr>
+            <a:normAutofit fontScale="92500" lnSpcReduction="20000"/>
+          </a:bodyPr>
           <a:lstStyle/>
           <a:p>
-            <a:endParaRPr lang="it-IT"/>
+            <a:r>
+              <a:rPr lang="it-IT" dirty="0">
+                <a:solidFill>
+                  <a:schemeClr val="tx1">
+                    <a:lumMod val="95000"/>
+                  </a:schemeClr>
+                </a:solidFill>
+              </a:rPr>
+              <a:t>Il JDK Invece è una raccolta di tutti gli strumenti necessari per poter sviluppare programmi scritti in linguaggio Java.</a:t>
+            </a:r>
+          </a:p>
+          <a:p>
+            <a:r>
+              <a:rPr lang="it-IT" dirty="0">
+                <a:solidFill>
+                  <a:schemeClr val="tx1">
+                    <a:lumMod val="95000"/>
+                  </a:schemeClr>
+                </a:solidFill>
+              </a:rPr>
+              <a:t>Principali componenti JDK:</a:t>
+            </a:r>
+          </a:p>
+          <a:p>
+            <a:pPr marL="342900" indent="-342900">
+              <a:buFont typeface="Arial" panose="020B0604020202020204" pitchFamily="34" charset="0"/>
+              <a:buChar char="•"/>
+            </a:pPr>
+            <a:r>
+              <a:rPr lang="it-IT" dirty="0" err="1">
+                <a:solidFill>
+                  <a:schemeClr val="tx1">
+                    <a:lumMod val="95000"/>
+                  </a:schemeClr>
+                </a:solidFill>
+              </a:rPr>
+              <a:t>Javac</a:t>
+            </a:r>
+            <a:r>
+              <a:rPr lang="it-IT" dirty="0">
+                <a:solidFill>
+                  <a:schemeClr val="tx1">
+                    <a:lumMod val="95000"/>
+                  </a:schemeClr>
+                </a:solidFill>
+              </a:rPr>
+              <a:t>: è un software incaricato di tradurre il file sorgente in </a:t>
+            </a:r>
+            <a:r>
+              <a:rPr lang="it-IT" dirty="0" err="1">
+                <a:solidFill>
+                  <a:schemeClr val="tx1">
+                    <a:lumMod val="95000"/>
+                  </a:schemeClr>
+                </a:solidFill>
+              </a:rPr>
+              <a:t>bytecode</a:t>
+            </a:r>
+            <a:endParaRPr lang="it-IT" dirty="0">
+              <a:solidFill>
+                <a:schemeClr val="tx1">
+                  <a:lumMod val="95000"/>
+                </a:schemeClr>
+              </a:solidFill>
+            </a:endParaRPr>
+          </a:p>
+          <a:p>
+            <a:pPr marL="342900" indent="-342900">
+              <a:buFont typeface="Arial" panose="020B0604020202020204" pitchFamily="34" charset="0"/>
+              <a:buChar char="•"/>
+            </a:pPr>
+            <a:r>
+              <a:rPr lang="it-IT" dirty="0">
+                <a:solidFill>
+                  <a:schemeClr val="tx1">
+                    <a:lumMod val="95000"/>
+                  </a:schemeClr>
+                </a:solidFill>
+              </a:rPr>
+              <a:t>Java: è un software utilizzato per interpretare o eseguire i file </a:t>
+            </a:r>
+            <a:r>
+              <a:rPr lang="it-IT" dirty="0" err="1">
+                <a:solidFill>
+                  <a:schemeClr val="tx1">
+                    <a:lumMod val="95000"/>
+                  </a:schemeClr>
+                </a:solidFill>
+              </a:rPr>
+              <a:t>bytecode</a:t>
+            </a:r>
+            <a:r>
+              <a:rPr lang="it-IT" dirty="0">
+                <a:solidFill>
+                  <a:schemeClr val="tx1">
+                    <a:lumMod val="95000"/>
+                  </a:schemeClr>
+                </a:solidFill>
+              </a:rPr>
+              <a:t> prodotti dal comando/software </a:t>
+            </a:r>
+            <a:r>
+              <a:rPr lang="it-IT" dirty="0" err="1">
+                <a:solidFill>
+                  <a:schemeClr val="tx1">
+                    <a:lumMod val="95000"/>
+                  </a:schemeClr>
+                </a:solidFill>
+              </a:rPr>
+              <a:t>Javac</a:t>
+            </a:r>
+            <a:endParaRPr lang="it-IT" dirty="0">
+              <a:solidFill>
+                <a:schemeClr val="tx1">
+                  <a:lumMod val="95000"/>
+                </a:schemeClr>
+              </a:solidFill>
+            </a:endParaRPr>
+          </a:p>
+          <a:p>
+            <a:pPr marL="342900" indent="-342900">
+              <a:buFont typeface="Arial" panose="020B0604020202020204" pitchFamily="34" charset="0"/>
+              <a:buChar char="•"/>
+            </a:pPr>
+            <a:r>
+              <a:rPr lang="it-IT" dirty="0" err="1">
+                <a:solidFill>
+                  <a:schemeClr val="tx1">
+                    <a:lumMod val="95000"/>
+                  </a:schemeClr>
+                </a:solidFill>
+              </a:rPr>
+              <a:t>Javadoc</a:t>
+            </a:r>
+            <a:r>
+              <a:rPr lang="it-IT" dirty="0">
+                <a:solidFill>
+                  <a:schemeClr val="tx1">
+                    <a:lumMod val="95000"/>
+                  </a:schemeClr>
+                </a:solidFill>
+              </a:rPr>
+              <a:t>: strumento utilizzato per la costruzione della documentazione di un programma basata sui commenti inseriti all’interno del codice sorgente</a:t>
+            </a:r>
+          </a:p>
+          <a:p>
+            <a:pPr marL="342900" indent="-342900">
+              <a:buFont typeface="Arial" panose="020B0604020202020204" pitchFamily="34" charset="0"/>
+              <a:buChar char="•"/>
+            </a:pPr>
+            <a:r>
+              <a:rPr lang="it-IT" dirty="0" err="1">
+                <a:solidFill>
+                  <a:schemeClr val="tx1">
+                    <a:lumMod val="95000"/>
+                  </a:schemeClr>
+                </a:solidFill>
+              </a:rPr>
+              <a:t>Jdb</a:t>
+            </a:r>
+            <a:r>
+              <a:rPr lang="it-IT" dirty="0">
+                <a:solidFill>
+                  <a:schemeClr val="tx1">
+                    <a:lumMod val="95000"/>
+                  </a:schemeClr>
+                </a:solidFill>
+              </a:rPr>
+              <a:t>: Particolare debugger java.</a:t>
+            </a:r>
+          </a:p>
+          <a:p>
+            <a:r>
+              <a:rPr lang="it-IT" dirty="0">
+                <a:solidFill>
+                  <a:schemeClr val="tx1">
+                    <a:lumMod val="95000"/>
+                  </a:schemeClr>
+                </a:solidFill>
+              </a:rPr>
+              <a:t>Link installazione JDK: https://www.oracle.com/java/technologies/downloads/#jdk18-windows</a:t>
+            </a:r>
           </a:p>
         </p:txBody>
       </p:sp>
     </p:spTree>
     <p:extLst>
       <p:ext uri="{BB962C8B-B14F-4D97-AF65-F5344CB8AC3E}">
-        <p14:creationId xmlns:p14="http://schemas.microsoft.com/office/powerpoint/2010/main" val="2704298807"/>
+        <p14:creationId xmlns:p14="http://schemas.microsoft.com/office/powerpoint/2010/main" val="1284058427"/>
       </p:ext>
     </p:extLst>
   </p:cSld>
@@ -30471,8 +31879,13 @@
           <a:p>
             <a:r>
               <a:rPr lang="it-IT" sz="4300" dirty="0"/>
-              <a:t>Il vocabolario di java</a:t>
-            </a:r>
+              <a:t>Java </a:t>
+            </a:r>
+            <a:r>
+              <a:rPr lang="it-IT" sz="4300" dirty="0" err="1"/>
+              <a:t>edition</a:t>
+            </a:r>
+            <a:endParaRPr lang="it-IT" sz="4300" dirty="0"/>
           </a:p>
         </p:txBody>
       </p:sp>
@@ -30499,17 +31912,262 @@
           </a:xfrm>
         </p:spPr>
         <p:txBody>
-          <a:bodyPr/>
+          <a:bodyPr>
+            <a:normAutofit fontScale="85000" lnSpcReduction="20000"/>
+          </a:bodyPr>
           <a:lstStyle/>
           <a:p>
-            <a:endParaRPr lang="it-IT"/>
+            <a:r>
+              <a:rPr lang="it-IT" dirty="0">
+                <a:solidFill>
+                  <a:schemeClr val="tx1">
+                    <a:lumMod val="95000"/>
+                  </a:schemeClr>
+                </a:solidFill>
+              </a:rPr>
+              <a:t>Le edizioni  di java sono intese come piattaforme particolari di sviluppo, le principali java sono:</a:t>
+            </a:r>
+          </a:p>
+          <a:p>
+            <a:pPr marL="342900" indent="-342900">
+              <a:buFont typeface="Arial" panose="020B0604020202020204" pitchFamily="34" charset="0"/>
+              <a:buChar char="•"/>
+            </a:pPr>
+            <a:r>
+              <a:rPr lang="it-IT" dirty="0">
+                <a:solidFill>
+                  <a:schemeClr val="tx1">
+                    <a:lumMod val="95000"/>
+                  </a:schemeClr>
+                </a:solidFill>
+              </a:rPr>
+              <a:t>Java Platform, Standard Edition (Java SE) : questa versione è il cuore di java, contiene tutte le componenti basilari di java, dalla definizione di classi e oggetti fino classi utilizzate per la rete, la sicurezza, stabilità </a:t>
+            </a:r>
+            <a:r>
+              <a:rPr lang="it-IT" dirty="0" err="1">
+                <a:solidFill>
+                  <a:schemeClr val="tx1">
+                    <a:lumMod val="95000"/>
+                  </a:schemeClr>
+                </a:solidFill>
+              </a:rPr>
+              <a:t>ecc</a:t>
+            </a:r>
+            <a:r>
+              <a:rPr lang="it-IT" dirty="0">
+                <a:solidFill>
+                  <a:schemeClr val="tx1">
+                    <a:lumMod val="95000"/>
+                  </a:schemeClr>
+                </a:solidFill>
+              </a:rPr>
+              <a:t>… </a:t>
+            </a:r>
+          </a:p>
+          <a:p>
+            <a:pPr marL="342900" indent="-342900">
+              <a:buFont typeface="Arial" panose="020B0604020202020204" pitchFamily="34" charset="0"/>
+              <a:buChar char="•"/>
+            </a:pPr>
+            <a:r>
+              <a:rPr lang="it-IT" dirty="0">
+                <a:solidFill>
+                  <a:schemeClr val="tx1">
+                    <a:lumMod val="95000"/>
+                  </a:schemeClr>
+                </a:solidFill>
+              </a:rPr>
+              <a:t>Java </a:t>
+            </a:r>
+            <a:r>
+              <a:rPr lang="it-IT" dirty="0" err="1">
+                <a:solidFill>
+                  <a:schemeClr val="tx1">
+                    <a:lumMod val="95000"/>
+                  </a:schemeClr>
+                </a:solidFill>
+              </a:rPr>
+              <a:t>platform</a:t>
+            </a:r>
+            <a:r>
+              <a:rPr lang="it-IT" dirty="0">
+                <a:solidFill>
+                  <a:schemeClr val="tx1">
+                    <a:lumMod val="95000"/>
+                  </a:schemeClr>
+                </a:solidFill>
+              </a:rPr>
+              <a:t>, </a:t>
+            </a:r>
+            <a:r>
+              <a:rPr lang="it-IT" dirty="0" err="1">
+                <a:solidFill>
+                  <a:schemeClr val="tx1">
+                    <a:lumMod val="95000"/>
+                  </a:schemeClr>
+                </a:solidFill>
+              </a:rPr>
+              <a:t>enterprise</a:t>
+            </a:r>
+            <a:r>
+              <a:rPr lang="it-IT" dirty="0">
+                <a:solidFill>
+                  <a:schemeClr val="tx1">
+                    <a:lumMod val="95000"/>
+                  </a:schemeClr>
+                </a:solidFill>
+              </a:rPr>
+              <a:t> </a:t>
+            </a:r>
+            <a:r>
+              <a:rPr lang="it-IT" dirty="0" err="1">
+                <a:solidFill>
+                  <a:schemeClr val="tx1">
+                    <a:lumMod val="95000"/>
+                  </a:schemeClr>
+                </a:solidFill>
+              </a:rPr>
+              <a:t>edition</a:t>
+            </a:r>
+            <a:r>
+              <a:rPr lang="it-IT" dirty="0">
+                <a:solidFill>
+                  <a:schemeClr val="tx1">
+                    <a:lumMod val="95000"/>
+                  </a:schemeClr>
+                </a:solidFill>
+              </a:rPr>
+              <a:t> (java </a:t>
+            </a:r>
+            <a:r>
+              <a:rPr lang="it-IT" dirty="0" err="1">
+                <a:solidFill>
+                  <a:schemeClr val="tx1">
+                    <a:lumMod val="95000"/>
+                  </a:schemeClr>
+                </a:solidFill>
+              </a:rPr>
+              <a:t>ee</a:t>
+            </a:r>
+            <a:r>
+              <a:rPr lang="it-IT" dirty="0">
+                <a:solidFill>
+                  <a:schemeClr val="tx1">
+                    <a:lumMod val="95000"/>
+                  </a:schemeClr>
+                </a:solidFill>
+              </a:rPr>
+              <a:t>) : è una piattaforma sviluppata sulla base di Java se nella quale sono inserite classi particolari per lo sviluppo di progetti su larga scala, progetti multi-</a:t>
+            </a:r>
+            <a:r>
+              <a:rPr lang="it-IT" dirty="0" err="1">
+                <a:solidFill>
+                  <a:schemeClr val="tx1">
+                    <a:lumMod val="95000"/>
+                  </a:schemeClr>
+                </a:solidFill>
+              </a:rPr>
+              <a:t>tier</a:t>
+            </a:r>
+            <a:r>
+              <a:rPr lang="it-IT" dirty="0">
+                <a:solidFill>
+                  <a:schemeClr val="tx1">
+                    <a:lumMod val="95000"/>
+                  </a:schemeClr>
+                </a:solidFill>
+              </a:rPr>
+              <a:t>, ecc..</a:t>
+            </a:r>
+          </a:p>
+          <a:p>
+            <a:pPr marL="342900" indent="-342900">
+              <a:buFont typeface="Arial" panose="020B0604020202020204" pitchFamily="34" charset="0"/>
+              <a:buChar char="•"/>
+            </a:pPr>
+            <a:r>
+              <a:rPr lang="it-IT" dirty="0">
+                <a:solidFill>
+                  <a:schemeClr val="tx1">
+                    <a:lumMod val="95000"/>
+                  </a:schemeClr>
+                </a:solidFill>
+              </a:rPr>
+              <a:t>Java </a:t>
+            </a:r>
+            <a:r>
+              <a:rPr lang="it-IT" dirty="0" err="1">
+                <a:solidFill>
+                  <a:schemeClr val="tx1">
+                    <a:lumMod val="95000"/>
+                  </a:schemeClr>
+                </a:solidFill>
+              </a:rPr>
+              <a:t>platform</a:t>
+            </a:r>
+            <a:r>
+              <a:rPr lang="it-IT" dirty="0">
+                <a:solidFill>
+                  <a:schemeClr val="tx1">
+                    <a:lumMod val="95000"/>
+                  </a:schemeClr>
+                </a:solidFill>
+              </a:rPr>
+              <a:t>, micro </a:t>
+            </a:r>
+            <a:r>
+              <a:rPr lang="it-IT" dirty="0" err="1">
+                <a:solidFill>
+                  <a:schemeClr val="tx1">
+                    <a:lumMod val="95000"/>
+                  </a:schemeClr>
+                </a:solidFill>
+              </a:rPr>
+              <a:t>edition</a:t>
+            </a:r>
+            <a:r>
+              <a:rPr lang="it-IT" dirty="0">
+                <a:solidFill>
+                  <a:schemeClr val="tx1">
+                    <a:lumMod val="95000"/>
+                  </a:schemeClr>
+                </a:solidFill>
+              </a:rPr>
+              <a:t> (java me): libreria java particolarmente ottimizzata per consentire l’esecuzione di programmi java su dispositivi ridotti come gli smartphones</a:t>
+            </a:r>
+          </a:p>
+          <a:p>
+            <a:pPr marL="342900" indent="-342900">
+              <a:buFont typeface="Arial" panose="020B0604020202020204" pitchFamily="34" charset="0"/>
+              <a:buChar char="•"/>
+            </a:pPr>
+            <a:r>
+              <a:rPr lang="it-IT" dirty="0" err="1">
+                <a:solidFill>
+                  <a:schemeClr val="tx1">
+                    <a:lumMod val="95000"/>
+                  </a:schemeClr>
+                </a:solidFill>
+              </a:rPr>
+              <a:t>javaFx</a:t>
+            </a:r>
+            <a:r>
+              <a:rPr lang="it-IT" dirty="0">
+                <a:solidFill>
+                  <a:schemeClr val="tx1">
+                    <a:lumMod val="95000"/>
+                  </a:schemeClr>
+                </a:solidFill>
+              </a:rPr>
+              <a:t> : è una piattaforma completa di classi dedicate allo sviluppo di interfacce  grafiche per le applicazione e contiene librerie di accelerazione grafica per fornire alti livelli di performance </a:t>
+            </a:r>
           </a:p>
         </p:txBody>
       </p:sp>
     </p:spTree>
     <p:extLst>
       <p:ext uri="{BB962C8B-B14F-4D97-AF65-F5344CB8AC3E}">
-        <p14:creationId xmlns:p14="http://schemas.microsoft.com/office/powerpoint/2010/main" val="3604982355"/>
+        <p14:creationId xmlns:p14="http://schemas.microsoft.com/office/powerpoint/2010/main" val="2704298807"/>
       </p:ext>
     </p:extLst>
   </p:cSld>
@@ -30566,13 +32224,8 @@
           <a:p>
             <a:r>
               <a:rPr lang="it-IT" sz="4300" dirty="0"/>
-              <a:t>Ide ed ambienti di sviluppo: </a:t>
-            </a:r>
-            <a:r>
-              <a:rPr lang="it-IT" sz="4300" dirty="0" err="1"/>
-              <a:t>eclipse</a:t>
-            </a:r>
-            <a:endParaRPr lang="it-IT" sz="4300" dirty="0"/>
+              <a:t>Il vocabolario di java</a:t>
+            </a:r>
           </a:p>
         </p:txBody>
       </p:sp>
@@ -30609,7 +32262,7 @@
     </p:spTree>
     <p:extLst>
       <p:ext uri="{BB962C8B-B14F-4D97-AF65-F5344CB8AC3E}">
-        <p14:creationId xmlns:p14="http://schemas.microsoft.com/office/powerpoint/2010/main" val="708801264"/>
+        <p14:creationId xmlns:p14="http://schemas.microsoft.com/office/powerpoint/2010/main" val="3604982355"/>
       </p:ext>
     </p:extLst>
   </p:cSld>
@@ -30666,11 +32319,11 @@
           <a:p>
             <a:r>
               <a:rPr lang="it-IT" sz="4300" dirty="0"/>
-              <a:t>Application server: </a:t>
+              <a:t>Ide ed ambienti di sviluppo: </a:t>
             </a:r>
             <a:r>
               <a:rPr lang="it-IT" sz="4300" dirty="0" err="1"/>
-              <a:t>tomcat</a:t>
+              <a:t>eclipse</a:t>
             </a:r>
             <a:endParaRPr lang="it-IT" sz="4300" dirty="0"/>
           </a:p>
@@ -30709,7 +32362,7 @@
     </p:spTree>
     <p:extLst>
       <p:ext uri="{BB962C8B-B14F-4D97-AF65-F5344CB8AC3E}">
-        <p14:creationId xmlns:p14="http://schemas.microsoft.com/office/powerpoint/2010/main" val="1718046108"/>
+        <p14:creationId xmlns:p14="http://schemas.microsoft.com/office/powerpoint/2010/main" val="708801264"/>
       </p:ext>
     </p:extLst>
   </p:cSld>
@@ -30766,19 +32419,11 @@
           <a:p>
             <a:r>
               <a:rPr lang="it-IT" sz="4300" dirty="0"/>
-              <a:t>Build </a:t>
+              <a:t>Application server: </a:t>
             </a:r>
             <a:r>
               <a:rPr lang="it-IT" sz="4300" dirty="0" err="1"/>
-              <a:t>automation</a:t>
-            </a:r>
-            <a:r>
-              <a:rPr lang="it-IT" sz="4300" dirty="0"/>
-              <a:t>: </a:t>
-            </a:r>
-            <a:r>
-              <a:rPr lang="it-IT" sz="4300" dirty="0" err="1"/>
-              <a:t>maven</a:t>
+              <a:t>tomcat</a:t>
             </a:r>
             <a:endParaRPr lang="it-IT" sz="4300" dirty="0"/>
           </a:p>
@@ -30817,7 +32462,7 @@
     </p:spTree>
     <p:extLst>
       <p:ext uri="{BB962C8B-B14F-4D97-AF65-F5344CB8AC3E}">
-        <p14:creationId xmlns:p14="http://schemas.microsoft.com/office/powerpoint/2010/main" val="1384120757"/>
+        <p14:creationId xmlns:p14="http://schemas.microsoft.com/office/powerpoint/2010/main" val="1718046108"/>
       </p:ext>
     </p:extLst>
   </p:cSld>
@@ -30868,14 +32513,27 @@
         </p:spPr>
         <p:txBody>
           <a:bodyPr>
-            <a:normAutofit/>
+            <a:noAutofit/>
           </a:bodyPr>
           <a:lstStyle/>
           <a:p>
             <a:r>
-              <a:rPr lang="it-IT" sz="4100" dirty="0"/>
-              <a:t>Installazione e configurazione di java</a:t>
-            </a:r>
+              <a:rPr lang="it-IT" sz="4300" dirty="0"/>
+              <a:t>Build </a:t>
+            </a:r>
+            <a:r>
+              <a:rPr lang="it-IT" sz="4300" dirty="0" err="1"/>
+              <a:t>automation</a:t>
+            </a:r>
+            <a:r>
+              <a:rPr lang="it-IT" sz="4300" dirty="0"/>
+              <a:t>: </a:t>
+            </a:r>
+            <a:r>
+              <a:rPr lang="it-IT" sz="4300" dirty="0" err="1"/>
+              <a:t>maven</a:t>
+            </a:r>
+            <a:endParaRPr lang="it-IT" sz="4300" dirty="0"/>
           </a:p>
         </p:txBody>
       </p:sp>
@@ -30912,7 +32570,7 @@
     </p:spTree>
     <p:extLst>
       <p:ext uri="{BB962C8B-B14F-4D97-AF65-F5344CB8AC3E}">
-        <p14:creationId xmlns:p14="http://schemas.microsoft.com/office/powerpoint/2010/main" val="4257515683"/>
+        <p14:creationId xmlns:p14="http://schemas.microsoft.com/office/powerpoint/2010/main" val="1384120757"/>
       </p:ext>
     </p:extLst>
   </p:cSld>
@@ -30963,19 +32621,14 @@
         </p:spPr>
         <p:txBody>
           <a:bodyPr>
-            <a:normAutofit fontScale="90000"/>
+            <a:normAutofit/>
           </a:bodyPr>
           <a:lstStyle/>
           <a:p>
             <a:r>
               <a:rPr lang="it-IT" sz="4100" dirty="0"/>
-              <a:t>Concetti filosofici ed operativi della </a:t>
-            </a:r>
-            <a:r>
-              <a:rPr lang="it-IT" sz="4100" dirty="0" err="1"/>
-              <a:t>oop</a:t>
-            </a:r>
-            <a:endParaRPr lang="it-IT" sz="4100" dirty="0"/>
+              <a:t>Installazione e configurazione di java</a:t>
+            </a:r>
           </a:p>
         </p:txBody>
       </p:sp>
@@ -31012,7 +32665,7 @@
     </p:spTree>
     <p:extLst>
       <p:ext uri="{BB962C8B-B14F-4D97-AF65-F5344CB8AC3E}">
-        <p14:creationId xmlns:p14="http://schemas.microsoft.com/office/powerpoint/2010/main" val="2747472894"/>
+        <p14:creationId xmlns:p14="http://schemas.microsoft.com/office/powerpoint/2010/main" val="4257515683"/>
       </p:ext>
     </p:extLst>
   </p:cSld>
@@ -31320,14 +32973,19 @@
         </p:spPr>
         <p:txBody>
           <a:bodyPr>
-            <a:noAutofit/>
+            <a:normAutofit fontScale="90000"/>
           </a:bodyPr>
           <a:lstStyle/>
           <a:p>
             <a:r>
-              <a:rPr lang="it-IT" sz="4300" dirty="0"/>
-              <a:t>Cos’è un costrutto</a:t>
-            </a:r>
+              <a:rPr lang="it-IT" sz="4100" dirty="0"/>
+              <a:t>Concetti filosofici ed operativi della </a:t>
+            </a:r>
+            <a:r>
+              <a:rPr lang="it-IT" sz="4100" dirty="0" err="1"/>
+              <a:t>oop</a:t>
+            </a:r>
+            <a:endParaRPr lang="it-IT" sz="4100" dirty="0"/>
           </a:p>
         </p:txBody>
       </p:sp>
@@ -31364,7 +33022,7 @@
     </p:spTree>
     <p:extLst>
       <p:ext uri="{BB962C8B-B14F-4D97-AF65-F5344CB8AC3E}">
-        <p14:creationId xmlns:p14="http://schemas.microsoft.com/office/powerpoint/2010/main" val="1249408230"/>
+        <p14:creationId xmlns:p14="http://schemas.microsoft.com/office/powerpoint/2010/main" val="2747472894"/>
       </p:ext>
     </p:extLst>
   </p:cSld>
@@ -31421,7 +33079,7 @@
           <a:p>
             <a:r>
               <a:rPr lang="it-IT" sz="4300" dirty="0"/>
-              <a:t>Struttura di un programma java</a:t>
+              <a:t>Cos’è un costrutto</a:t>
             </a:r>
           </a:p>
         </p:txBody>
@@ -31459,7 +33117,7 @@
     </p:spTree>
     <p:extLst>
       <p:ext uri="{BB962C8B-B14F-4D97-AF65-F5344CB8AC3E}">
-        <p14:creationId xmlns:p14="http://schemas.microsoft.com/office/powerpoint/2010/main" val="753287515"/>
+        <p14:creationId xmlns:p14="http://schemas.microsoft.com/office/powerpoint/2010/main" val="1249408230"/>
       </p:ext>
     </p:extLst>
   </p:cSld>
@@ -31516,7 +33174,7 @@
           <a:p>
             <a:r>
               <a:rPr lang="it-IT" sz="4300" dirty="0"/>
-              <a:t>L’oggetto</a:t>
+              <a:t>Struttura di un programma java</a:t>
             </a:r>
           </a:p>
         </p:txBody>
@@ -31554,7 +33212,7 @@
     </p:spTree>
     <p:extLst>
       <p:ext uri="{BB962C8B-B14F-4D97-AF65-F5344CB8AC3E}">
-        <p14:creationId xmlns:p14="http://schemas.microsoft.com/office/powerpoint/2010/main" val="3658727395"/>
+        <p14:creationId xmlns:p14="http://schemas.microsoft.com/office/powerpoint/2010/main" val="753287515"/>
       </p:ext>
     </p:extLst>
   </p:cSld>
@@ -31611,7 +33269,7 @@
           <a:p>
             <a:r>
               <a:rPr lang="it-IT" sz="4300" dirty="0"/>
-              <a:t>La classe</a:t>
+              <a:t>L’oggetto</a:t>
             </a:r>
           </a:p>
         </p:txBody>
@@ -31649,7 +33307,7 @@
     </p:spTree>
     <p:extLst>
       <p:ext uri="{BB962C8B-B14F-4D97-AF65-F5344CB8AC3E}">
-        <p14:creationId xmlns:p14="http://schemas.microsoft.com/office/powerpoint/2010/main" val="3928124443"/>
+        <p14:creationId xmlns:p14="http://schemas.microsoft.com/office/powerpoint/2010/main" val="3658727395"/>
       </p:ext>
     </p:extLst>
   </p:cSld>
@@ -31706,7 +33364,7 @@
           <a:p>
             <a:r>
               <a:rPr lang="it-IT" sz="4300" dirty="0"/>
-              <a:t>Il metodo</a:t>
+              <a:t>La classe</a:t>
             </a:r>
           </a:p>
         </p:txBody>
@@ -31744,7 +33402,7 @@
     </p:spTree>
     <p:extLst>
       <p:ext uri="{BB962C8B-B14F-4D97-AF65-F5344CB8AC3E}">
-        <p14:creationId xmlns:p14="http://schemas.microsoft.com/office/powerpoint/2010/main" val="2082263039"/>
+        <p14:creationId xmlns:p14="http://schemas.microsoft.com/office/powerpoint/2010/main" val="3928124443"/>
       </p:ext>
     </p:extLst>
   </p:cSld>
@@ -31801,7 +33459,7 @@
           <a:p>
             <a:r>
               <a:rPr lang="it-IT" sz="4300" dirty="0"/>
-              <a:t>Il metodo costruttore</a:t>
+              <a:t>Il metodo</a:t>
             </a:r>
           </a:p>
         </p:txBody>
@@ -31839,7 +33497,7 @@
     </p:spTree>
     <p:extLst>
       <p:ext uri="{BB962C8B-B14F-4D97-AF65-F5344CB8AC3E}">
-        <p14:creationId xmlns:p14="http://schemas.microsoft.com/office/powerpoint/2010/main" val="4016853456"/>
+        <p14:creationId xmlns:p14="http://schemas.microsoft.com/office/powerpoint/2010/main" val="2082263039"/>
       </p:ext>
     </p:extLst>
   </p:cSld>
@@ -31896,7 +33554,7 @@
           <a:p>
             <a:r>
               <a:rPr lang="it-IT" sz="4300" dirty="0"/>
-              <a:t>Utilizzo delle classi di libreria</a:t>
+              <a:t>Il metodo costruttore</a:t>
             </a:r>
           </a:p>
         </p:txBody>
@@ -31934,7 +33592,7 @@
     </p:spTree>
     <p:extLst>
       <p:ext uri="{BB962C8B-B14F-4D97-AF65-F5344CB8AC3E}">
-        <p14:creationId xmlns:p14="http://schemas.microsoft.com/office/powerpoint/2010/main" val="737883181"/>
+        <p14:creationId xmlns:p14="http://schemas.microsoft.com/office/powerpoint/2010/main" val="4016853456"/>
       </p:ext>
     </p:extLst>
   </p:cSld>
@@ -31991,7 +33649,7 @@
           <a:p>
             <a:r>
               <a:rPr lang="it-IT" sz="4300" dirty="0"/>
-              <a:t>Import e concetto di package</a:t>
+              <a:t>Utilizzo delle classi di libreria</a:t>
             </a:r>
           </a:p>
         </p:txBody>
@@ -32029,7 +33687,7 @@
     </p:spTree>
     <p:extLst>
       <p:ext uri="{BB962C8B-B14F-4D97-AF65-F5344CB8AC3E}">
-        <p14:creationId xmlns:p14="http://schemas.microsoft.com/office/powerpoint/2010/main" val="2033361500"/>
+        <p14:creationId xmlns:p14="http://schemas.microsoft.com/office/powerpoint/2010/main" val="737883181"/>
       </p:ext>
     </p:extLst>
   </p:cSld>
@@ -32061,7 +33719,7 @@
           <p:cNvPr id="2" name="Titolo 1">
             <a:extLst>
               <a:ext uri="{FF2B5EF4-FFF2-40B4-BE49-F238E27FC236}">
-                <a16:creationId xmlns:a16="http://schemas.microsoft.com/office/drawing/2014/main" id="{C6753786-AD29-4A88-AC1C-11AC3057D22C}"/>
+                <a16:creationId xmlns:a16="http://schemas.microsoft.com/office/drawing/2014/main" id="{A6CF85A1-E457-4832-BCB1-61021474450D}"/>
               </a:ext>
             </a:extLst>
           </p:cNvPr>
@@ -32072,78 +33730,59 @@
             <p:ph type="ctrTitle"/>
           </p:nvPr>
         </p:nvSpPr>
-        <p:spPr/>
+        <p:spPr>
+          <a:xfrm>
+            <a:off x="1876423" y="711302"/>
+            <a:ext cx="10103055" cy="656103"/>
+          </a:xfrm>
+        </p:spPr>
+        <p:txBody>
+          <a:bodyPr>
+            <a:noAutofit/>
+          </a:bodyPr>
+          <a:lstStyle/>
+          <a:p>
+            <a:r>
+              <a:rPr lang="it-IT" sz="4300" dirty="0"/>
+              <a:t>Import e concetto di package</a:t>
+            </a:r>
+          </a:p>
+        </p:txBody>
+      </p:sp>
+      <p:sp>
+        <p:nvSpPr>
+          <p:cNvPr id="3" name="Sottotitolo 2">
+            <a:extLst>
+              <a:ext uri="{FF2B5EF4-FFF2-40B4-BE49-F238E27FC236}">
+                <a16:creationId xmlns:a16="http://schemas.microsoft.com/office/drawing/2014/main" id="{66409AAA-04C6-4E69-9F24-FBCFD422D4E8}"/>
+              </a:ext>
+            </a:extLst>
+          </p:cNvPr>
+          <p:cNvSpPr>
+            <a:spLocks noGrp="1"/>
+          </p:cNvSpPr>
+          <p:nvPr>
+            <p:ph type="subTitle" idx="1"/>
+          </p:nvPr>
+        </p:nvSpPr>
+        <p:spPr>
+          <a:xfrm>
+            <a:off x="1876425" y="1555124"/>
+            <a:ext cx="9515826" cy="4115834"/>
+          </a:xfrm>
+        </p:spPr>
         <p:txBody>
           <a:bodyPr/>
           <a:lstStyle/>
           <a:p>
-            <a:pPr algn="r"/>
-            <a:r>
-              <a:rPr lang="it-IT" dirty="0"/>
-              <a:t>Unit 3</a:t>
-            </a:r>
-          </a:p>
-        </p:txBody>
-      </p:sp>
-      <p:sp>
-        <p:nvSpPr>
-          <p:cNvPr id="3" name="Sottotitolo 2">
-            <a:extLst>
-              <a:ext uri="{FF2B5EF4-FFF2-40B4-BE49-F238E27FC236}">
-                <a16:creationId xmlns:a16="http://schemas.microsoft.com/office/drawing/2014/main" id="{E3812A85-7B93-4D44-9999-B5293FB9C3EA}"/>
-              </a:ext>
-            </a:extLst>
-          </p:cNvPr>
-          <p:cNvSpPr>
-            <a:spLocks noGrp="1"/>
-          </p:cNvSpPr>
-          <p:nvPr>
-            <p:ph type="subTitle" idx="1"/>
-          </p:nvPr>
-        </p:nvSpPr>
-        <p:spPr/>
-        <p:txBody>
-          <a:bodyPr/>
-          <a:lstStyle/>
-          <a:p>
-            <a:pPr algn="r"/>
-            <a:r>
-              <a:rPr lang="it-IT" dirty="0">
-                <a:solidFill>
-                  <a:schemeClr val="tx1">
-                    <a:lumMod val="95000"/>
-                  </a:schemeClr>
-                </a:solidFill>
-              </a:rPr>
-              <a:t>Linguaggi di programmazione, la </a:t>
-            </a:r>
-            <a:r>
-              <a:rPr lang="it-IT" dirty="0" err="1">
-                <a:solidFill>
-                  <a:schemeClr val="tx1">
-                    <a:lumMod val="95000"/>
-                  </a:schemeClr>
-                </a:solidFill>
-              </a:rPr>
-              <a:t>oop</a:t>
-            </a:r>
-            <a:r>
-              <a:rPr lang="it-IT" dirty="0">
-                <a:solidFill>
-                  <a:schemeClr val="tx1">
-                    <a:lumMod val="95000"/>
-                  </a:schemeClr>
-                </a:solidFill>
-              </a:rPr>
-              <a:t> e java parte 2</a:t>
-            </a:r>
+            <a:endParaRPr lang="it-IT"/>
           </a:p>
         </p:txBody>
       </p:sp>
     </p:spTree>
     <p:extLst>
       <p:ext uri="{BB962C8B-B14F-4D97-AF65-F5344CB8AC3E}">
-        <p14:creationId xmlns:p14="http://schemas.microsoft.com/office/powerpoint/2010/main" val="1034672837"/>
+        <p14:creationId xmlns:p14="http://schemas.microsoft.com/office/powerpoint/2010/main" val="2033361500"/>
       </p:ext>
     </p:extLst>
   </p:cSld>
@@ -32175,7 +33814,7 @@
           <p:cNvPr id="2" name="Titolo 1">
             <a:extLst>
               <a:ext uri="{FF2B5EF4-FFF2-40B4-BE49-F238E27FC236}">
-                <a16:creationId xmlns:a16="http://schemas.microsoft.com/office/drawing/2014/main" id="{A6CF85A1-E457-4832-BCB1-61021474450D}"/>
+                <a16:creationId xmlns:a16="http://schemas.microsoft.com/office/drawing/2014/main" id="{C6753786-AD29-4A88-AC1C-11AC3057D22C}"/>
               </a:ext>
             </a:extLst>
           </p:cNvPr>
@@ -32186,59 +33825,78 @@
             <p:ph type="ctrTitle"/>
           </p:nvPr>
         </p:nvSpPr>
-        <p:spPr>
-          <a:xfrm>
-            <a:off x="1876423" y="711302"/>
-            <a:ext cx="10103055" cy="656103"/>
-          </a:xfrm>
-        </p:spPr>
-        <p:txBody>
-          <a:bodyPr>
-            <a:noAutofit/>
-          </a:bodyPr>
-          <a:lstStyle/>
-          <a:p>
-            <a:r>
-              <a:rPr lang="it-IT" sz="4300" dirty="0"/>
-              <a:t>Le variabili in java</a:t>
-            </a:r>
-          </a:p>
-        </p:txBody>
-      </p:sp>
-      <p:sp>
-        <p:nvSpPr>
-          <p:cNvPr id="3" name="Sottotitolo 2">
-            <a:extLst>
-              <a:ext uri="{FF2B5EF4-FFF2-40B4-BE49-F238E27FC236}">
-                <a16:creationId xmlns:a16="http://schemas.microsoft.com/office/drawing/2014/main" id="{66409AAA-04C6-4E69-9F24-FBCFD422D4E8}"/>
-              </a:ext>
-            </a:extLst>
-          </p:cNvPr>
-          <p:cNvSpPr>
-            <a:spLocks noGrp="1"/>
-          </p:cNvSpPr>
-          <p:nvPr>
-            <p:ph type="subTitle" idx="1"/>
-          </p:nvPr>
-        </p:nvSpPr>
-        <p:spPr>
-          <a:xfrm>
-            <a:off x="1876425" y="1555124"/>
-            <a:ext cx="9515826" cy="4115834"/>
-          </a:xfrm>
-        </p:spPr>
+        <p:spPr/>
         <p:txBody>
           <a:bodyPr/>
           <a:lstStyle/>
           <a:p>
-            <a:endParaRPr lang="it-IT"/>
+            <a:pPr algn="r"/>
+            <a:r>
+              <a:rPr lang="it-IT" dirty="0"/>
+              <a:t>Unit 3</a:t>
+            </a:r>
+          </a:p>
+        </p:txBody>
+      </p:sp>
+      <p:sp>
+        <p:nvSpPr>
+          <p:cNvPr id="3" name="Sottotitolo 2">
+            <a:extLst>
+              <a:ext uri="{FF2B5EF4-FFF2-40B4-BE49-F238E27FC236}">
+                <a16:creationId xmlns:a16="http://schemas.microsoft.com/office/drawing/2014/main" id="{E3812A85-7B93-4D44-9999-B5293FB9C3EA}"/>
+              </a:ext>
+            </a:extLst>
+          </p:cNvPr>
+          <p:cNvSpPr>
+            <a:spLocks noGrp="1"/>
+          </p:cNvSpPr>
+          <p:nvPr>
+            <p:ph type="subTitle" idx="1"/>
+          </p:nvPr>
+        </p:nvSpPr>
+        <p:spPr/>
+        <p:txBody>
+          <a:bodyPr/>
+          <a:lstStyle/>
+          <a:p>
+            <a:pPr algn="r"/>
+            <a:r>
+              <a:rPr lang="it-IT" dirty="0">
+                <a:solidFill>
+                  <a:schemeClr val="tx1">
+                    <a:lumMod val="95000"/>
+                  </a:schemeClr>
+                </a:solidFill>
+              </a:rPr>
+              <a:t>Linguaggi di programmazione, la </a:t>
+            </a:r>
+            <a:r>
+              <a:rPr lang="it-IT" dirty="0" err="1">
+                <a:solidFill>
+                  <a:schemeClr val="tx1">
+                    <a:lumMod val="95000"/>
+                  </a:schemeClr>
+                </a:solidFill>
+              </a:rPr>
+              <a:t>oop</a:t>
+            </a:r>
+            <a:r>
+              <a:rPr lang="it-IT" dirty="0">
+                <a:solidFill>
+                  <a:schemeClr val="tx1">
+                    <a:lumMod val="95000"/>
+                  </a:schemeClr>
+                </a:solidFill>
+              </a:rPr>
+              <a:t> e java parte 2</a:t>
+            </a:r>
           </a:p>
         </p:txBody>
       </p:sp>
     </p:spTree>
     <p:extLst>
       <p:ext uri="{BB962C8B-B14F-4D97-AF65-F5344CB8AC3E}">
-        <p14:creationId xmlns:p14="http://schemas.microsoft.com/office/powerpoint/2010/main" val="1775812485"/>
+        <p14:creationId xmlns:p14="http://schemas.microsoft.com/office/powerpoint/2010/main" val="1034672837"/>
       </p:ext>
     </p:extLst>
   </p:cSld>

--- a/Corso Java.pptx
+++ b/Corso Java.pptx
@@ -90,46 +90,50 @@
     <p:sldId id="334" r:id="rId84"/>
     <p:sldId id="335" r:id="rId85"/>
     <p:sldId id="336" r:id="rId86"/>
-    <p:sldId id="337" r:id="rId87"/>
-    <p:sldId id="338" r:id="rId88"/>
-    <p:sldId id="339" r:id="rId89"/>
-    <p:sldId id="340" r:id="rId90"/>
-    <p:sldId id="341" r:id="rId91"/>
-    <p:sldId id="342" r:id="rId92"/>
-    <p:sldId id="343" r:id="rId93"/>
-    <p:sldId id="344" r:id="rId94"/>
-    <p:sldId id="345" r:id="rId95"/>
-    <p:sldId id="346" r:id="rId96"/>
-    <p:sldId id="347" r:id="rId97"/>
-    <p:sldId id="348" r:id="rId98"/>
-    <p:sldId id="349" r:id="rId99"/>
-    <p:sldId id="351" r:id="rId100"/>
-    <p:sldId id="350" r:id="rId101"/>
-    <p:sldId id="354" r:id="rId102"/>
-    <p:sldId id="355" r:id="rId103"/>
-    <p:sldId id="356" r:id="rId104"/>
-    <p:sldId id="357" r:id="rId105"/>
-    <p:sldId id="358" r:id="rId106"/>
-    <p:sldId id="359" r:id="rId107"/>
-    <p:sldId id="360" r:id="rId108"/>
-    <p:sldId id="361" r:id="rId109"/>
-    <p:sldId id="362" r:id="rId110"/>
-    <p:sldId id="363" r:id="rId111"/>
-    <p:sldId id="364" r:id="rId112"/>
-    <p:sldId id="365" r:id="rId113"/>
-    <p:sldId id="366" r:id="rId114"/>
-    <p:sldId id="367" r:id="rId115"/>
-    <p:sldId id="368" r:id="rId116"/>
-    <p:sldId id="369" r:id="rId117"/>
-    <p:sldId id="370" r:id="rId118"/>
-    <p:sldId id="371" r:id="rId119"/>
-    <p:sldId id="372" r:id="rId120"/>
-    <p:sldId id="373" r:id="rId121"/>
-    <p:sldId id="374" r:id="rId122"/>
-    <p:sldId id="375" r:id="rId123"/>
-    <p:sldId id="376" r:id="rId124"/>
-    <p:sldId id="377" r:id="rId125"/>
-    <p:sldId id="378" r:id="rId126"/>
+    <p:sldId id="381" r:id="rId87"/>
+    <p:sldId id="337" r:id="rId88"/>
+    <p:sldId id="338" r:id="rId89"/>
+    <p:sldId id="339" r:id="rId90"/>
+    <p:sldId id="340" r:id="rId91"/>
+    <p:sldId id="341" r:id="rId92"/>
+    <p:sldId id="342" r:id="rId93"/>
+    <p:sldId id="343" r:id="rId94"/>
+    <p:sldId id="382" r:id="rId95"/>
+    <p:sldId id="344" r:id="rId96"/>
+    <p:sldId id="383" r:id="rId97"/>
+    <p:sldId id="345" r:id="rId98"/>
+    <p:sldId id="346" r:id="rId99"/>
+    <p:sldId id="347" r:id="rId100"/>
+    <p:sldId id="384" r:id="rId101"/>
+    <p:sldId id="348" r:id="rId102"/>
+    <p:sldId id="349" r:id="rId103"/>
+    <p:sldId id="351" r:id="rId104"/>
+    <p:sldId id="350" r:id="rId105"/>
+    <p:sldId id="354" r:id="rId106"/>
+    <p:sldId id="355" r:id="rId107"/>
+    <p:sldId id="356" r:id="rId108"/>
+    <p:sldId id="357" r:id="rId109"/>
+    <p:sldId id="358" r:id="rId110"/>
+    <p:sldId id="359" r:id="rId111"/>
+    <p:sldId id="360" r:id="rId112"/>
+    <p:sldId id="361" r:id="rId113"/>
+    <p:sldId id="362" r:id="rId114"/>
+    <p:sldId id="363" r:id="rId115"/>
+    <p:sldId id="364" r:id="rId116"/>
+    <p:sldId id="365" r:id="rId117"/>
+    <p:sldId id="366" r:id="rId118"/>
+    <p:sldId id="367" r:id="rId119"/>
+    <p:sldId id="368" r:id="rId120"/>
+    <p:sldId id="369" r:id="rId121"/>
+    <p:sldId id="370" r:id="rId122"/>
+    <p:sldId id="371" r:id="rId123"/>
+    <p:sldId id="372" r:id="rId124"/>
+    <p:sldId id="373" r:id="rId125"/>
+    <p:sldId id="374" r:id="rId126"/>
+    <p:sldId id="375" r:id="rId127"/>
+    <p:sldId id="376" r:id="rId128"/>
+    <p:sldId id="377" r:id="rId129"/>
+    <p:sldId id="378" r:id="rId130"/>
   </p:sldIdLst>
   <p:sldSz cx="12192000" cy="6858000"/>
   <p:notesSz cx="6858000" cy="9144000"/>
@@ -12881,7 +12885,7 @@
           <p:cNvPr id="2" name="Titolo 1">
             <a:extLst>
               <a:ext uri="{FF2B5EF4-FFF2-40B4-BE49-F238E27FC236}">
-                <a16:creationId xmlns:a16="http://schemas.microsoft.com/office/drawing/2014/main" id="{A6CF85A1-E457-4832-BCB1-61021474450D}"/>
+                <a16:creationId xmlns:a16="http://schemas.microsoft.com/office/drawing/2014/main" id="{4CA02688-9537-4A52-ADDA-4396414D09C8}"/>
               </a:ext>
             </a:extLst>
           </p:cNvPr>
@@ -12889,62 +12893,56 @@
             <a:spLocks noGrp="1"/>
           </p:cNvSpPr>
           <p:nvPr>
-            <p:ph type="ctrTitle"/>
+            <p:ph type="title"/>
           </p:nvPr>
         </p:nvSpPr>
-        <p:spPr>
-          <a:xfrm>
-            <a:off x="1876423" y="711302"/>
-            <a:ext cx="10103055" cy="656103"/>
-          </a:xfrm>
-        </p:spPr>
-        <p:txBody>
-          <a:bodyPr>
-            <a:noAutofit/>
-          </a:bodyPr>
-          <a:lstStyle/>
-          <a:p>
-            <a:r>
-              <a:rPr lang="it-IT" sz="4300" dirty="0"/>
-              <a:t>Le variabili in java</a:t>
-            </a:r>
-          </a:p>
-        </p:txBody>
-      </p:sp>
-      <p:sp>
-        <p:nvSpPr>
-          <p:cNvPr id="3" name="Sottotitolo 2">
-            <a:extLst>
-              <a:ext uri="{FF2B5EF4-FFF2-40B4-BE49-F238E27FC236}">
-                <a16:creationId xmlns:a16="http://schemas.microsoft.com/office/drawing/2014/main" id="{66409AAA-04C6-4E69-9F24-FBCFD422D4E8}"/>
-              </a:ext>
-            </a:extLst>
-          </p:cNvPr>
-          <p:cNvSpPr>
-            <a:spLocks noGrp="1"/>
-          </p:cNvSpPr>
-          <p:nvPr>
-            <p:ph type="subTitle" idx="1"/>
-          </p:nvPr>
-        </p:nvSpPr>
-        <p:spPr>
-          <a:xfrm>
-            <a:off x="1876425" y="1555124"/>
-            <a:ext cx="9515826" cy="4115834"/>
-          </a:xfrm>
-        </p:spPr>
+        <p:spPr/>
         <p:txBody>
           <a:bodyPr/>
           <a:lstStyle/>
           <a:p>
-            <a:endParaRPr lang="it-IT"/>
+            <a:pPr algn="ctr"/>
+            <a:r>
+              <a:rPr lang="it-IT" dirty="0"/>
+              <a:t>Costruttori</a:t>
+            </a:r>
           </a:p>
         </p:txBody>
       </p:sp>
+      <p:pic>
+        <p:nvPicPr>
+          <p:cNvPr id="4" name="Immagine 3">
+            <a:extLst>
+              <a:ext uri="{FF2B5EF4-FFF2-40B4-BE49-F238E27FC236}">
+                <a16:creationId xmlns:a16="http://schemas.microsoft.com/office/drawing/2014/main" id="{50461DE1-32EC-43BE-9776-6765DA535F8C}"/>
+              </a:ext>
+            </a:extLst>
+          </p:cNvPr>
+          <p:cNvPicPr>
+            <a:picLocks noChangeAspect="1"/>
+          </p:cNvPicPr>
+          <p:nvPr/>
+        </p:nvPicPr>
+        <p:blipFill>
+          <a:blip r:embed="rId2"/>
+          <a:stretch>
+            <a:fillRect/>
+          </a:stretch>
+        </p:blipFill>
+        <p:spPr>
+          <a:xfrm>
+            <a:off x="691387" y="2097088"/>
+            <a:ext cx="11173472" cy="2608441"/>
+          </a:xfrm>
+          <a:prstGeom prst="rect">
+            <a:avLst/>
+          </a:prstGeom>
+        </p:spPr>
+      </p:pic>
     </p:spTree>
     <p:extLst>
       <p:ext uri="{BB962C8B-B14F-4D97-AF65-F5344CB8AC3E}">
-        <p14:creationId xmlns:p14="http://schemas.microsoft.com/office/powerpoint/2010/main" val="1775812485"/>
+        <p14:creationId xmlns:p14="http://schemas.microsoft.com/office/powerpoint/2010/main" val="2244594336"/>
       </p:ext>
     </p:extLst>
   </p:cSld>
@@ -13001,7 +12999,7 @@
           <a:p>
             <a:r>
               <a:rPr lang="it-IT" sz="4300" dirty="0"/>
-              <a:t>Le costanti in java</a:t>
+              <a:t>Utilizzo delle classi di libreria</a:t>
             </a:r>
           </a:p>
         </p:txBody>
@@ -13025,21 +13023,80 @@
         <p:spPr>
           <a:xfrm>
             <a:off x="1876425" y="1555124"/>
-            <a:ext cx="9515826" cy="4115834"/>
+            <a:ext cx="9515826" cy="1365876"/>
           </a:xfrm>
         </p:spPr>
         <p:txBody>
           <a:bodyPr/>
           <a:lstStyle/>
           <a:p>
-            <a:endParaRPr lang="it-IT"/>
+            <a:r>
+              <a:rPr lang="it-IT" dirty="0">
+                <a:solidFill>
+                  <a:schemeClr val="tx1">
+                    <a:lumMod val="95000"/>
+                  </a:schemeClr>
+                </a:solidFill>
+              </a:rPr>
+              <a:t>Il </a:t>
+            </a:r>
+            <a:r>
+              <a:rPr lang="it-IT" dirty="0" err="1">
+                <a:solidFill>
+                  <a:schemeClr val="tx1">
+                    <a:lumMod val="95000"/>
+                  </a:schemeClr>
+                </a:solidFill>
+              </a:rPr>
+              <a:t>jdk</a:t>
+            </a:r>
+            <a:r>
+              <a:rPr lang="it-IT" dirty="0">
+                <a:solidFill>
+                  <a:schemeClr val="tx1">
+                    <a:lumMod val="95000"/>
+                  </a:schemeClr>
+                </a:solidFill>
+              </a:rPr>
+              <a:t> abbiamo detto che contiene un insieme di librerie già sviluppate e pronte all’uso, vediamo di seguito come si importa una di queste librerie ed in seguito si utilizza un suo metodo.</a:t>
+            </a:r>
           </a:p>
         </p:txBody>
       </p:sp>
+      <p:pic>
+        <p:nvPicPr>
+          <p:cNvPr id="5" name="Immagine 4">
+            <a:extLst>
+              <a:ext uri="{FF2B5EF4-FFF2-40B4-BE49-F238E27FC236}">
+                <a16:creationId xmlns:a16="http://schemas.microsoft.com/office/drawing/2014/main" id="{9919B5AF-0617-4184-8AAA-59B4FC7C2646}"/>
+              </a:ext>
+            </a:extLst>
+          </p:cNvPr>
+          <p:cNvPicPr>
+            <a:picLocks noChangeAspect="1"/>
+          </p:cNvPicPr>
+          <p:nvPr/>
+        </p:nvPicPr>
+        <p:blipFill>
+          <a:blip r:embed="rId2"/>
+          <a:stretch>
+            <a:fillRect/>
+          </a:stretch>
+        </p:blipFill>
+        <p:spPr>
+          <a:xfrm>
+            <a:off x="1033725" y="3174483"/>
+            <a:ext cx="10945753" cy="2972215"/>
+          </a:xfrm>
+          <a:prstGeom prst="rect">
+            <a:avLst/>
+          </a:prstGeom>
+        </p:spPr>
+      </p:pic>
     </p:spTree>
     <p:extLst>
       <p:ext uri="{BB962C8B-B14F-4D97-AF65-F5344CB8AC3E}">
-        <p14:creationId xmlns:p14="http://schemas.microsoft.com/office/powerpoint/2010/main" val="1496653589"/>
+        <p14:creationId xmlns:p14="http://schemas.microsoft.com/office/powerpoint/2010/main" val="737883181"/>
       </p:ext>
     </p:extLst>
   </p:cSld>
@@ -13096,7 +13153,7 @@
           <a:p>
             <a:r>
               <a:rPr lang="it-IT" sz="4300" dirty="0"/>
-              <a:t>Tipologia dei dati in java</a:t>
+              <a:t>Import e concetto di package</a:t>
             </a:r>
           </a:p>
         </p:txBody>
@@ -13127,14 +13184,83 @@
           <a:bodyPr/>
           <a:lstStyle/>
           <a:p>
-            <a:endParaRPr lang="it-IT"/>
+            <a:r>
+              <a:rPr lang="it-IT" dirty="0">
+                <a:solidFill>
+                  <a:schemeClr val="tx1">
+                    <a:lumMod val="95000"/>
+                  </a:schemeClr>
+                </a:solidFill>
+              </a:rPr>
+              <a:t>Come abbiamo visto in precedenza nelle seguenti immagini, è stato utilizzata la parola package, vediamo il perché:</a:t>
+            </a:r>
           </a:p>
         </p:txBody>
       </p:sp>
+      <p:pic>
+        <p:nvPicPr>
+          <p:cNvPr id="4" name="Immagine 3">
+            <a:extLst>
+              <a:ext uri="{FF2B5EF4-FFF2-40B4-BE49-F238E27FC236}">
+                <a16:creationId xmlns:a16="http://schemas.microsoft.com/office/drawing/2014/main" id="{138EA3B7-CB4D-4C03-9A84-A386D9E09ED0}"/>
+              </a:ext>
+            </a:extLst>
+          </p:cNvPr>
+          <p:cNvPicPr>
+            <a:picLocks noChangeAspect="1"/>
+          </p:cNvPicPr>
+          <p:nvPr/>
+        </p:nvPicPr>
+        <p:blipFill>
+          <a:blip r:embed="rId2"/>
+          <a:stretch>
+            <a:fillRect/>
+          </a:stretch>
+        </p:blipFill>
+        <p:spPr>
+          <a:xfrm>
+            <a:off x="2214021" y="2481130"/>
+            <a:ext cx="7763958" cy="1895740"/>
+          </a:xfrm>
+          <a:prstGeom prst="rect">
+            <a:avLst/>
+          </a:prstGeom>
+        </p:spPr>
+      </p:pic>
+      <p:pic>
+        <p:nvPicPr>
+          <p:cNvPr id="5" name="Immagine 4">
+            <a:extLst>
+              <a:ext uri="{FF2B5EF4-FFF2-40B4-BE49-F238E27FC236}">
+                <a16:creationId xmlns:a16="http://schemas.microsoft.com/office/drawing/2014/main" id="{3F77DB60-E5BD-4C6B-82F7-DBCA3C510FDD}"/>
+              </a:ext>
+            </a:extLst>
+          </p:cNvPr>
+          <p:cNvPicPr>
+            <a:picLocks noChangeAspect="1"/>
+          </p:cNvPicPr>
+          <p:nvPr/>
+        </p:nvPicPr>
+        <p:blipFill>
+          <a:blip r:embed="rId3"/>
+          <a:stretch>
+            <a:fillRect/>
+          </a:stretch>
+        </p:blipFill>
+        <p:spPr>
+          <a:xfrm>
+            <a:off x="2214021" y="4632588"/>
+            <a:ext cx="7811590" cy="2076740"/>
+          </a:xfrm>
+          <a:prstGeom prst="rect">
+            <a:avLst/>
+          </a:prstGeom>
+        </p:spPr>
+      </p:pic>
     </p:spTree>
     <p:extLst>
       <p:ext uri="{BB962C8B-B14F-4D97-AF65-F5344CB8AC3E}">
-        <p14:creationId xmlns:p14="http://schemas.microsoft.com/office/powerpoint/2010/main" val="979557922"/>
+        <p14:creationId xmlns:p14="http://schemas.microsoft.com/office/powerpoint/2010/main" val="2033361500"/>
       </p:ext>
     </p:extLst>
   </p:cSld>
@@ -13166,7 +13292,7 @@
           <p:cNvPr id="2" name="Titolo 1">
             <a:extLst>
               <a:ext uri="{FF2B5EF4-FFF2-40B4-BE49-F238E27FC236}">
-                <a16:creationId xmlns:a16="http://schemas.microsoft.com/office/drawing/2014/main" id="{A6CF85A1-E457-4832-BCB1-61021474450D}"/>
+                <a16:creationId xmlns:a16="http://schemas.microsoft.com/office/drawing/2014/main" id="{C6753786-AD29-4A88-AC1C-11AC3057D22C}"/>
               </a:ext>
             </a:extLst>
           </p:cNvPr>
@@ -13177,29 +13303,15 @@
             <p:ph type="ctrTitle"/>
           </p:nvPr>
         </p:nvSpPr>
-        <p:spPr>
-          <a:xfrm>
-            <a:off x="1876423" y="711302"/>
-            <a:ext cx="10103055" cy="656103"/>
-          </a:xfrm>
-        </p:spPr>
+        <p:spPr/>
         <p:txBody>
-          <a:bodyPr>
-            <a:noAutofit/>
-          </a:bodyPr>
+          <a:bodyPr/>
           <a:lstStyle/>
           <a:p>
-            <a:r>
-              <a:rPr lang="it-IT" sz="4300" dirty="0"/>
-              <a:t>I </a:t>
-            </a:r>
-            <a:r>
-              <a:rPr lang="it-IT" sz="4300" dirty="0" err="1"/>
-              <a:t>wrapprer</a:t>
-            </a:r>
-            <a:r>
-              <a:rPr lang="it-IT" sz="4300" dirty="0"/>
-              <a:t> in java</a:t>
+            <a:pPr algn="r"/>
+            <a:r>
+              <a:rPr lang="it-IT" dirty="0"/>
+              <a:t>Unit 3</a:t>
             </a:r>
           </a:p>
         </p:txBody>
@@ -13209,7 +13321,7 @@
           <p:cNvPr id="3" name="Sottotitolo 2">
             <a:extLst>
               <a:ext uri="{FF2B5EF4-FFF2-40B4-BE49-F238E27FC236}">
-                <a16:creationId xmlns:a16="http://schemas.microsoft.com/office/drawing/2014/main" id="{66409AAA-04C6-4E69-9F24-FBCFD422D4E8}"/>
+                <a16:creationId xmlns:a16="http://schemas.microsoft.com/office/drawing/2014/main" id="{E3812A85-7B93-4D44-9999-B5293FB9C3EA}"/>
               </a:ext>
             </a:extLst>
           </p:cNvPr>
@@ -13220,24 +13332,49 @@
             <p:ph type="subTitle" idx="1"/>
           </p:nvPr>
         </p:nvSpPr>
-        <p:spPr>
-          <a:xfrm>
-            <a:off x="1876425" y="1555124"/>
-            <a:ext cx="9515826" cy="4115834"/>
-          </a:xfrm>
-        </p:spPr>
+        <p:spPr/>
         <p:txBody>
           <a:bodyPr/>
           <a:lstStyle/>
           <a:p>
-            <a:endParaRPr lang="it-IT"/>
+            <a:pPr algn="r"/>
+            <a:r>
+              <a:rPr lang="it-IT" dirty="0">
+                <a:solidFill>
+                  <a:schemeClr val="tx1">
+                    <a:lumMod val="95000"/>
+                  </a:schemeClr>
+                </a:solidFill>
+              </a:rPr>
+              <a:t>Linguaggi di programmazione, la </a:t>
+            </a:r>
+            <a:r>
+              <a:rPr lang="it-IT" dirty="0" err="1">
+                <a:solidFill>
+                  <a:schemeClr val="tx1">
+                    <a:lumMod val="95000"/>
+                  </a:schemeClr>
+                </a:solidFill>
+              </a:rPr>
+              <a:t>oop</a:t>
+            </a:r>
+            <a:r>
+              <a:rPr lang="it-IT" dirty="0">
+                <a:solidFill>
+                  <a:schemeClr val="tx1">
+                    <a:lumMod val="95000"/>
+                  </a:schemeClr>
+                </a:solidFill>
+              </a:rPr>
+              <a:t> e java parte 2</a:t>
+            </a:r>
           </a:p>
         </p:txBody>
       </p:sp>
     </p:spTree>
     <p:extLst>
       <p:ext uri="{BB962C8B-B14F-4D97-AF65-F5344CB8AC3E}">
-        <p14:creationId xmlns:p14="http://schemas.microsoft.com/office/powerpoint/2010/main" val="2567033275"/>
+        <p14:creationId xmlns:p14="http://schemas.microsoft.com/office/powerpoint/2010/main" val="1034672837"/>
       </p:ext>
     </p:extLst>
   </p:cSld>
@@ -13294,7 +13431,7 @@
           <a:p>
             <a:r>
               <a:rPr lang="it-IT" sz="4300" dirty="0"/>
-              <a:t>Tipologia di variabili e scope</a:t>
+              <a:t>Le variabili in java</a:t>
             </a:r>
           </a:p>
         </p:txBody>
@@ -13325,14 +13462,65 @@
           <a:bodyPr/>
           <a:lstStyle/>
           <a:p>
-            <a:endParaRPr lang="it-IT"/>
+            <a:r>
+              <a:rPr lang="it-IT" dirty="0">
+                <a:solidFill>
+                  <a:schemeClr val="tx1">
+                    <a:lumMod val="95000"/>
+                  </a:schemeClr>
+                </a:solidFill>
+              </a:rPr>
+              <a:t>Le variabili possono essere identificate come uno spazio di memoria al quale viene assegnato un nome ed un tipo di dato accettato.</a:t>
+            </a:r>
+          </a:p>
+          <a:p>
+            <a:r>
+              <a:rPr lang="it-IT" dirty="0">
+                <a:solidFill>
+                  <a:schemeClr val="tx1">
+                    <a:lumMod val="95000"/>
+                  </a:schemeClr>
+                </a:solidFill>
+              </a:rPr>
+              <a:t>Vediamo un loro utilizzo di seguito:</a:t>
+            </a:r>
           </a:p>
         </p:txBody>
       </p:sp>
+      <p:pic>
+        <p:nvPicPr>
+          <p:cNvPr id="4" name="Immagine 3">
+            <a:extLst>
+              <a:ext uri="{FF2B5EF4-FFF2-40B4-BE49-F238E27FC236}">
+                <a16:creationId xmlns:a16="http://schemas.microsoft.com/office/drawing/2014/main" id="{08876352-F7F8-41D3-900D-123E32BE75A6}"/>
+              </a:ext>
+            </a:extLst>
+          </p:cNvPr>
+          <p:cNvPicPr>
+            <a:picLocks noChangeAspect="1"/>
+          </p:cNvPicPr>
+          <p:nvPr/>
+        </p:nvPicPr>
+        <p:blipFill>
+          <a:blip r:embed="rId2"/>
+          <a:stretch>
+            <a:fillRect/>
+          </a:stretch>
+        </p:blipFill>
+        <p:spPr>
+          <a:xfrm>
+            <a:off x="1033725" y="3267462"/>
+            <a:ext cx="10945753" cy="2972215"/>
+          </a:xfrm>
+          <a:prstGeom prst="rect">
+            <a:avLst/>
+          </a:prstGeom>
+        </p:spPr>
+      </p:pic>
     </p:spTree>
     <p:extLst>
       <p:ext uri="{BB962C8B-B14F-4D97-AF65-F5344CB8AC3E}">
-        <p14:creationId xmlns:p14="http://schemas.microsoft.com/office/powerpoint/2010/main" val="3689290080"/>
+        <p14:creationId xmlns:p14="http://schemas.microsoft.com/office/powerpoint/2010/main" val="1775812485"/>
       </p:ext>
     </p:extLst>
   </p:cSld>
@@ -13389,7 +13577,7 @@
           <a:p>
             <a:r>
               <a:rPr lang="it-IT" sz="4300" dirty="0"/>
-              <a:t>Le variabili locali</a:t>
+              <a:t>Le costanti in java</a:t>
             </a:r>
           </a:p>
         </p:txBody>
@@ -13412,7 +13600,7 @@
         </p:nvSpPr>
         <p:spPr>
           <a:xfrm>
-            <a:off x="1876425" y="1555124"/>
+            <a:off x="1876423" y="1371083"/>
             <a:ext cx="9515826" cy="4115834"/>
           </a:xfrm>
         </p:spPr>
@@ -13420,14 +13608,89 @@
           <a:bodyPr/>
           <a:lstStyle/>
           <a:p>
-            <a:endParaRPr lang="it-IT"/>
+            <a:r>
+              <a:rPr lang="it-IT" dirty="0">
+                <a:solidFill>
+                  <a:schemeClr val="tx1">
+                    <a:lumMod val="95000"/>
+                  </a:schemeClr>
+                </a:solidFill>
+              </a:rPr>
+              <a:t>Le variabili come dice il loro nome possono avere un contenuto variabile.</a:t>
+            </a:r>
+          </a:p>
+          <a:p>
+            <a:r>
+              <a:rPr lang="it-IT" dirty="0">
+                <a:solidFill>
+                  <a:schemeClr val="tx1">
+                    <a:lumMod val="95000"/>
+                  </a:schemeClr>
+                </a:solidFill>
+              </a:rPr>
+              <a:t>Il contenuto delle variabili può essere modificato durante la fase di elaborazione del programma:</a:t>
+            </a:r>
+          </a:p>
+          <a:p>
+            <a:r>
+              <a:rPr lang="it-IT" dirty="0">
+                <a:solidFill>
+                  <a:schemeClr val="tx1">
+                    <a:lumMod val="95000"/>
+                  </a:schemeClr>
+                </a:solidFill>
+              </a:rPr>
+              <a:t>Esistono invece delle variabili che non possono modificare il proprio valore, queste prendono il nome di costanti.</a:t>
+            </a:r>
+          </a:p>
+          <a:p>
+            <a:r>
+              <a:rPr lang="it-IT" dirty="0">
+                <a:solidFill>
+                  <a:schemeClr val="tx1">
+                    <a:lumMod val="95000"/>
+                  </a:schemeClr>
+                </a:solidFill>
+              </a:rPr>
+              <a:t>Vediamo Un Esempio:</a:t>
+            </a:r>
           </a:p>
         </p:txBody>
       </p:sp>
+      <p:pic>
+        <p:nvPicPr>
+          <p:cNvPr id="5" name="Immagine 4">
+            <a:extLst>
+              <a:ext uri="{FF2B5EF4-FFF2-40B4-BE49-F238E27FC236}">
+                <a16:creationId xmlns:a16="http://schemas.microsoft.com/office/drawing/2014/main" id="{39A0E9A5-8E63-4F41-8D45-8CBCBE1D1B74}"/>
+              </a:ext>
+            </a:extLst>
+          </p:cNvPr>
+          <p:cNvPicPr>
+            <a:picLocks noChangeAspect="1"/>
+          </p:cNvPicPr>
+          <p:nvPr/>
+        </p:nvPicPr>
+        <p:blipFill>
+          <a:blip r:embed="rId2"/>
+          <a:stretch>
+            <a:fillRect/>
+          </a:stretch>
+        </p:blipFill>
+        <p:spPr>
+          <a:xfrm>
+            <a:off x="1210529" y="4243219"/>
+            <a:ext cx="10507541" cy="2410161"/>
+          </a:xfrm>
+          <a:prstGeom prst="rect">
+            <a:avLst/>
+          </a:prstGeom>
+        </p:spPr>
+      </p:pic>
     </p:spTree>
     <p:extLst>
       <p:ext uri="{BB962C8B-B14F-4D97-AF65-F5344CB8AC3E}">
-        <p14:creationId xmlns:p14="http://schemas.microsoft.com/office/powerpoint/2010/main" val="1086546404"/>
+        <p14:creationId xmlns:p14="http://schemas.microsoft.com/office/powerpoint/2010/main" val="1496653589"/>
       </p:ext>
     </p:extLst>
   </p:cSld>
@@ -13484,7 +13747,7 @@
           <a:p>
             <a:r>
               <a:rPr lang="it-IT" sz="4300" dirty="0"/>
-              <a:t>Le variabili di istanza</a:t>
+              <a:t>Tipologia dei dati in java</a:t>
             </a:r>
           </a:p>
         </p:txBody>
@@ -13523,15 +13786,69 @@
                   </a:schemeClr>
                 </a:solidFill>
               </a:rPr>
-              <a:t>qui</a:t>
+              <a:t>Il tipo di dato è un indicatore che esprime i valori che possono essere accettati da una variabile.</a:t>
+            </a:r>
+          </a:p>
+          <a:p>
+            <a:r>
+              <a:rPr lang="it-IT" dirty="0">
+                <a:solidFill>
+                  <a:schemeClr val="tx1">
+                    <a:lumMod val="95000"/>
+                  </a:schemeClr>
+                </a:solidFill>
+              </a:rPr>
+              <a:t>Vi sono diversi categorie diverse di tipi di dato come i tipi primitivi, tipi di dato strutturato ecc..</a:t>
+            </a:r>
+          </a:p>
+          <a:p>
+            <a:r>
+              <a:rPr lang="it-IT" dirty="0">
+                <a:solidFill>
+                  <a:schemeClr val="tx1">
+                    <a:lumMod val="95000"/>
+                  </a:schemeClr>
+                </a:solidFill>
+              </a:rPr>
+              <a:t>I tipi di dato primitivi sono:</a:t>
             </a:r>
           </a:p>
         </p:txBody>
       </p:sp>
+      <p:pic>
+        <p:nvPicPr>
+          <p:cNvPr id="5" name="Immagine 4">
+            <a:extLst>
+              <a:ext uri="{FF2B5EF4-FFF2-40B4-BE49-F238E27FC236}">
+                <a16:creationId xmlns:a16="http://schemas.microsoft.com/office/drawing/2014/main" id="{CC4B7772-3932-476D-8B13-9C4F128C147A}"/>
+              </a:ext>
+            </a:extLst>
+          </p:cNvPr>
+          <p:cNvPicPr>
+            <a:picLocks noChangeAspect="1"/>
+          </p:cNvPicPr>
+          <p:nvPr/>
+        </p:nvPicPr>
+        <p:blipFill>
+          <a:blip r:embed="rId2"/>
+          <a:stretch>
+            <a:fillRect/>
+          </a:stretch>
+        </p:blipFill>
+        <p:spPr>
+          <a:xfrm>
+            <a:off x="1876423" y="3800319"/>
+            <a:ext cx="9078592" cy="2229161"/>
+          </a:xfrm>
+          <a:prstGeom prst="rect">
+            <a:avLst/>
+          </a:prstGeom>
+        </p:spPr>
+      </p:pic>
     </p:spTree>
     <p:extLst>
       <p:ext uri="{BB962C8B-B14F-4D97-AF65-F5344CB8AC3E}">
-        <p14:creationId xmlns:p14="http://schemas.microsoft.com/office/powerpoint/2010/main" val="2647932667"/>
+        <p14:creationId xmlns:p14="http://schemas.microsoft.com/office/powerpoint/2010/main" val="979557922"/>
       </p:ext>
     </p:extLst>
   </p:cSld>
@@ -13576,7 +13893,7 @@
         </p:nvSpPr>
         <p:spPr>
           <a:xfrm>
-            <a:off x="1876423" y="711302"/>
+            <a:off x="1876425" y="432914"/>
             <a:ext cx="10103055" cy="656103"/>
           </a:xfrm>
         </p:spPr>
@@ -13588,7 +13905,15 @@
           <a:p>
             <a:r>
               <a:rPr lang="it-IT" sz="4300" dirty="0"/>
-              <a:t>Le variabili di classe</a:t>
+              <a:t>I </a:t>
+            </a:r>
+            <a:r>
+              <a:rPr lang="it-IT" sz="4300" dirty="0" err="1"/>
+              <a:t>wrapper</a:t>
+            </a:r>
+            <a:r>
+              <a:rPr lang="it-IT" sz="4300" dirty="0"/>
+              <a:t> in java</a:t>
             </a:r>
           </a:p>
         </p:txBody>
@@ -13611,22 +13936,107 @@
         </p:nvSpPr>
         <p:spPr>
           <a:xfrm>
-            <a:off x="1876425" y="1555124"/>
-            <a:ext cx="9515826" cy="4115834"/>
+            <a:off x="1876424" y="1089017"/>
+            <a:ext cx="10103055" cy="2517783"/>
           </a:xfrm>
         </p:spPr>
         <p:txBody>
-          <a:bodyPr/>
+          <a:bodyPr>
+            <a:normAutofit fontScale="92500" lnSpcReduction="20000"/>
+          </a:bodyPr>
           <a:lstStyle/>
           <a:p>
-            <a:endParaRPr lang="it-IT"/>
+            <a:r>
+              <a:rPr lang="it-IT" dirty="0">
+                <a:solidFill>
+                  <a:schemeClr val="tx1">
+                    <a:lumMod val="95000"/>
+                  </a:schemeClr>
+                </a:solidFill>
+              </a:rPr>
+              <a:t>Abbiamo visto che le variabili sono utilizzate anche per definire gli attributi di una classe, ma questi tipi di dato possono a loro volta identificare una classe?</a:t>
+            </a:r>
+          </a:p>
+          <a:p>
+            <a:r>
+              <a:rPr lang="it-IT" dirty="0">
+                <a:solidFill>
+                  <a:schemeClr val="tx1">
+                    <a:lumMod val="95000"/>
+                  </a:schemeClr>
+                </a:solidFill>
+              </a:rPr>
+              <a:t>La risposta è affermativa, queste classi sono già state definite e sono note con il nome di </a:t>
+            </a:r>
+            <a:r>
+              <a:rPr lang="it-IT" dirty="0" err="1">
+                <a:solidFill>
+                  <a:schemeClr val="tx1">
+                    <a:lumMod val="95000"/>
+                  </a:schemeClr>
+                </a:solidFill>
+              </a:rPr>
+              <a:t>wrapper</a:t>
+            </a:r>
+            <a:r>
+              <a:rPr lang="it-IT" dirty="0">
+                <a:solidFill>
+                  <a:schemeClr val="tx1">
+                    <a:lumMod val="95000"/>
+                  </a:schemeClr>
+                </a:solidFill>
+              </a:rPr>
+              <a:t>. (involucri).</a:t>
+            </a:r>
+          </a:p>
+          <a:p>
+            <a:r>
+              <a:rPr lang="it-IT" dirty="0">
+                <a:solidFill>
+                  <a:schemeClr val="tx1">
+                    <a:lumMod val="95000"/>
+                  </a:schemeClr>
+                </a:solidFill>
+              </a:rPr>
+              <a:t>Questo tipo speciale di classe viene utilizzato per trasformare un semplice numero in un oggetto, questa tecnica in alcuni casi è necessario utilizzare oggetti al posto delle variabili.</a:t>
+            </a:r>
           </a:p>
         </p:txBody>
       </p:sp>
+      <p:pic>
+        <p:nvPicPr>
+          <p:cNvPr id="5" name="Immagine 4">
+            <a:extLst>
+              <a:ext uri="{FF2B5EF4-FFF2-40B4-BE49-F238E27FC236}">
+                <a16:creationId xmlns:a16="http://schemas.microsoft.com/office/drawing/2014/main" id="{C3702712-40FE-4400-890C-BFBB9E0C3955}"/>
+              </a:ext>
+            </a:extLst>
+          </p:cNvPr>
+          <p:cNvPicPr>
+            <a:picLocks noChangeAspect="1"/>
+          </p:cNvPicPr>
+          <p:nvPr/>
+        </p:nvPicPr>
+        <p:blipFill>
+          <a:blip r:embed="rId2"/>
+          <a:stretch>
+            <a:fillRect/>
+          </a:stretch>
+        </p:blipFill>
+        <p:spPr>
+          <a:xfrm>
+            <a:off x="2469827" y="3757051"/>
+            <a:ext cx="8329022" cy="2895600"/>
+          </a:xfrm>
+          <a:prstGeom prst="rect">
+            <a:avLst/>
+          </a:prstGeom>
+        </p:spPr>
+      </p:pic>
     </p:spTree>
     <p:extLst>
       <p:ext uri="{BB962C8B-B14F-4D97-AF65-F5344CB8AC3E}">
-        <p14:creationId xmlns:p14="http://schemas.microsoft.com/office/powerpoint/2010/main" val="171747260"/>
+        <p14:creationId xmlns:p14="http://schemas.microsoft.com/office/powerpoint/2010/main" val="2567033275"/>
       </p:ext>
     </p:extLst>
   </p:cSld>
@@ -13671,23 +14081,19 @@
         </p:nvSpPr>
         <p:spPr>
           <a:xfrm>
-            <a:off x="1876424" y="1256587"/>
-            <a:ext cx="9515826" cy="656103"/>
+            <a:off x="1876423" y="711302"/>
+            <a:ext cx="10103055" cy="656103"/>
           </a:xfrm>
         </p:spPr>
         <p:txBody>
           <a:bodyPr>
-            <a:normAutofit fontScale="90000"/>
+            <a:noAutofit/>
           </a:bodyPr>
           <a:lstStyle/>
           <a:p>
             <a:r>
-              <a:rPr lang="it-IT" dirty="0" err="1"/>
-              <a:t>Literals</a:t>
-            </a:r>
-            <a:r>
-              <a:rPr lang="it-IT" dirty="0"/>
-              <a:t> e codifica di valori numerici e stringhe</a:t>
+              <a:rPr lang="it-IT" sz="4300" dirty="0"/>
+              <a:t>Tipologia di variabili e scope</a:t>
             </a:r>
           </a:p>
         </p:txBody>
@@ -13710,7 +14116,7 @@
         </p:nvSpPr>
         <p:spPr>
           <a:xfrm>
-            <a:off x="1876425" y="2100409"/>
+            <a:off x="1876425" y="1555124"/>
             <a:ext cx="9515826" cy="4115834"/>
           </a:xfrm>
         </p:spPr>
@@ -13718,14 +14124,94 @@
           <a:bodyPr/>
           <a:lstStyle/>
           <a:p>
-            <a:endParaRPr lang="it-IT"/>
+            <a:r>
+              <a:rPr lang="it-IT" dirty="0">
+                <a:solidFill>
+                  <a:schemeClr val="tx1">
+                    <a:lumMod val="95000"/>
+                  </a:schemeClr>
+                </a:solidFill>
+              </a:rPr>
+              <a:t>Nei precedenti esempi abbiamo notato la presenza di alcune parole chiave come Private, public, </a:t>
+            </a:r>
+            <a:r>
+              <a:rPr lang="it-IT" dirty="0" err="1">
+                <a:solidFill>
+                  <a:schemeClr val="tx1">
+                    <a:lumMod val="95000"/>
+                  </a:schemeClr>
+                </a:solidFill>
+              </a:rPr>
+              <a:t>protected</a:t>
+            </a:r>
+            <a:r>
+              <a:rPr lang="it-IT" dirty="0">
+                <a:solidFill>
+                  <a:schemeClr val="tx1">
+                    <a:lumMod val="95000"/>
+                  </a:schemeClr>
+                </a:solidFill>
+              </a:rPr>
+              <a:t>.</a:t>
+            </a:r>
+          </a:p>
+          <a:p>
+            <a:r>
+              <a:rPr lang="it-IT" dirty="0">
+                <a:solidFill>
+                  <a:schemeClr val="tx1">
+                    <a:lumMod val="95000"/>
+                  </a:schemeClr>
+                </a:solidFill>
+              </a:rPr>
+              <a:t>Queste parole chiave identificano la visibilità/raggiungibilità di un costrutto all’interno del file.</a:t>
+            </a:r>
+          </a:p>
+          <a:p>
+            <a:endParaRPr lang="it-IT" dirty="0">
+              <a:solidFill>
+                <a:schemeClr val="tx1">
+                  <a:lumMod val="95000"/>
+                </a:schemeClr>
+              </a:solidFill>
+            </a:endParaRPr>
           </a:p>
         </p:txBody>
       </p:sp>
+      <p:pic>
+        <p:nvPicPr>
+          <p:cNvPr id="5" name="Immagine 4">
+            <a:extLst>
+              <a:ext uri="{FF2B5EF4-FFF2-40B4-BE49-F238E27FC236}">
+                <a16:creationId xmlns:a16="http://schemas.microsoft.com/office/drawing/2014/main" id="{6A6E8C98-34A0-49FE-9502-A202386DEF7B}"/>
+              </a:ext>
+            </a:extLst>
+          </p:cNvPr>
+          <p:cNvPicPr>
+            <a:picLocks noChangeAspect="1"/>
+          </p:cNvPicPr>
+          <p:nvPr/>
+        </p:nvPicPr>
+        <p:blipFill>
+          <a:blip r:embed="rId2"/>
+          <a:stretch>
+            <a:fillRect/>
+          </a:stretch>
+        </p:blipFill>
+        <p:spPr>
+          <a:xfrm>
+            <a:off x="1387349" y="3276621"/>
+            <a:ext cx="9417301" cy="3182965"/>
+          </a:xfrm>
+          <a:prstGeom prst="rect">
+            <a:avLst/>
+          </a:prstGeom>
+        </p:spPr>
+      </p:pic>
     </p:spTree>
     <p:extLst>
       <p:ext uri="{BB962C8B-B14F-4D97-AF65-F5344CB8AC3E}">
-        <p14:creationId xmlns:p14="http://schemas.microsoft.com/office/powerpoint/2010/main" val="517010995"/>
+        <p14:creationId xmlns:p14="http://schemas.microsoft.com/office/powerpoint/2010/main" val="3689290080"/>
       </p:ext>
     </p:extLst>
   </p:cSld>
@@ -13782,7 +14268,7 @@
           <a:p>
             <a:r>
               <a:rPr lang="it-IT" sz="4300" dirty="0"/>
-              <a:t>Il boxing in java</a:t>
+              <a:t>Le variabili locali</a:t>
             </a:r>
           </a:p>
         </p:txBody>
@@ -13813,14 +14299,77 @@
           <a:bodyPr/>
           <a:lstStyle/>
           <a:p>
-            <a:endParaRPr lang="it-IT"/>
+            <a:r>
+              <a:rPr lang="it-IT" dirty="0">
+                <a:solidFill>
+                  <a:schemeClr val="tx1">
+                    <a:lumMod val="95000"/>
+                  </a:schemeClr>
+                </a:solidFill>
+              </a:rPr>
+              <a:t>A DIFFERENZA DELLE VARIABILI PRIVATE, PUBBLICHE E PROTETTE; Le variabili locali vengono viste ed utilizzate solo all’interno di un blocco di codice.</a:t>
+            </a:r>
+          </a:p>
+          <a:p>
+            <a:r>
+              <a:rPr lang="it-IT" dirty="0">
+                <a:solidFill>
+                  <a:schemeClr val="tx1">
+                    <a:lumMod val="95000"/>
+                  </a:schemeClr>
+                </a:solidFill>
+              </a:rPr>
+              <a:t>Per scriverne una basta non inserire il modificatore di visibilità</a:t>
+            </a:r>
+          </a:p>
+          <a:p>
+            <a:r>
+              <a:rPr lang="it-IT" dirty="0">
+                <a:solidFill>
+                  <a:schemeClr val="tx1">
+                    <a:lumMod val="95000"/>
+                  </a:schemeClr>
+                </a:solidFill>
+              </a:rPr>
+              <a:t>Esempio:</a:t>
+            </a:r>
           </a:p>
         </p:txBody>
       </p:sp>
+      <p:pic>
+        <p:nvPicPr>
+          <p:cNvPr id="5" name="Immagine 4">
+            <a:extLst>
+              <a:ext uri="{FF2B5EF4-FFF2-40B4-BE49-F238E27FC236}">
+                <a16:creationId xmlns:a16="http://schemas.microsoft.com/office/drawing/2014/main" id="{39C65308-62D7-41F8-856F-F59AA5D897EF}"/>
+              </a:ext>
+            </a:extLst>
+          </p:cNvPr>
+          <p:cNvPicPr>
+            <a:picLocks noChangeAspect="1"/>
+          </p:cNvPicPr>
+          <p:nvPr/>
+        </p:nvPicPr>
+        <p:blipFill>
+          <a:blip r:embed="rId2"/>
+          <a:stretch>
+            <a:fillRect/>
+          </a:stretch>
+        </p:blipFill>
+        <p:spPr>
+          <a:xfrm>
+            <a:off x="1446763" y="2972199"/>
+            <a:ext cx="9945488" cy="2886478"/>
+          </a:xfrm>
+          <a:prstGeom prst="rect">
+            <a:avLst/>
+          </a:prstGeom>
+        </p:spPr>
+      </p:pic>
     </p:spTree>
     <p:extLst>
       <p:ext uri="{BB962C8B-B14F-4D97-AF65-F5344CB8AC3E}">
-        <p14:creationId xmlns:p14="http://schemas.microsoft.com/office/powerpoint/2010/main" val="1349329975"/>
+        <p14:creationId xmlns:p14="http://schemas.microsoft.com/office/powerpoint/2010/main" val="1086546404"/>
       </p:ext>
     </p:extLst>
   </p:cSld>
@@ -14076,10 +14625,9 @@
           <a:lstStyle/>
           <a:p>
             <a:r>
-              <a:rPr lang="it-IT" sz="4300" dirty="0" err="1"/>
-              <a:t>autoboxing</a:t>
-            </a:r>
-            <a:endParaRPr lang="it-IT" sz="4300" dirty="0"/>
+              <a:rPr lang="it-IT" sz="4300" dirty="0"/>
+              <a:t>Le variabili di istanza</a:t>
+            </a:r>
           </a:p>
         </p:txBody>
       </p:sp>
@@ -14109,14 +14657,53 @@
           <a:bodyPr/>
           <a:lstStyle/>
           <a:p>
-            <a:endParaRPr lang="it-IT"/>
+            <a:r>
+              <a:rPr lang="it-IT" dirty="0">
+                <a:solidFill>
+                  <a:schemeClr val="tx1">
+                    <a:lumMod val="95000"/>
+                  </a:schemeClr>
+                </a:solidFill>
+              </a:rPr>
+              <a:t>Le variabili d’istanza o variabili globali sono delle variabili della quale non è specificata la loro visibilità dichiarate all’esterno dei metodi della classe e quindi disponibili a tutti essi.</a:t>
+            </a:r>
           </a:p>
         </p:txBody>
       </p:sp>
+      <p:pic>
+        <p:nvPicPr>
+          <p:cNvPr id="5" name="Immagine 4">
+            <a:extLst>
+              <a:ext uri="{FF2B5EF4-FFF2-40B4-BE49-F238E27FC236}">
+                <a16:creationId xmlns:a16="http://schemas.microsoft.com/office/drawing/2014/main" id="{29AE681C-C1CA-482E-A8B4-7A1A83638AE4}"/>
+              </a:ext>
+            </a:extLst>
+          </p:cNvPr>
+          <p:cNvPicPr>
+            <a:picLocks noChangeAspect="1"/>
+          </p:cNvPicPr>
+          <p:nvPr/>
+        </p:nvPicPr>
+        <p:blipFill>
+          <a:blip r:embed="rId2"/>
+          <a:stretch>
+            <a:fillRect/>
+          </a:stretch>
+        </p:blipFill>
+        <p:spPr>
+          <a:xfrm>
+            <a:off x="1037131" y="2974745"/>
+            <a:ext cx="10355120" cy="3296110"/>
+          </a:xfrm>
+          <a:prstGeom prst="rect">
+            <a:avLst/>
+          </a:prstGeom>
+        </p:spPr>
+      </p:pic>
     </p:spTree>
     <p:extLst>
       <p:ext uri="{BB962C8B-B14F-4D97-AF65-F5344CB8AC3E}">
-        <p14:creationId xmlns:p14="http://schemas.microsoft.com/office/powerpoint/2010/main" val="423864529"/>
+        <p14:creationId xmlns:p14="http://schemas.microsoft.com/office/powerpoint/2010/main" val="2647932667"/>
       </p:ext>
     </p:extLst>
   </p:cSld>
@@ -14172,10 +14759,9 @@
           <a:lstStyle/>
           <a:p>
             <a:r>
-              <a:rPr lang="it-IT" sz="4300" dirty="0" err="1"/>
-              <a:t>unboxing</a:t>
-            </a:r>
-            <a:endParaRPr lang="it-IT" sz="4300" dirty="0"/>
+              <a:rPr lang="it-IT" sz="4300" dirty="0"/>
+              <a:t>Le variabili di classe</a:t>
+            </a:r>
           </a:p>
         </p:txBody>
       </p:sp>
@@ -14212,7 +14798,7 @@
     </p:spTree>
     <p:extLst>
       <p:ext uri="{BB962C8B-B14F-4D97-AF65-F5344CB8AC3E}">
-        <p14:creationId xmlns:p14="http://schemas.microsoft.com/office/powerpoint/2010/main" val="1886187167"/>
+        <p14:creationId xmlns:p14="http://schemas.microsoft.com/office/powerpoint/2010/main" val="171747260"/>
       </p:ext>
     </p:extLst>
   </p:cSld>
@@ -14257,19 +14843,23 @@
         </p:nvSpPr>
         <p:spPr>
           <a:xfrm>
-            <a:off x="1876423" y="711302"/>
-            <a:ext cx="10103055" cy="656103"/>
+            <a:off x="1876424" y="1256587"/>
+            <a:ext cx="9515826" cy="656103"/>
           </a:xfrm>
         </p:spPr>
         <p:txBody>
           <a:bodyPr>
-            <a:noAutofit/>
+            <a:normAutofit fontScale="90000"/>
           </a:bodyPr>
           <a:lstStyle/>
           <a:p>
             <a:r>
-              <a:rPr lang="it-IT" sz="4300" dirty="0"/>
-              <a:t>casting</a:t>
+              <a:rPr lang="it-IT" dirty="0" err="1"/>
+              <a:t>Literals</a:t>
+            </a:r>
+            <a:r>
+              <a:rPr lang="it-IT" dirty="0"/>
+              <a:t> e codifica di valori numerici e stringhe</a:t>
             </a:r>
           </a:p>
         </p:txBody>
@@ -14292,7 +14882,7 @@
         </p:nvSpPr>
         <p:spPr>
           <a:xfrm>
-            <a:off x="1876425" y="1555124"/>
+            <a:off x="1876425" y="2100409"/>
             <a:ext cx="9515826" cy="4115834"/>
           </a:xfrm>
         </p:spPr>
@@ -14307,7 +14897,7 @@
     </p:spTree>
     <p:extLst>
       <p:ext uri="{BB962C8B-B14F-4D97-AF65-F5344CB8AC3E}">
-        <p14:creationId xmlns:p14="http://schemas.microsoft.com/office/powerpoint/2010/main" val="1710361079"/>
+        <p14:creationId xmlns:p14="http://schemas.microsoft.com/office/powerpoint/2010/main" val="517010995"/>
       </p:ext>
     </p:extLst>
   </p:cSld>
@@ -14364,7 +14954,7 @@
           <a:p>
             <a:r>
               <a:rPr lang="it-IT" sz="4300" dirty="0"/>
-              <a:t>Modificatori di visibilità</a:t>
+              <a:t>Il boxing in java</a:t>
             </a:r>
           </a:p>
         </p:txBody>
@@ -14402,7 +14992,7 @@
     </p:spTree>
     <p:extLst>
       <p:ext uri="{BB962C8B-B14F-4D97-AF65-F5344CB8AC3E}">
-        <p14:creationId xmlns:p14="http://schemas.microsoft.com/office/powerpoint/2010/main" val="2424196560"/>
+        <p14:creationId xmlns:p14="http://schemas.microsoft.com/office/powerpoint/2010/main" val="1349329975"/>
       </p:ext>
     </p:extLst>
   </p:cSld>
@@ -14458,9 +15048,10 @@
           <a:lstStyle/>
           <a:p>
             <a:r>
-              <a:rPr lang="it-IT" sz="4300" dirty="0"/>
-              <a:t>Modificatori di visibilità public</a:t>
-            </a:r>
+              <a:rPr lang="it-IT" sz="4300" dirty="0" err="1"/>
+              <a:t>autoboxing</a:t>
+            </a:r>
+            <a:endParaRPr lang="it-IT" sz="4300" dirty="0"/>
           </a:p>
         </p:txBody>
       </p:sp>
@@ -14497,7 +15088,7 @@
     </p:spTree>
     <p:extLst>
       <p:ext uri="{BB962C8B-B14F-4D97-AF65-F5344CB8AC3E}">
-        <p14:creationId xmlns:p14="http://schemas.microsoft.com/office/powerpoint/2010/main" val="2938427526"/>
+        <p14:creationId xmlns:p14="http://schemas.microsoft.com/office/powerpoint/2010/main" val="423864529"/>
       </p:ext>
     </p:extLst>
   </p:cSld>
@@ -14553,9 +15144,10 @@
           <a:lstStyle/>
           <a:p>
             <a:r>
-              <a:rPr lang="it-IT" sz="4300" dirty="0"/>
-              <a:t>Modificatori di visibilità private</a:t>
-            </a:r>
+              <a:rPr lang="it-IT" sz="4300" dirty="0" err="1"/>
+              <a:t>unboxing</a:t>
+            </a:r>
+            <a:endParaRPr lang="it-IT" sz="4300" dirty="0"/>
           </a:p>
         </p:txBody>
       </p:sp>
@@ -14592,7 +15184,7 @@
     </p:spTree>
     <p:extLst>
       <p:ext uri="{BB962C8B-B14F-4D97-AF65-F5344CB8AC3E}">
-        <p14:creationId xmlns:p14="http://schemas.microsoft.com/office/powerpoint/2010/main" val="970912843"/>
+        <p14:creationId xmlns:p14="http://schemas.microsoft.com/office/powerpoint/2010/main" val="1886187167"/>
       </p:ext>
     </p:extLst>
   </p:cSld>
@@ -14649,13 +15241,8 @@
           <a:p>
             <a:r>
               <a:rPr lang="it-IT" sz="4300" dirty="0"/>
-              <a:t>Modificatori di visibilità </a:t>
-            </a:r>
-            <a:r>
-              <a:rPr lang="it-IT" sz="4300" dirty="0" err="1"/>
-              <a:t>protected</a:t>
-            </a:r>
-            <a:endParaRPr lang="it-IT" sz="4300" dirty="0"/>
+              <a:t>casting</a:t>
+            </a:r>
           </a:p>
         </p:txBody>
       </p:sp>
@@ -14692,7 +15279,7 @@
     </p:spTree>
     <p:extLst>
       <p:ext uri="{BB962C8B-B14F-4D97-AF65-F5344CB8AC3E}">
-        <p14:creationId xmlns:p14="http://schemas.microsoft.com/office/powerpoint/2010/main" val="3215785069"/>
+        <p14:creationId xmlns:p14="http://schemas.microsoft.com/office/powerpoint/2010/main" val="1710361079"/>
       </p:ext>
     </p:extLst>
   </p:cSld>
@@ -14749,7 +15336,7 @@
           <a:p>
             <a:r>
               <a:rPr lang="it-IT" sz="4300" dirty="0"/>
-              <a:t>Modificatori di visibilità default</a:t>
+              <a:t>Modificatori di visibilità</a:t>
             </a:r>
           </a:p>
         </p:txBody>
@@ -14787,7 +15374,7 @@
     </p:spTree>
     <p:extLst>
       <p:ext uri="{BB962C8B-B14F-4D97-AF65-F5344CB8AC3E}">
-        <p14:creationId xmlns:p14="http://schemas.microsoft.com/office/powerpoint/2010/main" val="2247736885"/>
+        <p14:creationId xmlns:p14="http://schemas.microsoft.com/office/powerpoint/2010/main" val="2424196560"/>
       </p:ext>
     </p:extLst>
   </p:cSld>
@@ -14844,7 +15431,7 @@
           <a:p>
             <a:r>
               <a:rPr lang="it-IT" sz="4300" dirty="0"/>
-              <a:t>Definizione di un metodo in java</a:t>
+              <a:t>Modificatori di visibilità public</a:t>
             </a:r>
           </a:p>
         </p:txBody>
@@ -14882,7 +15469,7 @@
     </p:spTree>
     <p:extLst>
       <p:ext uri="{BB962C8B-B14F-4D97-AF65-F5344CB8AC3E}">
-        <p14:creationId xmlns:p14="http://schemas.microsoft.com/office/powerpoint/2010/main" val="4240462642"/>
+        <p14:creationId xmlns:p14="http://schemas.microsoft.com/office/powerpoint/2010/main" val="2938427526"/>
       </p:ext>
     </p:extLst>
   </p:cSld>
@@ -14939,7 +15526,7 @@
           <a:p>
             <a:r>
               <a:rPr lang="it-IT" sz="4300" dirty="0"/>
-              <a:t>I parametri</a:t>
+              <a:t>Modificatori di visibilità private</a:t>
             </a:r>
           </a:p>
         </p:txBody>
@@ -14977,7 +15564,7 @@
     </p:spTree>
     <p:extLst>
       <p:ext uri="{BB962C8B-B14F-4D97-AF65-F5344CB8AC3E}">
-        <p14:creationId xmlns:p14="http://schemas.microsoft.com/office/powerpoint/2010/main" val="3425414071"/>
+        <p14:creationId xmlns:p14="http://schemas.microsoft.com/office/powerpoint/2010/main" val="970912843"/>
       </p:ext>
     </p:extLst>
   </p:cSld>
@@ -15221,8 +15808,13 @@
           <a:p>
             <a:r>
               <a:rPr lang="it-IT" sz="4300" dirty="0"/>
-              <a:t>Richiamare un metodo</a:t>
-            </a:r>
+              <a:t>Modificatori di visibilità </a:t>
+            </a:r>
+            <a:r>
+              <a:rPr lang="it-IT" sz="4300" dirty="0" err="1"/>
+              <a:t>protected</a:t>
+            </a:r>
+            <a:endParaRPr lang="it-IT" sz="4300" dirty="0"/>
           </a:p>
         </p:txBody>
       </p:sp>
@@ -15259,7 +15851,7 @@
     </p:spTree>
     <p:extLst>
       <p:ext uri="{BB962C8B-B14F-4D97-AF65-F5344CB8AC3E}">
-        <p14:creationId xmlns:p14="http://schemas.microsoft.com/office/powerpoint/2010/main" val="457099950"/>
+        <p14:creationId xmlns:p14="http://schemas.microsoft.com/office/powerpoint/2010/main" val="3215785069"/>
       </p:ext>
     </p:extLst>
   </p:cSld>
@@ -15304,26 +15896,19 @@
         </p:nvSpPr>
         <p:spPr>
           <a:xfrm>
-            <a:off x="1876424" y="1256587"/>
-            <a:ext cx="9515826" cy="656103"/>
+            <a:off x="1876423" y="711302"/>
+            <a:ext cx="10103055" cy="656103"/>
           </a:xfrm>
         </p:spPr>
         <p:txBody>
           <a:bodyPr>
-            <a:normAutofit fontScale="90000"/>
+            <a:noAutofit/>
           </a:bodyPr>
           <a:lstStyle/>
           <a:p>
             <a:r>
-              <a:rPr lang="it-IT" dirty="0"/>
-              <a:t>Return ed il valore di ritorno</a:t>
-            </a:r>
-            <a:br>
-              <a:rPr lang="it-IT" dirty="0"/>
-            </a:br>
-            <a:r>
-              <a:rPr lang="it-IT" dirty="0"/>
-              <a:t>del metodo</a:t>
+              <a:rPr lang="it-IT" sz="4300" dirty="0"/>
+              <a:t>Modificatori di visibilità default</a:t>
             </a:r>
           </a:p>
         </p:txBody>
@@ -15346,7 +15931,7 @@
         </p:nvSpPr>
         <p:spPr>
           <a:xfrm>
-            <a:off x="1876425" y="2100409"/>
+            <a:off x="1876425" y="1555124"/>
             <a:ext cx="9515826" cy="4115834"/>
           </a:xfrm>
         </p:spPr>
@@ -15361,7 +15946,7 @@
     </p:spTree>
     <p:extLst>
       <p:ext uri="{BB962C8B-B14F-4D97-AF65-F5344CB8AC3E}">
-        <p14:creationId xmlns:p14="http://schemas.microsoft.com/office/powerpoint/2010/main" val="1664109156"/>
+        <p14:creationId xmlns:p14="http://schemas.microsoft.com/office/powerpoint/2010/main" val="2247736885"/>
       </p:ext>
     </p:extLst>
   </p:cSld>
@@ -15418,7 +16003,7 @@
           <a:p>
             <a:r>
               <a:rPr lang="it-IT" sz="4300" dirty="0"/>
-              <a:t>Signature e la firma dei metodi</a:t>
+              <a:t>Definizione di un metodo in java</a:t>
             </a:r>
           </a:p>
         </p:txBody>
@@ -15456,7 +16041,7 @@
     </p:spTree>
     <p:extLst>
       <p:ext uri="{BB962C8B-B14F-4D97-AF65-F5344CB8AC3E}">
-        <p14:creationId xmlns:p14="http://schemas.microsoft.com/office/powerpoint/2010/main" val="3107471358"/>
+        <p14:creationId xmlns:p14="http://schemas.microsoft.com/office/powerpoint/2010/main" val="4240462642"/>
       </p:ext>
     </p:extLst>
   </p:cSld>
@@ -15513,7 +16098,7 @@
           <a:p>
             <a:r>
               <a:rPr lang="it-IT" sz="4300" dirty="0"/>
-              <a:t>I getter e i setter</a:t>
+              <a:t>I parametri</a:t>
             </a:r>
           </a:p>
         </p:txBody>
@@ -15551,7 +16136,7 @@
     </p:spTree>
     <p:extLst>
       <p:ext uri="{BB962C8B-B14F-4D97-AF65-F5344CB8AC3E}">
-        <p14:creationId xmlns:p14="http://schemas.microsoft.com/office/powerpoint/2010/main" val="2046674380"/>
+        <p14:creationId xmlns:p14="http://schemas.microsoft.com/office/powerpoint/2010/main" val="3425414071"/>
       </p:ext>
     </p:extLst>
   </p:cSld>
@@ -15583,6 +16168,393 @@
           <p:cNvPr id="2" name="Titolo 1">
             <a:extLst>
               <a:ext uri="{FF2B5EF4-FFF2-40B4-BE49-F238E27FC236}">
+                <a16:creationId xmlns:a16="http://schemas.microsoft.com/office/drawing/2014/main" id="{A6CF85A1-E457-4832-BCB1-61021474450D}"/>
+              </a:ext>
+            </a:extLst>
+          </p:cNvPr>
+          <p:cNvSpPr>
+            <a:spLocks noGrp="1"/>
+          </p:cNvSpPr>
+          <p:nvPr>
+            <p:ph type="ctrTitle"/>
+          </p:nvPr>
+        </p:nvSpPr>
+        <p:spPr>
+          <a:xfrm>
+            <a:off x="1876423" y="711302"/>
+            <a:ext cx="10103055" cy="656103"/>
+          </a:xfrm>
+        </p:spPr>
+        <p:txBody>
+          <a:bodyPr>
+            <a:noAutofit/>
+          </a:bodyPr>
+          <a:lstStyle/>
+          <a:p>
+            <a:r>
+              <a:rPr lang="it-IT" sz="4300" dirty="0"/>
+              <a:t>Richiamare un metodo</a:t>
+            </a:r>
+          </a:p>
+        </p:txBody>
+      </p:sp>
+      <p:sp>
+        <p:nvSpPr>
+          <p:cNvPr id="3" name="Sottotitolo 2">
+            <a:extLst>
+              <a:ext uri="{FF2B5EF4-FFF2-40B4-BE49-F238E27FC236}">
+                <a16:creationId xmlns:a16="http://schemas.microsoft.com/office/drawing/2014/main" id="{66409AAA-04C6-4E69-9F24-FBCFD422D4E8}"/>
+              </a:ext>
+            </a:extLst>
+          </p:cNvPr>
+          <p:cNvSpPr>
+            <a:spLocks noGrp="1"/>
+          </p:cNvSpPr>
+          <p:nvPr>
+            <p:ph type="subTitle" idx="1"/>
+          </p:nvPr>
+        </p:nvSpPr>
+        <p:spPr>
+          <a:xfrm>
+            <a:off x="1876425" y="1555124"/>
+            <a:ext cx="9515826" cy="4115834"/>
+          </a:xfrm>
+        </p:spPr>
+        <p:txBody>
+          <a:bodyPr/>
+          <a:lstStyle/>
+          <a:p>
+            <a:endParaRPr lang="it-IT"/>
+          </a:p>
+        </p:txBody>
+      </p:sp>
+    </p:spTree>
+    <p:extLst>
+      <p:ext uri="{BB962C8B-B14F-4D97-AF65-F5344CB8AC3E}">
+        <p14:creationId xmlns:p14="http://schemas.microsoft.com/office/powerpoint/2010/main" val="457099950"/>
+      </p:ext>
+    </p:extLst>
+  </p:cSld>
+  <p:clrMapOvr>
+    <a:masterClrMapping/>
+  </p:clrMapOvr>
+</p:sld>
+</file>
+
+<file path=ppt/slides/slide125.xml><?xml version="1.0" encoding="utf-8"?>
+<p:sld xmlns:a="http://schemas.openxmlformats.org/drawingml/2006/main" xmlns:r="http://schemas.openxmlformats.org/officeDocument/2006/relationships" xmlns:p="http://schemas.openxmlformats.org/presentationml/2006/main">
+  <p:cSld>
+    <p:spTree>
+      <p:nvGrpSpPr>
+        <p:cNvPr id="1" name=""/>
+        <p:cNvGrpSpPr/>
+        <p:nvPr/>
+      </p:nvGrpSpPr>
+      <p:grpSpPr>
+        <a:xfrm>
+          <a:off x="0" y="0"/>
+          <a:ext cx="0" cy="0"/>
+          <a:chOff x="0" y="0"/>
+          <a:chExt cx="0" cy="0"/>
+        </a:xfrm>
+      </p:grpSpPr>
+      <p:sp>
+        <p:nvSpPr>
+          <p:cNvPr id="2" name="Titolo 1">
+            <a:extLst>
+              <a:ext uri="{FF2B5EF4-FFF2-40B4-BE49-F238E27FC236}">
+                <a16:creationId xmlns:a16="http://schemas.microsoft.com/office/drawing/2014/main" id="{A6CF85A1-E457-4832-BCB1-61021474450D}"/>
+              </a:ext>
+            </a:extLst>
+          </p:cNvPr>
+          <p:cNvSpPr>
+            <a:spLocks noGrp="1"/>
+          </p:cNvSpPr>
+          <p:nvPr>
+            <p:ph type="ctrTitle"/>
+          </p:nvPr>
+        </p:nvSpPr>
+        <p:spPr>
+          <a:xfrm>
+            <a:off x="1876424" y="1256587"/>
+            <a:ext cx="9515826" cy="656103"/>
+          </a:xfrm>
+        </p:spPr>
+        <p:txBody>
+          <a:bodyPr>
+            <a:normAutofit fontScale="90000"/>
+          </a:bodyPr>
+          <a:lstStyle/>
+          <a:p>
+            <a:r>
+              <a:rPr lang="it-IT" dirty="0"/>
+              <a:t>Return ed il valore di ritorno</a:t>
+            </a:r>
+            <a:br>
+              <a:rPr lang="it-IT" dirty="0"/>
+            </a:br>
+            <a:r>
+              <a:rPr lang="it-IT" dirty="0"/>
+              <a:t>del metodo</a:t>
+            </a:r>
+          </a:p>
+        </p:txBody>
+      </p:sp>
+      <p:sp>
+        <p:nvSpPr>
+          <p:cNvPr id="3" name="Sottotitolo 2">
+            <a:extLst>
+              <a:ext uri="{FF2B5EF4-FFF2-40B4-BE49-F238E27FC236}">
+                <a16:creationId xmlns:a16="http://schemas.microsoft.com/office/drawing/2014/main" id="{66409AAA-04C6-4E69-9F24-FBCFD422D4E8}"/>
+              </a:ext>
+            </a:extLst>
+          </p:cNvPr>
+          <p:cNvSpPr>
+            <a:spLocks noGrp="1"/>
+          </p:cNvSpPr>
+          <p:nvPr>
+            <p:ph type="subTitle" idx="1"/>
+          </p:nvPr>
+        </p:nvSpPr>
+        <p:spPr>
+          <a:xfrm>
+            <a:off x="1876425" y="2100409"/>
+            <a:ext cx="9515826" cy="4115834"/>
+          </a:xfrm>
+        </p:spPr>
+        <p:txBody>
+          <a:bodyPr/>
+          <a:lstStyle/>
+          <a:p>
+            <a:endParaRPr lang="it-IT"/>
+          </a:p>
+        </p:txBody>
+      </p:sp>
+    </p:spTree>
+    <p:extLst>
+      <p:ext uri="{BB962C8B-B14F-4D97-AF65-F5344CB8AC3E}">
+        <p14:creationId xmlns:p14="http://schemas.microsoft.com/office/powerpoint/2010/main" val="1664109156"/>
+      </p:ext>
+    </p:extLst>
+  </p:cSld>
+  <p:clrMapOvr>
+    <a:masterClrMapping/>
+  </p:clrMapOvr>
+</p:sld>
+</file>
+
+<file path=ppt/slides/slide126.xml><?xml version="1.0" encoding="utf-8"?>
+<p:sld xmlns:a="http://schemas.openxmlformats.org/drawingml/2006/main" xmlns:r="http://schemas.openxmlformats.org/officeDocument/2006/relationships" xmlns:p="http://schemas.openxmlformats.org/presentationml/2006/main">
+  <p:cSld>
+    <p:spTree>
+      <p:nvGrpSpPr>
+        <p:cNvPr id="1" name=""/>
+        <p:cNvGrpSpPr/>
+        <p:nvPr/>
+      </p:nvGrpSpPr>
+      <p:grpSpPr>
+        <a:xfrm>
+          <a:off x="0" y="0"/>
+          <a:ext cx="0" cy="0"/>
+          <a:chOff x="0" y="0"/>
+          <a:chExt cx="0" cy="0"/>
+        </a:xfrm>
+      </p:grpSpPr>
+      <p:sp>
+        <p:nvSpPr>
+          <p:cNvPr id="2" name="Titolo 1">
+            <a:extLst>
+              <a:ext uri="{FF2B5EF4-FFF2-40B4-BE49-F238E27FC236}">
+                <a16:creationId xmlns:a16="http://schemas.microsoft.com/office/drawing/2014/main" id="{A6CF85A1-E457-4832-BCB1-61021474450D}"/>
+              </a:ext>
+            </a:extLst>
+          </p:cNvPr>
+          <p:cNvSpPr>
+            <a:spLocks noGrp="1"/>
+          </p:cNvSpPr>
+          <p:nvPr>
+            <p:ph type="ctrTitle"/>
+          </p:nvPr>
+        </p:nvSpPr>
+        <p:spPr>
+          <a:xfrm>
+            <a:off x="1876423" y="711302"/>
+            <a:ext cx="10103055" cy="656103"/>
+          </a:xfrm>
+        </p:spPr>
+        <p:txBody>
+          <a:bodyPr>
+            <a:noAutofit/>
+          </a:bodyPr>
+          <a:lstStyle/>
+          <a:p>
+            <a:r>
+              <a:rPr lang="it-IT" sz="4300" dirty="0"/>
+              <a:t>Signature e la firma dei metodi</a:t>
+            </a:r>
+          </a:p>
+        </p:txBody>
+      </p:sp>
+      <p:sp>
+        <p:nvSpPr>
+          <p:cNvPr id="3" name="Sottotitolo 2">
+            <a:extLst>
+              <a:ext uri="{FF2B5EF4-FFF2-40B4-BE49-F238E27FC236}">
+                <a16:creationId xmlns:a16="http://schemas.microsoft.com/office/drawing/2014/main" id="{66409AAA-04C6-4E69-9F24-FBCFD422D4E8}"/>
+              </a:ext>
+            </a:extLst>
+          </p:cNvPr>
+          <p:cNvSpPr>
+            <a:spLocks noGrp="1"/>
+          </p:cNvSpPr>
+          <p:nvPr>
+            <p:ph type="subTitle" idx="1"/>
+          </p:nvPr>
+        </p:nvSpPr>
+        <p:spPr>
+          <a:xfrm>
+            <a:off x="1876425" y="1555124"/>
+            <a:ext cx="9515826" cy="4115834"/>
+          </a:xfrm>
+        </p:spPr>
+        <p:txBody>
+          <a:bodyPr/>
+          <a:lstStyle/>
+          <a:p>
+            <a:endParaRPr lang="it-IT"/>
+          </a:p>
+        </p:txBody>
+      </p:sp>
+    </p:spTree>
+    <p:extLst>
+      <p:ext uri="{BB962C8B-B14F-4D97-AF65-F5344CB8AC3E}">
+        <p14:creationId xmlns:p14="http://schemas.microsoft.com/office/powerpoint/2010/main" val="3107471358"/>
+      </p:ext>
+    </p:extLst>
+  </p:cSld>
+  <p:clrMapOvr>
+    <a:masterClrMapping/>
+  </p:clrMapOvr>
+</p:sld>
+</file>
+
+<file path=ppt/slides/slide127.xml><?xml version="1.0" encoding="utf-8"?>
+<p:sld xmlns:a="http://schemas.openxmlformats.org/drawingml/2006/main" xmlns:r="http://schemas.openxmlformats.org/officeDocument/2006/relationships" xmlns:p="http://schemas.openxmlformats.org/presentationml/2006/main">
+  <p:cSld>
+    <p:spTree>
+      <p:nvGrpSpPr>
+        <p:cNvPr id="1" name=""/>
+        <p:cNvGrpSpPr/>
+        <p:nvPr/>
+      </p:nvGrpSpPr>
+      <p:grpSpPr>
+        <a:xfrm>
+          <a:off x="0" y="0"/>
+          <a:ext cx="0" cy="0"/>
+          <a:chOff x="0" y="0"/>
+          <a:chExt cx="0" cy="0"/>
+        </a:xfrm>
+      </p:grpSpPr>
+      <p:sp>
+        <p:nvSpPr>
+          <p:cNvPr id="2" name="Titolo 1">
+            <a:extLst>
+              <a:ext uri="{FF2B5EF4-FFF2-40B4-BE49-F238E27FC236}">
+                <a16:creationId xmlns:a16="http://schemas.microsoft.com/office/drawing/2014/main" id="{A6CF85A1-E457-4832-BCB1-61021474450D}"/>
+              </a:ext>
+            </a:extLst>
+          </p:cNvPr>
+          <p:cNvSpPr>
+            <a:spLocks noGrp="1"/>
+          </p:cNvSpPr>
+          <p:nvPr>
+            <p:ph type="ctrTitle"/>
+          </p:nvPr>
+        </p:nvSpPr>
+        <p:spPr>
+          <a:xfrm>
+            <a:off x="1876423" y="711302"/>
+            <a:ext cx="10103055" cy="656103"/>
+          </a:xfrm>
+        </p:spPr>
+        <p:txBody>
+          <a:bodyPr>
+            <a:noAutofit/>
+          </a:bodyPr>
+          <a:lstStyle/>
+          <a:p>
+            <a:r>
+              <a:rPr lang="it-IT" sz="4300" dirty="0"/>
+              <a:t>I getter e i setter</a:t>
+            </a:r>
+          </a:p>
+        </p:txBody>
+      </p:sp>
+      <p:sp>
+        <p:nvSpPr>
+          <p:cNvPr id="3" name="Sottotitolo 2">
+            <a:extLst>
+              <a:ext uri="{FF2B5EF4-FFF2-40B4-BE49-F238E27FC236}">
+                <a16:creationId xmlns:a16="http://schemas.microsoft.com/office/drawing/2014/main" id="{66409AAA-04C6-4E69-9F24-FBCFD422D4E8}"/>
+              </a:ext>
+            </a:extLst>
+          </p:cNvPr>
+          <p:cNvSpPr>
+            <a:spLocks noGrp="1"/>
+          </p:cNvSpPr>
+          <p:nvPr>
+            <p:ph type="subTitle" idx="1"/>
+          </p:nvPr>
+        </p:nvSpPr>
+        <p:spPr>
+          <a:xfrm>
+            <a:off x="1876425" y="1555124"/>
+            <a:ext cx="9515826" cy="4115834"/>
+          </a:xfrm>
+        </p:spPr>
+        <p:txBody>
+          <a:bodyPr/>
+          <a:lstStyle/>
+          <a:p>
+            <a:endParaRPr lang="it-IT"/>
+          </a:p>
+        </p:txBody>
+      </p:sp>
+    </p:spTree>
+    <p:extLst>
+      <p:ext uri="{BB962C8B-B14F-4D97-AF65-F5344CB8AC3E}">
+        <p14:creationId xmlns:p14="http://schemas.microsoft.com/office/powerpoint/2010/main" val="2046674380"/>
+      </p:ext>
+    </p:extLst>
+  </p:cSld>
+  <p:clrMapOvr>
+    <a:masterClrMapping/>
+  </p:clrMapOvr>
+</p:sld>
+</file>
+
+<file path=ppt/slides/slide128.xml><?xml version="1.0" encoding="utf-8"?>
+<p:sld xmlns:a="http://schemas.openxmlformats.org/drawingml/2006/main" xmlns:r="http://schemas.openxmlformats.org/officeDocument/2006/relationships" xmlns:p="http://schemas.openxmlformats.org/presentationml/2006/main">
+  <p:cSld>
+    <p:spTree>
+      <p:nvGrpSpPr>
+        <p:cNvPr id="1" name=""/>
+        <p:cNvGrpSpPr/>
+        <p:nvPr/>
+      </p:nvGrpSpPr>
+      <p:grpSpPr>
+        <a:xfrm>
+          <a:off x="0" y="0"/>
+          <a:ext cx="0" cy="0"/>
+          <a:chOff x="0" y="0"/>
+          <a:chExt cx="0" cy="0"/>
+        </a:xfrm>
+      </p:grpSpPr>
+      <p:sp>
+        <p:nvSpPr>
+          <p:cNvPr id="2" name="Titolo 1">
+            <a:extLst>
+              <a:ext uri="{FF2B5EF4-FFF2-40B4-BE49-F238E27FC236}">
                 <a16:creationId xmlns:a16="http://schemas.microsoft.com/office/drawing/2014/main" id="{C6753786-AD29-4A88-AC1C-11AC3057D22C}"/>
               </a:ext>
             </a:extLst>
@@ -15655,7 +16627,7 @@
 </p:sld>
 </file>
 
-<file path=ppt/slides/slide125.xml><?xml version="1.0" encoding="utf-8"?>
+<file path=ppt/slides/slide129.xml><?xml version="1.0" encoding="utf-8"?>
 <p:sld xmlns:a="http://schemas.openxmlformats.org/drawingml/2006/main" xmlns:r="http://schemas.openxmlformats.org/officeDocument/2006/relationships" xmlns:p="http://schemas.openxmlformats.org/presentationml/2006/main">
   <p:cSld>
     <p:spTree>
@@ -32252,10 +33224,158 @@
           </a:xfrm>
         </p:spPr>
         <p:txBody>
-          <a:bodyPr/>
+          <a:bodyPr>
+            <a:normAutofit fontScale="62500" lnSpcReduction="20000"/>
+          </a:bodyPr>
           <a:lstStyle/>
           <a:p>
-            <a:endParaRPr lang="it-IT"/>
+            <a:r>
+              <a:rPr lang="it-IT" dirty="0">
+                <a:solidFill>
+                  <a:schemeClr val="tx1">
+                    <a:lumMod val="95000"/>
+                  </a:schemeClr>
+                </a:solidFill>
+              </a:rPr>
+              <a:t>Di seguito una breve lista di parole chiave nel linguaggio java:</a:t>
+            </a:r>
+          </a:p>
+          <a:p>
+            <a:pPr marL="342900" indent="-342900">
+              <a:buFont typeface="Arial" panose="020B0604020202020204" pitchFamily="34" charset="0"/>
+              <a:buChar char="•"/>
+            </a:pPr>
+            <a:r>
+              <a:rPr lang="it-IT" dirty="0">
+                <a:solidFill>
+                  <a:schemeClr val="tx1">
+                    <a:lumMod val="95000"/>
+                  </a:schemeClr>
+                </a:solidFill>
+              </a:rPr>
+              <a:t>Classe: Una classe in java è identificata da un file .java contenente attributi e metodi resi disponibili nel momento in cui una sua istanza viene creata.</a:t>
+            </a:r>
+          </a:p>
+          <a:p>
+            <a:pPr marL="342900" indent="-342900">
+              <a:buFont typeface="Arial" panose="020B0604020202020204" pitchFamily="34" charset="0"/>
+              <a:buChar char="•"/>
+            </a:pPr>
+            <a:r>
+              <a:rPr lang="it-IT" dirty="0">
+                <a:solidFill>
+                  <a:schemeClr val="tx1">
+                    <a:lumMod val="95000"/>
+                  </a:schemeClr>
+                </a:solidFill>
+              </a:rPr>
+              <a:t>Istanza: un istanza di una classe è un entità software caricata in memoria che possiede tutti gli attributi ed i metodi definiti all’interno della classe. In java prende il nome di oggetto.</a:t>
+            </a:r>
+          </a:p>
+          <a:p>
+            <a:pPr marL="342900" indent="-342900">
+              <a:buFont typeface="Arial" panose="020B0604020202020204" pitchFamily="34" charset="0"/>
+              <a:buChar char="•"/>
+            </a:pPr>
+            <a:r>
+              <a:rPr lang="it-IT" dirty="0">
+                <a:solidFill>
+                  <a:schemeClr val="tx1">
+                    <a:lumMod val="95000"/>
+                  </a:schemeClr>
+                </a:solidFill>
+              </a:rPr>
+              <a:t>Oggetto: in java è considerato oggetto  una qualsiasi entità dotata di una propria identità, caratterizzata dalla presenza di attributi e metodi</a:t>
+            </a:r>
+          </a:p>
+          <a:p>
+            <a:pPr marL="342900" indent="-342900">
+              <a:buFont typeface="Arial" panose="020B0604020202020204" pitchFamily="34" charset="0"/>
+              <a:buChar char="•"/>
+            </a:pPr>
+            <a:r>
+              <a:rPr lang="it-IT" dirty="0">
+                <a:solidFill>
+                  <a:schemeClr val="tx1">
+                    <a:lumMod val="95000"/>
+                  </a:schemeClr>
+                </a:solidFill>
+              </a:rPr>
+              <a:t>Blocco di codice: è inteso blocco di codice l’insieme delle istruzioni inserite tra due parentesi graffe {blocco di codice}</a:t>
+            </a:r>
+          </a:p>
+          <a:p>
+            <a:pPr marL="342900" indent="-342900">
+              <a:buFont typeface="Arial" panose="020B0604020202020204" pitchFamily="34" charset="0"/>
+              <a:buChar char="•"/>
+            </a:pPr>
+            <a:r>
+              <a:rPr lang="it-IT" dirty="0">
+                <a:solidFill>
+                  <a:schemeClr val="tx1">
+                    <a:lumMod val="95000"/>
+                  </a:schemeClr>
+                </a:solidFill>
+              </a:rPr>
+              <a:t>Metodo: Un metodo è una sezione di codice definita all’interno di una classe richiamabile attraverso il suo nome nella posizione del programma in cui deve essere eseguita</a:t>
+            </a:r>
+          </a:p>
+          <a:p>
+            <a:pPr marL="342900" indent="-342900">
+              <a:buFont typeface="Arial" panose="020B0604020202020204" pitchFamily="34" charset="0"/>
+              <a:buChar char="•"/>
+            </a:pPr>
+            <a:r>
+              <a:rPr lang="it-IT" dirty="0">
+                <a:solidFill>
+                  <a:schemeClr val="tx1">
+                    <a:lumMod val="95000"/>
+                  </a:schemeClr>
+                </a:solidFill>
+              </a:rPr>
+              <a:t>Parametro: con il termine parametro si intende il dato che deve essere ricevuto da un metodo attraverso una coppia di parentesi tonde.</a:t>
+            </a:r>
+          </a:p>
+          <a:p>
+            <a:pPr marL="342900" indent="-342900">
+              <a:buFont typeface="Arial" panose="020B0604020202020204" pitchFamily="34" charset="0"/>
+              <a:buChar char="•"/>
+            </a:pPr>
+            <a:r>
+              <a:rPr lang="it-IT" dirty="0">
+                <a:solidFill>
+                  <a:schemeClr val="tx1">
+                    <a:lumMod val="95000"/>
+                  </a:schemeClr>
+                </a:solidFill>
+              </a:rPr>
+              <a:t>Eccezione: Un eccezione in un programma java è una situazione anomala segnalata dal compilatore java.</a:t>
+            </a:r>
+          </a:p>
+          <a:p>
+            <a:pPr marL="342900" indent="-342900">
+              <a:buFont typeface="Arial" panose="020B0604020202020204" pitchFamily="34" charset="0"/>
+              <a:buChar char="•"/>
+            </a:pPr>
+            <a:r>
+              <a:rPr lang="it-IT" dirty="0">
+                <a:solidFill>
+                  <a:schemeClr val="tx1">
+                    <a:lumMod val="95000"/>
+                  </a:schemeClr>
+                </a:solidFill>
+              </a:rPr>
+              <a:t>Commento: stringa di codice che non viene letta in fase di esecuzione del programma</a:t>
+            </a:r>
+          </a:p>
+          <a:p>
+            <a:endParaRPr lang="it-IT" dirty="0">
+              <a:solidFill>
+                <a:schemeClr val="tx1">
+                  <a:lumMod val="95000"/>
+                </a:schemeClr>
+              </a:solidFill>
+            </a:endParaRPr>
           </a:p>
         </p:txBody>
       </p:sp>
@@ -32294,7 +33414,7 @@
           <p:cNvPr id="2" name="Titolo 1">
             <a:extLst>
               <a:ext uri="{FF2B5EF4-FFF2-40B4-BE49-F238E27FC236}">
-                <a16:creationId xmlns:a16="http://schemas.microsoft.com/office/drawing/2014/main" id="{A6CF85A1-E457-4832-BCB1-61021474450D}"/>
+                <a16:creationId xmlns:a16="http://schemas.microsoft.com/office/drawing/2014/main" id="{B49C3A71-19F4-4BF0-B2E6-7627ED9D070E}"/>
               </a:ext>
             </a:extLst>
           </p:cNvPr>
@@ -32307,25 +33427,20 @@
         </p:nvSpPr>
         <p:spPr>
           <a:xfrm>
-            <a:off x="1876423" y="711302"/>
-            <a:ext cx="10103055" cy="656103"/>
+            <a:off x="1876424" y="744858"/>
+            <a:ext cx="8791575" cy="672881"/>
           </a:xfrm>
         </p:spPr>
         <p:txBody>
           <a:bodyPr>
-            <a:noAutofit/>
+            <a:normAutofit fontScale="90000"/>
           </a:bodyPr>
           <a:lstStyle/>
           <a:p>
             <a:r>
-              <a:rPr lang="it-IT" sz="4300" dirty="0"/>
-              <a:t>Ide ed ambienti di sviluppo: </a:t>
-            </a:r>
-            <a:r>
-              <a:rPr lang="it-IT" sz="4300" dirty="0" err="1"/>
-              <a:t>eclipse</a:t>
-            </a:r>
-            <a:endParaRPr lang="it-IT" sz="4300" dirty="0"/>
+              <a:rPr lang="it-IT" dirty="0"/>
+              <a:t>Il vocabolario Java (2)</a:t>
+            </a:r>
           </a:p>
         </p:txBody>
       </p:sp>
@@ -32334,7 +33449,7 @@
           <p:cNvPr id="3" name="Sottotitolo 2">
             <a:extLst>
               <a:ext uri="{FF2B5EF4-FFF2-40B4-BE49-F238E27FC236}">
-                <a16:creationId xmlns:a16="http://schemas.microsoft.com/office/drawing/2014/main" id="{66409AAA-04C6-4E69-9F24-FBCFD422D4E8}"/>
+                <a16:creationId xmlns:a16="http://schemas.microsoft.com/office/drawing/2014/main" id="{746C6A53-CECE-4B7B-AE7A-044A91DB9A92}"/>
               </a:ext>
             </a:extLst>
           </p:cNvPr>
@@ -32347,22 +33462,150 @@
         </p:nvSpPr>
         <p:spPr>
           <a:xfrm>
-            <a:off x="1876425" y="1555124"/>
-            <a:ext cx="9515826" cy="4115834"/>
+            <a:off x="1876424" y="1577130"/>
+            <a:ext cx="8791575" cy="3680670"/>
           </a:xfrm>
         </p:spPr>
         <p:txBody>
-          <a:bodyPr/>
+          <a:bodyPr>
+            <a:normAutofit fontScale="92500" lnSpcReduction="10000"/>
+          </a:bodyPr>
           <a:lstStyle/>
           <a:p>
-            <a:endParaRPr lang="it-IT"/>
+            <a:pPr marL="342900" indent="-342900">
+              <a:buFont typeface="Arial" panose="020B0604020202020204" pitchFamily="34" charset="0"/>
+              <a:buChar char="•"/>
+            </a:pPr>
+            <a:r>
+              <a:rPr lang="it-IT" dirty="0">
+                <a:solidFill>
+                  <a:schemeClr val="tx1">
+                    <a:lumMod val="95000"/>
+                  </a:schemeClr>
+                </a:solidFill>
+              </a:rPr>
+              <a:t>Deprecato: parola che identifica una funzione/metodo/classe ecc.. Diventato obsoleto di cui non è garantita l’esistenza in futuro</a:t>
+            </a:r>
+          </a:p>
+          <a:p>
+            <a:pPr marL="342900" indent="-342900">
+              <a:buFont typeface="Arial" panose="020B0604020202020204" pitchFamily="34" charset="0"/>
+              <a:buChar char="•"/>
+            </a:pPr>
+            <a:r>
+              <a:rPr lang="it-IT" dirty="0">
+                <a:solidFill>
+                  <a:schemeClr val="tx1">
+                    <a:lumMod val="95000"/>
+                  </a:schemeClr>
+                </a:solidFill>
+              </a:rPr>
+              <a:t>Espressione: combinazione di operandi e operatori che possono produrre un risultato</a:t>
+            </a:r>
+          </a:p>
+          <a:p>
+            <a:pPr marL="342900" indent="-342900">
+              <a:buFont typeface="Arial" panose="020B0604020202020204" pitchFamily="34" charset="0"/>
+              <a:buChar char="•"/>
+            </a:pPr>
+            <a:r>
+              <a:rPr lang="it-IT" dirty="0">
+                <a:solidFill>
+                  <a:schemeClr val="tx1">
+                    <a:lumMod val="95000"/>
+                  </a:schemeClr>
+                </a:solidFill>
+              </a:rPr>
+              <a:t>Garbage </a:t>
+            </a:r>
+            <a:r>
+              <a:rPr lang="it-IT" dirty="0" err="1">
+                <a:solidFill>
+                  <a:schemeClr val="tx1">
+                    <a:lumMod val="95000"/>
+                  </a:schemeClr>
+                </a:solidFill>
+              </a:rPr>
+              <a:t>collection</a:t>
+            </a:r>
+            <a:r>
+              <a:rPr lang="it-IT" dirty="0">
+                <a:solidFill>
+                  <a:schemeClr val="tx1">
+                    <a:lumMod val="95000"/>
+                  </a:schemeClr>
+                </a:solidFill>
+              </a:rPr>
+              <a:t>: Processo automatico di pulizia della memoria</a:t>
+            </a:r>
+          </a:p>
+          <a:p>
+            <a:pPr marL="342900" indent="-342900">
+              <a:buFont typeface="Arial" panose="020B0604020202020204" pitchFamily="34" charset="0"/>
+              <a:buChar char="•"/>
+            </a:pPr>
+            <a:r>
+              <a:rPr lang="it-IT" dirty="0">
+                <a:solidFill>
+                  <a:schemeClr val="tx1">
+                    <a:lumMod val="95000"/>
+                  </a:schemeClr>
+                </a:solidFill>
+              </a:rPr>
+              <a:t>Gui: Interfaccia grafica</a:t>
+            </a:r>
+          </a:p>
+          <a:p>
+            <a:pPr marL="342900" indent="-342900">
+              <a:buFont typeface="Arial" panose="020B0604020202020204" pitchFamily="34" charset="0"/>
+              <a:buChar char="•"/>
+            </a:pPr>
+            <a:r>
+              <a:rPr lang="it-IT" dirty="0">
+                <a:solidFill>
+                  <a:schemeClr val="tx1">
+                    <a:lumMod val="95000"/>
+                  </a:schemeClr>
+                </a:solidFill>
+              </a:rPr>
+              <a:t>Identificatore: nome assegnato ad una classe, variabile o funzione</a:t>
+            </a:r>
+          </a:p>
+          <a:p>
+            <a:pPr marL="342900" indent="-342900">
+              <a:buFont typeface="Arial" panose="020B0604020202020204" pitchFamily="34" charset="0"/>
+              <a:buChar char="•"/>
+            </a:pPr>
+            <a:r>
+              <a:rPr lang="it-IT" dirty="0">
+                <a:solidFill>
+                  <a:schemeClr val="tx1">
+                    <a:lumMod val="95000"/>
+                  </a:schemeClr>
+                </a:solidFill>
+              </a:rPr>
+              <a:t>Import: dichiarazione che causa l’importazione di package e funzioni esterne al nostro file.</a:t>
+            </a:r>
+          </a:p>
+          <a:p>
+            <a:pPr marL="342900" indent="-342900">
+              <a:buFont typeface="Arial" panose="020B0604020202020204" pitchFamily="34" charset="0"/>
+              <a:buChar char="•"/>
+            </a:pPr>
+            <a:endParaRPr lang="it-IT" dirty="0">
+              <a:solidFill>
+                <a:schemeClr val="tx1">
+                  <a:lumMod val="95000"/>
+                </a:schemeClr>
+              </a:solidFill>
+            </a:endParaRPr>
           </a:p>
         </p:txBody>
       </p:sp>
     </p:spTree>
     <p:extLst>
       <p:ext uri="{BB962C8B-B14F-4D97-AF65-F5344CB8AC3E}">
-        <p14:creationId xmlns:p14="http://schemas.microsoft.com/office/powerpoint/2010/main" val="708801264"/>
+        <p14:creationId xmlns:p14="http://schemas.microsoft.com/office/powerpoint/2010/main" val="808750403"/>
       </p:ext>
     </p:extLst>
   </p:cSld>
@@ -32419,11 +33662,11 @@
           <a:p>
             <a:r>
               <a:rPr lang="it-IT" sz="4300" dirty="0"/>
-              <a:t>Application server: </a:t>
+              <a:t>Ide ed ambienti di sviluppo: </a:t>
             </a:r>
             <a:r>
               <a:rPr lang="it-IT" sz="4300" dirty="0" err="1"/>
-              <a:t>tomcat</a:t>
+              <a:t>eclipse</a:t>
             </a:r>
             <a:endParaRPr lang="it-IT" sz="4300" dirty="0"/>
           </a:p>
@@ -32447,22 +33690,98 @@
         </p:nvSpPr>
         <p:spPr>
           <a:xfrm>
-            <a:off x="1876425" y="1555124"/>
-            <a:ext cx="9515826" cy="4115834"/>
+            <a:off x="1876424" y="1555124"/>
+            <a:ext cx="9297711" cy="4115834"/>
           </a:xfrm>
         </p:spPr>
         <p:txBody>
           <a:bodyPr/>
           <a:lstStyle/>
           <a:p>
-            <a:endParaRPr lang="it-IT"/>
+            <a:pPr algn="just"/>
+            <a:r>
+              <a:rPr lang="it-IT" dirty="0">
+                <a:solidFill>
+                  <a:schemeClr val="tx1">
+                    <a:lumMod val="95000"/>
+                  </a:schemeClr>
+                </a:solidFill>
+              </a:rPr>
+              <a:t>Eclipse è un IDE ovvero un ambiente di sviluppo integrato, questo strumento può essere utilizzato per la produzione di software.</a:t>
+            </a:r>
+          </a:p>
+          <a:p>
+            <a:pPr algn="just"/>
+            <a:r>
+              <a:rPr lang="it-IT" dirty="0">
+                <a:solidFill>
+                  <a:schemeClr val="tx1">
+                    <a:lumMod val="95000"/>
+                  </a:schemeClr>
+                </a:solidFill>
+              </a:rPr>
+              <a:t>Gli ide sono utili nella programmazione perché aiutano </a:t>
+            </a:r>
+            <a:r>
+              <a:rPr lang="it-IT" dirty="0" err="1">
+                <a:solidFill>
+                  <a:schemeClr val="tx1">
+                    <a:lumMod val="95000"/>
+                  </a:schemeClr>
+                </a:solidFill>
+              </a:rPr>
+              <a:t>ilprogrammatore</a:t>
+            </a:r>
+            <a:r>
+              <a:rPr lang="it-IT" dirty="0">
+                <a:solidFill>
+                  <a:schemeClr val="tx1">
+                    <a:lumMod val="95000"/>
+                  </a:schemeClr>
+                </a:solidFill>
+              </a:rPr>
+              <a:t> attraverso l’</a:t>
+            </a:r>
+            <a:r>
+              <a:rPr lang="it-IT" dirty="0" err="1">
+                <a:solidFill>
+                  <a:schemeClr val="tx1">
+                    <a:lumMod val="95000"/>
+                  </a:schemeClr>
+                </a:solidFill>
+              </a:rPr>
+              <a:t>autocompilazione</a:t>
+            </a:r>
+            <a:r>
+              <a:rPr lang="it-IT" dirty="0">
+                <a:solidFill>
+                  <a:schemeClr val="tx1">
+                    <a:lumMod val="95000"/>
+                  </a:schemeClr>
+                </a:solidFill>
+              </a:rPr>
+              <a:t> di porzioni di codice, segnalano allo sviluppatore la maggior parte degli errori , segnala le variabili inutilizzate ecc..</a:t>
+            </a:r>
+          </a:p>
+          <a:p>
+            <a:pPr algn="just"/>
+            <a:r>
+              <a:rPr lang="it-IT" dirty="0">
+                <a:solidFill>
+                  <a:schemeClr val="tx1">
+                    <a:lumMod val="95000"/>
+                  </a:schemeClr>
+                </a:solidFill>
+              </a:rPr>
+              <a:t>Link download: https://www.eclipse.org/downloads/</a:t>
+            </a:r>
           </a:p>
         </p:txBody>
       </p:sp>
     </p:spTree>
     <p:extLst>
       <p:ext uri="{BB962C8B-B14F-4D97-AF65-F5344CB8AC3E}">
-        <p14:creationId xmlns:p14="http://schemas.microsoft.com/office/powerpoint/2010/main" val="1718046108"/>
+        <p14:creationId xmlns:p14="http://schemas.microsoft.com/office/powerpoint/2010/main" val="708801264"/>
       </p:ext>
     </p:extLst>
   </p:cSld>
@@ -32519,19 +33838,11 @@
           <a:p>
             <a:r>
               <a:rPr lang="it-IT" sz="4300" dirty="0"/>
-              <a:t>Build </a:t>
+              <a:t>Application server: </a:t>
             </a:r>
             <a:r>
               <a:rPr lang="it-IT" sz="4300" dirty="0" err="1"/>
-              <a:t>automation</a:t>
-            </a:r>
-            <a:r>
-              <a:rPr lang="it-IT" sz="4300" dirty="0"/>
-              <a:t>: </a:t>
-            </a:r>
-            <a:r>
-              <a:rPr lang="it-IT" sz="4300" dirty="0" err="1"/>
-              <a:t>maven</a:t>
+              <a:t>tomcat</a:t>
             </a:r>
             <a:endParaRPr lang="it-IT" sz="4300" dirty="0"/>
           </a:p>
@@ -32560,17 +33871,133 @@
           </a:xfrm>
         </p:spPr>
         <p:txBody>
-          <a:bodyPr/>
+          <a:bodyPr>
+            <a:normAutofit lnSpcReduction="10000"/>
+          </a:bodyPr>
           <a:lstStyle/>
           <a:p>
-            <a:endParaRPr lang="it-IT"/>
+            <a:r>
+              <a:rPr lang="it-IT" dirty="0">
+                <a:solidFill>
+                  <a:schemeClr val="tx1">
+                    <a:lumMod val="95000"/>
+                  </a:schemeClr>
+                </a:solidFill>
+              </a:rPr>
+              <a:t>Apache </a:t>
+            </a:r>
+            <a:r>
+              <a:rPr lang="it-IT" dirty="0" err="1">
+                <a:solidFill>
+                  <a:schemeClr val="tx1">
+                    <a:lumMod val="95000"/>
+                  </a:schemeClr>
+                </a:solidFill>
+              </a:rPr>
+              <a:t>tomcatè</a:t>
+            </a:r>
+            <a:r>
+              <a:rPr lang="it-IT" dirty="0">
+                <a:solidFill>
+                  <a:schemeClr val="tx1">
+                    <a:lumMod val="95000"/>
+                  </a:schemeClr>
+                </a:solidFill>
+              </a:rPr>
+              <a:t> un server web </a:t>
+            </a:r>
+            <a:r>
+              <a:rPr lang="it-IT" dirty="0" err="1">
+                <a:solidFill>
+                  <a:schemeClr val="tx1">
+                    <a:lumMod val="95000"/>
+                  </a:schemeClr>
+                </a:solidFill>
+              </a:rPr>
+              <a:t>OPEn</a:t>
+            </a:r>
+            <a:r>
+              <a:rPr lang="it-IT" dirty="0">
+                <a:solidFill>
+                  <a:schemeClr val="tx1">
+                    <a:lumMod val="95000"/>
+                  </a:schemeClr>
+                </a:solidFill>
+              </a:rPr>
+              <a:t> source, avviabile dal proprio computer attraverso particolari strumenti.</a:t>
+            </a:r>
+          </a:p>
+          <a:p>
+            <a:r>
+              <a:rPr lang="it-IT" dirty="0">
+                <a:solidFill>
+                  <a:schemeClr val="tx1">
+                    <a:lumMod val="95000"/>
+                  </a:schemeClr>
+                </a:solidFill>
+              </a:rPr>
+              <a:t>Questo tipo di server è particolarmente predisposto per ospitare pagine web scritte in java o applicazioni.</a:t>
+            </a:r>
+          </a:p>
+          <a:p>
+            <a:r>
+              <a:rPr lang="it-IT" dirty="0">
+                <a:solidFill>
+                  <a:schemeClr val="tx1">
+                    <a:lumMod val="95000"/>
+                  </a:schemeClr>
+                </a:solidFill>
+              </a:rPr>
+              <a:t>Tomcat è basato sulla tecnologia JSP (Java server pages) utilizzata per integrare una logica della presentazione di applicazioni web attraverso il linguaggio java e html/xml.</a:t>
+            </a:r>
+          </a:p>
+          <a:p>
+            <a:r>
+              <a:rPr lang="it-IT" dirty="0">
+                <a:solidFill>
+                  <a:schemeClr val="tx1">
+                    <a:lumMod val="95000"/>
+                  </a:schemeClr>
+                </a:solidFill>
+              </a:rPr>
+              <a:t>Questo tipo di server è particolarmente indicato inoltre per le </a:t>
+            </a:r>
+            <a:r>
+              <a:rPr lang="it-IT" dirty="0" err="1">
+                <a:solidFill>
+                  <a:schemeClr val="tx1">
+                    <a:lumMod val="95000"/>
+                  </a:schemeClr>
+                </a:solidFill>
+              </a:rPr>
+              <a:t>servlet</a:t>
+            </a:r>
+            <a:r>
+              <a:rPr lang="it-IT" dirty="0">
+                <a:solidFill>
+                  <a:schemeClr val="tx1">
+                    <a:lumMod val="95000"/>
+                  </a:schemeClr>
+                </a:solidFill>
+              </a:rPr>
+              <a:t>, ovvero oggetti java che operano sul server web, questa tecnologia permette la scrittura di applicazioni web in java</a:t>
+            </a:r>
+          </a:p>
+          <a:p>
+            <a:endParaRPr lang="it-IT" dirty="0">
+              <a:solidFill>
+                <a:schemeClr val="tx1">
+                  <a:lumMod val="95000"/>
+                </a:schemeClr>
+              </a:solidFill>
+            </a:endParaRPr>
           </a:p>
         </p:txBody>
       </p:sp>
     </p:spTree>
     <p:extLst>
       <p:ext uri="{BB962C8B-B14F-4D97-AF65-F5344CB8AC3E}">
-        <p14:creationId xmlns:p14="http://schemas.microsoft.com/office/powerpoint/2010/main" val="1384120757"/>
+        <p14:creationId xmlns:p14="http://schemas.microsoft.com/office/powerpoint/2010/main" val="1718046108"/>
       </p:ext>
     </p:extLst>
   </p:cSld>
@@ -32621,14 +34048,27 @@
         </p:spPr>
         <p:txBody>
           <a:bodyPr>
-            <a:normAutofit/>
+            <a:noAutofit/>
           </a:bodyPr>
           <a:lstStyle/>
           <a:p>
             <a:r>
-              <a:rPr lang="it-IT" sz="4100" dirty="0"/>
-              <a:t>Installazione e configurazione di java</a:t>
-            </a:r>
+              <a:rPr lang="it-IT" sz="4300" dirty="0"/>
+              <a:t>Build </a:t>
+            </a:r>
+            <a:r>
+              <a:rPr lang="it-IT" sz="4300" dirty="0" err="1"/>
+              <a:t>automation</a:t>
+            </a:r>
+            <a:r>
+              <a:rPr lang="it-IT" sz="4300" dirty="0"/>
+              <a:t>: </a:t>
+            </a:r>
+            <a:r>
+              <a:rPr lang="it-IT" sz="4300" dirty="0" err="1"/>
+              <a:t>maven</a:t>
+            </a:r>
+            <a:endParaRPr lang="it-IT" sz="4300" dirty="0"/>
           </a:p>
         </p:txBody>
       </p:sp>
@@ -32658,14 +34098,127 @@
           <a:bodyPr/>
           <a:lstStyle/>
           <a:p>
-            <a:endParaRPr lang="it-IT"/>
+            <a:r>
+              <a:rPr lang="it-IT" dirty="0">
+                <a:solidFill>
+                  <a:schemeClr val="tx1">
+                    <a:lumMod val="95000"/>
+                  </a:schemeClr>
+                </a:solidFill>
+              </a:rPr>
+              <a:t>Per build </a:t>
+            </a:r>
+            <a:r>
+              <a:rPr lang="it-IT" dirty="0" err="1">
+                <a:solidFill>
+                  <a:schemeClr val="tx1">
+                    <a:lumMod val="95000"/>
+                  </a:schemeClr>
+                </a:solidFill>
+              </a:rPr>
+              <a:t>automation</a:t>
+            </a:r>
+            <a:r>
+              <a:rPr lang="it-IT" dirty="0">
+                <a:solidFill>
+                  <a:schemeClr val="tx1">
+                    <a:lumMod val="95000"/>
+                  </a:schemeClr>
+                </a:solidFill>
+              </a:rPr>
+              <a:t> si intende la gestione del processo di sviluppo automatica. </a:t>
+            </a:r>
+            <a:r>
+              <a:rPr lang="it-IT" dirty="0" err="1">
+                <a:solidFill>
+                  <a:schemeClr val="tx1">
+                    <a:lumMod val="95000"/>
+                  </a:schemeClr>
+                </a:solidFill>
+              </a:rPr>
+              <a:t>Maven</a:t>
+            </a:r>
+            <a:r>
+              <a:rPr lang="it-IT" dirty="0">
+                <a:solidFill>
+                  <a:schemeClr val="tx1">
+                    <a:lumMod val="95000"/>
+                  </a:schemeClr>
+                </a:solidFill>
+              </a:rPr>
+              <a:t> è il rappresentante più famoso di questa categoria di strumenti riguardo java.</a:t>
+            </a:r>
+          </a:p>
+          <a:p>
+            <a:r>
+              <a:rPr lang="it-IT" dirty="0" err="1">
+                <a:solidFill>
+                  <a:schemeClr val="tx1">
+                    <a:lumMod val="95000"/>
+                  </a:schemeClr>
+                </a:solidFill>
+              </a:rPr>
+              <a:t>Maven</a:t>
+            </a:r>
+            <a:r>
+              <a:rPr lang="it-IT" dirty="0">
+                <a:solidFill>
+                  <a:schemeClr val="tx1">
+                    <a:lumMod val="95000"/>
+                  </a:schemeClr>
+                </a:solidFill>
+              </a:rPr>
+              <a:t> permette allo sviluppatore di semplificare molti processi ripetitivi all’interno del processo di sviluppo software come la compilazione del codice sorgente in binario, il packaging dei binari, la produzione di test per garantire il corretto funzionamento, la stesura della documentazione, </a:t>
+            </a:r>
+            <a:r>
+              <a:rPr lang="it-IT" dirty="0" err="1">
+                <a:solidFill>
+                  <a:schemeClr val="tx1">
+                    <a:lumMod val="95000"/>
+                  </a:schemeClr>
+                </a:solidFill>
+              </a:rPr>
+              <a:t>deploy</a:t>
+            </a:r>
+            <a:r>
+              <a:rPr lang="it-IT" dirty="0">
+                <a:solidFill>
+                  <a:schemeClr val="tx1">
+                    <a:lumMod val="95000"/>
+                  </a:schemeClr>
+                </a:solidFill>
+              </a:rPr>
+              <a:t> su server ecc..</a:t>
+            </a:r>
+          </a:p>
+          <a:p>
+            <a:r>
+              <a:rPr lang="it-IT" dirty="0" err="1">
+                <a:solidFill>
+                  <a:schemeClr val="tx1">
+                    <a:lumMod val="95000"/>
+                  </a:schemeClr>
+                </a:solidFill>
+              </a:rPr>
+              <a:t>Maven</a:t>
+            </a:r>
+            <a:r>
+              <a:rPr lang="it-IT" dirty="0">
+                <a:solidFill>
+                  <a:schemeClr val="tx1">
+                    <a:lumMod val="95000"/>
+                  </a:schemeClr>
+                </a:solidFill>
+              </a:rPr>
+              <a:t> inoltre viene utilizzato spesso per la gestione delle librerie di funzioni importate nei progetti software.</a:t>
+            </a:r>
           </a:p>
         </p:txBody>
       </p:sp>
     </p:spTree>
     <p:extLst>
       <p:ext uri="{BB962C8B-B14F-4D97-AF65-F5344CB8AC3E}">
-        <p14:creationId xmlns:p14="http://schemas.microsoft.com/office/powerpoint/2010/main" val="4257515683"/>
+        <p14:creationId xmlns:p14="http://schemas.microsoft.com/office/powerpoint/2010/main" val="1384120757"/>
       </p:ext>
     </p:extLst>
   </p:cSld>
@@ -32973,19 +34526,14 @@
         </p:spPr>
         <p:txBody>
           <a:bodyPr>
-            <a:normAutofit fontScale="90000"/>
+            <a:normAutofit/>
           </a:bodyPr>
           <a:lstStyle/>
           <a:p>
             <a:r>
               <a:rPr lang="it-IT" sz="4100" dirty="0"/>
-              <a:t>Concetti filosofici ed operativi della </a:t>
-            </a:r>
-            <a:r>
-              <a:rPr lang="it-IT" sz="4100" dirty="0" err="1"/>
-              <a:t>oop</a:t>
-            </a:r>
-            <a:endParaRPr lang="it-IT" sz="4100" dirty="0"/>
+              <a:t>Installazione e configurazione di java</a:t>
+            </a:r>
           </a:p>
         </p:txBody>
       </p:sp>
@@ -33007,22 +34555,239 @@
         </p:nvSpPr>
         <p:spPr>
           <a:xfrm>
-            <a:off x="1876425" y="1555124"/>
-            <a:ext cx="9515826" cy="4115834"/>
+            <a:off x="1876423" y="1371083"/>
+            <a:ext cx="5371665" cy="4115834"/>
           </a:xfrm>
         </p:spPr>
         <p:txBody>
           <a:bodyPr/>
           <a:lstStyle/>
           <a:p>
-            <a:endParaRPr lang="it-IT"/>
+            <a:r>
+              <a:rPr lang="it-IT" dirty="0">
+                <a:solidFill>
+                  <a:schemeClr val="tx1">
+                    <a:lumMod val="95000"/>
+                  </a:schemeClr>
+                </a:solidFill>
+              </a:rPr>
+              <a:t>per installare java dobbiamo:</a:t>
+            </a:r>
+          </a:p>
+          <a:p>
+            <a:pPr marL="342900" indent="-342900">
+              <a:buFont typeface="Arial" panose="020B0604020202020204" pitchFamily="34" charset="0"/>
+              <a:buChar char="•"/>
+            </a:pPr>
+            <a:r>
+              <a:rPr lang="it-IT" dirty="0">
+                <a:solidFill>
+                  <a:schemeClr val="tx1">
+                    <a:lumMod val="95000"/>
+                  </a:schemeClr>
+                </a:solidFill>
+              </a:rPr>
+              <a:t>Installare il </a:t>
+            </a:r>
+            <a:r>
+              <a:rPr lang="it-IT" dirty="0" err="1">
+                <a:solidFill>
+                  <a:schemeClr val="tx1">
+                    <a:lumMod val="95000"/>
+                  </a:schemeClr>
+                </a:solidFill>
+              </a:rPr>
+              <a:t>jre</a:t>
+            </a:r>
+            <a:endParaRPr lang="it-IT" dirty="0">
+              <a:solidFill>
+                <a:schemeClr val="tx1">
+                  <a:lumMod val="95000"/>
+                </a:schemeClr>
+              </a:solidFill>
+            </a:endParaRPr>
+          </a:p>
+          <a:p>
+            <a:pPr marL="342900" indent="-342900">
+              <a:buFont typeface="Arial" panose="020B0604020202020204" pitchFamily="34" charset="0"/>
+              <a:buChar char="•"/>
+            </a:pPr>
+            <a:r>
+              <a:rPr lang="it-IT" dirty="0">
+                <a:solidFill>
+                  <a:schemeClr val="tx1">
+                    <a:lumMod val="95000"/>
+                  </a:schemeClr>
+                </a:solidFill>
+              </a:rPr>
+              <a:t>Installare il </a:t>
+            </a:r>
+            <a:r>
+              <a:rPr lang="it-IT" dirty="0" err="1">
+                <a:solidFill>
+                  <a:schemeClr val="tx1">
+                    <a:lumMod val="95000"/>
+                  </a:schemeClr>
+                </a:solidFill>
+              </a:rPr>
+              <a:t>jdk</a:t>
+            </a:r>
+            <a:endParaRPr lang="it-IT" dirty="0">
+              <a:solidFill>
+                <a:schemeClr val="tx1">
+                  <a:lumMod val="95000"/>
+                </a:schemeClr>
+              </a:solidFill>
+            </a:endParaRPr>
+          </a:p>
+          <a:p>
+            <a:pPr marL="342900" indent="-342900">
+              <a:buFont typeface="Arial" panose="020B0604020202020204" pitchFamily="34" charset="0"/>
+              <a:buChar char="•"/>
+            </a:pPr>
+            <a:r>
+              <a:rPr lang="it-IT" dirty="0">
+                <a:solidFill>
+                  <a:schemeClr val="tx1">
+                    <a:lumMod val="95000"/>
+                  </a:schemeClr>
+                </a:solidFill>
+              </a:rPr>
+              <a:t>Assicurarci che le variabili di ambiente siano impostate correttamente (</a:t>
+            </a:r>
+            <a:r>
+              <a:rPr lang="it-IT" dirty="0">
+                <a:solidFill>
+                  <a:schemeClr val="tx1">
+                    <a:lumMod val="95000"/>
+                  </a:schemeClr>
+                </a:solidFill>
+                <a:hlinkClick r:id="rId2"/>
+              </a:rPr>
+              <a:t>https://www.java.com/</a:t>
+            </a:r>
+            <a:r>
+              <a:rPr lang="it-IT" dirty="0" err="1">
+                <a:solidFill>
+                  <a:schemeClr val="tx1">
+                    <a:lumMod val="95000"/>
+                  </a:schemeClr>
+                </a:solidFill>
+                <a:hlinkClick r:id="rId2"/>
+              </a:rPr>
+              <a:t>it</a:t>
+            </a:r>
+            <a:r>
+              <a:rPr lang="it-IT" dirty="0">
+                <a:solidFill>
+                  <a:schemeClr val="tx1">
+                    <a:lumMod val="95000"/>
+                  </a:schemeClr>
+                </a:solidFill>
+                <a:hlinkClick r:id="rId2"/>
+              </a:rPr>
+              <a:t>/download/help/path_it.html</a:t>
+            </a:r>
+            <a:r>
+              <a:rPr lang="it-IT" dirty="0">
+                <a:solidFill>
+                  <a:schemeClr val="tx1">
+                    <a:lumMod val="95000"/>
+                  </a:schemeClr>
+                </a:solidFill>
+              </a:rPr>
+              <a:t>)</a:t>
+            </a:r>
+          </a:p>
+          <a:p>
+            <a:pPr marL="342900" indent="-342900">
+              <a:buFont typeface="Arial" panose="020B0604020202020204" pitchFamily="34" charset="0"/>
+              <a:buChar char="•"/>
+            </a:pPr>
+            <a:r>
+              <a:rPr lang="it-IT" dirty="0">
+                <a:solidFill>
+                  <a:schemeClr val="tx1">
+                    <a:lumMod val="95000"/>
+                  </a:schemeClr>
+                </a:solidFill>
+              </a:rPr>
+              <a:t>Installazione </a:t>
+            </a:r>
+            <a:r>
+              <a:rPr lang="it-IT" dirty="0" err="1">
+                <a:solidFill>
+                  <a:schemeClr val="tx1">
+                    <a:lumMod val="95000"/>
+                  </a:schemeClr>
+                </a:solidFill>
+              </a:rPr>
+              <a:t>eclipse</a:t>
+            </a:r>
+            <a:r>
+              <a:rPr lang="it-IT" dirty="0">
+                <a:solidFill>
+                  <a:schemeClr val="tx1">
+                    <a:lumMod val="95000"/>
+                  </a:schemeClr>
+                </a:solidFill>
+              </a:rPr>
+              <a:t>: https://www.eclipse.org/downloads/</a:t>
+            </a:r>
           </a:p>
         </p:txBody>
       </p:sp>
+      <p:pic>
+        <p:nvPicPr>
+          <p:cNvPr id="1028" name="Picture 4" descr="variabili d'ambiente windows 10 Archivi - Giovanni Raffaele Marchese">
+            <a:extLst>
+              <a:ext uri="{FF2B5EF4-FFF2-40B4-BE49-F238E27FC236}">
+                <a16:creationId xmlns:a16="http://schemas.microsoft.com/office/drawing/2014/main" id="{0E5715EA-181C-489A-B03D-60C7079EE60A}"/>
+              </a:ext>
+            </a:extLst>
+          </p:cNvPr>
+          <p:cNvPicPr>
+            <a:picLocks noChangeAspect="1" noChangeArrowheads="1"/>
+          </p:cNvPicPr>
+          <p:nvPr/>
+        </p:nvPicPr>
+        <p:blipFill>
+          <a:blip r:embed="rId3">
+            <a:extLst>
+              <a:ext uri="{28A0092B-C50C-407E-A947-70E740481C1C}">
+                <a14:useLocalDpi xmlns:a14="http://schemas.microsoft.com/office/drawing/2010/main" val="0"/>
+              </a:ext>
+            </a:extLst>
+          </a:blip>
+          <a:srcRect/>
+          <a:stretch>
+            <a:fillRect/>
+          </a:stretch>
+        </p:blipFill>
+        <p:spPr bwMode="auto">
+          <a:xfrm>
+            <a:off x="7764808" y="1371082"/>
+            <a:ext cx="3988168" cy="4115835"/>
+          </a:xfrm>
+          <a:prstGeom prst="rect">
+            <a:avLst/>
+          </a:prstGeom>
+          <a:noFill/>
+          <a:extLst>
+            <a:ext uri="{909E8E84-426E-40DD-AFC4-6F175D3DCCD1}">
+              <a14:hiddenFill xmlns:a14="http://schemas.microsoft.com/office/drawing/2010/main">
+                <a:solidFill>
+                  <a:srgbClr val="FFFFFF"/>
+                </a:solidFill>
+              </a14:hiddenFill>
+            </a:ext>
+          </a:extLst>
+        </p:spPr>
+      </p:pic>
     </p:spTree>
     <p:extLst>
       <p:ext uri="{BB962C8B-B14F-4D97-AF65-F5344CB8AC3E}">
-        <p14:creationId xmlns:p14="http://schemas.microsoft.com/office/powerpoint/2010/main" val="2747472894"/>
+        <p14:creationId xmlns:p14="http://schemas.microsoft.com/office/powerpoint/2010/main" val="4257515683"/>
       </p:ext>
     </p:extLst>
   </p:cSld>
@@ -33073,14 +34838,19 @@
         </p:spPr>
         <p:txBody>
           <a:bodyPr>
-            <a:noAutofit/>
+            <a:normAutofit fontScale="90000"/>
           </a:bodyPr>
           <a:lstStyle/>
           <a:p>
             <a:r>
-              <a:rPr lang="it-IT" sz="4300" dirty="0"/>
-              <a:t>Cos’è un costrutto</a:t>
-            </a:r>
+              <a:rPr lang="it-IT" sz="4100" dirty="0"/>
+              <a:t>Concetti filosofici ed operativi della </a:t>
+            </a:r>
+            <a:r>
+              <a:rPr lang="it-IT" sz="4100" dirty="0" err="1"/>
+              <a:t>oop</a:t>
+            </a:r>
+            <a:endParaRPr lang="it-IT" sz="4100" dirty="0"/>
           </a:p>
         </p:txBody>
       </p:sp>
@@ -33107,17 +34877,76 @@
           </a:xfrm>
         </p:spPr>
         <p:txBody>
-          <a:bodyPr/>
+          <a:bodyPr>
+            <a:normAutofit fontScale="77500" lnSpcReduction="20000"/>
+          </a:bodyPr>
           <a:lstStyle/>
           <a:p>
-            <a:endParaRPr lang="it-IT"/>
+            <a:r>
+              <a:rPr lang="it-IT" dirty="0">
+                <a:solidFill>
+                  <a:schemeClr val="tx1">
+                    <a:lumMod val="95000"/>
+                  </a:schemeClr>
+                </a:solidFill>
+              </a:rPr>
+              <a:t>Come sottolineato nelle precedenti lezioni, la programmazione orientata agli oggetti, non solo una tipologia di linguaggi di programmazione, bensì è proprio un modo di pensare, un modo di vedere la realtà attraverso il punto di vista della macchina.</a:t>
+            </a:r>
+          </a:p>
+          <a:p>
+            <a:r>
+              <a:rPr lang="it-IT" dirty="0">
+                <a:solidFill>
+                  <a:schemeClr val="tx1">
+                    <a:lumMod val="95000"/>
+                  </a:schemeClr>
+                </a:solidFill>
+              </a:rPr>
+              <a:t>Punto chiave della OOP è proprio la rappresentazione di una realtà attraverso degli oggetti che possiedono caratteristiche chiamate attributi e funzionalità chiamate metodi.</a:t>
+            </a:r>
+          </a:p>
+          <a:p>
+            <a:r>
+              <a:rPr lang="it-IT" dirty="0">
+                <a:solidFill>
+                  <a:schemeClr val="tx1">
+                    <a:lumMod val="95000"/>
+                  </a:schemeClr>
+                </a:solidFill>
+              </a:rPr>
+              <a:t>Il programma viene visto come la simulazione da parte della macchina di un dato comportamento derivato dal mondo reale.</a:t>
+            </a:r>
+          </a:p>
+          <a:p>
+            <a:r>
+              <a:rPr lang="it-IT" dirty="0">
+                <a:solidFill>
+                  <a:schemeClr val="tx1">
+                    <a:lumMod val="95000"/>
+                  </a:schemeClr>
+                </a:solidFill>
+              </a:rPr>
+              <a:t>Pensiamo al compito di un bibliotecario quindi della gestione dei libri noleggiati ecc.. E proviamo a rappresentarlo attraverso degli oggetti che simulano lo stesso comportamento. </a:t>
+            </a:r>
+          </a:p>
+          <a:p>
+            <a:r>
+              <a:rPr lang="it-IT" dirty="0">
+                <a:solidFill>
+                  <a:schemeClr val="tx1">
+                    <a:lumMod val="95000"/>
+                  </a:schemeClr>
+                </a:solidFill>
+              </a:rPr>
+              <a:t>L’orientamento agli oggetti possiamo dire che suggerisce di far corrispondere il codice alle situazioni di vita reale, il codice quindi dovrebbe portare lo stesso nome, le stesse caratteristiche ecc..</a:t>
+            </a:r>
           </a:p>
         </p:txBody>
       </p:sp>
     </p:spTree>
     <p:extLst>
       <p:ext uri="{BB962C8B-B14F-4D97-AF65-F5344CB8AC3E}">
-        <p14:creationId xmlns:p14="http://schemas.microsoft.com/office/powerpoint/2010/main" val="1249408230"/>
+        <p14:creationId xmlns:p14="http://schemas.microsoft.com/office/powerpoint/2010/main" val="2747472894"/>
       </p:ext>
     </p:extLst>
   </p:cSld>
@@ -33174,7 +35003,7 @@
           <a:p>
             <a:r>
               <a:rPr lang="it-IT" sz="4300" dirty="0"/>
-              <a:t>Struttura di un programma java</a:t>
+              <a:t>Cos’è un costrutto</a:t>
             </a:r>
           </a:p>
         </p:txBody>
@@ -33202,17 +35031,161 @@
           </a:xfrm>
         </p:spPr>
         <p:txBody>
-          <a:bodyPr/>
+          <a:bodyPr>
+            <a:normAutofit fontScale="85000" lnSpcReduction="10000"/>
+          </a:bodyPr>
           <a:lstStyle/>
           <a:p>
-            <a:endParaRPr lang="it-IT"/>
+            <a:r>
+              <a:rPr lang="it-IT" dirty="0">
+                <a:solidFill>
+                  <a:schemeClr val="tx1">
+                    <a:lumMod val="95000"/>
+                  </a:schemeClr>
+                </a:solidFill>
+              </a:rPr>
+              <a:t>Il termine costrutto in java è utilizzato per identificare un blocco logico di codice.</a:t>
+            </a:r>
+          </a:p>
+          <a:p>
+            <a:r>
+              <a:rPr lang="it-IT" dirty="0">
+                <a:solidFill>
+                  <a:schemeClr val="tx1">
+                    <a:lumMod val="95000"/>
+                  </a:schemeClr>
+                </a:solidFill>
+              </a:rPr>
+              <a:t>Questo blocco logico di codice spesso rappresenta in formato di codice delle strutture di controllo del flusso basate sui concetti di selezione ed iterazione e le loro varianti.</a:t>
+            </a:r>
+          </a:p>
+          <a:p>
+            <a:r>
+              <a:rPr lang="it-IT" dirty="0">
+                <a:solidFill>
+                  <a:schemeClr val="tx1">
+                    <a:lumMod val="95000"/>
+                  </a:schemeClr>
+                </a:solidFill>
+              </a:rPr>
+              <a:t>Il costrutto più famoso potrebbe essere considerato quello rappresentante la selezione a due vie, ovvero </a:t>
+            </a:r>
+            <a:r>
+              <a:rPr lang="it-IT" dirty="0" err="1">
+                <a:solidFill>
+                  <a:schemeClr val="tx1">
+                    <a:lumMod val="95000"/>
+                  </a:schemeClr>
+                </a:solidFill>
+              </a:rPr>
+              <a:t>if</a:t>
+            </a:r>
+            <a:r>
+              <a:rPr lang="it-IT" dirty="0">
+                <a:solidFill>
+                  <a:schemeClr val="tx1">
+                    <a:lumMod val="95000"/>
+                  </a:schemeClr>
+                </a:solidFill>
+              </a:rPr>
+              <a:t> … else … :</a:t>
+            </a:r>
+          </a:p>
+          <a:p>
+            <a:r>
+              <a:rPr lang="it-IT" dirty="0">
+                <a:solidFill>
+                  <a:schemeClr val="tx1">
+                    <a:lumMod val="95000"/>
+                  </a:schemeClr>
+                </a:solidFill>
+              </a:rPr>
+              <a:t>	</a:t>
+            </a:r>
+            <a:r>
+              <a:rPr lang="it-IT" dirty="0" err="1">
+                <a:solidFill>
+                  <a:schemeClr val="tx1">
+                    <a:lumMod val="95000"/>
+                  </a:schemeClr>
+                </a:solidFill>
+              </a:rPr>
+              <a:t>If</a:t>
+            </a:r>
+            <a:r>
+              <a:rPr lang="it-IT" dirty="0">
+                <a:solidFill>
+                  <a:schemeClr val="tx1">
+                    <a:lumMod val="95000"/>
+                  </a:schemeClr>
+                </a:solidFill>
+              </a:rPr>
+              <a:t>(condizione){</a:t>
+            </a:r>
+          </a:p>
+          <a:p>
+            <a:r>
+              <a:rPr lang="it-IT" dirty="0">
+                <a:solidFill>
+                  <a:schemeClr val="tx1">
+                    <a:lumMod val="95000"/>
+                  </a:schemeClr>
+                </a:solidFill>
+              </a:rPr>
+              <a:t>		svolgiamo il blocco codice contenuto tra le graffe</a:t>
+            </a:r>
+          </a:p>
+          <a:p>
+            <a:r>
+              <a:rPr lang="it-IT" dirty="0">
+                <a:solidFill>
+                  <a:schemeClr val="tx1">
+                    <a:lumMod val="95000"/>
+                  </a:schemeClr>
+                </a:solidFill>
+              </a:rPr>
+              <a:t>	}else{</a:t>
+            </a:r>
+          </a:p>
+          <a:p>
+            <a:r>
+              <a:rPr lang="it-IT" dirty="0">
+                <a:solidFill>
+                  <a:schemeClr val="tx1">
+                    <a:lumMod val="95000"/>
+                  </a:schemeClr>
+                </a:solidFill>
+              </a:rPr>
+              <a:t>		svolgiamo un altro blocco di codice alternativo</a:t>
+            </a:r>
+          </a:p>
+          <a:p>
+            <a:r>
+              <a:rPr lang="it-IT" dirty="0">
+                <a:solidFill>
+                  <a:schemeClr val="tx1">
+                    <a:lumMod val="95000"/>
+                  </a:schemeClr>
+                </a:solidFill>
+              </a:rPr>
+              <a:t>	}</a:t>
+            </a:r>
+          </a:p>
+          <a:p>
+            <a:endParaRPr lang="it-IT" dirty="0">
+              <a:solidFill>
+                <a:schemeClr val="tx1">
+                  <a:lumMod val="95000"/>
+                </a:schemeClr>
+              </a:solidFill>
+            </a:endParaRPr>
           </a:p>
         </p:txBody>
       </p:sp>
     </p:spTree>
     <p:extLst>
       <p:ext uri="{BB962C8B-B14F-4D97-AF65-F5344CB8AC3E}">
-        <p14:creationId xmlns:p14="http://schemas.microsoft.com/office/powerpoint/2010/main" val="753287515"/>
+        <p14:creationId xmlns:p14="http://schemas.microsoft.com/office/powerpoint/2010/main" val="1249408230"/>
       </p:ext>
     </p:extLst>
   </p:cSld>
@@ -33269,7 +35242,7 @@
           <a:p>
             <a:r>
               <a:rPr lang="it-IT" sz="4300" dirty="0"/>
-              <a:t>L’oggetto</a:t>
+              <a:t>Struttura di un programma java</a:t>
             </a:r>
           </a:p>
         </p:txBody>
@@ -33293,21 +35266,83 @@
         <p:spPr>
           <a:xfrm>
             <a:off x="1876425" y="1555124"/>
-            <a:ext cx="9515826" cy="4115834"/>
+            <a:ext cx="3241675" cy="4236076"/>
           </a:xfrm>
         </p:spPr>
         <p:txBody>
-          <a:bodyPr/>
+          <a:bodyPr>
+            <a:normAutofit fontScale="92500" lnSpcReduction="10000"/>
+          </a:bodyPr>
           <a:lstStyle/>
           <a:p>
-            <a:endParaRPr lang="it-IT"/>
+            <a:pPr algn="just"/>
+            <a:r>
+              <a:rPr lang="it-IT" dirty="0">
+                <a:solidFill>
+                  <a:schemeClr val="tx1">
+                    <a:lumMod val="95000"/>
+                  </a:schemeClr>
+                </a:solidFill>
+              </a:rPr>
+              <a:t>Un programma in java consiste nella definizione di un insieme di file .java ognuno nominato con il nome della classe contenuta al suo interno ed un file chiamato Main.java contenente un metodo </a:t>
+            </a:r>
+            <a:r>
+              <a:rPr lang="it-IT" dirty="0" err="1">
+                <a:solidFill>
+                  <a:schemeClr val="tx1">
+                    <a:lumMod val="95000"/>
+                  </a:schemeClr>
+                </a:solidFill>
+              </a:rPr>
+              <a:t>main</a:t>
+            </a:r>
+            <a:r>
+              <a:rPr lang="it-IT" dirty="0">
+                <a:solidFill>
+                  <a:schemeClr val="tx1">
+                    <a:lumMod val="95000"/>
+                  </a:schemeClr>
+                </a:solidFill>
+              </a:rPr>
+              <a:t> nel quale viene descritto lo svolgimento del programma.</a:t>
+            </a:r>
           </a:p>
         </p:txBody>
       </p:sp>
+      <p:pic>
+        <p:nvPicPr>
+          <p:cNvPr id="5" name="Immagine 4">
+            <a:extLst>
+              <a:ext uri="{FF2B5EF4-FFF2-40B4-BE49-F238E27FC236}">
+                <a16:creationId xmlns:a16="http://schemas.microsoft.com/office/drawing/2014/main" id="{C5D4ECC5-31C5-43A3-85F2-B139C87407EE}"/>
+              </a:ext>
+            </a:extLst>
+          </p:cNvPr>
+          <p:cNvPicPr>
+            <a:picLocks noChangeAspect="1"/>
+          </p:cNvPicPr>
+          <p:nvPr/>
+        </p:nvPicPr>
+        <p:blipFill>
+          <a:blip r:embed="rId2"/>
+          <a:stretch>
+            <a:fillRect/>
+          </a:stretch>
+        </p:blipFill>
+        <p:spPr>
+          <a:xfrm>
+            <a:off x="5791200" y="1367405"/>
+            <a:ext cx="5731078" cy="5077423"/>
+          </a:xfrm>
+          <a:prstGeom prst="rect">
+            <a:avLst/>
+          </a:prstGeom>
+        </p:spPr>
+      </p:pic>
     </p:spTree>
     <p:extLst>
       <p:ext uri="{BB962C8B-B14F-4D97-AF65-F5344CB8AC3E}">
-        <p14:creationId xmlns:p14="http://schemas.microsoft.com/office/powerpoint/2010/main" val="3658727395"/>
+        <p14:creationId xmlns:p14="http://schemas.microsoft.com/office/powerpoint/2010/main" val="753287515"/>
       </p:ext>
     </p:extLst>
   </p:cSld>
@@ -33334,75 +35369,40 @@
           <a:chExt cx="0" cy="0"/>
         </a:xfrm>
       </p:grpSpPr>
-      <p:sp>
-        <p:nvSpPr>
-          <p:cNvPr id="2" name="Titolo 1">
+      <p:pic>
+        <p:nvPicPr>
+          <p:cNvPr id="2" name="Immagine 1">
             <a:extLst>
               <a:ext uri="{FF2B5EF4-FFF2-40B4-BE49-F238E27FC236}">
-                <a16:creationId xmlns:a16="http://schemas.microsoft.com/office/drawing/2014/main" id="{A6CF85A1-E457-4832-BCB1-61021474450D}"/>
+                <a16:creationId xmlns:a16="http://schemas.microsoft.com/office/drawing/2014/main" id="{EA583795-76FF-4534-AE28-B29C0ABBD864}"/>
               </a:ext>
             </a:extLst>
           </p:cNvPr>
-          <p:cNvSpPr>
-            <a:spLocks noGrp="1"/>
-          </p:cNvSpPr>
-          <p:nvPr>
-            <p:ph type="ctrTitle"/>
-          </p:nvPr>
-        </p:nvSpPr>
+          <p:cNvPicPr>
+            <a:picLocks noChangeAspect="1"/>
+          </p:cNvPicPr>
+          <p:nvPr/>
+        </p:nvPicPr>
+        <p:blipFill>
+          <a:blip r:embed="rId2"/>
+          <a:stretch>
+            <a:fillRect/>
+          </a:stretch>
+        </p:blipFill>
         <p:spPr>
           <a:xfrm>
-            <a:off x="1876423" y="711302"/>
-            <a:ext cx="10103055" cy="656103"/>
+            <a:off x="2062061" y="380602"/>
+            <a:ext cx="8067878" cy="6096795"/>
           </a:xfrm>
+          <a:prstGeom prst="rect">
+            <a:avLst/>
+          </a:prstGeom>
         </p:spPr>
-        <p:txBody>
-          <a:bodyPr>
-            <a:noAutofit/>
-          </a:bodyPr>
-          <a:lstStyle/>
-          <a:p>
-            <a:r>
-              <a:rPr lang="it-IT" sz="4300" dirty="0"/>
-              <a:t>La classe</a:t>
-            </a:r>
-          </a:p>
-        </p:txBody>
-      </p:sp>
-      <p:sp>
-        <p:nvSpPr>
-          <p:cNvPr id="3" name="Sottotitolo 2">
-            <a:extLst>
-              <a:ext uri="{FF2B5EF4-FFF2-40B4-BE49-F238E27FC236}">
-                <a16:creationId xmlns:a16="http://schemas.microsoft.com/office/drawing/2014/main" id="{66409AAA-04C6-4E69-9F24-FBCFD422D4E8}"/>
-              </a:ext>
-            </a:extLst>
-          </p:cNvPr>
-          <p:cNvSpPr>
-            <a:spLocks noGrp="1"/>
-          </p:cNvSpPr>
-          <p:nvPr>
-            <p:ph type="subTitle" idx="1"/>
-          </p:nvPr>
-        </p:nvSpPr>
-        <p:spPr>
-          <a:xfrm>
-            <a:off x="1876425" y="1555124"/>
-            <a:ext cx="9515826" cy="4115834"/>
-          </a:xfrm>
-        </p:spPr>
-        <p:txBody>
-          <a:bodyPr/>
-          <a:lstStyle/>
-          <a:p>
-            <a:endParaRPr lang="it-IT"/>
-          </a:p>
-        </p:txBody>
-      </p:sp>
+      </p:pic>
     </p:spTree>
     <p:extLst>
       <p:ext uri="{BB962C8B-B14F-4D97-AF65-F5344CB8AC3E}">
-        <p14:creationId xmlns:p14="http://schemas.microsoft.com/office/powerpoint/2010/main" val="3928124443"/>
+        <p14:creationId xmlns:p14="http://schemas.microsoft.com/office/powerpoint/2010/main" val="3509556786"/>
       </p:ext>
     </p:extLst>
   </p:cSld>
@@ -33459,7 +35459,7 @@
           <a:p>
             <a:r>
               <a:rPr lang="it-IT" sz="4300" dirty="0"/>
-              <a:t>Il metodo</a:t>
+              <a:t>L’oggetto</a:t>
             </a:r>
           </a:p>
         </p:txBody>
@@ -33490,14 +35490,56 @@
           <a:bodyPr/>
           <a:lstStyle/>
           <a:p>
-            <a:endParaRPr lang="it-IT"/>
+            <a:r>
+              <a:rPr lang="it-IT" dirty="0">
+                <a:solidFill>
+                  <a:schemeClr val="tx1">
+                    <a:lumMod val="95000"/>
+                  </a:schemeClr>
+                </a:solidFill>
+              </a:rPr>
+              <a:t>L’oggetto in java come abbiamo detto in precedenza è un istanza di una classe.</a:t>
+            </a:r>
+          </a:p>
+          <a:p>
+            <a:r>
+              <a:rPr lang="it-IT" dirty="0">
+                <a:solidFill>
+                  <a:schemeClr val="tx1">
+                    <a:lumMod val="95000"/>
+                  </a:schemeClr>
+                </a:solidFill>
+              </a:rPr>
+              <a:t>Per poter costruire istanze di una classe è necessario avvalersi di un metodo chiamato costruttore.</a:t>
+            </a:r>
+          </a:p>
+          <a:p>
+            <a:r>
+              <a:rPr lang="it-IT" dirty="0">
+                <a:solidFill>
+                  <a:schemeClr val="tx1">
+                    <a:lumMod val="95000"/>
+                  </a:schemeClr>
+                </a:solidFill>
+              </a:rPr>
+              <a:t>Il metodo costruttore creerà l’entità corrispondente alla classe e la istanzierà in memoria, pronta per essere utilizzata.</a:t>
+            </a:r>
+          </a:p>
+          <a:p>
+            <a:endParaRPr lang="it-IT" dirty="0">
+              <a:solidFill>
+                <a:schemeClr val="tx1">
+                  <a:lumMod val="95000"/>
+                </a:schemeClr>
+              </a:solidFill>
+            </a:endParaRPr>
           </a:p>
         </p:txBody>
       </p:sp>
     </p:spTree>
     <p:extLst>
       <p:ext uri="{BB962C8B-B14F-4D97-AF65-F5344CB8AC3E}">
-        <p14:creationId xmlns:p14="http://schemas.microsoft.com/office/powerpoint/2010/main" val="2082263039"/>
+        <p14:creationId xmlns:p14="http://schemas.microsoft.com/office/powerpoint/2010/main" val="3658727395"/>
       </p:ext>
     </p:extLst>
   </p:cSld>
@@ -33524,75 +35566,142 @@
           <a:chExt cx="0" cy="0"/>
         </a:xfrm>
       </p:grpSpPr>
+      <p:pic>
+        <p:nvPicPr>
+          <p:cNvPr id="3" name="Immagine 2">
+            <a:extLst>
+              <a:ext uri="{FF2B5EF4-FFF2-40B4-BE49-F238E27FC236}">
+                <a16:creationId xmlns:a16="http://schemas.microsoft.com/office/drawing/2014/main" id="{C342FD5D-4907-42BE-83FB-6BE282A940D7}"/>
+              </a:ext>
+            </a:extLst>
+          </p:cNvPr>
+          <p:cNvPicPr>
+            <a:picLocks noChangeAspect="1"/>
+          </p:cNvPicPr>
+          <p:nvPr/>
+        </p:nvPicPr>
+        <p:blipFill>
+          <a:blip r:embed="rId2"/>
+          <a:stretch>
+            <a:fillRect/>
+          </a:stretch>
+        </p:blipFill>
+        <p:spPr>
+          <a:xfrm>
+            <a:off x="2214021" y="1401630"/>
+            <a:ext cx="7763958" cy="1895740"/>
+          </a:xfrm>
+          <a:prstGeom prst="rect">
+            <a:avLst/>
+          </a:prstGeom>
+        </p:spPr>
+      </p:pic>
       <p:sp>
         <p:nvSpPr>
-          <p:cNvPr id="2" name="Titolo 1">
+          <p:cNvPr id="4" name="CasellaDiTesto 3">
             <a:extLst>
               <a:ext uri="{FF2B5EF4-FFF2-40B4-BE49-F238E27FC236}">
-                <a16:creationId xmlns:a16="http://schemas.microsoft.com/office/drawing/2014/main" id="{A6CF85A1-E457-4832-BCB1-61021474450D}"/>
+                <a16:creationId xmlns:a16="http://schemas.microsoft.com/office/drawing/2014/main" id="{C2FE311F-018B-4BEF-BDC5-89809F5EAE84}"/>
               </a:ext>
             </a:extLst>
           </p:cNvPr>
-          <p:cNvSpPr>
-            <a:spLocks noGrp="1"/>
-          </p:cNvSpPr>
-          <p:nvPr>
-            <p:ph type="ctrTitle"/>
-          </p:nvPr>
+          <p:cNvSpPr txBox="1"/>
+          <p:nvPr/>
         </p:nvSpPr>
         <p:spPr>
           <a:xfrm>
-            <a:off x="1876423" y="711302"/>
-            <a:ext cx="10103055" cy="656103"/>
+            <a:off x="4808534" y="755930"/>
+            <a:ext cx="2527300" cy="461665"/>
           </a:xfrm>
+          <a:prstGeom prst="rect">
+            <a:avLst/>
+          </a:prstGeom>
+          <a:noFill/>
         </p:spPr>
         <p:txBody>
-          <a:bodyPr>
-            <a:noAutofit/>
+          <a:bodyPr wrap="square" rtlCol="0">
+            <a:spAutoFit/>
           </a:bodyPr>
           <a:lstStyle/>
           <a:p>
-            <a:r>
-              <a:rPr lang="it-IT" sz="4300" dirty="0"/>
-              <a:t>Il metodo costruttore</a:t>
+            <a:pPr algn="ctr"/>
+            <a:r>
+              <a:rPr lang="it-IT" sz="2400" dirty="0"/>
+              <a:t>Costruttore (r5-7)</a:t>
             </a:r>
           </a:p>
         </p:txBody>
       </p:sp>
       <p:sp>
         <p:nvSpPr>
-          <p:cNvPr id="3" name="Sottotitolo 2">
+          <p:cNvPr id="5" name="CasellaDiTesto 4">
             <a:extLst>
               <a:ext uri="{FF2B5EF4-FFF2-40B4-BE49-F238E27FC236}">
-                <a16:creationId xmlns:a16="http://schemas.microsoft.com/office/drawing/2014/main" id="{66409AAA-04C6-4E69-9F24-FBCFD422D4E8}"/>
+                <a16:creationId xmlns:a16="http://schemas.microsoft.com/office/drawing/2014/main" id="{1A1242E5-2E90-46E8-99AC-E881ED15F828}"/>
               </a:ext>
             </a:extLst>
           </p:cNvPr>
-          <p:cNvSpPr>
-            <a:spLocks noGrp="1"/>
-          </p:cNvSpPr>
-          <p:nvPr>
-            <p:ph type="subTitle" idx="1"/>
-          </p:nvPr>
+          <p:cNvSpPr txBox="1"/>
+          <p:nvPr/>
         </p:nvSpPr>
         <p:spPr>
           <a:xfrm>
-            <a:off x="1876425" y="1555124"/>
-            <a:ext cx="9515826" cy="4115834"/>
+            <a:off x="4425950" y="3441700"/>
+            <a:ext cx="3340100" cy="461665"/>
           </a:xfrm>
+          <a:prstGeom prst="rect">
+            <a:avLst/>
+          </a:prstGeom>
+          <a:noFill/>
         </p:spPr>
         <p:txBody>
-          <a:bodyPr/>
+          <a:bodyPr wrap="square" rtlCol="0">
+            <a:spAutoFit/>
+          </a:bodyPr>
           <a:lstStyle/>
           <a:p>
-            <a:endParaRPr lang="it-IT"/>
+            <a:pPr algn="ctr"/>
+            <a:r>
+              <a:rPr lang="it-IT" sz="2400" dirty="0"/>
+              <a:t>Creazione istanza (r8)</a:t>
+            </a:r>
           </a:p>
         </p:txBody>
       </p:sp>
+      <p:pic>
+        <p:nvPicPr>
+          <p:cNvPr id="7" name="Immagine 6">
+            <a:extLst>
+              <a:ext uri="{FF2B5EF4-FFF2-40B4-BE49-F238E27FC236}">
+                <a16:creationId xmlns:a16="http://schemas.microsoft.com/office/drawing/2014/main" id="{F59BA8B6-72AC-4474-AE19-F647B020EED6}"/>
+              </a:ext>
+            </a:extLst>
+          </p:cNvPr>
+          <p:cNvPicPr>
+            <a:picLocks noChangeAspect="1"/>
+          </p:cNvPicPr>
+          <p:nvPr/>
+        </p:nvPicPr>
+        <p:blipFill>
+          <a:blip r:embed="rId3"/>
+          <a:stretch>
+            <a:fillRect/>
+          </a:stretch>
+        </p:blipFill>
+        <p:spPr>
+          <a:xfrm>
+            <a:off x="2166389" y="4022295"/>
+            <a:ext cx="7811590" cy="2076740"/>
+          </a:xfrm>
+          <a:prstGeom prst="rect">
+            <a:avLst/>
+          </a:prstGeom>
+        </p:spPr>
+      </p:pic>
     </p:spTree>
     <p:extLst>
       <p:ext uri="{BB962C8B-B14F-4D97-AF65-F5344CB8AC3E}">
-        <p14:creationId xmlns:p14="http://schemas.microsoft.com/office/powerpoint/2010/main" val="4016853456"/>
+        <p14:creationId xmlns:p14="http://schemas.microsoft.com/office/powerpoint/2010/main" val="433312686"/>
       </p:ext>
     </p:extLst>
   </p:cSld>
@@ -33649,7 +35758,7 @@
           <a:p>
             <a:r>
               <a:rPr lang="it-IT" sz="4300" dirty="0"/>
-              <a:t>Utilizzo delle classi di libreria</a:t>
+              <a:t>La classe</a:t>
             </a:r>
           </a:p>
         </p:txBody>
@@ -33673,21 +35782,86 @@
         <p:spPr>
           <a:xfrm>
             <a:off x="1876425" y="1555124"/>
-            <a:ext cx="9515826" cy="4115834"/>
+            <a:ext cx="9515826" cy="1353176"/>
           </a:xfrm>
         </p:spPr>
         <p:txBody>
-          <a:bodyPr/>
+          <a:bodyPr>
+            <a:normAutofit fontScale="77500" lnSpcReduction="20000"/>
+          </a:bodyPr>
           <a:lstStyle/>
           <a:p>
-            <a:endParaRPr lang="it-IT"/>
+            <a:r>
+              <a:rPr lang="it-IT" dirty="0">
+                <a:solidFill>
+                  <a:schemeClr val="tx1">
+                    <a:lumMod val="95000"/>
+                  </a:schemeClr>
+                </a:solidFill>
+              </a:rPr>
+              <a:t>La classe come detto in precedenza è uno strumento che ci permette di definire le componenti che dovranno essere contenute in ogni sua istanza.</a:t>
+            </a:r>
+          </a:p>
+          <a:p>
+            <a:r>
+              <a:rPr lang="it-IT" dirty="0">
+                <a:solidFill>
+                  <a:schemeClr val="tx1">
+                    <a:lumMod val="95000"/>
+                  </a:schemeClr>
+                </a:solidFill>
+              </a:rPr>
+              <a:t>Di seguito un esempio in codice:</a:t>
+            </a:r>
+          </a:p>
+          <a:p>
+            <a:r>
+              <a:rPr lang="it-IT" dirty="0">
+                <a:solidFill>
+                  <a:schemeClr val="tx1">
+                    <a:lumMod val="95000"/>
+                  </a:schemeClr>
+                </a:solidFill>
+              </a:rPr>
+              <a:t> </a:t>
+            </a:r>
           </a:p>
         </p:txBody>
       </p:sp>
+      <p:pic>
+        <p:nvPicPr>
+          <p:cNvPr id="5" name="Immagine 4">
+            <a:extLst>
+              <a:ext uri="{FF2B5EF4-FFF2-40B4-BE49-F238E27FC236}">
+                <a16:creationId xmlns:a16="http://schemas.microsoft.com/office/drawing/2014/main" id="{7F68465E-A86E-4386-AA20-6E5A671184A6}"/>
+              </a:ext>
+            </a:extLst>
+          </p:cNvPr>
+          <p:cNvPicPr>
+            <a:picLocks noChangeAspect="1"/>
+          </p:cNvPicPr>
+          <p:nvPr/>
+        </p:nvPicPr>
+        <p:blipFill>
+          <a:blip r:embed="rId2"/>
+          <a:stretch>
+            <a:fillRect/>
+          </a:stretch>
+        </p:blipFill>
+        <p:spPr>
+          <a:xfrm>
+            <a:off x="3021705" y="2628901"/>
+            <a:ext cx="6148590" cy="3658844"/>
+          </a:xfrm>
+          <a:prstGeom prst="rect">
+            <a:avLst/>
+          </a:prstGeom>
+        </p:spPr>
+      </p:pic>
     </p:spTree>
     <p:extLst>
       <p:ext uri="{BB962C8B-B14F-4D97-AF65-F5344CB8AC3E}">
-        <p14:creationId xmlns:p14="http://schemas.microsoft.com/office/powerpoint/2010/main" val="737883181"/>
+        <p14:creationId xmlns:p14="http://schemas.microsoft.com/office/powerpoint/2010/main" val="3928124443"/>
       </p:ext>
     </p:extLst>
   </p:cSld>
@@ -33744,7 +35918,7 @@
           <a:p>
             <a:r>
               <a:rPr lang="it-IT" sz="4300" dirty="0"/>
-              <a:t>Import e concetto di package</a:t>
+              <a:t>Il metodo</a:t>
             </a:r>
           </a:p>
         </p:txBody>
@@ -33768,21 +35942,81 @@
         <p:spPr>
           <a:xfrm>
             <a:off x="1876425" y="1555124"/>
-            <a:ext cx="9515826" cy="4115834"/>
+            <a:ext cx="9515826" cy="1759576"/>
           </a:xfrm>
         </p:spPr>
         <p:txBody>
           <a:bodyPr/>
           <a:lstStyle/>
           <a:p>
-            <a:endParaRPr lang="it-IT"/>
+            <a:r>
+              <a:rPr lang="it-IT" dirty="0">
+                <a:solidFill>
+                  <a:schemeClr val="tx1">
+                    <a:lumMod val="95000"/>
+                  </a:schemeClr>
+                </a:solidFill>
+              </a:rPr>
+              <a:t>Il metodo appartenente ad una classe è utilizzato per esprimere una funzionalità dell’oggetto.</a:t>
+            </a:r>
+          </a:p>
+          <a:p>
+            <a:r>
+              <a:rPr lang="it-IT" dirty="0">
+                <a:solidFill>
+                  <a:schemeClr val="tx1">
+                    <a:lumMod val="95000"/>
+                  </a:schemeClr>
+                </a:solidFill>
+              </a:rPr>
+              <a:t>Esempio: Il cane cammina avanti, indietro, destra, sinistra</a:t>
+            </a:r>
+          </a:p>
+          <a:p>
+            <a:endParaRPr lang="it-IT" dirty="0">
+              <a:solidFill>
+                <a:schemeClr val="tx1">
+                  <a:lumMod val="95000"/>
+                </a:schemeClr>
+              </a:solidFill>
+            </a:endParaRPr>
           </a:p>
         </p:txBody>
       </p:sp>
+      <p:pic>
+        <p:nvPicPr>
+          <p:cNvPr id="5" name="Immagine 4">
+            <a:extLst>
+              <a:ext uri="{FF2B5EF4-FFF2-40B4-BE49-F238E27FC236}">
+                <a16:creationId xmlns:a16="http://schemas.microsoft.com/office/drawing/2014/main" id="{29E1DDBA-9DAC-4C48-9B9E-0A47C3AD8112}"/>
+              </a:ext>
+            </a:extLst>
+          </p:cNvPr>
+          <p:cNvPicPr>
+            <a:picLocks noChangeAspect="1"/>
+          </p:cNvPicPr>
+          <p:nvPr/>
+        </p:nvPicPr>
+        <p:blipFill>
+          <a:blip r:embed="rId2"/>
+          <a:stretch>
+            <a:fillRect/>
+          </a:stretch>
+        </p:blipFill>
+        <p:spPr>
+          <a:xfrm>
+            <a:off x="907292" y="3429000"/>
+            <a:ext cx="10860016" cy="2343477"/>
+          </a:xfrm>
+          <a:prstGeom prst="rect">
+            <a:avLst/>
+          </a:prstGeom>
+        </p:spPr>
+      </p:pic>
     </p:spTree>
     <p:extLst>
       <p:ext uri="{BB962C8B-B14F-4D97-AF65-F5344CB8AC3E}">
-        <p14:creationId xmlns:p14="http://schemas.microsoft.com/office/powerpoint/2010/main" val="2033361500"/>
+        <p14:creationId xmlns:p14="http://schemas.microsoft.com/office/powerpoint/2010/main" val="2082263039"/>
       </p:ext>
     </p:extLst>
   </p:cSld>
@@ -33814,7 +36048,7 @@
           <p:cNvPr id="2" name="Titolo 1">
             <a:extLst>
               <a:ext uri="{FF2B5EF4-FFF2-40B4-BE49-F238E27FC236}">
-                <a16:creationId xmlns:a16="http://schemas.microsoft.com/office/drawing/2014/main" id="{C6753786-AD29-4A88-AC1C-11AC3057D22C}"/>
+                <a16:creationId xmlns:a16="http://schemas.microsoft.com/office/drawing/2014/main" id="{A6CF85A1-E457-4832-BCB1-61021474450D}"/>
               </a:ext>
             </a:extLst>
           </p:cNvPr>
@@ -33825,15 +36059,21 @@
             <p:ph type="ctrTitle"/>
           </p:nvPr>
         </p:nvSpPr>
-        <p:spPr/>
+        <p:spPr>
+          <a:xfrm>
+            <a:off x="1876423" y="711302"/>
+            <a:ext cx="10103055" cy="656103"/>
+          </a:xfrm>
+        </p:spPr>
         <p:txBody>
-          <a:bodyPr/>
+          <a:bodyPr>
+            <a:noAutofit/>
+          </a:bodyPr>
           <a:lstStyle/>
           <a:p>
-            <a:pPr algn="r"/>
-            <a:r>
-              <a:rPr lang="it-IT" dirty="0"/>
-              <a:t>Unit 3</a:t>
+            <a:r>
+              <a:rPr lang="it-IT" sz="4300" dirty="0"/>
+              <a:t>Il metodo costruttore</a:t>
             </a:r>
           </a:p>
         </p:txBody>
@@ -33843,7 +36083,7 @@
           <p:cNvPr id="3" name="Sottotitolo 2">
             <a:extLst>
               <a:ext uri="{FF2B5EF4-FFF2-40B4-BE49-F238E27FC236}">
-                <a16:creationId xmlns:a16="http://schemas.microsoft.com/office/drawing/2014/main" id="{E3812A85-7B93-4D44-9999-B5293FB9C3EA}"/>
+                <a16:creationId xmlns:a16="http://schemas.microsoft.com/office/drawing/2014/main" id="{66409AAA-04C6-4E69-9F24-FBCFD422D4E8}"/>
               </a:ext>
             </a:extLst>
           </p:cNvPr>
@@ -33854,41 +36094,49 @@
             <p:ph type="subTitle" idx="1"/>
           </p:nvPr>
         </p:nvSpPr>
-        <p:spPr/>
+        <p:spPr>
+          <a:xfrm>
+            <a:off x="1876425" y="1555124"/>
+            <a:ext cx="9515826" cy="4115834"/>
+          </a:xfrm>
+        </p:spPr>
         <p:txBody>
           <a:bodyPr/>
           <a:lstStyle/>
           <a:p>
-            <a:pPr algn="r"/>
-            <a:r>
-              <a:rPr lang="it-IT" dirty="0">
-                <a:solidFill>
-                  <a:schemeClr val="tx1">
-                    <a:lumMod val="95000"/>
-                  </a:schemeClr>
-                </a:solidFill>
-              </a:rPr>
-              <a:t>Linguaggi di programmazione, la </a:t>
-            </a:r>
-            <a:r>
-              <a:rPr lang="it-IT" dirty="0" err="1">
-                <a:solidFill>
-                  <a:schemeClr val="tx1">
-                    <a:lumMod val="95000"/>
-                  </a:schemeClr>
-                </a:solidFill>
-              </a:rPr>
-              <a:t>oop</a:t>
-            </a:r>
-            <a:r>
-              <a:rPr lang="it-IT" dirty="0">
-                <a:solidFill>
-                  <a:schemeClr val="tx1">
-                    <a:lumMod val="95000"/>
-                  </a:schemeClr>
-                </a:solidFill>
-              </a:rPr>
-              <a:t> e java parte 2</a:t>
+            <a:r>
+              <a:rPr lang="it-IT" dirty="0">
+                <a:solidFill>
+                  <a:schemeClr val="tx1">
+                    <a:lumMod val="95000"/>
+                  </a:schemeClr>
+                </a:solidFill>
+              </a:rPr>
+              <a:t>Il costruttore è un particolare metodo che si occupa di creare una copia della classe a cui appartiene.</a:t>
+            </a:r>
+          </a:p>
+          <a:p>
+            <a:r>
+              <a:rPr lang="it-IT" dirty="0">
+                <a:solidFill>
+                  <a:schemeClr val="tx1">
+                    <a:lumMod val="95000"/>
+                  </a:schemeClr>
+                </a:solidFill>
+              </a:rPr>
+              <a:t>Di norma il costruttore di una classe viene definito assegnandogli il nome della classe che a sua volta viene assegnato di norma uguale al nome del file.</a:t>
+            </a:r>
+          </a:p>
+          <a:p>
+            <a:r>
+              <a:rPr lang="it-IT" dirty="0">
+                <a:solidFill>
+                  <a:schemeClr val="tx1">
+                    <a:lumMod val="95000"/>
+                  </a:schemeClr>
+                </a:solidFill>
+              </a:rPr>
+              <a:t>Una classe può possedere diversi costruttori in base al tipo di inizializzazione che vogliamo utilizzare.</a:t>
             </a:r>
           </a:p>
         </p:txBody>
@@ -33896,7 +36144,7 @@
     </p:spTree>
     <p:extLst>
       <p:ext uri="{BB962C8B-B14F-4D97-AF65-F5344CB8AC3E}">
-        <p14:creationId xmlns:p14="http://schemas.microsoft.com/office/powerpoint/2010/main" val="1034672837"/>
+        <p14:creationId xmlns:p14="http://schemas.microsoft.com/office/powerpoint/2010/main" val="4016853456"/>
       </p:ext>
     </p:extLst>
   </p:cSld>
